--- a/180C Project Presentation - Group12.pptx
+++ b/180C Project Presentation - Group12.pptx
@@ -5,11 +5,20 @@
     <p:sldMasterId id="2147483714" r:id="rId1"/>
   </p:sldMasterIdLst>
   <p:notesMasterIdLst>
-    <p:notesMasterId r:id="rId4"/>
+    <p:notesMasterId r:id="rId13"/>
   </p:notesMasterIdLst>
   <p:sldIdLst>
     <p:sldId id="256" r:id="rId2"/>
     <p:sldId id="257" r:id="rId3"/>
+    <p:sldId id="260" r:id="rId4"/>
+    <p:sldId id="259" r:id="rId5"/>
+    <p:sldId id="261" r:id="rId6"/>
+    <p:sldId id="258" r:id="rId7"/>
+    <p:sldId id="262" r:id="rId8"/>
+    <p:sldId id="263" r:id="rId9"/>
+    <p:sldId id="264" r:id="rId10"/>
+    <p:sldId id="265" r:id="rId11"/>
+    <p:sldId id="266" r:id="rId12"/>
   </p:sldIdLst>
   <p:sldSz cx="12192000" cy="6858000"/>
   <p:notesSz cx="6858000" cy="9144000"/>
@@ -108,6 +117,11 @@
       </a:defRPr>
     </a:lvl9pPr>
   </p:defaultTextStyle>
+  <p:extLst>
+    <p:ext uri="{EFAFB233-063F-42B5-8137-9DF3F51BA10A}">
+      <p15:sldGuideLst xmlns:p15="http://schemas.microsoft.com/office/powerpoint/2012/main"/>
+    </p:ext>
+  </p:extLst>
 </p:presentation>
 </file>
 
@@ -193,7 +207,7 @@
           <a:p>
             <a:fld id="{33B3B743-6339-B64C-85E5-F0E48B78E78C}" type="datetimeFigureOut">
               <a:rPr lang="en-US" smtClean="0"/>
-              <a:t>4/17/20</a:t>
+              <a:t>4/21/20</a:t>
             </a:fld>
             <a:endParaRPr lang="en-US"/>
           </a:p>
@@ -691,7 +705,7 @@
           <a:p>
             <a:fld id="{D1A0090F-0C62-134E-AA28-3C8DF2BD0BD9}" type="datetimeFigureOut">
               <a:rPr lang="en-US" smtClean="0"/>
-              <a:t>4/17/20</a:t>
+              <a:t>4/21/20</a:t>
             </a:fld>
             <a:endParaRPr lang="en-US"/>
           </a:p>
@@ -889,7 +903,7 @@
           <a:p>
             <a:fld id="{D1A0090F-0C62-134E-AA28-3C8DF2BD0BD9}" type="datetimeFigureOut">
               <a:rPr lang="en-US" smtClean="0"/>
-              <a:t>4/17/20</a:t>
+              <a:t>4/21/20</a:t>
             </a:fld>
             <a:endParaRPr lang="en-US"/>
           </a:p>
@@ -1097,7 +1111,7 @@
           <a:p>
             <a:fld id="{D1A0090F-0C62-134E-AA28-3C8DF2BD0BD9}" type="datetimeFigureOut">
               <a:rPr lang="en-US" smtClean="0"/>
-              <a:t>4/17/20</a:t>
+              <a:t>4/21/20</a:t>
             </a:fld>
             <a:endParaRPr lang="en-US"/>
           </a:p>
@@ -1295,7 +1309,7 @@
           <a:p>
             <a:fld id="{D1A0090F-0C62-134E-AA28-3C8DF2BD0BD9}" type="datetimeFigureOut">
               <a:rPr lang="en-US" smtClean="0"/>
-              <a:t>4/17/20</a:t>
+              <a:t>4/21/20</a:t>
             </a:fld>
             <a:endParaRPr lang="en-US"/>
           </a:p>
@@ -1570,7 +1584,7 @@
           <a:p>
             <a:fld id="{D1A0090F-0C62-134E-AA28-3C8DF2BD0BD9}" type="datetimeFigureOut">
               <a:rPr lang="en-US" smtClean="0"/>
-              <a:t>4/17/20</a:t>
+              <a:t>4/21/20</a:t>
             </a:fld>
             <a:endParaRPr lang="en-US"/>
           </a:p>
@@ -1835,7 +1849,7 @@
           <a:p>
             <a:fld id="{D1A0090F-0C62-134E-AA28-3C8DF2BD0BD9}" type="datetimeFigureOut">
               <a:rPr lang="en-US" smtClean="0"/>
-              <a:t>4/17/20</a:t>
+              <a:t>4/21/20</a:t>
             </a:fld>
             <a:endParaRPr lang="en-US"/>
           </a:p>
@@ -2247,7 +2261,7 @@
           <a:p>
             <a:fld id="{D1A0090F-0C62-134E-AA28-3C8DF2BD0BD9}" type="datetimeFigureOut">
               <a:rPr lang="en-US" smtClean="0"/>
-              <a:t>4/17/20</a:t>
+              <a:t>4/21/20</a:t>
             </a:fld>
             <a:endParaRPr lang="en-US"/>
           </a:p>
@@ -2388,7 +2402,7 @@
           <a:p>
             <a:fld id="{D1A0090F-0C62-134E-AA28-3C8DF2BD0BD9}" type="datetimeFigureOut">
               <a:rPr lang="en-US" smtClean="0"/>
-              <a:t>4/17/20</a:t>
+              <a:t>4/21/20</a:t>
             </a:fld>
             <a:endParaRPr lang="en-US"/>
           </a:p>
@@ -2501,7 +2515,7 @@
           <a:p>
             <a:fld id="{D1A0090F-0C62-134E-AA28-3C8DF2BD0BD9}" type="datetimeFigureOut">
               <a:rPr lang="en-US" smtClean="0"/>
-              <a:t>4/17/20</a:t>
+              <a:t>4/21/20</a:t>
             </a:fld>
             <a:endParaRPr lang="en-US"/>
           </a:p>
@@ -2812,7 +2826,7 @@
           <a:p>
             <a:fld id="{D1A0090F-0C62-134E-AA28-3C8DF2BD0BD9}" type="datetimeFigureOut">
               <a:rPr lang="en-US" smtClean="0"/>
-              <a:t>4/17/20</a:t>
+              <a:t>4/21/20</a:t>
             </a:fld>
             <a:endParaRPr lang="en-US"/>
           </a:p>
@@ -3100,7 +3114,7 @@
           <a:p>
             <a:fld id="{D1A0090F-0C62-134E-AA28-3C8DF2BD0BD9}" type="datetimeFigureOut">
               <a:rPr lang="en-US" smtClean="0"/>
-              <a:t>4/17/20</a:t>
+              <a:t>4/21/20</a:t>
             </a:fld>
             <a:endParaRPr lang="en-US"/>
           </a:p>
@@ -3341,7 +3355,7 @@
           <a:p>
             <a:fld id="{D1A0090F-0C62-134E-AA28-3C8DF2BD0BD9}" type="datetimeFigureOut">
               <a:rPr lang="en-US" smtClean="0"/>
-              <a:t>4/17/20</a:t>
+              <a:t>4/21/20</a:t>
             </a:fld>
             <a:endParaRPr lang="en-US"/>
           </a:p>
@@ -4766,9 +4780,17 @@
 </p:sld>
 </file>
 
-<file path=ppt/slides/slide2.xml><?xml version="1.0" encoding="utf-8"?>
+<file path=ppt/slides/slide10.xml><?xml version="1.0" encoding="utf-8"?>
 <p:sld xmlns:a="http://schemas.openxmlformats.org/drawingml/2006/main" xmlns:r="http://schemas.openxmlformats.org/officeDocument/2006/relationships" xmlns:p="http://schemas.openxmlformats.org/presentationml/2006/main">
   <p:cSld>
+    <p:bg>
+      <p:bgPr>
+        <a:solidFill>
+          <a:schemeClr val="bg1"/>
+        </a:solidFill>
+        <a:effectLst/>
+      </p:bgPr>
+    </p:bg>
     <p:spTree>
       <p:nvGrpSpPr>
         <p:cNvPr id="1" name=""/>
@@ -4783,11 +4805,1844 @@
           <a:chExt cx="0" cy="0"/>
         </a:xfrm>
       </p:grpSpPr>
+      <p:sp useBgFill="1">
+        <p:nvSpPr>
+          <p:cNvPr id="8" name="Rectangle 7">
+            <a:extLst>
+              <a:ext uri="{FF2B5EF4-FFF2-40B4-BE49-F238E27FC236}">
+                <a16:creationId xmlns:a16="http://schemas.microsoft.com/office/drawing/2014/main" id="{907EF6B7-1338-4443-8C46-6A318D952DFD}"/>
+              </a:ext>
+              <a:ext uri="{C183D7F6-B498-43B3-948B-1728B52AA6E4}">
+                <adec:decorative xmlns:adec="http://schemas.microsoft.com/office/drawing/2017/decorative" val="1"/>
+              </a:ext>
+            </a:extLst>
+          </p:cNvPr>
+          <p:cNvSpPr>
+            <a:spLocks noGrp="1" noRot="1" noChangeAspect="1" noMove="1" noResize="1" noEditPoints="1" noAdjustHandles="1" noChangeArrowheads="1" noChangeShapeType="1" noTextEdit="1"/>
+          </p:cNvSpPr>
+          <p:nvPr>
+            <p:extLst>
+              <p:ext uri="{386F3935-93C4-4BCD-93E2-E3B085C9AB24}">
+                <p16:designElem xmlns:p16="http://schemas.microsoft.com/office/powerpoint/2015/main" val="1"/>
+              </p:ext>
+            </p:extLst>
+          </p:nvPr>
+        </p:nvSpPr>
+        <p:spPr>
+          <a:xfrm>
+            <a:off x="3048" y="0"/>
+            <a:ext cx="12188952" cy="6858000"/>
+          </a:xfrm>
+          <a:prstGeom prst="rect">
+            <a:avLst/>
+          </a:prstGeom>
+          <a:ln>
+            <a:noFill/>
+          </a:ln>
+        </p:spPr>
+        <p:style>
+          <a:lnRef idx="2">
+            <a:schemeClr val="accent1">
+              <a:shade val="50000"/>
+            </a:schemeClr>
+          </a:lnRef>
+          <a:fillRef idx="1">
+            <a:schemeClr val="accent1"/>
+          </a:fillRef>
+          <a:effectRef idx="0">
+            <a:schemeClr val="accent1"/>
+          </a:effectRef>
+          <a:fontRef idx="minor">
+            <a:schemeClr val="lt1"/>
+          </a:fontRef>
+        </p:style>
+        <p:txBody>
+          <a:bodyPr rtlCol="0" anchor="ctr"/>
+          <a:lstStyle/>
+          <a:p>
+            <a:pPr algn="ctr"/>
+            <a:endParaRPr lang="en-US"/>
+          </a:p>
+        </p:txBody>
+      </p:sp>
+      <p:sp>
+        <p:nvSpPr>
+          <p:cNvPr id="10" name="Freeform: Shape 9">
+            <a:extLst>
+              <a:ext uri="{FF2B5EF4-FFF2-40B4-BE49-F238E27FC236}">
+                <a16:creationId xmlns:a16="http://schemas.microsoft.com/office/drawing/2014/main" id="{DAAE4CDD-124C-4DCF-9584-B6033B545DD5}"/>
+              </a:ext>
+              <a:ext uri="{C183D7F6-B498-43B3-948B-1728B52AA6E4}">
+                <adec:decorative xmlns:adec="http://schemas.microsoft.com/office/drawing/2017/decorative" val="1"/>
+              </a:ext>
+            </a:extLst>
+          </p:cNvPr>
+          <p:cNvSpPr>
+            <a:spLocks noGrp="1" noRot="1" noChangeAspect="1" noMove="1" noResize="1" noEditPoints="1" noAdjustHandles="1" noChangeArrowheads="1" noChangeShapeType="1" noTextEdit="1"/>
+          </p:cNvSpPr>
+          <p:nvPr>
+            <p:extLst>
+              <p:ext uri="{386F3935-93C4-4BCD-93E2-E3B085C9AB24}">
+                <p16:designElem xmlns:p16="http://schemas.microsoft.com/office/powerpoint/2015/main" val="1"/>
+              </p:ext>
+            </p:extLst>
+          </p:nvPr>
+        </p:nvSpPr>
+        <p:spPr>
+          <a:xfrm>
+            <a:off x="1" y="0"/>
+            <a:ext cx="4167271" cy="6858000"/>
+          </a:xfrm>
+          <a:custGeom>
+            <a:avLst/>
+            <a:gdLst>
+              <a:gd name="connsiteX0" fmla="*/ 0 w 4167271"/>
+              <a:gd name="connsiteY0" fmla="*/ 0 h 6858000"/>
+              <a:gd name="connsiteX1" fmla="*/ 2259550 w 4167271"/>
+              <a:gd name="connsiteY1" fmla="*/ 0 h 6858000"/>
+              <a:gd name="connsiteX2" fmla="*/ 2387803 w 4167271"/>
+              <a:gd name="connsiteY2" fmla="*/ 82222 h 6858000"/>
+              <a:gd name="connsiteX3" fmla="*/ 4167271 w 4167271"/>
+              <a:gd name="connsiteY3" fmla="*/ 3429000 h 6858000"/>
+              <a:gd name="connsiteX4" fmla="*/ 2387803 w 4167271"/>
+              <a:gd name="connsiteY4" fmla="*/ 6775779 h 6858000"/>
+              <a:gd name="connsiteX5" fmla="*/ 2259550 w 4167271"/>
+              <a:gd name="connsiteY5" fmla="*/ 6858000 h 6858000"/>
+              <a:gd name="connsiteX6" fmla="*/ 0 w 4167271"/>
+              <a:gd name="connsiteY6" fmla="*/ 6858000 h 6858000"/>
+            </a:gdLst>
+            <a:ahLst/>
+            <a:cxnLst>
+              <a:cxn ang="0">
+                <a:pos x="connsiteX0" y="connsiteY0"/>
+              </a:cxn>
+              <a:cxn ang="0">
+                <a:pos x="connsiteX1" y="connsiteY1"/>
+              </a:cxn>
+              <a:cxn ang="0">
+                <a:pos x="connsiteX2" y="connsiteY2"/>
+              </a:cxn>
+              <a:cxn ang="0">
+                <a:pos x="connsiteX3" y="connsiteY3"/>
+              </a:cxn>
+              <a:cxn ang="0">
+                <a:pos x="connsiteX4" y="connsiteY4"/>
+              </a:cxn>
+              <a:cxn ang="0">
+                <a:pos x="connsiteX5" y="connsiteY5"/>
+              </a:cxn>
+              <a:cxn ang="0">
+                <a:pos x="connsiteX6" y="connsiteY6"/>
+              </a:cxn>
+            </a:cxnLst>
+            <a:rect l="l" t="t" r="r" b="b"/>
+            <a:pathLst>
+              <a:path w="4167271" h="6858000">
+                <a:moveTo>
+                  <a:pt x="0" y="0"/>
+                </a:moveTo>
+                <a:lnTo>
+                  <a:pt x="2259550" y="0"/>
+                </a:lnTo>
+                <a:lnTo>
+                  <a:pt x="2387803" y="82222"/>
+                </a:lnTo>
+                <a:cubicBezTo>
+                  <a:pt x="3461407" y="807534"/>
+                  <a:pt x="4167271" y="2035835"/>
+                  <a:pt x="4167271" y="3429000"/>
+                </a:cubicBezTo>
+                <a:cubicBezTo>
+                  <a:pt x="4167271" y="4822165"/>
+                  <a:pt x="3461407" y="6050467"/>
+                  <a:pt x="2387803" y="6775779"/>
+                </a:cubicBezTo>
+                <a:lnTo>
+                  <a:pt x="2259550" y="6858000"/>
+                </a:lnTo>
+                <a:lnTo>
+                  <a:pt x="0" y="6858000"/>
+                </a:lnTo>
+                <a:close/>
+              </a:path>
+            </a:pathLst>
+          </a:custGeom>
+          <a:solidFill>
+            <a:schemeClr val="accent2"/>
+          </a:solidFill>
+          <a:ln>
+            <a:noFill/>
+          </a:ln>
+        </p:spPr>
+        <p:style>
+          <a:lnRef idx="2">
+            <a:schemeClr val="accent1">
+              <a:shade val="50000"/>
+            </a:schemeClr>
+          </a:lnRef>
+          <a:fillRef idx="1">
+            <a:schemeClr val="accent1"/>
+          </a:fillRef>
+          <a:effectRef idx="0">
+            <a:schemeClr val="accent1"/>
+          </a:effectRef>
+          <a:fontRef idx="minor">
+            <a:schemeClr val="lt1"/>
+          </a:fontRef>
+        </p:style>
+        <p:txBody>
+          <a:bodyPr rtlCol="0" anchor="ctr"/>
+          <a:lstStyle/>
+          <a:p>
+            <a:pPr algn="ctr"/>
+            <a:endParaRPr lang="en-US"/>
+          </a:p>
+        </p:txBody>
+      </p:sp>
       <p:sp>
         <p:nvSpPr>
           <p:cNvPr id="2" name="Title 1">
             <a:extLst>
               <a:ext uri="{FF2B5EF4-FFF2-40B4-BE49-F238E27FC236}">
+                <a16:creationId xmlns:a16="http://schemas.microsoft.com/office/drawing/2014/main" id="{C1D14FFC-0D7F-D84D-9F03-9E8851AE8B20}"/>
+              </a:ext>
+            </a:extLst>
+          </p:cNvPr>
+          <p:cNvSpPr>
+            <a:spLocks noGrp="1"/>
+          </p:cNvSpPr>
+          <p:nvPr>
+            <p:ph type="title"/>
+          </p:nvPr>
+        </p:nvSpPr>
+        <p:spPr>
+          <a:xfrm>
+            <a:off x="686834" y="1153572"/>
+            <a:ext cx="3200400" cy="4461163"/>
+          </a:xfrm>
+        </p:spPr>
+        <p:txBody>
+          <a:bodyPr>
+            <a:normAutofit/>
+          </a:bodyPr>
+          <a:lstStyle/>
+          <a:p>
+            <a:r>
+              <a:rPr lang="en-US">
+                <a:solidFill>
+                  <a:srgbClr val="FFFFFF"/>
+                </a:solidFill>
+              </a:rPr>
+              <a:t>Conclusion</a:t>
+            </a:r>
+          </a:p>
+        </p:txBody>
+      </p:sp>
+      <p:sp>
+        <p:nvSpPr>
+          <p:cNvPr id="12" name="Arc 11">
+            <a:extLst>
+              <a:ext uri="{FF2B5EF4-FFF2-40B4-BE49-F238E27FC236}">
+                <a16:creationId xmlns:a16="http://schemas.microsoft.com/office/drawing/2014/main" id="{081E4A58-353D-44AE-B2FC-2A74E2E400F7}"/>
+              </a:ext>
+              <a:ext uri="{C183D7F6-B498-43B3-948B-1728B52AA6E4}">
+                <adec:decorative xmlns:adec="http://schemas.microsoft.com/office/drawing/2017/decorative" val="1"/>
+              </a:ext>
+            </a:extLst>
+          </p:cNvPr>
+          <p:cNvSpPr>
+            <a:spLocks noGrp="1" noRot="1" noChangeAspect="1" noMove="1" noResize="1" noEditPoints="1" noAdjustHandles="1" noChangeArrowheads="1" noChangeShapeType="1" noTextEdit="1"/>
+          </p:cNvSpPr>
+          <p:nvPr>
+            <p:extLst>
+              <p:ext uri="{386F3935-93C4-4BCD-93E2-E3B085C9AB24}">
+                <p16:designElem xmlns:p16="http://schemas.microsoft.com/office/powerpoint/2015/main" val="1"/>
+              </p:ext>
+            </p:extLst>
+          </p:nvPr>
+        </p:nvSpPr>
+        <p:spPr>
+          <a:xfrm flipV="1">
+            <a:off x="7550402" y="2455479"/>
+            <a:ext cx="4083433" cy="4083433"/>
+          </a:xfrm>
+          <a:prstGeom prst="arc">
+            <a:avLst/>
+          </a:prstGeom>
+          <a:ln w="127000" cap="rnd">
+            <a:solidFill>
+              <a:schemeClr val="accent4"/>
+            </a:solidFill>
+            <a:prstDash val="dash"/>
+          </a:ln>
+        </p:spPr>
+        <p:style>
+          <a:lnRef idx="1">
+            <a:schemeClr val="accent1"/>
+          </a:lnRef>
+          <a:fillRef idx="0">
+            <a:schemeClr val="accent1"/>
+          </a:fillRef>
+          <a:effectRef idx="0">
+            <a:schemeClr val="accent1"/>
+          </a:effectRef>
+          <a:fontRef idx="minor">
+            <a:schemeClr val="tx1"/>
+          </a:fontRef>
+        </p:style>
+        <p:txBody>
+          <a:bodyPr rtlCol="0" anchor="ctr"/>
+          <a:lstStyle/>
+          <a:p>
+            <a:pPr algn="ctr"/>
+            <a:endParaRPr lang="en-US" dirty="0"/>
+          </a:p>
+        </p:txBody>
+      </p:sp>
+      <p:sp>
+        <p:nvSpPr>
+          <p:cNvPr id="3" name="Content Placeholder 2">
+            <a:extLst>
+              <a:ext uri="{FF2B5EF4-FFF2-40B4-BE49-F238E27FC236}">
+                <a16:creationId xmlns:a16="http://schemas.microsoft.com/office/drawing/2014/main" id="{E5114906-BE81-2E47-97F9-7EF5518085B5}"/>
+              </a:ext>
+            </a:extLst>
+          </p:cNvPr>
+          <p:cNvSpPr>
+            <a:spLocks noGrp="1"/>
+          </p:cNvSpPr>
+          <p:nvPr>
+            <p:ph idx="1"/>
+          </p:nvPr>
+        </p:nvSpPr>
+        <p:spPr>
+          <a:xfrm>
+            <a:off x="4447308" y="591344"/>
+            <a:ext cx="6906491" cy="5585619"/>
+          </a:xfrm>
+        </p:spPr>
+        <p:txBody>
+          <a:bodyPr anchor="ctr">
+            <a:normAutofit/>
+          </a:bodyPr>
+          <a:lstStyle/>
+          <a:p>
+            <a:endParaRPr lang="en-US" dirty="0"/>
+          </a:p>
+        </p:txBody>
+      </p:sp>
+    </p:spTree>
+    <p:extLst>
+      <p:ext uri="{BB962C8B-B14F-4D97-AF65-F5344CB8AC3E}">
+        <p14:creationId xmlns:p14="http://schemas.microsoft.com/office/powerpoint/2010/main" val="3682490728"/>
+      </p:ext>
+    </p:extLst>
+  </p:cSld>
+  <p:clrMapOvr>
+    <a:masterClrMapping/>
+  </p:clrMapOvr>
+</p:sld>
+</file>
+
+<file path=ppt/slides/slide11.xml><?xml version="1.0" encoding="utf-8"?>
+<p:sld xmlns:a="http://schemas.openxmlformats.org/drawingml/2006/main" xmlns:r="http://schemas.openxmlformats.org/officeDocument/2006/relationships" xmlns:p="http://schemas.openxmlformats.org/presentationml/2006/main">
+  <p:cSld>
+    <p:bg>
+      <p:bgPr>
+        <a:solidFill>
+          <a:schemeClr val="bg1"/>
+        </a:solidFill>
+        <a:effectLst/>
+      </p:bgPr>
+    </p:bg>
+    <p:spTree>
+      <p:nvGrpSpPr>
+        <p:cNvPr id="1" name=""/>
+        <p:cNvGrpSpPr/>
+        <p:nvPr/>
+      </p:nvGrpSpPr>
+      <p:grpSpPr>
+        <a:xfrm>
+          <a:off x="0" y="0"/>
+          <a:ext cx="0" cy="0"/>
+          <a:chOff x="0" y="0"/>
+          <a:chExt cx="0" cy="0"/>
+        </a:xfrm>
+      </p:grpSpPr>
+      <p:sp useBgFill="1">
+        <p:nvSpPr>
+          <p:cNvPr id="30" name="Rectangle 29">
+            <a:extLst>
+              <a:ext uri="{FF2B5EF4-FFF2-40B4-BE49-F238E27FC236}">
+                <a16:creationId xmlns:a16="http://schemas.microsoft.com/office/drawing/2014/main" id="{2B577FF9-3543-4875-815D-3D87BD8A2002}"/>
+              </a:ext>
+              <a:ext uri="{C183D7F6-B498-43B3-948B-1728B52AA6E4}">
+                <adec:decorative xmlns:adec="http://schemas.microsoft.com/office/drawing/2017/decorative" val="1"/>
+              </a:ext>
+            </a:extLst>
+          </p:cNvPr>
+          <p:cNvSpPr>
+            <a:spLocks noGrp="1" noRot="1" noChangeAspect="1" noMove="1" noResize="1" noEditPoints="1" noAdjustHandles="1" noChangeArrowheads="1" noChangeShapeType="1" noTextEdit="1"/>
+          </p:cNvSpPr>
+          <p:nvPr>
+            <p:extLst>
+              <p:ext uri="{386F3935-93C4-4BCD-93E2-E3B085C9AB24}">
+                <p16:designElem xmlns:p16="http://schemas.microsoft.com/office/powerpoint/2015/main" val="1"/>
+              </p:ext>
+            </p:extLst>
+          </p:nvPr>
+        </p:nvSpPr>
+        <p:spPr bwMode="white">
+          <a:xfrm>
+            <a:off x="0" y="0"/>
+            <a:ext cx="12192000" cy="6858000"/>
+          </a:xfrm>
+          <a:prstGeom prst="rect">
+            <a:avLst/>
+          </a:prstGeom>
+          <a:ln>
+            <a:noFill/>
+          </a:ln>
+        </p:spPr>
+        <p:style>
+          <a:lnRef idx="2">
+            <a:schemeClr val="accent1">
+              <a:shade val="50000"/>
+            </a:schemeClr>
+          </a:lnRef>
+          <a:fillRef idx="1">
+            <a:schemeClr val="accent1"/>
+          </a:fillRef>
+          <a:effectRef idx="0">
+            <a:schemeClr val="accent1"/>
+          </a:effectRef>
+          <a:fontRef idx="minor">
+            <a:schemeClr val="lt1"/>
+          </a:fontRef>
+        </p:style>
+        <p:txBody>
+          <a:bodyPr rtlCol="0" anchor="ctr"/>
+          <a:lstStyle>
+            <a:defPPr>
+              <a:defRPr lang="en-US"/>
+            </a:defPPr>
+            <a:lvl1pPr marL="0" algn="l" defTabSz="914400" rtl="0" eaLnBrk="1" latinLnBrk="0" hangingPunct="1">
+              <a:defRPr sz="1800" kern="1200">
+                <a:solidFill>
+                  <a:schemeClr val="lt1"/>
+                </a:solidFill>
+                <a:latin typeface="+mn-lt"/>
+                <a:ea typeface="+mn-ea"/>
+                <a:cs typeface="+mn-cs"/>
+              </a:defRPr>
+            </a:lvl1pPr>
+            <a:lvl2pPr marL="457200" algn="l" defTabSz="914400" rtl="0" eaLnBrk="1" latinLnBrk="0" hangingPunct="1">
+              <a:defRPr sz="1800" kern="1200">
+                <a:solidFill>
+                  <a:schemeClr val="lt1"/>
+                </a:solidFill>
+                <a:latin typeface="+mn-lt"/>
+                <a:ea typeface="+mn-ea"/>
+                <a:cs typeface="+mn-cs"/>
+              </a:defRPr>
+            </a:lvl2pPr>
+            <a:lvl3pPr marL="914400" algn="l" defTabSz="914400" rtl="0" eaLnBrk="1" latinLnBrk="0" hangingPunct="1">
+              <a:defRPr sz="1800" kern="1200">
+                <a:solidFill>
+                  <a:schemeClr val="lt1"/>
+                </a:solidFill>
+                <a:latin typeface="+mn-lt"/>
+                <a:ea typeface="+mn-ea"/>
+                <a:cs typeface="+mn-cs"/>
+              </a:defRPr>
+            </a:lvl3pPr>
+            <a:lvl4pPr marL="1371600" algn="l" defTabSz="914400" rtl="0" eaLnBrk="1" latinLnBrk="0" hangingPunct="1">
+              <a:defRPr sz="1800" kern="1200">
+                <a:solidFill>
+                  <a:schemeClr val="lt1"/>
+                </a:solidFill>
+                <a:latin typeface="+mn-lt"/>
+                <a:ea typeface="+mn-ea"/>
+                <a:cs typeface="+mn-cs"/>
+              </a:defRPr>
+            </a:lvl4pPr>
+            <a:lvl5pPr marL="1828800" algn="l" defTabSz="914400" rtl="0" eaLnBrk="1" latinLnBrk="0" hangingPunct="1">
+              <a:defRPr sz="1800" kern="1200">
+                <a:solidFill>
+                  <a:schemeClr val="lt1"/>
+                </a:solidFill>
+                <a:latin typeface="+mn-lt"/>
+                <a:ea typeface="+mn-ea"/>
+                <a:cs typeface="+mn-cs"/>
+              </a:defRPr>
+            </a:lvl5pPr>
+            <a:lvl6pPr marL="2286000" algn="l" defTabSz="914400" rtl="0" eaLnBrk="1" latinLnBrk="0" hangingPunct="1">
+              <a:defRPr sz="1800" kern="1200">
+                <a:solidFill>
+                  <a:schemeClr val="lt1"/>
+                </a:solidFill>
+                <a:latin typeface="+mn-lt"/>
+                <a:ea typeface="+mn-ea"/>
+                <a:cs typeface="+mn-cs"/>
+              </a:defRPr>
+            </a:lvl6pPr>
+            <a:lvl7pPr marL="2743200" algn="l" defTabSz="914400" rtl="0" eaLnBrk="1" latinLnBrk="0" hangingPunct="1">
+              <a:defRPr sz="1800" kern="1200">
+                <a:solidFill>
+                  <a:schemeClr val="lt1"/>
+                </a:solidFill>
+                <a:latin typeface="+mn-lt"/>
+                <a:ea typeface="+mn-ea"/>
+                <a:cs typeface="+mn-cs"/>
+              </a:defRPr>
+            </a:lvl7pPr>
+            <a:lvl8pPr marL="3200400" algn="l" defTabSz="914400" rtl="0" eaLnBrk="1" latinLnBrk="0" hangingPunct="1">
+              <a:defRPr sz="1800" kern="1200">
+                <a:solidFill>
+                  <a:schemeClr val="lt1"/>
+                </a:solidFill>
+                <a:latin typeface="+mn-lt"/>
+                <a:ea typeface="+mn-ea"/>
+                <a:cs typeface="+mn-cs"/>
+              </a:defRPr>
+            </a:lvl8pPr>
+            <a:lvl9pPr marL="3657600" algn="l" defTabSz="914400" rtl="0" eaLnBrk="1" latinLnBrk="0" hangingPunct="1">
+              <a:defRPr sz="1800" kern="1200">
+                <a:solidFill>
+                  <a:schemeClr val="lt1"/>
+                </a:solidFill>
+                <a:latin typeface="+mn-lt"/>
+                <a:ea typeface="+mn-ea"/>
+                <a:cs typeface="+mn-cs"/>
+              </a:defRPr>
+            </a:lvl9pPr>
+          </a:lstStyle>
+          <a:p>
+            <a:pPr algn="ctr"/>
+            <a:endParaRPr lang="en-US"/>
+          </a:p>
+        </p:txBody>
+      </p:sp>
+      <p:sp>
+        <p:nvSpPr>
+          <p:cNvPr id="2" name="Title 1">
+            <a:extLst>
+              <a:ext uri="{FF2B5EF4-FFF2-40B4-BE49-F238E27FC236}">
+                <a16:creationId xmlns:a16="http://schemas.microsoft.com/office/drawing/2014/main" id="{A8E860E5-B553-C642-97B4-E4830171364D}"/>
+              </a:ext>
+            </a:extLst>
+          </p:cNvPr>
+          <p:cNvSpPr>
+            <a:spLocks noGrp="1"/>
+          </p:cNvSpPr>
+          <p:nvPr>
+            <p:ph type="title"/>
+          </p:nvPr>
+        </p:nvSpPr>
+        <p:spPr>
+          <a:xfrm>
+            <a:off x="874815" y="798703"/>
+            <a:ext cx="5221185" cy="3072015"/>
+          </a:xfrm>
+        </p:spPr>
+        <p:txBody>
+          <a:bodyPr vert="horz" lIns="91440" tIns="45720" rIns="91440" bIns="45720" rtlCol="0" anchor="b">
+            <a:normAutofit/>
+          </a:bodyPr>
+          <a:lstStyle/>
+          <a:p>
+            <a:pPr algn="ctr"/>
+            <a:r>
+              <a:rPr lang="en-US" sz="6000" kern="1200" dirty="0">
+                <a:solidFill>
+                  <a:schemeClr val="tx1"/>
+                </a:solidFill>
+                <a:latin typeface="+mj-lt"/>
+                <a:ea typeface="+mj-ea"/>
+                <a:cs typeface="+mj-cs"/>
+              </a:rPr>
+              <a:t>THANK YOU</a:t>
+            </a:r>
+          </a:p>
+        </p:txBody>
+      </p:sp>
+      <p:sp>
+        <p:nvSpPr>
+          <p:cNvPr id="32" name="Freeform: Shape 31">
+            <a:extLst>
+              <a:ext uri="{FF2B5EF4-FFF2-40B4-BE49-F238E27FC236}">
+                <a16:creationId xmlns:a16="http://schemas.microsoft.com/office/drawing/2014/main" id="{F5569EEC-E12F-4856-B407-02B2813A4AA5}"/>
+              </a:ext>
+              <a:ext uri="{C183D7F6-B498-43B3-948B-1728B52AA6E4}">
+                <adec:decorative xmlns:adec="http://schemas.microsoft.com/office/drawing/2017/decorative" val="1"/>
+              </a:ext>
+            </a:extLst>
+          </p:cNvPr>
+          <p:cNvSpPr>
+            <a:spLocks noGrp="1" noRot="1" noChangeAspect="1" noMove="1" noResize="1" noEditPoints="1" noAdjustHandles="1" noChangeArrowheads="1" noChangeShapeType="1" noTextEdit="1"/>
+          </p:cNvSpPr>
+          <p:nvPr>
+            <p:extLst>
+              <p:ext uri="{386F3935-93C4-4BCD-93E2-E3B085C9AB24}">
+                <p16:designElem xmlns:p16="http://schemas.microsoft.com/office/powerpoint/2015/main" val="1"/>
+              </p:ext>
+            </p:extLst>
+          </p:nvPr>
+        </p:nvSpPr>
+        <p:spPr>
+          <a:xfrm>
+            <a:off x="6604059" y="0"/>
+            <a:ext cx="1737401" cy="959536"/>
+          </a:xfrm>
+          <a:custGeom>
+            <a:avLst/>
+            <a:gdLst>
+              <a:gd name="connsiteX0" fmla="*/ 0 w 1737401"/>
+              <a:gd name="connsiteY0" fmla="*/ 0 h 959536"/>
+              <a:gd name="connsiteX1" fmla="*/ 123825 w 1737401"/>
+              <a:gd name="connsiteY1" fmla="*/ 0 h 959536"/>
+              <a:gd name="connsiteX2" fmla="*/ 123825 w 1737401"/>
+              <a:gd name="connsiteY2" fmla="*/ 790277 h 959536"/>
+              <a:gd name="connsiteX3" fmla="*/ 1490095 w 1737401"/>
+              <a:gd name="connsiteY3" fmla="*/ 0 h 959536"/>
+              <a:gd name="connsiteX4" fmla="*/ 1737401 w 1737401"/>
+              <a:gd name="connsiteY4" fmla="*/ 0 h 959536"/>
+              <a:gd name="connsiteX5" fmla="*/ 92869 w 1737401"/>
+              <a:gd name="connsiteY5" fmla="*/ 951249 h 959536"/>
+              <a:gd name="connsiteX6" fmla="*/ 61913 w 1737401"/>
+              <a:gd name="connsiteY6" fmla="*/ 959536 h 959536"/>
+              <a:gd name="connsiteX7" fmla="*/ 0 w 1737401"/>
+              <a:gd name="connsiteY7" fmla="*/ 897624 h 959536"/>
+            </a:gdLst>
+            <a:ahLst/>
+            <a:cxnLst>
+              <a:cxn ang="0">
+                <a:pos x="connsiteX0" y="connsiteY0"/>
+              </a:cxn>
+              <a:cxn ang="0">
+                <a:pos x="connsiteX1" y="connsiteY1"/>
+              </a:cxn>
+              <a:cxn ang="0">
+                <a:pos x="connsiteX2" y="connsiteY2"/>
+              </a:cxn>
+              <a:cxn ang="0">
+                <a:pos x="connsiteX3" y="connsiteY3"/>
+              </a:cxn>
+              <a:cxn ang="0">
+                <a:pos x="connsiteX4" y="connsiteY4"/>
+              </a:cxn>
+              <a:cxn ang="0">
+                <a:pos x="connsiteX5" y="connsiteY5"/>
+              </a:cxn>
+              <a:cxn ang="0">
+                <a:pos x="connsiteX6" y="connsiteY6"/>
+              </a:cxn>
+              <a:cxn ang="0">
+                <a:pos x="connsiteX7" y="connsiteY7"/>
+              </a:cxn>
+            </a:cxnLst>
+            <a:rect l="l" t="t" r="r" b="b"/>
+            <a:pathLst>
+              <a:path w="1737401" h="959536">
+                <a:moveTo>
+                  <a:pt x="0" y="0"/>
+                </a:moveTo>
+                <a:lnTo>
+                  <a:pt x="123825" y="0"/>
+                </a:lnTo>
+                <a:lnTo>
+                  <a:pt x="123825" y="790277"/>
+                </a:lnTo>
+                <a:lnTo>
+                  <a:pt x="1490095" y="0"/>
+                </a:lnTo>
+                <a:lnTo>
+                  <a:pt x="1737401" y="0"/>
+                </a:lnTo>
+                <a:lnTo>
+                  <a:pt x="92869" y="951249"/>
+                </a:lnTo>
+                <a:cubicBezTo>
+                  <a:pt x="83458" y="956688"/>
+                  <a:pt x="72780" y="959546"/>
+                  <a:pt x="61913" y="959536"/>
+                </a:cubicBezTo>
+                <a:cubicBezTo>
+                  <a:pt x="27719" y="959536"/>
+                  <a:pt x="0" y="931818"/>
+                  <a:pt x="0" y="897624"/>
+                </a:cubicBezTo>
+                <a:close/>
+              </a:path>
+            </a:pathLst>
+          </a:custGeom>
+          <a:solidFill>
+            <a:schemeClr val="accent6"/>
+          </a:solidFill>
+          <a:ln w="9525" cap="flat">
+            <a:noFill/>
+            <a:prstDash val="solid"/>
+            <a:miter/>
+          </a:ln>
+        </p:spPr>
+        <p:txBody>
+          <a:bodyPr rtlCol="0" anchor="ctr"/>
+          <a:lstStyle/>
+          <a:p>
+            <a:endParaRPr lang="en-US"/>
+          </a:p>
+        </p:txBody>
+      </p:sp>
+      <p:sp>
+        <p:nvSpPr>
+          <p:cNvPr id="34" name="Freeform: Shape 33">
+            <a:extLst>
+              <a:ext uri="{FF2B5EF4-FFF2-40B4-BE49-F238E27FC236}">
+                <a16:creationId xmlns:a16="http://schemas.microsoft.com/office/drawing/2014/main" id="{CF860788-3A6A-45A3-B3F1-06F159665603}"/>
+              </a:ext>
+              <a:ext uri="{C183D7F6-B498-43B3-948B-1728B52AA6E4}">
+                <adec:decorative xmlns:adec="http://schemas.microsoft.com/office/drawing/2017/decorative" val="1"/>
+              </a:ext>
+            </a:extLst>
+          </p:cNvPr>
+          <p:cNvSpPr>
+            <a:spLocks noGrp="1" noRot="1" noChangeAspect="1" noMove="1" noResize="1" noEditPoints="1" noAdjustHandles="1" noChangeArrowheads="1" noChangeShapeType="1" noTextEdit="1"/>
+          </p:cNvSpPr>
+          <p:nvPr>
+            <p:extLst>
+              <p:ext uri="{386F3935-93C4-4BCD-93E2-E3B085C9AB24}">
+                <p16:designElem xmlns:p16="http://schemas.microsoft.com/office/powerpoint/2015/main" val="1"/>
+              </p:ext>
+            </p:extLst>
+          </p:nvPr>
+        </p:nvSpPr>
+        <p:spPr>
+          <a:xfrm>
+            <a:off x="10567336" y="1"/>
+            <a:ext cx="1155142" cy="591009"/>
+          </a:xfrm>
+          <a:custGeom>
+            <a:avLst/>
+            <a:gdLst>
+              <a:gd name="connsiteX0" fmla="*/ 1355 w 1155142"/>
+              <a:gd name="connsiteY0" fmla="*/ 0 h 591009"/>
+              <a:gd name="connsiteX1" fmla="*/ 1153787 w 1155142"/>
+              <a:gd name="connsiteY1" fmla="*/ 0 h 591009"/>
+              <a:gd name="connsiteX2" fmla="*/ 1155142 w 1155142"/>
+              <a:gd name="connsiteY2" fmla="*/ 13438 h 591009"/>
+              <a:gd name="connsiteX3" fmla="*/ 577571 w 1155142"/>
+              <a:gd name="connsiteY3" fmla="*/ 591009 h 591009"/>
+              <a:gd name="connsiteX4" fmla="*/ 0 w 1155142"/>
+              <a:gd name="connsiteY4" fmla="*/ 13438 h 591009"/>
+            </a:gdLst>
+            <a:ahLst/>
+            <a:cxnLst>
+              <a:cxn ang="0">
+                <a:pos x="connsiteX0" y="connsiteY0"/>
+              </a:cxn>
+              <a:cxn ang="0">
+                <a:pos x="connsiteX1" y="connsiteY1"/>
+              </a:cxn>
+              <a:cxn ang="0">
+                <a:pos x="connsiteX2" y="connsiteY2"/>
+              </a:cxn>
+              <a:cxn ang="0">
+                <a:pos x="connsiteX3" y="connsiteY3"/>
+              </a:cxn>
+              <a:cxn ang="0">
+                <a:pos x="connsiteX4" y="connsiteY4"/>
+              </a:cxn>
+            </a:cxnLst>
+            <a:rect l="l" t="t" r="r" b="b"/>
+            <a:pathLst>
+              <a:path w="1155142" h="591009">
+                <a:moveTo>
+                  <a:pt x="1355" y="0"/>
+                </a:moveTo>
+                <a:lnTo>
+                  <a:pt x="1153787" y="0"/>
+                </a:lnTo>
+                <a:lnTo>
+                  <a:pt x="1155142" y="13438"/>
+                </a:lnTo>
+                <a:cubicBezTo>
+                  <a:pt x="1155142" y="332422"/>
+                  <a:pt x="896555" y="591009"/>
+                  <a:pt x="577571" y="591009"/>
+                </a:cubicBezTo>
+                <a:cubicBezTo>
+                  <a:pt x="258587" y="591009"/>
+                  <a:pt x="0" y="332422"/>
+                  <a:pt x="0" y="13438"/>
+                </a:cubicBezTo>
+                <a:close/>
+              </a:path>
+            </a:pathLst>
+          </a:custGeom>
+          <a:solidFill>
+            <a:schemeClr val="accent5"/>
+          </a:solidFill>
+          <a:ln>
+            <a:noFill/>
+          </a:ln>
+        </p:spPr>
+        <p:style>
+          <a:lnRef idx="2">
+            <a:schemeClr val="accent1">
+              <a:shade val="50000"/>
+            </a:schemeClr>
+          </a:lnRef>
+          <a:fillRef idx="1">
+            <a:schemeClr val="accent1"/>
+          </a:fillRef>
+          <a:effectRef idx="0">
+            <a:schemeClr val="accent1"/>
+          </a:effectRef>
+          <a:fontRef idx="minor">
+            <a:schemeClr val="lt1"/>
+          </a:fontRef>
+        </p:style>
+        <p:txBody>
+          <a:bodyPr wrap="square" rtlCol="0" anchor="ctr">
+            <a:noAutofit/>
+          </a:bodyPr>
+          <a:lstStyle/>
+          <a:p>
+            <a:pPr algn="ctr"/>
+            <a:endParaRPr lang="en-US"/>
+          </a:p>
+        </p:txBody>
+      </p:sp>
+      <p:pic>
+        <p:nvPicPr>
+          <p:cNvPr id="27" name="Graphic 26" descr="Handshake">
+            <a:extLst>
+              <a:ext uri="{FF2B5EF4-FFF2-40B4-BE49-F238E27FC236}">
+                <a16:creationId xmlns:a16="http://schemas.microsoft.com/office/drawing/2014/main" id="{89F81576-4F50-4AF4-8D4E-40243788003E}"/>
+              </a:ext>
+            </a:extLst>
+          </p:cNvPr>
+          <p:cNvPicPr>
+            <a:picLocks noChangeAspect="1"/>
+          </p:cNvPicPr>
+          <p:nvPr/>
+        </p:nvPicPr>
+        <p:blipFill>
+          <a:blip r:embed="rId2">
+            <a:extLst>
+              <a:ext uri="{28A0092B-C50C-407E-A947-70E740481C1C}">
+                <a14:useLocalDpi xmlns:a14="http://schemas.microsoft.com/office/drawing/2010/main" val="0"/>
+              </a:ext>
+              <a:ext uri="{96DAC541-7B7A-43D3-8B79-37D633B846F1}">
+                <asvg:svgBlip xmlns:asvg="http://schemas.microsoft.com/office/drawing/2016/SVG/main" r:embed="rId3"/>
+              </a:ext>
+            </a:extLst>
+          </a:blip>
+          <a:stretch>
+            <a:fillRect/>
+          </a:stretch>
+        </p:blipFill>
+        <p:spPr>
+          <a:xfrm>
+            <a:off x="7093046" y="1209578"/>
+            <a:ext cx="4055897" cy="4055897"/>
+          </a:xfrm>
+          <a:custGeom>
+            <a:avLst/>
+            <a:gdLst/>
+            <a:ahLst/>
+            <a:cxnLst/>
+            <a:rect l="l" t="t" r="r" b="b"/>
+            <a:pathLst>
+              <a:path w="4579832" h="5347063">
+                <a:moveTo>
+                  <a:pt x="106985" y="0"/>
+                </a:moveTo>
+                <a:lnTo>
+                  <a:pt x="4472847" y="0"/>
+                </a:lnTo>
+                <a:cubicBezTo>
+                  <a:pt x="4531933" y="0"/>
+                  <a:pt x="4579832" y="47899"/>
+                  <a:pt x="4579832" y="106985"/>
+                </a:cubicBezTo>
+                <a:lnTo>
+                  <a:pt x="4579832" y="5240078"/>
+                </a:lnTo>
+                <a:cubicBezTo>
+                  <a:pt x="4579832" y="5299164"/>
+                  <a:pt x="4531933" y="5347063"/>
+                  <a:pt x="4472847" y="5347063"/>
+                </a:cubicBezTo>
+                <a:lnTo>
+                  <a:pt x="106985" y="5347063"/>
+                </a:lnTo>
+                <a:cubicBezTo>
+                  <a:pt x="47899" y="5347063"/>
+                  <a:pt x="0" y="5299164"/>
+                  <a:pt x="0" y="5240078"/>
+                </a:cubicBezTo>
+                <a:lnTo>
+                  <a:pt x="0" y="106985"/>
+                </a:lnTo>
+                <a:cubicBezTo>
+                  <a:pt x="0" y="47899"/>
+                  <a:pt x="47899" y="0"/>
+                  <a:pt x="106985" y="0"/>
+                </a:cubicBezTo>
+                <a:close/>
+              </a:path>
+            </a:pathLst>
+          </a:custGeom>
+        </p:spPr>
+      </p:pic>
+      <p:sp>
+        <p:nvSpPr>
+          <p:cNvPr id="36" name="Freeform: Shape 35">
+            <a:extLst>
+              <a:ext uri="{FF2B5EF4-FFF2-40B4-BE49-F238E27FC236}">
+                <a16:creationId xmlns:a16="http://schemas.microsoft.com/office/drawing/2014/main" id="{DF1E3393-B852-4883-B778-ED3525112942}"/>
+              </a:ext>
+              <a:ext uri="{C183D7F6-B498-43B3-948B-1728B52AA6E4}">
+                <adec:decorative xmlns:adec="http://schemas.microsoft.com/office/drawing/2017/decorative" val="1"/>
+              </a:ext>
+            </a:extLst>
+          </p:cNvPr>
+          <p:cNvSpPr>
+            <a:spLocks noGrp="1" noRot="1" noChangeAspect="1" noMove="1" noResize="1" noEditPoints="1" noAdjustHandles="1" noChangeArrowheads="1" noChangeShapeType="1" noTextEdit="1"/>
+          </p:cNvSpPr>
+          <p:nvPr>
+            <p:extLst>
+              <p:ext uri="{386F3935-93C4-4BCD-93E2-E3B085C9AB24}">
+                <p16:designElem xmlns:p16="http://schemas.microsoft.com/office/powerpoint/2015/main" val="1"/>
+              </p:ext>
+            </p:extLst>
+          </p:nvPr>
+        </p:nvSpPr>
+        <p:spPr>
+          <a:xfrm>
+            <a:off x="12032259" y="2916245"/>
+            <a:ext cx="159741" cy="552996"/>
+          </a:xfrm>
+          <a:custGeom>
+            <a:avLst/>
+            <a:gdLst>
+              <a:gd name="connsiteX0" fmla="*/ 159741 w 159741"/>
+              <a:gd name="connsiteY0" fmla="*/ 0 h 552996"/>
+              <a:gd name="connsiteX1" fmla="*/ 159741 w 159741"/>
+              <a:gd name="connsiteY1" fmla="*/ 552996 h 552996"/>
+              <a:gd name="connsiteX2" fmla="*/ 141849 w 159741"/>
+              <a:gd name="connsiteY2" fmla="*/ 543285 h 552996"/>
+              <a:gd name="connsiteX3" fmla="*/ 0 w 159741"/>
+              <a:gd name="connsiteY3" fmla="*/ 276498 h 552996"/>
+              <a:gd name="connsiteX4" fmla="*/ 141849 w 159741"/>
+              <a:gd name="connsiteY4" fmla="*/ 9711 h 552996"/>
+            </a:gdLst>
+            <a:ahLst/>
+            <a:cxnLst>
+              <a:cxn ang="0">
+                <a:pos x="connsiteX0" y="connsiteY0"/>
+              </a:cxn>
+              <a:cxn ang="0">
+                <a:pos x="connsiteX1" y="connsiteY1"/>
+              </a:cxn>
+              <a:cxn ang="0">
+                <a:pos x="connsiteX2" y="connsiteY2"/>
+              </a:cxn>
+              <a:cxn ang="0">
+                <a:pos x="connsiteX3" y="connsiteY3"/>
+              </a:cxn>
+              <a:cxn ang="0">
+                <a:pos x="connsiteX4" y="connsiteY4"/>
+              </a:cxn>
+            </a:cxnLst>
+            <a:rect l="l" t="t" r="r" b="b"/>
+            <a:pathLst>
+              <a:path w="159741" h="552996">
+                <a:moveTo>
+                  <a:pt x="159741" y="0"/>
+                </a:moveTo>
+                <a:lnTo>
+                  <a:pt x="159741" y="552996"/>
+                </a:lnTo>
+                <a:lnTo>
+                  <a:pt x="141849" y="543285"/>
+                </a:lnTo>
+                <a:cubicBezTo>
+                  <a:pt x="56268" y="485467"/>
+                  <a:pt x="0" y="387554"/>
+                  <a:pt x="0" y="276498"/>
+                </a:cubicBezTo>
+                <a:cubicBezTo>
+                  <a:pt x="0" y="165443"/>
+                  <a:pt x="56268" y="67529"/>
+                  <a:pt x="141849" y="9711"/>
+                </a:cubicBezTo>
+                <a:close/>
+              </a:path>
+            </a:pathLst>
+          </a:custGeom>
+          <a:solidFill>
+            <a:schemeClr val="accent2"/>
+          </a:solidFill>
+          <a:ln w="127000">
+            <a:noFill/>
+          </a:ln>
+        </p:spPr>
+        <p:style>
+          <a:lnRef idx="2">
+            <a:schemeClr val="accent1">
+              <a:shade val="50000"/>
+            </a:schemeClr>
+          </a:lnRef>
+          <a:fillRef idx="1">
+            <a:schemeClr val="accent1"/>
+          </a:fillRef>
+          <a:effectRef idx="0">
+            <a:schemeClr val="accent1"/>
+          </a:effectRef>
+          <a:fontRef idx="minor">
+            <a:schemeClr val="lt1"/>
+          </a:fontRef>
+        </p:style>
+        <p:txBody>
+          <a:bodyPr wrap="square" rtlCol="0" anchor="ctr">
+            <a:noAutofit/>
+          </a:bodyPr>
+          <a:lstStyle/>
+          <a:p>
+            <a:pPr algn="ctr"/>
+            <a:endParaRPr lang="en-US"/>
+          </a:p>
+        </p:txBody>
+      </p:sp>
+      <p:sp>
+        <p:nvSpPr>
+          <p:cNvPr id="38" name="Freeform: Shape 37">
+            <a:extLst>
+              <a:ext uri="{FF2B5EF4-FFF2-40B4-BE49-F238E27FC236}">
+                <a16:creationId xmlns:a16="http://schemas.microsoft.com/office/drawing/2014/main" id="{39853D09-4205-4CC7-83EB-288E886AC9E4}"/>
+              </a:ext>
+              <a:ext uri="{C183D7F6-B498-43B3-948B-1728B52AA6E4}">
+                <adec:decorative xmlns:adec="http://schemas.microsoft.com/office/drawing/2017/decorative" val="1"/>
+              </a:ext>
+            </a:extLst>
+          </p:cNvPr>
+          <p:cNvSpPr>
+            <a:spLocks noGrp="1" noRot="1" noChangeAspect="1" noMove="1" noResize="1" noEditPoints="1" noAdjustHandles="1" noChangeArrowheads="1" noChangeShapeType="1" noTextEdit="1"/>
+          </p:cNvSpPr>
+          <p:nvPr>
+            <p:extLst>
+              <p:ext uri="{386F3935-93C4-4BCD-93E2-E3B085C9AB24}">
+                <p16:designElem xmlns:p16="http://schemas.microsoft.com/office/powerpoint/2015/main" val="1"/>
+              </p:ext>
+            </p:extLst>
+          </p:nvPr>
+        </p:nvSpPr>
+        <p:spPr>
+          <a:xfrm>
+            <a:off x="7148440" y="5717906"/>
+            <a:ext cx="1771609" cy="1140095"/>
+          </a:xfrm>
+          <a:custGeom>
+            <a:avLst/>
+            <a:gdLst>
+              <a:gd name="connsiteX0" fmla="*/ 1561721 w 1771609"/>
+              <a:gd name="connsiteY0" fmla="*/ 763041 h 1140095"/>
+              <a:gd name="connsiteX1" fmla="*/ 1623024 w 1771609"/>
+              <a:gd name="connsiteY1" fmla="*/ 792810 h 1140095"/>
+              <a:gd name="connsiteX2" fmla="*/ 1711735 w 1771609"/>
+              <a:gd name="connsiteY2" fmla="*/ 970132 h 1140095"/>
+              <a:gd name="connsiteX3" fmla="*/ 1771609 w 1771609"/>
+              <a:gd name="connsiteY3" fmla="*/ 1140095 h 1140095"/>
+              <a:gd name="connsiteX4" fmla="*/ 1637225 w 1771609"/>
+              <a:gd name="connsiteY4" fmla="*/ 1140095 h 1140095"/>
+              <a:gd name="connsiteX5" fmla="*/ 1594820 w 1771609"/>
+              <a:gd name="connsiteY5" fmla="*/ 1019711 h 1140095"/>
+              <a:gd name="connsiteX6" fmla="*/ 1513200 w 1771609"/>
+              <a:gd name="connsiteY6" fmla="*/ 856627 h 1140095"/>
+              <a:gd name="connsiteX7" fmla="*/ 1538499 w 1771609"/>
+              <a:gd name="connsiteY7" fmla="*/ 770415 h 1140095"/>
+              <a:gd name="connsiteX8" fmla="*/ 1561721 w 1771609"/>
+              <a:gd name="connsiteY8" fmla="*/ 763041 h 1140095"/>
+              <a:gd name="connsiteX9" fmla="*/ 933455 w 1771609"/>
+              <a:gd name="connsiteY9" fmla="*/ 161309 h 1140095"/>
+              <a:gd name="connsiteX10" fmla="*/ 957797 w 1771609"/>
+              <a:gd name="connsiteY10" fmla="*/ 167970 h 1140095"/>
+              <a:gd name="connsiteX11" fmla="*/ 1286982 w 1771609"/>
+              <a:gd name="connsiteY11" fmla="*/ 387616 h 1140095"/>
+              <a:gd name="connsiteX12" fmla="*/ 1293725 w 1771609"/>
+              <a:gd name="connsiteY12" fmla="*/ 477075 h 1140095"/>
+              <a:gd name="connsiteX13" fmla="*/ 1245453 w 1771609"/>
+              <a:gd name="connsiteY13" fmla="*/ 499154 h 1140095"/>
+              <a:gd name="connsiteX14" fmla="*/ 1245167 w 1771609"/>
+              <a:gd name="connsiteY14" fmla="*/ 499154 h 1140095"/>
+              <a:gd name="connsiteX15" fmla="*/ 1203638 w 1771609"/>
+              <a:gd name="connsiteY15" fmla="*/ 484104 h 1140095"/>
+              <a:gd name="connsiteX16" fmla="*/ 900647 w 1771609"/>
+              <a:gd name="connsiteY16" fmla="*/ 281508 h 1140095"/>
+              <a:gd name="connsiteX17" fmla="*/ 872454 w 1771609"/>
+              <a:gd name="connsiteY17" fmla="*/ 196164 h 1140095"/>
+              <a:gd name="connsiteX18" fmla="*/ 933455 w 1771609"/>
+              <a:gd name="connsiteY18" fmla="*/ 161309 h 1140095"/>
+              <a:gd name="connsiteX19" fmla="*/ 256260 w 1771609"/>
+              <a:gd name="connsiteY19" fmla="*/ 29 h 1140095"/>
+              <a:gd name="connsiteX20" fmla="*/ 454020 w 1771609"/>
+              <a:gd name="connsiteY20" fmla="*/ 13474 h 1140095"/>
+              <a:gd name="connsiteX21" fmla="*/ 509236 w 1771609"/>
+              <a:gd name="connsiteY21" fmla="*/ 84182 h 1140095"/>
+              <a:gd name="connsiteX22" fmla="*/ 445829 w 1771609"/>
+              <a:gd name="connsiteY22" fmla="*/ 139871 h 1140095"/>
+              <a:gd name="connsiteX23" fmla="*/ 437447 w 1771609"/>
+              <a:gd name="connsiteY23" fmla="*/ 139395 h 1140095"/>
+              <a:gd name="connsiteX24" fmla="*/ 73211 w 1771609"/>
+              <a:gd name="connsiteY24" fmla="*/ 137204 h 1140095"/>
+              <a:gd name="connsiteX25" fmla="*/ 749 w 1771609"/>
+              <a:gd name="connsiteY25" fmla="*/ 84082 h 1140095"/>
+              <a:gd name="connsiteX26" fmla="*/ 53871 w 1771609"/>
+              <a:gd name="connsiteY26" fmla="*/ 11621 h 1140095"/>
+              <a:gd name="connsiteX27" fmla="*/ 58352 w 1771609"/>
+              <a:gd name="connsiteY27" fmla="*/ 11093 h 1140095"/>
+              <a:gd name="connsiteX28" fmla="*/ 256260 w 1771609"/>
+              <a:gd name="connsiteY28" fmla="*/ 29 h 1140095"/>
+            </a:gdLst>
+            <a:ahLst/>
+            <a:cxnLst>
+              <a:cxn ang="0">
+                <a:pos x="connsiteX0" y="connsiteY0"/>
+              </a:cxn>
+              <a:cxn ang="0">
+                <a:pos x="connsiteX1" y="connsiteY1"/>
+              </a:cxn>
+              <a:cxn ang="0">
+                <a:pos x="connsiteX2" y="connsiteY2"/>
+              </a:cxn>
+              <a:cxn ang="0">
+                <a:pos x="connsiteX3" y="connsiteY3"/>
+              </a:cxn>
+              <a:cxn ang="0">
+                <a:pos x="connsiteX4" y="connsiteY4"/>
+              </a:cxn>
+              <a:cxn ang="0">
+                <a:pos x="connsiteX5" y="connsiteY5"/>
+              </a:cxn>
+              <a:cxn ang="0">
+                <a:pos x="connsiteX6" y="connsiteY6"/>
+              </a:cxn>
+              <a:cxn ang="0">
+                <a:pos x="connsiteX7" y="connsiteY7"/>
+              </a:cxn>
+              <a:cxn ang="0">
+                <a:pos x="connsiteX8" y="connsiteY8"/>
+              </a:cxn>
+              <a:cxn ang="0">
+                <a:pos x="connsiteX9" y="connsiteY9"/>
+              </a:cxn>
+              <a:cxn ang="0">
+                <a:pos x="connsiteX10" y="connsiteY10"/>
+              </a:cxn>
+              <a:cxn ang="0">
+                <a:pos x="connsiteX11" y="connsiteY11"/>
+              </a:cxn>
+              <a:cxn ang="0">
+                <a:pos x="connsiteX12" y="connsiteY12"/>
+              </a:cxn>
+              <a:cxn ang="0">
+                <a:pos x="connsiteX13" y="connsiteY13"/>
+              </a:cxn>
+              <a:cxn ang="0">
+                <a:pos x="connsiteX14" y="connsiteY14"/>
+              </a:cxn>
+              <a:cxn ang="0">
+                <a:pos x="connsiteX15" y="connsiteY15"/>
+              </a:cxn>
+              <a:cxn ang="0">
+                <a:pos x="connsiteX16" y="connsiteY16"/>
+              </a:cxn>
+              <a:cxn ang="0">
+                <a:pos x="connsiteX17" y="connsiteY17"/>
+              </a:cxn>
+              <a:cxn ang="0">
+                <a:pos x="connsiteX18" y="connsiteY18"/>
+              </a:cxn>
+              <a:cxn ang="0">
+                <a:pos x="connsiteX19" y="connsiteY19"/>
+              </a:cxn>
+              <a:cxn ang="0">
+                <a:pos x="connsiteX20" y="connsiteY20"/>
+              </a:cxn>
+              <a:cxn ang="0">
+                <a:pos x="connsiteX21" y="connsiteY21"/>
+              </a:cxn>
+              <a:cxn ang="0">
+                <a:pos x="connsiteX22" y="connsiteY22"/>
+              </a:cxn>
+              <a:cxn ang="0">
+                <a:pos x="connsiteX23" y="connsiteY23"/>
+              </a:cxn>
+              <a:cxn ang="0">
+                <a:pos x="connsiteX24" y="connsiteY24"/>
+              </a:cxn>
+              <a:cxn ang="0">
+                <a:pos x="connsiteX25" y="connsiteY25"/>
+              </a:cxn>
+              <a:cxn ang="0">
+                <a:pos x="connsiteX26" y="connsiteY26"/>
+              </a:cxn>
+              <a:cxn ang="0">
+                <a:pos x="connsiteX27" y="connsiteY27"/>
+              </a:cxn>
+              <a:cxn ang="0">
+                <a:pos x="connsiteX28" y="connsiteY28"/>
+              </a:cxn>
+            </a:cxnLst>
+            <a:rect l="l" t="t" r="r" b="b"/>
+            <a:pathLst>
+              <a:path w="1771609" h="1140095">
+                <a:moveTo>
+                  <a:pt x="1561721" y="763041"/>
+                </a:moveTo>
+                <a:cubicBezTo>
+                  <a:pt x="1585506" y="760324"/>
+                  <a:pt x="1609722" y="771249"/>
+                  <a:pt x="1623024" y="792810"/>
+                </a:cubicBezTo>
+                <a:cubicBezTo>
+                  <a:pt x="1656300" y="850065"/>
+                  <a:pt x="1685920" y="909291"/>
+                  <a:pt x="1711735" y="970132"/>
+                </a:cubicBezTo>
+                <a:lnTo>
+                  <a:pt x="1771609" y="1140095"/>
+                </a:lnTo>
+                <a:lnTo>
+                  <a:pt x="1637225" y="1140095"/>
+                </a:lnTo>
+                <a:lnTo>
+                  <a:pt x="1594820" y="1019711"/>
+                </a:lnTo>
+                <a:cubicBezTo>
+                  <a:pt x="1571072" y="963753"/>
+                  <a:pt x="1543818" y="909282"/>
+                  <a:pt x="1513200" y="856627"/>
+                </a:cubicBezTo>
+                <a:cubicBezTo>
+                  <a:pt x="1496379" y="825834"/>
+                  <a:pt x="1507704" y="787236"/>
+                  <a:pt x="1538499" y="770415"/>
+                </a:cubicBezTo>
+                <a:cubicBezTo>
+                  <a:pt x="1545912" y="766367"/>
+                  <a:pt x="1553792" y="763946"/>
+                  <a:pt x="1561721" y="763041"/>
+                </a:cubicBezTo>
+                <a:close/>
+                <a:moveTo>
+                  <a:pt x="933455" y="161309"/>
+                </a:moveTo>
+                <a:cubicBezTo>
+                  <a:pt x="941693" y="161855"/>
+                  <a:pt x="949959" y="164025"/>
+                  <a:pt x="957797" y="167970"/>
+                </a:cubicBezTo>
+                <a:cubicBezTo>
+                  <a:pt x="1076184" y="227289"/>
+                  <a:pt x="1186759" y="301068"/>
+                  <a:pt x="1286982" y="387616"/>
+                </a:cubicBezTo>
+                <a:cubicBezTo>
+                  <a:pt x="1313547" y="410457"/>
+                  <a:pt x="1316566" y="450510"/>
+                  <a:pt x="1293725" y="477075"/>
+                </a:cubicBezTo>
+                <a:cubicBezTo>
+                  <a:pt x="1281638" y="491137"/>
+                  <a:pt x="1263998" y="499204"/>
+                  <a:pt x="1245453" y="499154"/>
+                </a:cubicBezTo>
+                <a:lnTo>
+                  <a:pt x="1245167" y="499154"/>
+                </a:lnTo>
+                <a:cubicBezTo>
+                  <a:pt x="1229965" y="499301"/>
+                  <a:pt x="1215220" y="493956"/>
+                  <a:pt x="1203638" y="484104"/>
+                </a:cubicBezTo>
+                <a:cubicBezTo>
+                  <a:pt x="1111407" y="404300"/>
+                  <a:pt x="1009633" y="336248"/>
+                  <a:pt x="900647" y="281508"/>
+                </a:cubicBezTo>
+                <a:cubicBezTo>
+                  <a:pt x="869295" y="265726"/>
+                  <a:pt x="856672" y="227516"/>
+                  <a:pt x="872454" y="196164"/>
+                </a:cubicBezTo>
+                <a:cubicBezTo>
+                  <a:pt x="884290" y="172650"/>
+                  <a:pt x="908742" y="159670"/>
+                  <a:pt x="933455" y="161309"/>
+                </a:cubicBezTo>
+                <a:close/>
+                <a:moveTo>
+                  <a:pt x="256260" y="29"/>
+                </a:moveTo>
+                <a:cubicBezTo>
+                  <a:pt x="322331" y="427"/>
+                  <a:pt x="388378" y="4909"/>
+                  <a:pt x="454020" y="13474"/>
+                </a:cubicBezTo>
+                <a:cubicBezTo>
+                  <a:pt x="488793" y="17752"/>
+                  <a:pt x="513514" y="49409"/>
+                  <a:pt x="509236" y="84182"/>
+                </a:cubicBezTo>
+                <a:cubicBezTo>
+                  <a:pt x="505303" y="116151"/>
+                  <a:pt x="478038" y="140098"/>
+                  <a:pt x="445829" y="139871"/>
+                </a:cubicBezTo>
+                <a:cubicBezTo>
+                  <a:pt x="443027" y="139899"/>
+                  <a:pt x="440227" y="139740"/>
+                  <a:pt x="437447" y="139395"/>
+                </a:cubicBezTo>
+                <a:cubicBezTo>
+                  <a:pt x="316592" y="123615"/>
+                  <a:pt x="194247" y="122878"/>
+                  <a:pt x="73211" y="137204"/>
+                </a:cubicBezTo>
+                <a:cubicBezTo>
+                  <a:pt x="38532" y="142545"/>
+                  <a:pt x="6090" y="118762"/>
+                  <a:pt x="749" y="84082"/>
+                </a:cubicBezTo>
+                <a:cubicBezTo>
+                  <a:pt x="-4591" y="49403"/>
+                  <a:pt x="19192" y="16961"/>
+                  <a:pt x="53871" y="11621"/>
+                </a:cubicBezTo>
+                <a:cubicBezTo>
+                  <a:pt x="55358" y="11392"/>
+                  <a:pt x="56852" y="11216"/>
+                  <a:pt x="58352" y="11093"/>
+                </a:cubicBezTo>
+                <a:cubicBezTo>
+                  <a:pt x="124093" y="3319"/>
+                  <a:pt x="190189" y="-369"/>
+                  <a:pt x="256260" y="29"/>
+                </a:cubicBezTo>
+                <a:close/>
+              </a:path>
+            </a:pathLst>
+          </a:custGeom>
+          <a:solidFill>
+            <a:schemeClr val="accent4"/>
+          </a:solidFill>
+          <a:ln w="9525" cap="flat">
+            <a:noFill/>
+            <a:prstDash val="solid"/>
+            <a:miter/>
+          </a:ln>
+        </p:spPr>
+        <p:txBody>
+          <a:bodyPr rtlCol="0" anchor="ctr"/>
+          <a:lstStyle/>
+          <a:p>
+            <a:endParaRPr lang="en-US"/>
+          </a:p>
+        </p:txBody>
+      </p:sp>
+      <p:sp>
+        <p:nvSpPr>
+          <p:cNvPr id="40" name="Freeform: Shape 39">
+            <a:extLst>
+              <a:ext uri="{FF2B5EF4-FFF2-40B4-BE49-F238E27FC236}">
+                <a16:creationId xmlns:a16="http://schemas.microsoft.com/office/drawing/2014/main" id="{0D040B79-3E73-4A31-840D-D6B9C9FDFC46}"/>
+              </a:ext>
+              <a:ext uri="{C183D7F6-B498-43B3-948B-1728B52AA6E4}">
+                <adec:decorative xmlns:adec="http://schemas.microsoft.com/office/drawing/2017/decorative" val="1"/>
+              </a:ext>
+            </a:extLst>
+          </p:cNvPr>
+          <p:cNvSpPr>
+            <a:spLocks noGrp="1" noRot="1" noChangeAspect="1" noMove="1" noResize="1" noEditPoints="1" noAdjustHandles="1" noChangeArrowheads="1" noChangeShapeType="1" noTextEdit="1"/>
+          </p:cNvSpPr>
+          <p:nvPr>
+            <p:extLst>
+              <p:ext uri="{386F3935-93C4-4BCD-93E2-E3B085C9AB24}">
+                <p16:designElem xmlns:p16="http://schemas.microsoft.com/office/powerpoint/2015/main" val="1"/>
+              </p:ext>
+            </p:extLst>
+          </p:nvPr>
+        </p:nvSpPr>
+        <p:spPr>
+          <a:xfrm>
+            <a:off x="6647511" y="6258756"/>
+            <a:ext cx="1565940" cy="599245"/>
+          </a:xfrm>
+          <a:custGeom>
+            <a:avLst/>
+            <a:gdLst>
+              <a:gd name="connsiteX0" fmla="*/ 782970 w 1565940"/>
+              <a:gd name="connsiteY0" fmla="*/ 0 h 599245"/>
+              <a:gd name="connsiteX1" fmla="*/ 1528042 w 1565940"/>
+              <a:gd name="connsiteY1" fmla="*/ 480469 h 599245"/>
+              <a:gd name="connsiteX2" fmla="*/ 1565940 w 1565940"/>
+              <a:gd name="connsiteY2" fmla="*/ 599245 h 599245"/>
+              <a:gd name="connsiteX3" fmla="*/ 0 w 1565940"/>
+              <a:gd name="connsiteY3" fmla="*/ 599245 h 599245"/>
+              <a:gd name="connsiteX4" fmla="*/ 37898 w 1565940"/>
+              <a:gd name="connsiteY4" fmla="*/ 480469 h 599245"/>
+              <a:gd name="connsiteX5" fmla="*/ 782970 w 1565940"/>
+              <a:gd name="connsiteY5" fmla="*/ 0 h 599245"/>
+            </a:gdLst>
+            <a:ahLst/>
+            <a:cxnLst>
+              <a:cxn ang="0">
+                <a:pos x="connsiteX0" y="connsiteY0"/>
+              </a:cxn>
+              <a:cxn ang="0">
+                <a:pos x="connsiteX1" y="connsiteY1"/>
+              </a:cxn>
+              <a:cxn ang="0">
+                <a:pos x="connsiteX2" y="connsiteY2"/>
+              </a:cxn>
+              <a:cxn ang="0">
+                <a:pos x="connsiteX3" y="connsiteY3"/>
+              </a:cxn>
+              <a:cxn ang="0">
+                <a:pos x="connsiteX4" y="connsiteY4"/>
+              </a:cxn>
+              <a:cxn ang="0">
+                <a:pos x="connsiteX5" y="connsiteY5"/>
+              </a:cxn>
+            </a:cxnLst>
+            <a:rect l="l" t="t" r="r" b="b"/>
+            <a:pathLst>
+              <a:path w="1565940" h="599245">
+                <a:moveTo>
+                  <a:pt x="782970" y="0"/>
+                </a:moveTo>
+                <a:cubicBezTo>
+                  <a:pt x="1117910" y="0"/>
+                  <a:pt x="1405287" y="198118"/>
+                  <a:pt x="1528042" y="480469"/>
+                </a:cubicBezTo>
+                <a:lnTo>
+                  <a:pt x="1565940" y="599245"/>
+                </a:lnTo>
+                <a:lnTo>
+                  <a:pt x="0" y="599245"/>
+                </a:lnTo>
+                <a:lnTo>
+                  <a:pt x="37898" y="480469"/>
+                </a:lnTo>
+                <a:cubicBezTo>
+                  <a:pt x="160653" y="198118"/>
+                  <a:pt x="448030" y="0"/>
+                  <a:pt x="782970" y="0"/>
+                </a:cubicBezTo>
+                <a:close/>
+              </a:path>
+            </a:pathLst>
+          </a:custGeom>
+          <a:solidFill>
+            <a:schemeClr val="accent2"/>
+          </a:solidFill>
+          <a:ln>
+            <a:noFill/>
+          </a:ln>
+        </p:spPr>
+        <p:style>
+          <a:lnRef idx="2">
+            <a:schemeClr val="accent1">
+              <a:shade val="50000"/>
+            </a:schemeClr>
+          </a:lnRef>
+          <a:fillRef idx="1">
+            <a:schemeClr val="accent1"/>
+          </a:fillRef>
+          <a:effectRef idx="0">
+            <a:schemeClr val="accent1"/>
+          </a:effectRef>
+          <a:fontRef idx="minor">
+            <a:schemeClr val="lt1"/>
+          </a:fontRef>
+        </p:style>
+        <p:txBody>
+          <a:bodyPr wrap="square" rtlCol="0" anchor="ctr">
+            <a:noAutofit/>
+          </a:bodyPr>
+          <a:lstStyle/>
+          <a:p>
+            <a:pPr algn="ctr"/>
+            <a:endParaRPr lang="en-US" dirty="0"/>
+          </a:p>
+        </p:txBody>
+      </p:sp>
+      <p:sp>
+        <p:nvSpPr>
+          <p:cNvPr id="42" name="Freeform: Shape 41">
+            <a:extLst>
+              <a:ext uri="{FF2B5EF4-FFF2-40B4-BE49-F238E27FC236}">
+                <a16:creationId xmlns:a16="http://schemas.microsoft.com/office/drawing/2014/main" id="{156C6AE5-3F8B-42AC-9EA4-1B686A11E93F}"/>
+              </a:ext>
+              <a:ext uri="{C183D7F6-B498-43B3-948B-1728B52AA6E4}">
+                <adec:decorative xmlns:adec="http://schemas.microsoft.com/office/drawing/2017/decorative" val="1"/>
+              </a:ext>
+            </a:extLst>
+          </p:cNvPr>
+          <p:cNvSpPr>
+            <a:spLocks noGrp="1" noRot="1" noChangeAspect="1" noMove="1" noResize="1" noEditPoints="1" noAdjustHandles="1" noChangeArrowheads="1" noChangeShapeType="1" noTextEdit="1"/>
+          </p:cNvSpPr>
+          <p:nvPr>
+            <p:extLst>
+              <p:ext uri="{386F3935-93C4-4BCD-93E2-E3B085C9AB24}">
+                <p16:designElem xmlns:p16="http://schemas.microsoft.com/office/powerpoint/2015/main" val="1"/>
+              </p:ext>
+            </p:extLst>
+          </p:nvPr>
+        </p:nvSpPr>
+        <p:spPr>
+          <a:xfrm>
+            <a:off x="10643820" y="5835650"/>
+            <a:ext cx="1548180" cy="1022351"/>
+          </a:xfrm>
+          <a:custGeom>
+            <a:avLst/>
+            <a:gdLst>
+              <a:gd name="connsiteX0" fmla="*/ 61913 w 1548180"/>
+              <a:gd name="connsiteY0" fmla="*/ 0 h 1022351"/>
+              <a:gd name="connsiteX1" fmla="*/ 1548180 w 1548180"/>
+              <a:gd name="connsiteY1" fmla="*/ 0 h 1022351"/>
+              <a:gd name="connsiteX2" fmla="*/ 1548180 w 1548180"/>
+              <a:gd name="connsiteY2" fmla="*/ 123825 h 1022351"/>
+              <a:gd name="connsiteX3" fmla="*/ 123825 w 1548180"/>
+              <a:gd name="connsiteY3" fmla="*/ 123825 h 1022351"/>
+              <a:gd name="connsiteX4" fmla="*/ 123825 w 1548180"/>
+              <a:gd name="connsiteY4" fmla="*/ 1022351 h 1022351"/>
+              <a:gd name="connsiteX5" fmla="*/ 0 w 1548180"/>
+              <a:gd name="connsiteY5" fmla="*/ 1022351 h 1022351"/>
+              <a:gd name="connsiteX6" fmla="*/ 0 w 1548180"/>
+              <a:gd name="connsiteY6" fmla="*/ 61913 h 1022351"/>
+              <a:gd name="connsiteX7" fmla="*/ 61913 w 1548180"/>
+              <a:gd name="connsiteY7" fmla="*/ 0 h 1022351"/>
+            </a:gdLst>
+            <a:ahLst/>
+            <a:cxnLst>
+              <a:cxn ang="0">
+                <a:pos x="connsiteX0" y="connsiteY0"/>
+              </a:cxn>
+              <a:cxn ang="0">
+                <a:pos x="connsiteX1" y="connsiteY1"/>
+              </a:cxn>
+              <a:cxn ang="0">
+                <a:pos x="connsiteX2" y="connsiteY2"/>
+              </a:cxn>
+              <a:cxn ang="0">
+                <a:pos x="connsiteX3" y="connsiteY3"/>
+              </a:cxn>
+              <a:cxn ang="0">
+                <a:pos x="connsiteX4" y="connsiteY4"/>
+              </a:cxn>
+              <a:cxn ang="0">
+                <a:pos x="connsiteX5" y="connsiteY5"/>
+              </a:cxn>
+              <a:cxn ang="0">
+                <a:pos x="connsiteX6" y="connsiteY6"/>
+              </a:cxn>
+              <a:cxn ang="0">
+                <a:pos x="connsiteX7" y="connsiteY7"/>
+              </a:cxn>
+            </a:cxnLst>
+            <a:rect l="l" t="t" r="r" b="b"/>
+            <a:pathLst>
+              <a:path w="1548180" h="1022351">
+                <a:moveTo>
+                  <a:pt x="61913" y="0"/>
+                </a:moveTo>
+                <a:lnTo>
+                  <a:pt x="1548180" y="0"/>
+                </a:lnTo>
+                <a:lnTo>
+                  <a:pt x="1548180" y="123825"/>
+                </a:lnTo>
+                <a:lnTo>
+                  <a:pt x="123825" y="123825"/>
+                </a:lnTo>
+                <a:lnTo>
+                  <a:pt x="123825" y="1022351"/>
+                </a:lnTo>
+                <a:lnTo>
+                  <a:pt x="0" y="1022351"/>
+                </a:lnTo>
+                <a:lnTo>
+                  <a:pt x="0" y="61913"/>
+                </a:lnTo>
+                <a:cubicBezTo>
+                  <a:pt x="0" y="27719"/>
+                  <a:pt x="27719" y="0"/>
+                  <a:pt x="61913" y="0"/>
+                </a:cubicBezTo>
+                <a:close/>
+              </a:path>
+            </a:pathLst>
+          </a:custGeom>
+          <a:solidFill>
+            <a:schemeClr val="accent6"/>
+          </a:solidFill>
+          <a:ln w="9525" cap="flat">
+            <a:noFill/>
+            <a:prstDash val="solid"/>
+            <a:miter/>
+          </a:ln>
+        </p:spPr>
+        <p:txBody>
+          <a:bodyPr rtlCol="0" anchor="ctr"/>
+          <a:lstStyle/>
+          <a:p>
+            <a:endParaRPr lang="en-US"/>
+          </a:p>
+        </p:txBody>
+      </p:sp>
+    </p:spTree>
+    <p:extLst>
+      <p:ext uri="{BB962C8B-B14F-4D97-AF65-F5344CB8AC3E}">
+        <p14:creationId xmlns:p14="http://schemas.microsoft.com/office/powerpoint/2010/main" val="4085888301"/>
+      </p:ext>
+    </p:extLst>
+  </p:cSld>
+  <p:clrMapOvr>
+    <a:masterClrMapping/>
+  </p:clrMapOvr>
+</p:sld>
+</file>
+
+<file path=ppt/slides/slide2.xml><?xml version="1.0" encoding="utf-8"?>
+<p:sld xmlns:a="http://schemas.openxmlformats.org/drawingml/2006/main" xmlns:r="http://schemas.openxmlformats.org/officeDocument/2006/relationships" xmlns:p="http://schemas.openxmlformats.org/presentationml/2006/main">
+  <p:cSld>
+    <p:bg>
+      <p:bgPr>
+        <a:solidFill>
+          <a:schemeClr val="bg1"/>
+        </a:solidFill>
+        <a:effectLst/>
+      </p:bgPr>
+    </p:bg>
+    <p:spTree>
+      <p:nvGrpSpPr>
+        <p:cNvPr id="1" name=""/>
+        <p:cNvGrpSpPr/>
+        <p:nvPr/>
+      </p:nvGrpSpPr>
+      <p:grpSpPr>
+        <a:xfrm>
+          <a:off x="0" y="0"/>
+          <a:ext cx="0" cy="0"/>
+          <a:chOff x="0" y="0"/>
+          <a:chExt cx="0" cy="0"/>
+        </a:xfrm>
+      </p:grpSpPr>
+      <p:sp useBgFill="1">
+        <p:nvSpPr>
+          <p:cNvPr id="17" name="Rectangle 16">
+            <a:extLst>
+              <a:ext uri="{FF2B5EF4-FFF2-40B4-BE49-F238E27FC236}">
+                <a16:creationId xmlns:a16="http://schemas.microsoft.com/office/drawing/2014/main" id="{907EF6B7-1338-4443-8C46-6A318D952DFD}"/>
+              </a:ext>
+              <a:ext uri="{C183D7F6-B498-43B3-948B-1728B52AA6E4}">
+                <adec:decorative xmlns:adec="http://schemas.microsoft.com/office/drawing/2017/decorative" val="1"/>
+              </a:ext>
+            </a:extLst>
+          </p:cNvPr>
+          <p:cNvSpPr>
+            <a:spLocks noGrp="1" noRot="1" noChangeAspect="1" noMove="1" noResize="1" noEditPoints="1" noAdjustHandles="1" noChangeArrowheads="1" noChangeShapeType="1" noTextEdit="1"/>
+          </p:cNvSpPr>
+          <p:nvPr>
+            <p:extLst>
+              <p:ext uri="{386F3935-93C4-4BCD-93E2-E3B085C9AB24}">
+                <p16:designElem xmlns:p16="http://schemas.microsoft.com/office/powerpoint/2015/main" val="1"/>
+              </p:ext>
+            </p:extLst>
+          </p:nvPr>
+        </p:nvSpPr>
+        <p:spPr>
+          <a:xfrm>
+            <a:off x="3048" y="0"/>
+            <a:ext cx="12188952" cy="6858000"/>
+          </a:xfrm>
+          <a:prstGeom prst="rect">
+            <a:avLst/>
+          </a:prstGeom>
+          <a:ln>
+            <a:noFill/>
+          </a:ln>
+        </p:spPr>
+        <p:style>
+          <a:lnRef idx="2">
+            <a:schemeClr val="accent1">
+              <a:shade val="50000"/>
+            </a:schemeClr>
+          </a:lnRef>
+          <a:fillRef idx="1">
+            <a:schemeClr val="accent1"/>
+          </a:fillRef>
+          <a:effectRef idx="0">
+            <a:schemeClr val="accent1"/>
+          </a:effectRef>
+          <a:fontRef idx="minor">
+            <a:schemeClr val="lt1"/>
+          </a:fontRef>
+        </p:style>
+        <p:txBody>
+          <a:bodyPr rtlCol="0" anchor="ctr"/>
+          <a:lstStyle/>
+          <a:p>
+            <a:pPr algn="ctr"/>
+            <a:endParaRPr lang="en-US"/>
+          </a:p>
+        </p:txBody>
+      </p:sp>
+      <p:sp>
+        <p:nvSpPr>
+          <p:cNvPr id="19" name="Freeform: Shape 18">
+            <a:extLst>
+              <a:ext uri="{FF2B5EF4-FFF2-40B4-BE49-F238E27FC236}">
+                <a16:creationId xmlns:a16="http://schemas.microsoft.com/office/drawing/2014/main" id="{DAAE4CDD-124C-4DCF-9584-B6033B545DD5}"/>
+              </a:ext>
+              <a:ext uri="{C183D7F6-B498-43B3-948B-1728B52AA6E4}">
+                <adec:decorative xmlns:adec="http://schemas.microsoft.com/office/drawing/2017/decorative" val="1"/>
+              </a:ext>
+            </a:extLst>
+          </p:cNvPr>
+          <p:cNvSpPr>
+            <a:spLocks noGrp="1" noRot="1" noChangeAspect="1" noMove="1" noResize="1" noEditPoints="1" noAdjustHandles="1" noChangeArrowheads="1" noChangeShapeType="1" noTextEdit="1"/>
+          </p:cNvSpPr>
+          <p:nvPr>
+            <p:extLst>
+              <p:ext uri="{386F3935-93C4-4BCD-93E2-E3B085C9AB24}">
+                <p16:designElem xmlns:p16="http://schemas.microsoft.com/office/powerpoint/2015/main" val="1"/>
+              </p:ext>
+            </p:extLst>
+          </p:nvPr>
+        </p:nvSpPr>
+        <p:spPr>
+          <a:xfrm>
+            <a:off x="1" y="0"/>
+            <a:ext cx="4167271" cy="6858000"/>
+          </a:xfrm>
+          <a:custGeom>
+            <a:avLst/>
+            <a:gdLst>
+              <a:gd name="connsiteX0" fmla="*/ 0 w 4167271"/>
+              <a:gd name="connsiteY0" fmla="*/ 0 h 6858000"/>
+              <a:gd name="connsiteX1" fmla="*/ 2259550 w 4167271"/>
+              <a:gd name="connsiteY1" fmla="*/ 0 h 6858000"/>
+              <a:gd name="connsiteX2" fmla="*/ 2387803 w 4167271"/>
+              <a:gd name="connsiteY2" fmla="*/ 82222 h 6858000"/>
+              <a:gd name="connsiteX3" fmla="*/ 4167271 w 4167271"/>
+              <a:gd name="connsiteY3" fmla="*/ 3429000 h 6858000"/>
+              <a:gd name="connsiteX4" fmla="*/ 2387803 w 4167271"/>
+              <a:gd name="connsiteY4" fmla="*/ 6775779 h 6858000"/>
+              <a:gd name="connsiteX5" fmla="*/ 2259550 w 4167271"/>
+              <a:gd name="connsiteY5" fmla="*/ 6858000 h 6858000"/>
+              <a:gd name="connsiteX6" fmla="*/ 0 w 4167271"/>
+              <a:gd name="connsiteY6" fmla="*/ 6858000 h 6858000"/>
+            </a:gdLst>
+            <a:ahLst/>
+            <a:cxnLst>
+              <a:cxn ang="0">
+                <a:pos x="connsiteX0" y="connsiteY0"/>
+              </a:cxn>
+              <a:cxn ang="0">
+                <a:pos x="connsiteX1" y="connsiteY1"/>
+              </a:cxn>
+              <a:cxn ang="0">
+                <a:pos x="connsiteX2" y="connsiteY2"/>
+              </a:cxn>
+              <a:cxn ang="0">
+                <a:pos x="connsiteX3" y="connsiteY3"/>
+              </a:cxn>
+              <a:cxn ang="0">
+                <a:pos x="connsiteX4" y="connsiteY4"/>
+              </a:cxn>
+              <a:cxn ang="0">
+                <a:pos x="connsiteX5" y="connsiteY5"/>
+              </a:cxn>
+              <a:cxn ang="0">
+                <a:pos x="connsiteX6" y="connsiteY6"/>
+              </a:cxn>
+            </a:cxnLst>
+            <a:rect l="l" t="t" r="r" b="b"/>
+            <a:pathLst>
+              <a:path w="4167271" h="6858000">
+                <a:moveTo>
+                  <a:pt x="0" y="0"/>
+                </a:moveTo>
+                <a:lnTo>
+                  <a:pt x="2259550" y="0"/>
+                </a:lnTo>
+                <a:lnTo>
+                  <a:pt x="2387803" y="82222"/>
+                </a:lnTo>
+                <a:cubicBezTo>
+                  <a:pt x="3461407" y="807534"/>
+                  <a:pt x="4167271" y="2035835"/>
+                  <a:pt x="4167271" y="3429000"/>
+                </a:cubicBezTo>
+                <a:cubicBezTo>
+                  <a:pt x="4167271" y="4822165"/>
+                  <a:pt x="3461407" y="6050467"/>
+                  <a:pt x="2387803" y="6775779"/>
+                </a:cubicBezTo>
+                <a:lnTo>
+                  <a:pt x="2259550" y="6858000"/>
+                </a:lnTo>
+                <a:lnTo>
+                  <a:pt x="0" y="6858000"/>
+                </a:lnTo>
+                <a:close/>
+              </a:path>
+            </a:pathLst>
+          </a:custGeom>
+          <a:solidFill>
+            <a:schemeClr val="accent2"/>
+          </a:solidFill>
+          <a:ln>
+            <a:noFill/>
+          </a:ln>
+        </p:spPr>
+        <p:style>
+          <a:lnRef idx="2">
+            <a:schemeClr val="accent1">
+              <a:shade val="50000"/>
+            </a:schemeClr>
+          </a:lnRef>
+          <a:fillRef idx="1">
+            <a:schemeClr val="accent1"/>
+          </a:fillRef>
+          <a:effectRef idx="0">
+            <a:schemeClr val="accent1"/>
+          </a:effectRef>
+          <a:fontRef idx="minor">
+            <a:schemeClr val="lt1"/>
+          </a:fontRef>
+        </p:style>
+        <p:txBody>
+          <a:bodyPr rtlCol="0" anchor="ctr"/>
+          <a:lstStyle/>
+          <a:p>
+            <a:pPr algn="ctr"/>
+            <a:endParaRPr lang="en-US"/>
+          </a:p>
+        </p:txBody>
+      </p:sp>
+      <p:sp>
+        <p:nvSpPr>
+          <p:cNvPr id="2" name="Title 1">
+            <a:extLst>
+              <a:ext uri="{FF2B5EF4-FFF2-40B4-BE49-F238E27FC236}">
                 <a16:creationId xmlns:a16="http://schemas.microsoft.com/office/drawing/2014/main" id="{84D054E3-D46A-9B49-9F68-311EC3840534}"/>
               </a:ext>
             </a:extLst>
@@ -4799,13 +6654,24 @@
             <p:ph type="title"/>
           </p:nvPr>
         </p:nvSpPr>
-        <p:spPr/>
-        <p:txBody>
-          <a:bodyPr/>
-          <a:lstStyle/>
-          <a:p>
-            <a:r>
-              <a:rPr lang="en-US" dirty="0"/>
+        <p:spPr>
+          <a:xfrm>
+            <a:off x="686834" y="1153572"/>
+            <a:ext cx="3200400" cy="4461163"/>
+          </a:xfrm>
+        </p:spPr>
+        <p:txBody>
+          <a:bodyPr>
+            <a:normAutofit/>
+          </a:bodyPr>
+          <a:lstStyle/>
+          <a:p>
+            <a:r>
+              <a:rPr lang="en-US">
+                <a:solidFill>
+                  <a:srgbClr val="FFFFFF"/>
+                </a:solidFill>
+              </a:rPr>
               <a:t>What is Sudoku?</a:t>
             </a:r>
           </a:p>
@@ -4813,6 +6679,67 @@
       </p:sp>
       <p:sp>
         <p:nvSpPr>
+          <p:cNvPr id="21" name="Arc 20">
+            <a:extLst>
+              <a:ext uri="{FF2B5EF4-FFF2-40B4-BE49-F238E27FC236}">
+                <a16:creationId xmlns:a16="http://schemas.microsoft.com/office/drawing/2014/main" id="{081E4A58-353D-44AE-B2FC-2A74E2E400F7}"/>
+              </a:ext>
+              <a:ext uri="{C183D7F6-B498-43B3-948B-1728B52AA6E4}">
+                <adec:decorative xmlns:adec="http://schemas.microsoft.com/office/drawing/2017/decorative" val="1"/>
+              </a:ext>
+            </a:extLst>
+          </p:cNvPr>
+          <p:cNvSpPr>
+            <a:spLocks noGrp="1" noRot="1" noChangeAspect="1" noMove="1" noResize="1" noEditPoints="1" noAdjustHandles="1" noChangeArrowheads="1" noChangeShapeType="1" noTextEdit="1"/>
+          </p:cNvSpPr>
+          <p:nvPr>
+            <p:extLst>
+              <p:ext uri="{386F3935-93C4-4BCD-93E2-E3B085C9AB24}">
+                <p16:designElem xmlns:p16="http://schemas.microsoft.com/office/powerpoint/2015/main" val="1"/>
+              </p:ext>
+            </p:extLst>
+          </p:nvPr>
+        </p:nvSpPr>
+        <p:spPr>
+          <a:xfrm flipV="1">
+            <a:off x="7550402" y="2455479"/>
+            <a:ext cx="4083433" cy="4083433"/>
+          </a:xfrm>
+          <a:prstGeom prst="arc">
+            <a:avLst/>
+          </a:prstGeom>
+          <a:ln w="127000" cap="rnd">
+            <a:solidFill>
+              <a:schemeClr val="accent4"/>
+            </a:solidFill>
+            <a:prstDash val="dash"/>
+          </a:ln>
+        </p:spPr>
+        <p:style>
+          <a:lnRef idx="1">
+            <a:schemeClr val="accent1"/>
+          </a:lnRef>
+          <a:fillRef idx="0">
+            <a:schemeClr val="accent1"/>
+          </a:fillRef>
+          <a:effectRef idx="0">
+            <a:schemeClr val="accent1"/>
+          </a:effectRef>
+          <a:fontRef idx="minor">
+            <a:schemeClr val="tx1"/>
+          </a:fontRef>
+        </p:style>
+        <p:txBody>
+          <a:bodyPr rtlCol="0" anchor="ctr"/>
+          <a:lstStyle/>
+          <a:p>
+            <a:pPr algn="ctr"/>
+            <a:endParaRPr lang="en-US" dirty="0"/>
+          </a:p>
+        </p:txBody>
+      </p:sp>
+      <p:sp>
+        <p:nvSpPr>
           <p:cNvPr id="3" name="Content Placeholder 2">
             <a:extLst>
               <a:ext uri="{FF2B5EF4-FFF2-40B4-BE49-F238E27FC236}">
@@ -4827,9 +6754,16 @@
             <p:ph idx="1"/>
           </p:nvPr>
         </p:nvSpPr>
-        <p:spPr/>
-        <p:txBody>
-          <a:bodyPr/>
+        <p:spPr>
+          <a:xfrm>
+            <a:off x="4447308" y="591344"/>
+            <a:ext cx="6906491" cy="5585619"/>
+          </a:xfrm>
+        </p:spPr>
+        <p:txBody>
+          <a:bodyPr anchor="ctr">
+            <a:normAutofit/>
+          </a:bodyPr>
           <a:lstStyle/>
           <a:p>
             <a:pPr marL="0" indent="0">
@@ -4837,7 +6771,1898 @@
             </a:pPr>
             <a:r>
               <a:rPr lang="en-US" dirty="0"/>
-              <a:t>Sudoku is a number-placement puzzle where the objective is to fill a square grid of size ‘n’ with numbers between 1 to ‘n’. The numbers must be placed so that each column, each row, and each of the sub-grids (if any) contains all the numbers from 1 to ‘n’.</a:t>
+              <a:t>For the unfamiliar, sudoku is a puzzle in which you must fill in a 9x9 grid with the numbers 1–9, in such a way that the following rules are followed:</a:t>
+            </a:r>
+          </a:p>
+          <a:p>
+            <a:r>
+              <a:rPr lang="en-US" dirty="0"/>
+              <a:t>Each row must contain every number from 1 to 9 exactly once.</a:t>
+            </a:r>
+          </a:p>
+          <a:p>
+            <a:r>
+              <a:rPr lang="en-US" dirty="0"/>
+              <a:t>Each column, similarly, needs one of every number from 1 to 9.</a:t>
+            </a:r>
+          </a:p>
+          <a:p>
+            <a:r>
+              <a:rPr lang="en-US" dirty="0"/>
+              <a:t>Each 3x3 ‘region’ needs to follow the same 1–9 pattern.</a:t>
+            </a:r>
+          </a:p>
+        </p:txBody>
+      </p:sp>
+    </p:spTree>
+    <p:extLst>
+      <p:ext uri="{BB962C8B-B14F-4D97-AF65-F5344CB8AC3E}">
+        <p14:creationId xmlns:p14="http://schemas.microsoft.com/office/powerpoint/2010/main" val="2682114336"/>
+      </p:ext>
+    </p:extLst>
+  </p:cSld>
+  <p:clrMapOvr>
+    <a:masterClrMapping/>
+  </p:clrMapOvr>
+</p:sld>
+</file>
+
+<file path=ppt/slides/slide3.xml><?xml version="1.0" encoding="utf-8"?>
+<p:sld xmlns:a="http://schemas.openxmlformats.org/drawingml/2006/main" xmlns:r="http://schemas.openxmlformats.org/officeDocument/2006/relationships" xmlns:p="http://schemas.openxmlformats.org/presentationml/2006/main">
+  <p:cSld>
+    <p:bg>
+      <p:bgPr>
+        <a:solidFill>
+          <a:schemeClr val="bg1"/>
+        </a:solidFill>
+        <a:effectLst/>
+      </p:bgPr>
+    </p:bg>
+    <p:spTree>
+      <p:nvGrpSpPr>
+        <p:cNvPr id="1" name=""/>
+        <p:cNvGrpSpPr/>
+        <p:nvPr/>
+      </p:nvGrpSpPr>
+      <p:grpSpPr>
+        <a:xfrm>
+          <a:off x="0" y="0"/>
+          <a:ext cx="0" cy="0"/>
+          <a:chOff x="0" y="0"/>
+          <a:chExt cx="0" cy="0"/>
+        </a:xfrm>
+      </p:grpSpPr>
+      <p:sp useBgFill="1">
+        <p:nvSpPr>
+          <p:cNvPr id="8" name="Rectangle 7">
+            <a:extLst>
+              <a:ext uri="{FF2B5EF4-FFF2-40B4-BE49-F238E27FC236}">
+                <a16:creationId xmlns:a16="http://schemas.microsoft.com/office/drawing/2014/main" id="{907EF6B7-1338-4443-8C46-6A318D952DFD}"/>
+              </a:ext>
+              <a:ext uri="{C183D7F6-B498-43B3-948B-1728B52AA6E4}">
+                <adec:decorative xmlns:adec="http://schemas.microsoft.com/office/drawing/2017/decorative" val="1"/>
+              </a:ext>
+            </a:extLst>
+          </p:cNvPr>
+          <p:cNvSpPr>
+            <a:spLocks noGrp="1" noRot="1" noChangeAspect="1" noMove="1" noResize="1" noEditPoints="1" noAdjustHandles="1" noChangeArrowheads="1" noChangeShapeType="1" noTextEdit="1"/>
+          </p:cNvSpPr>
+          <p:nvPr>
+            <p:extLst>
+              <p:ext uri="{386F3935-93C4-4BCD-93E2-E3B085C9AB24}">
+                <p16:designElem xmlns:p16="http://schemas.microsoft.com/office/powerpoint/2015/main" val="1"/>
+              </p:ext>
+            </p:extLst>
+          </p:nvPr>
+        </p:nvSpPr>
+        <p:spPr>
+          <a:xfrm>
+            <a:off x="3048" y="0"/>
+            <a:ext cx="12188952" cy="6858000"/>
+          </a:xfrm>
+          <a:prstGeom prst="rect">
+            <a:avLst/>
+          </a:prstGeom>
+          <a:ln>
+            <a:noFill/>
+          </a:ln>
+        </p:spPr>
+        <p:style>
+          <a:lnRef idx="2">
+            <a:schemeClr val="accent1">
+              <a:shade val="50000"/>
+            </a:schemeClr>
+          </a:lnRef>
+          <a:fillRef idx="1">
+            <a:schemeClr val="accent1"/>
+          </a:fillRef>
+          <a:effectRef idx="0">
+            <a:schemeClr val="accent1"/>
+          </a:effectRef>
+          <a:fontRef idx="minor">
+            <a:schemeClr val="lt1"/>
+          </a:fontRef>
+        </p:style>
+        <p:txBody>
+          <a:bodyPr rtlCol="0" anchor="ctr"/>
+          <a:lstStyle/>
+          <a:p>
+            <a:pPr algn="ctr"/>
+            <a:endParaRPr lang="en-US"/>
+          </a:p>
+        </p:txBody>
+      </p:sp>
+      <p:sp>
+        <p:nvSpPr>
+          <p:cNvPr id="10" name="Freeform: Shape 9">
+            <a:extLst>
+              <a:ext uri="{FF2B5EF4-FFF2-40B4-BE49-F238E27FC236}">
+                <a16:creationId xmlns:a16="http://schemas.microsoft.com/office/drawing/2014/main" id="{DAAE4CDD-124C-4DCF-9584-B6033B545DD5}"/>
+              </a:ext>
+              <a:ext uri="{C183D7F6-B498-43B3-948B-1728B52AA6E4}">
+                <adec:decorative xmlns:adec="http://schemas.microsoft.com/office/drawing/2017/decorative" val="1"/>
+              </a:ext>
+            </a:extLst>
+          </p:cNvPr>
+          <p:cNvSpPr>
+            <a:spLocks noGrp="1" noRot="1" noChangeAspect="1" noMove="1" noResize="1" noEditPoints="1" noAdjustHandles="1" noChangeArrowheads="1" noChangeShapeType="1" noTextEdit="1"/>
+          </p:cNvSpPr>
+          <p:nvPr>
+            <p:extLst>
+              <p:ext uri="{386F3935-93C4-4BCD-93E2-E3B085C9AB24}">
+                <p16:designElem xmlns:p16="http://schemas.microsoft.com/office/powerpoint/2015/main" val="1"/>
+              </p:ext>
+            </p:extLst>
+          </p:nvPr>
+        </p:nvSpPr>
+        <p:spPr>
+          <a:xfrm>
+            <a:off x="1" y="0"/>
+            <a:ext cx="4167271" cy="6858000"/>
+          </a:xfrm>
+          <a:custGeom>
+            <a:avLst/>
+            <a:gdLst>
+              <a:gd name="connsiteX0" fmla="*/ 0 w 4167271"/>
+              <a:gd name="connsiteY0" fmla="*/ 0 h 6858000"/>
+              <a:gd name="connsiteX1" fmla="*/ 2259550 w 4167271"/>
+              <a:gd name="connsiteY1" fmla="*/ 0 h 6858000"/>
+              <a:gd name="connsiteX2" fmla="*/ 2387803 w 4167271"/>
+              <a:gd name="connsiteY2" fmla="*/ 82222 h 6858000"/>
+              <a:gd name="connsiteX3" fmla="*/ 4167271 w 4167271"/>
+              <a:gd name="connsiteY3" fmla="*/ 3429000 h 6858000"/>
+              <a:gd name="connsiteX4" fmla="*/ 2387803 w 4167271"/>
+              <a:gd name="connsiteY4" fmla="*/ 6775779 h 6858000"/>
+              <a:gd name="connsiteX5" fmla="*/ 2259550 w 4167271"/>
+              <a:gd name="connsiteY5" fmla="*/ 6858000 h 6858000"/>
+              <a:gd name="connsiteX6" fmla="*/ 0 w 4167271"/>
+              <a:gd name="connsiteY6" fmla="*/ 6858000 h 6858000"/>
+            </a:gdLst>
+            <a:ahLst/>
+            <a:cxnLst>
+              <a:cxn ang="0">
+                <a:pos x="connsiteX0" y="connsiteY0"/>
+              </a:cxn>
+              <a:cxn ang="0">
+                <a:pos x="connsiteX1" y="connsiteY1"/>
+              </a:cxn>
+              <a:cxn ang="0">
+                <a:pos x="connsiteX2" y="connsiteY2"/>
+              </a:cxn>
+              <a:cxn ang="0">
+                <a:pos x="connsiteX3" y="connsiteY3"/>
+              </a:cxn>
+              <a:cxn ang="0">
+                <a:pos x="connsiteX4" y="connsiteY4"/>
+              </a:cxn>
+              <a:cxn ang="0">
+                <a:pos x="connsiteX5" y="connsiteY5"/>
+              </a:cxn>
+              <a:cxn ang="0">
+                <a:pos x="connsiteX6" y="connsiteY6"/>
+              </a:cxn>
+            </a:cxnLst>
+            <a:rect l="l" t="t" r="r" b="b"/>
+            <a:pathLst>
+              <a:path w="4167271" h="6858000">
+                <a:moveTo>
+                  <a:pt x="0" y="0"/>
+                </a:moveTo>
+                <a:lnTo>
+                  <a:pt x="2259550" y="0"/>
+                </a:lnTo>
+                <a:lnTo>
+                  <a:pt x="2387803" y="82222"/>
+                </a:lnTo>
+                <a:cubicBezTo>
+                  <a:pt x="3461407" y="807534"/>
+                  <a:pt x="4167271" y="2035835"/>
+                  <a:pt x="4167271" y="3429000"/>
+                </a:cubicBezTo>
+                <a:cubicBezTo>
+                  <a:pt x="4167271" y="4822165"/>
+                  <a:pt x="3461407" y="6050467"/>
+                  <a:pt x="2387803" y="6775779"/>
+                </a:cubicBezTo>
+                <a:lnTo>
+                  <a:pt x="2259550" y="6858000"/>
+                </a:lnTo>
+                <a:lnTo>
+                  <a:pt x="0" y="6858000"/>
+                </a:lnTo>
+                <a:close/>
+              </a:path>
+            </a:pathLst>
+          </a:custGeom>
+          <a:solidFill>
+            <a:schemeClr val="accent2"/>
+          </a:solidFill>
+          <a:ln>
+            <a:noFill/>
+          </a:ln>
+        </p:spPr>
+        <p:style>
+          <a:lnRef idx="2">
+            <a:schemeClr val="accent1">
+              <a:shade val="50000"/>
+            </a:schemeClr>
+          </a:lnRef>
+          <a:fillRef idx="1">
+            <a:schemeClr val="accent1"/>
+          </a:fillRef>
+          <a:effectRef idx="0">
+            <a:schemeClr val="accent1"/>
+          </a:effectRef>
+          <a:fontRef idx="minor">
+            <a:schemeClr val="lt1"/>
+          </a:fontRef>
+        </p:style>
+        <p:txBody>
+          <a:bodyPr rtlCol="0" anchor="ctr"/>
+          <a:lstStyle/>
+          <a:p>
+            <a:pPr algn="ctr"/>
+            <a:endParaRPr lang="en-US"/>
+          </a:p>
+        </p:txBody>
+      </p:sp>
+      <p:sp>
+        <p:nvSpPr>
+          <p:cNvPr id="2" name="Title 1">
+            <a:extLst>
+              <a:ext uri="{FF2B5EF4-FFF2-40B4-BE49-F238E27FC236}">
+                <a16:creationId xmlns:a16="http://schemas.microsoft.com/office/drawing/2014/main" id="{B835FFD8-5E0F-7942-9490-15F0906B9B3C}"/>
+              </a:ext>
+            </a:extLst>
+          </p:cNvPr>
+          <p:cNvSpPr>
+            <a:spLocks noGrp="1"/>
+          </p:cNvSpPr>
+          <p:nvPr>
+            <p:ph type="title"/>
+          </p:nvPr>
+        </p:nvSpPr>
+        <p:spPr>
+          <a:xfrm>
+            <a:off x="686834" y="1153572"/>
+            <a:ext cx="3200400" cy="4461163"/>
+          </a:xfrm>
+        </p:spPr>
+        <p:txBody>
+          <a:bodyPr>
+            <a:normAutofit/>
+          </a:bodyPr>
+          <a:lstStyle/>
+          <a:p>
+            <a:r>
+              <a:rPr lang="en-US" dirty="0">
+                <a:solidFill>
+                  <a:srgbClr val="FFFFFF"/>
+                </a:solidFill>
+              </a:rPr>
+              <a:t>Example of a Sudoku</a:t>
+            </a:r>
+          </a:p>
+        </p:txBody>
+      </p:sp>
+      <p:sp>
+        <p:nvSpPr>
+          <p:cNvPr id="12" name="Arc 11">
+            <a:extLst>
+              <a:ext uri="{FF2B5EF4-FFF2-40B4-BE49-F238E27FC236}">
+                <a16:creationId xmlns:a16="http://schemas.microsoft.com/office/drawing/2014/main" id="{081E4A58-353D-44AE-B2FC-2A74E2E400F7}"/>
+              </a:ext>
+              <a:ext uri="{C183D7F6-B498-43B3-948B-1728B52AA6E4}">
+                <adec:decorative xmlns:adec="http://schemas.microsoft.com/office/drawing/2017/decorative" val="1"/>
+              </a:ext>
+            </a:extLst>
+          </p:cNvPr>
+          <p:cNvSpPr>
+            <a:spLocks noGrp="1" noRot="1" noChangeAspect="1" noMove="1" noResize="1" noEditPoints="1" noAdjustHandles="1" noChangeArrowheads="1" noChangeShapeType="1" noTextEdit="1"/>
+          </p:cNvSpPr>
+          <p:nvPr>
+            <p:extLst>
+              <p:ext uri="{386F3935-93C4-4BCD-93E2-E3B085C9AB24}">
+                <p16:designElem xmlns:p16="http://schemas.microsoft.com/office/powerpoint/2015/main" val="1"/>
+              </p:ext>
+            </p:extLst>
+          </p:nvPr>
+        </p:nvSpPr>
+        <p:spPr>
+          <a:xfrm flipV="1">
+            <a:off x="7550402" y="2455479"/>
+            <a:ext cx="4083433" cy="4083433"/>
+          </a:xfrm>
+          <a:prstGeom prst="arc">
+            <a:avLst/>
+          </a:prstGeom>
+          <a:ln w="127000" cap="rnd">
+            <a:solidFill>
+              <a:schemeClr val="accent4"/>
+            </a:solidFill>
+            <a:prstDash val="dash"/>
+          </a:ln>
+        </p:spPr>
+        <p:style>
+          <a:lnRef idx="1">
+            <a:schemeClr val="accent1"/>
+          </a:lnRef>
+          <a:fillRef idx="0">
+            <a:schemeClr val="accent1"/>
+          </a:fillRef>
+          <a:effectRef idx="0">
+            <a:schemeClr val="accent1"/>
+          </a:effectRef>
+          <a:fontRef idx="minor">
+            <a:schemeClr val="tx1"/>
+          </a:fontRef>
+        </p:style>
+        <p:txBody>
+          <a:bodyPr rtlCol="0" anchor="ctr"/>
+          <a:lstStyle/>
+          <a:p>
+            <a:pPr algn="ctr"/>
+            <a:endParaRPr lang="en-US" dirty="0"/>
+          </a:p>
+        </p:txBody>
+      </p:sp>
+      <p:pic>
+        <p:nvPicPr>
+          <p:cNvPr id="4" name="Content Placeholder 3">
+            <a:extLst>
+              <a:ext uri="{FF2B5EF4-FFF2-40B4-BE49-F238E27FC236}">
+                <a16:creationId xmlns:a16="http://schemas.microsoft.com/office/drawing/2014/main" id="{053B3B24-900A-C24C-BD2A-04B6EE9AA3DC}"/>
+              </a:ext>
+            </a:extLst>
+          </p:cNvPr>
+          <p:cNvPicPr>
+            <a:picLocks noGrp="1" noChangeAspect="1"/>
+          </p:cNvPicPr>
+          <p:nvPr>
+            <p:ph idx="1"/>
+          </p:nvPr>
+        </p:nvPicPr>
+        <p:blipFill>
+          <a:blip r:embed="rId2"/>
+          <a:stretch>
+            <a:fillRect/>
+          </a:stretch>
+        </p:blipFill>
+        <p:spPr>
+          <a:xfrm>
+            <a:off x="4851058" y="648629"/>
+            <a:ext cx="5560742" cy="5560742"/>
+          </a:xfrm>
+          <a:prstGeom prst="rect">
+            <a:avLst/>
+          </a:prstGeom>
+        </p:spPr>
+      </p:pic>
+    </p:spTree>
+    <p:extLst>
+      <p:ext uri="{BB962C8B-B14F-4D97-AF65-F5344CB8AC3E}">
+        <p14:creationId xmlns:p14="http://schemas.microsoft.com/office/powerpoint/2010/main" val="724084016"/>
+      </p:ext>
+    </p:extLst>
+  </p:cSld>
+  <p:clrMapOvr>
+    <a:masterClrMapping/>
+  </p:clrMapOvr>
+</p:sld>
+</file>
+
+<file path=ppt/slides/slide4.xml><?xml version="1.0" encoding="utf-8"?>
+<p:sld xmlns:a="http://schemas.openxmlformats.org/drawingml/2006/main" xmlns:r="http://schemas.openxmlformats.org/officeDocument/2006/relationships" xmlns:p="http://schemas.openxmlformats.org/presentationml/2006/main">
+  <p:cSld>
+    <p:bg>
+      <p:bgPr>
+        <a:solidFill>
+          <a:schemeClr val="bg1"/>
+        </a:solidFill>
+        <a:effectLst/>
+      </p:bgPr>
+    </p:bg>
+    <p:spTree>
+      <p:nvGrpSpPr>
+        <p:cNvPr id="1" name=""/>
+        <p:cNvGrpSpPr/>
+        <p:nvPr/>
+      </p:nvGrpSpPr>
+      <p:grpSpPr>
+        <a:xfrm>
+          <a:off x="0" y="0"/>
+          <a:ext cx="0" cy="0"/>
+          <a:chOff x="0" y="0"/>
+          <a:chExt cx="0" cy="0"/>
+        </a:xfrm>
+      </p:grpSpPr>
+      <p:sp useBgFill="1">
+        <p:nvSpPr>
+          <p:cNvPr id="8" name="Rectangle 7">
+            <a:extLst>
+              <a:ext uri="{FF2B5EF4-FFF2-40B4-BE49-F238E27FC236}">
+                <a16:creationId xmlns:a16="http://schemas.microsoft.com/office/drawing/2014/main" id="{907EF6B7-1338-4443-8C46-6A318D952DFD}"/>
+              </a:ext>
+              <a:ext uri="{C183D7F6-B498-43B3-948B-1728B52AA6E4}">
+                <adec:decorative xmlns:adec="http://schemas.microsoft.com/office/drawing/2017/decorative" val="1"/>
+              </a:ext>
+            </a:extLst>
+          </p:cNvPr>
+          <p:cNvSpPr>
+            <a:spLocks noGrp="1" noRot="1" noChangeAspect="1" noMove="1" noResize="1" noEditPoints="1" noAdjustHandles="1" noChangeArrowheads="1" noChangeShapeType="1" noTextEdit="1"/>
+          </p:cNvSpPr>
+          <p:nvPr>
+            <p:extLst>
+              <p:ext uri="{386F3935-93C4-4BCD-93E2-E3B085C9AB24}">
+                <p16:designElem xmlns:p16="http://schemas.microsoft.com/office/powerpoint/2015/main" val="1"/>
+              </p:ext>
+            </p:extLst>
+          </p:nvPr>
+        </p:nvSpPr>
+        <p:spPr>
+          <a:xfrm>
+            <a:off x="3048" y="0"/>
+            <a:ext cx="12188952" cy="6858000"/>
+          </a:xfrm>
+          <a:prstGeom prst="rect">
+            <a:avLst/>
+          </a:prstGeom>
+          <a:ln>
+            <a:noFill/>
+          </a:ln>
+        </p:spPr>
+        <p:style>
+          <a:lnRef idx="2">
+            <a:schemeClr val="accent1">
+              <a:shade val="50000"/>
+            </a:schemeClr>
+          </a:lnRef>
+          <a:fillRef idx="1">
+            <a:schemeClr val="accent1"/>
+          </a:fillRef>
+          <a:effectRef idx="0">
+            <a:schemeClr val="accent1"/>
+          </a:effectRef>
+          <a:fontRef idx="minor">
+            <a:schemeClr val="lt1"/>
+          </a:fontRef>
+        </p:style>
+        <p:txBody>
+          <a:bodyPr rtlCol="0" anchor="ctr"/>
+          <a:lstStyle/>
+          <a:p>
+            <a:pPr algn="ctr"/>
+            <a:endParaRPr lang="en-US"/>
+          </a:p>
+        </p:txBody>
+      </p:sp>
+      <p:sp>
+        <p:nvSpPr>
+          <p:cNvPr id="10" name="Freeform: Shape 9">
+            <a:extLst>
+              <a:ext uri="{FF2B5EF4-FFF2-40B4-BE49-F238E27FC236}">
+                <a16:creationId xmlns:a16="http://schemas.microsoft.com/office/drawing/2014/main" id="{DAAE4CDD-124C-4DCF-9584-B6033B545DD5}"/>
+              </a:ext>
+              <a:ext uri="{C183D7F6-B498-43B3-948B-1728B52AA6E4}">
+                <adec:decorative xmlns:adec="http://schemas.microsoft.com/office/drawing/2017/decorative" val="1"/>
+              </a:ext>
+            </a:extLst>
+          </p:cNvPr>
+          <p:cNvSpPr>
+            <a:spLocks noGrp="1" noRot="1" noChangeAspect="1" noMove="1" noResize="1" noEditPoints="1" noAdjustHandles="1" noChangeArrowheads="1" noChangeShapeType="1" noTextEdit="1"/>
+          </p:cNvSpPr>
+          <p:nvPr>
+            <p:extLst>
+              <p:ext uri="{386F3935-93C4-4BCD-93E2-E3B085C9AB24}">
+                <p16:designElem xmlns:p16="http://schemas.microsoft.com/office/powerpoint/2015/main" val="1"/>
+              </p:ext>
+            </p:extLst>
+          </p:nvPr>
+        </p:nvSpPr>
+        <p:spPr>
+          <a:xfrm>
+            <a:off x="1" y="0"/>
+            <a:ext cx="4167271" cy="6858000"/>
+          </a:xfrm>
+          <a:custGeom>
+            <a:avLst/>
+            <a:gdLst>
+              <a:gd name="connsiteX0" fmla="*/ 0 w 4167271"/>
+              <a:gd name="connsiteY0" fmla="*/ 0 h 6858000"/>
+              <a:gd name="connsiteX1" fmla="*/ 2259550 w 4167271"/>
+              <a:gd name="connsiteY1" fmla="*/ 0 h 6858000"/>
+              <a:gd name="connsiteX2" fmla="*/ 2387803 w 4167271"/>
+              <a:gd name="connsiteY2" fmla="*/ 82222 h 6858000"/>
+              <a:gd name="connsiteX3" fmla="*/ 4167271 w 4167271"/>
+              <a:gd name="connsiteY3" fmla="*/ 3429000 h 6858000"/>
+              <a:gd name="connsiteX4" fmla="*/ 2387803 w 4167271"/>
+              <a:gd name="connsiteY4" fmla="*/ 6775779 h 6858000"/>
+              <a:gd name="connsiteX5" fmla="*/ 2259550 w 4167271"/>
+              <a:gd name="connsiteY5" fmla="*/ 6858000 h 6858000"/>
+              <a:gd name="connsiteX6" fmla="*/ 0 w 4167271"/>
+              <a:gd name="connsiteY6" fmla="*/ 6858000 h 6858000"/>
+            </a:gdLst>
+            <a:ahLst/>
+            <a:cxnLst>
+              <a:cxn ang="0">
+                <a:pos x="connsiteX0" y="connsiteY0"/>
+              </a:cxn>
+              <a:cxn ang="0">
+                <a:pos x="connsiteX1" y="connsiteY1"/>
+              </a:cxn>
+              <a:cxn ang="0">
+                <a:pos x="connsiteX2" y="connsiteY2"/>
+              </a:cxn>
+              <a:cxn ang="0">
+                <a:pos x="connsiteX3" y="connsiteY3"/>
+              </a:cxn>
+              <a:cxn ang="0">
+                <a:pos x="connsiteX4" y="connsiteY4"/>
+              </a:cxn>
+              <a:cxn ang="0">
+                <a:pos x="connsiteX5" y="connsiteY5"/>
+              </a:cxn>
+              <a:cxn ang="0">
+                <a:pos x="connsiteX6" y="connsiteY6"/>
+              </a:cxn>
+            </a:cxnLst>
+            <a:rect l="l" t="t" r="r" b="b"/>
+            <a:pathLst>
+              <a:path w="4167271" h="6858000">
+                <a:moveTo>
+                  <a:pt x="0" y="0"/>
+                </a:moveTo>
+                <a:lnTo>
+                  <a:pt x="2259550" y="0"/>
+                </a:lnTo>
+                <a:lnTo>
+                  <a:pt x="2387803" y="82222"/>
+                </a:lnTo>
+                <a:cubicBezTo>
+                  <a:pt x="3461407" y="807534"/>
+                  <a:pt x="4167271" y="2035835"/>
+                  <a:pt x="4167271" y="3429000"/>
+                </a:cubicBezTo>
+                <a:cubicBezTo>
+                  <a:pt x="4167271" y="4822165"/>
+                  <a:pt x="3461407" y="6050467"/>
+                  <a:pt x="2387803" y="6775779"/>
+                </a:cubicBezTo>
+                <a:lnTo>
+                  <a:pt x="2259550" y="6858000"/>
+                </a:lnTo>
+                <a:lnTo>
+                  <a:pt x="0" y="6858000"/>
+                </a:lnTo>
+                <a:close/>
+              </a:path>
+            </a:pathLst>
+          </a:custGeom>
+          <a:solidFill>
+            <a:schemeClr val="accent2"/>
+          </a:solidFill>
+          <a:ln>
+            <a:noFill/>
+          </a:ln>
+        </p:spPr>
+        <p:style>
+          <a:lnRef idx="2">
+            <a:schemeClr val="accent1">
+              <a:shade val="50000"/>
+            </a:schemeClr>
+          </a:lnRef>
+          <a:fillRef idx="1">
+            <a:schemeClr val="accent1"/>
+          </a:fillRef>
+          <a:effectRef idx="0">
+            <a:schemeClr val="accent1"/>
+          </a:effectRef>
+          <a:fontRef idx="minor">
+            <a:schemeClr val="lt1"/>
+          </a:fontRef>
+        </p:style>
+        <p:txBody>
+          <a:bodyPr rtlCol="0" anchor="ctr"/>
+          <a:lstStyle/>
+          <a:p>
+            <a:pPr algn="ctr"/>
+            <a:endParaRPr lang="en-US"/>
+          </a:p>
+        </p:txBody>
+      </p:sp>
+      <p:sp>
+        <p:nvSpPr>
+          <p:cNvPr id="2" name="Title 1">
+            <a:extLst>
+              <a:ext uri="{FF2B5EF4-FFF2-40B4-BE49-F238E27FC236}">
+                <a16:creationId xmlns:a16="http://schemas.microsoft.com/office/drawing/2014/main" id="{EE821813-0501-574A-9A49-EC31009DCA1A}"/>
+              </a:ext>
+            </a:extLst>
+          </p:cNvPr>
+          <p:cNvSpPr>
+            <a:spLocks noGrp="1"/>
+          </p:cNvSpPr>
+          <p:nvPr>
+            <p:ph type="title"/>
+          </p:nvPr>
+        </p:nvSpPr>
+        <p:spPr>
+          <a:xfrm>
+            <a:off x="686834" y="1153572"/>
+            <a:ext cx="3200400" cy="4461163"/>
+          </a:xfrm>
+        </p:spPr>
+        <p:txBody>
+          <a:bodyPr>
+            <a:normAutofit/>
+          </a:bodyPr>
+          <a:lstStyle/>
+          <a:p>
+            <a:r>
+              <a:rPr lang="en-US" dirty="0">
+                <a:solidFill>
+                  <a:srgbClr val="FFFFFF"/>
+                </a:solidFill>
+              </a:rPr>
+              <a:t>What are POSIX Threads</a:t>
+            </a:r>
+          </a:p>
+        </p:txBody>
+      </p:sp>
+      <p:sp>
+        <p:nvSpPr>
+          <p:cNvPr id="12" name="Arc 11">
+            <a:extLst>
+              <a:ext uri="{FF2B5EF4-FFF2-40B4-BE49-F238E27FC236}">
+                <a16:creationId xmlns:a16="http://schemas.microsoft.com/office/drawing/2014/main" id="{081E4A58-353D-44AE-B2FC-2A74E2E400F7}"/>
+              </a:ext>
+              <a:ext uri="{C183D7F6-B498-43B3-948B-1728B52AA6E4}">
+                <adec:decorative xmlns:adec="http://schemas.microsoft.com/office/drawing/2017/decorative" val="1"/>
+              </a:ext>
+            </a:extLst>
+          </p:cNvPr>
+          <p:cNvSpPr>
+            <a:spLocks noGrp="1" noRot="1" noChangeAspect="1" noMove="1" noResize="1" noEditPoints="1" noAdjustHandles="1" noChangeArrowheads="1" noChangeShapeType="1" noTextEdit="1"/>
+          </p:cNvSpPr>
+          <p:nvPr>
+            <p:extLst>
+              <p:ext uri="{386F3935-93C4-4BCD-93E2-E3B085C9AB24}">
+                <p16:designElem xmlns:p16="http://schemas.microsoft.com/office/powerpoint/2015/main" val="1"/>
+              </p:ext>
+            </p:extLst>
+          </p:nvPr>
+        </p:nvSpPr>
+        <p:spPr>
+          <a:xfrm flipV="1">
+            <a:off x="7550402" y="2455479"/>
+            <a:ext cx="4083433" cy="4083433"/>
+          </a:xfrm>
+          <a:prstGeom prst="arc">
+            <a:avLst/>
+          </a:prstGeom>
+          <a:ln w="127000" cap="rnd">
+            <a:solidFill>
+              <a:schemeClr val="accent4"/>
+            </a:solidFill>
+            <a:prstDash val="dash"/>
+          </a:ln>
+        </p:spPr>
+        <p:style>
+          <a:lnRef idx="1">
+            <a:schemeClr val="accent1"/>
+          </a:lnRef>
+          <a:fillRef idx="0">
+            <a:schemeClr val="accent1"/>
+          </a:fillRef>
+          <a:effectRef idx="0">
+            <a:schemeClr val="accent1"/>
+          </a:effectRef>
+          <a:fontRef idx="minor">
+            <a:schemeClr val="tx1"/>
+          </a:fontRef>
+        </p:style>
+        <p:txBody>
+          <a:bodyPr rtlCol="0" anchor="ctr"/>
+          <a:lstStyle/>
+          <a:p>
+            <a:pPr algn="ctr"/>
+            <a:endParaRPr lang="en-US" dirty="0"/>
+          </a:p>
+        </p:txBody>
+      </p:sp>
+      <p:sp>
+        <p:nvSpPr>
+          <p:cNvPr id="3" name="Content Placeholder 2">
+            <a:extLst>
+              <a:ext uri="{FF2B5EF4-FFF2-40B4-BE49-F238E27FC236}">
+                <a16:creationId xmlns:a16="http://schemas.microsoft.com/office/drawing/2014/main" id="{6ACD56AF-AE04-9D47-9AF7-434F7C3BF3E6}"/>
+              </a:ext>
+            </a:extLst>
+          </p:cNvPr>
+          <p:cNvSpPr>
+            <a:spLocks noGrp="1"/>
+          </p:cNvSpPr>
+          <p:nvPr>
+            <p:ph idx="1"/>
+          </p:nvPr>
+        </p:nvSpPr>
+        <p:spPr>
+          <a:xfrm>
+            <a:off x="4447308" y="591344"/>
+            <a:ext cx="6906491" cy="5585619"/>
+          </a:xfrm>
+        </p:spPr>
+        <p:txBody>
+          <a:bodyPr anchor="ctr">
+            <a:normAutofit/>
+          </a:bodyPr>
+          <a:lstStyle/>
+          <a:p>
+            <a:r>
+              <a:rPr lang="en-US" dirty="0"/>
+              <a:t>In a Unix/Linux operating system, the C/C++ languages provide the POSIX thread(</a:t>
+            </a:r>
+            <a:r>
+              <a:rPr lang="en-US" b="1" dirty="0"/>
+              <a:t>pthread</a:t>
+            </a:r>
+            <a:r>
+              <a:rPr lang="en-US" dirty="0"/>
+              <a:t>) standard API(Application program Interface) for all thread related functions. It allows us to create multiple threads for concurrent process flow. </a:t>
+            </a:r>
+          </a:p>
+        </p:txBody>
+      </p:sp>
+    </p:spTree>
+    <p:extLst>
+      <p:ext uri="{BB962C8B-B14F-4D97-AF65-F5344CB8AC3E}">
+        <p14:creationId xmlns:p14="http://schemas.microsoft.com/office/powerpoint/2010/main" val="643163553"/>
+      </p:ext>
+    </p:extLst>
+  </p:cSld>
+  <p:clrMapOvr>
+    <a:masterClrMapping/>
+  </p:clrMapOvr>
+</p:sld>
+</file>
+
+<file path=ppt/slides/slide5.xml><?xml version="1.0" encoding="utf-8"?>
+<p:sld xmlns:a="http://schemas.openxmlformats.org/drawingml/2006/main" xmlns:r="http://schemas.openxmlformats.org/officeDocument/2006/relationships" xmlns:p="http://schemas.openxmlformats.org/presentationml/2006/main">
+  <p:cSld>
+    <p:bg>
+      <p:bgPr>
+        <a:solidFill>
+          <a:schemeClr val="bg1"/>
+        </a:solidFill>
+        <a:effectLst/>
+      </p:bgPr>
+    </p:bg>
+    <p:spTree>
+      <p:nvGrpSpPr>
+        <p:cNvPr id="1" name=""/>
+        <p:cNvGrpSpPr/>
+        <p:nvPr/>
+      </p:nvGrpSpPr>
+      <p:grpSpPr>
+        <a:xfrm>
+          <a:off x="0" y="0"/>
+          <a:ext cx="0" cy="0"/>
+          <a:chOff x="0" y="0"/>
+          <a:chExt cx="0" cy="0"/>
+        </a:xfrm>
+      </p:grpSpPr>
+      <p:sp useBgFill="1">
+        <p:nvSpPr>
+          <p:cNvPr id="8" name="Rectangle 7">
+            <a:extLst>
+              <a:ext uri="{FF2B5EF4-FFF2-40B4-BE49-F238E27FC236}">
+                <a16:creationId xmlns:a16="http://schemas.microsoft.com/office/drawing/2014/main" id="{907EF6B7-1338-4443-8C46-6A318D952DFD}"/>
+              </a:ext>
+              <a:ext uri="{C183D7F6-B498-43B3-948B-1728B52AA6E4}">
+                <adec:decorative xmlns:adec="http://schemas.microsoft.com/office/drawing/2017/decorative" val="1"/>
+              </a:ext>
+            </a:extLst>
+          </p:cNvPr>
+          <p:cNvSpPr>
+            <a:spLocks noGrp="1" noRot="1" noChangeAspect="1" noMove="1" noResize="1" noEditPoints="1" noAdjustHandles="1" noChangeArrowheads="1" noChangeShapeType="1" noTextEdit="1"/>
+          </p:cNvSpPr>
+          <p:nvPr>
+            <p:extLst>
+              <p:ext uri="{386F3935-93C4-4BCD-93E2-E3B085C9AB24}">
+                <p16:designElem xmlns:p16="http://schemas.microsoft.com/office/powerpoint/2015/main" val="1"/>
+              </p:ext>
+            </p:extLst>
+          </p:nvPr>
+        </p:nvSpPr>
+        <p:spPr>
+          <a:xfrm>
+            <a:off x="3048" y="0"/>
+            <a:ext cx="12188952" cy="6858000"/>
+          </a:xfrm>
+          <a:prstGeom prst="rect">
+            <a:avLst/>
+          </a:prstGeom>
+          <a:ln>
+            <a:noFill/>
+          </a:ln>
+        </p:spPr>
+        <p:style>
+          <a:lnRef idx="2">
+            <a:schemeClr val="accent1">
+              <a:shade val="50000"/>
+            </a:schemeClr>
+          </a:lnRef>
+          <a:fillRef idx="1">
+            <a:schemeClr val="accent1"/>
+          </a:fillRef>
+          <a:effectRef idx="0">
+            <a:schemeClr val="accent1"/>
+          </a:effectRef>
+          <a:fontRef idx="minor">
+            <a:schemeClr val="lt1"/>
+          </a:fontRef>
+        </p:style>
+        <p:txBody>
+          <a:bodyPr rtlCol="0" anchor="ctr"/>
+          <a:lstStyle/>
+          <a:p>
+            <a:pPr algn="ctr"/>
+            <a:endParaRPr lang="en-US"/>
+          </a:p>
+        </p:txBody>
+      </p:sp>
+      <p:sp>
+        <p:nvSpPr>
+          <p:cNvPr id="10" name="Freeform: Shape 9">
+            <a:extLst>
+              <a:ext uri="{FF2B5EF4-FFF2-40B4-BE49-F238E27FC236}">
+                <a16:creationId xmlns:a16="http://schemas.microsoft.com/office/drawing/2014/main" id="{DAAE4CDD-124C-4DCF-9584-B6033B545DD5}"/>
+              </a:ext>
+              <a:ext uri="{C183D7F6-B498-43B3-948B-1728B52AA6E4}">
+                <adec:decorative xmlns:adec="http://schemas.microsoft.com/office/drawing/2017/decorative" val="1"/>
+              </a:ext>
+            </a:extLst>
+          </p:cNvPr>
+          <p:cNvSpPr>
+            <a:spLocks noGrp="1" noRot="1" noChangeAspect="1" noMove="1" noResize="1" noEditPoints="1" noAdjustHandles="1" noChangeArrowheads="1" noChangeShapeType="1" noTextEdit="1"/>
+          </p:cNvSpPr>
+          <p:nvPr>
+            <p:extLst>
+              <p:ext uri="{386F3935-93C4-4BCD-93E2-E3B085C9AB24}">
+                <p16:designElem xmlns:p16="http://schemas.microsoft.com/office/powerpoint/2015/main" val="1"/>
+              </p:ext>
+            </p:extLst>
+          </p:nvPr>
+        </p:nvSpPr>
+        <p:spPr>
+          <a:xfrm>
+            <a:off x="1" y="0"/>
+            <a:ext cx="4167271" cy="6858000"/>
+          </a:xfrm>
+          <a:custGeom>
+            <a:avLst/>
+            <a:gdLst>
+              <a:gd name="connsiteX0" fmla="*/ 0 w 4167271"/>
+              <a:gd name="connsiteY0" fmla="*/ 0 h 6858000"/>
+              <a:gd name="connsiteX1" fmla="*/ 2259550 w 4167271"/>
+              <a:gd name="connsiteY1" fmla="*/ 0 h 6858000"/>
+              <a:gd name="connsiteX2" fmla="*/ 2387803 w 4167271"/>
+              <a:gd name="connsiteY2" fmla="*/ 82222 h 6858000"/>
+              <a:gd name="connsiteX3" fmla="*/ 4167271 w 4167271"/>
+              <a:gd name="connsiteY3" fmla="*/ 3429000 h 6858000"/>
+              <a:gd name="connsiteX4" fmla="*/ 2387803 w 4167271"/>
+              <a:gd name="connsiteY4" fmla="*/ 6775779 h 6858000"/>
+              <a:gd name="connsiteX5" fmla="*/ 2259550 w 4167271"/>
+              <a:gd name="connsiteY5" fmla="*/ 6858000 h 6858000"/>
+              <a:gd name="connsiteX6" fmla="*/ 0 w 4167271"/>
+              <a:gd name="connsiteY6" fmla="*/ 6858000 h 6858000"/>
+            </a:gdLst>
+            <a:ahLst/>
+            <a:cxnLst>
+              <a:cxn ang="0">
+                <a:pos x="connsiteX0" y="connsiteY0"/>
+              </a:cxn>
+              <a:cxn ang="0">
+                <a:pos x="connsiteX1" y="connsiteY1"/>
+              </a:cxn>
+              <a:cxn ang="0">
+                <a:pos x="connsiteX2" y="connsiteY2"/>
+              </a:cxn>
+              <a:cxn ang="0">
+                <a:pos x="connsiteX3" y="connsiteY3"/>
+              </a:cxn>
+              <a:cxn ang="0">
+                <a:pos x="connsiteX4" y="connsiteY4"/>
+              </a:cxn>
+              <a:cxn ang="0">
+                <a:pos x="connsiteX5" y="connsiteY5"/>
+              </a:cxn>
+              <a:cxn ang="0">
+                <a:pos x="connsiteX6" y="connsiteY6"/>
+              </a:cxn>
+            </a:cxnLst>
+            <a:rect l="l" t="t" r="r" b="b"/>
+            <a:pathLst>
+              <a:path w="4167271" h="6858000">
+                <a:moveTo>
+                  <a:pt x="0" y="0"/>
+                </a:moveTo>
+                <a:lnTo>
+                  <a:pt x="2259550" y="0"/>
+                </a:lnTo>
+                <a:lnTo>
+                  <a:pt x="2387803" y="82222"/>
+                </a:lnTo>
+                <a:cubicBezTo>
+                  <a:pt x="3461407" y="807534"/>
+                  <a:pt x="4167271" y="2035835"/>
+                  <a:pt x="4167271" y="3429000"/>
+                </a:cubicBezTo>
+                <a:cubicBezTo>
+                  <a:pt x="4167271" y="4822165"/>
+                  <a:pt x="3461407" y="6050467"/>
+                  <a:pt x="2387803" y="6775779"/>
+                </a:cubicBezTo>
+                <a:lnTo>
+                  <a:pt x="2259550" y="6858000"/>
+                </a:lnTo>
+                <a:lnTo>
+                  <a:pt x="0" y="6858000"/>
+                </a:lnTo>
+                <a:close/>
+              </a:path>
+            </a:pathLst>
+          </a:custGeom>
+          <a:solidFill>
+            <a:schemeClr val="accent2"/>
+          </a:solidFill>
+          <a:ln>
+            <a:noFill/>
+          </a:ln>
+        </p:spPr>
+        <p:style>
+          <a:lnRef idx="2">
+            <a:schemeClr val="accent1">
+              <a:shade val="50000"/>
+            </a:schemeClr>
+          </a:lnRef>
+          <a:fillRef idx="1">
+            <a:schemeClr val="accent1"/>
+          </a:fillRef>
+          <a:effectRef idx="0">
+            <a:schemeClr val="accent1"/>
+          </a:effectRef>
+          <a:fontRef idx="minor">
+            <a:schemeClr val="lt1"/>
+          </a:fontRef>
+        </p:style>
+        <p:txBody>
+          <a:bodyPr rtlCol="0" anchor="ctr"/>
+          <a:lstStyle/>
+          <a:p>
+            <a:pPr algn="ctr"/>
+            <a:endParaRPr lang="en-US"/>
+          </a:p>
+        </p:txBody>
+      </p:sp>
+      <p:sp>
+        <p:nvSpPr>
+          <p:cNvPr id="2" name="Title 1">
+            <a:extLst>
+              <a:ext uri="{FF2B5EF4-FFF2-40B4-BE49-F238E27FC236}">
+                <a16:creationId xmlns:a16="http://schemas.microsoft.com/office/drawing/2014/main" id="{3607D95B-6714-C640-B35E-F4FB02C56F82}"/>
+              </a:ext>
+            </a:extLst>
+          </p:cNvPr>
+          <p:cNvSpPr>
+            <a:spLocks noGrp="1"/>
+          </p:cNvSpPr>
+          <p:nvPr>
+            <p:ph type="title"/>
+          </p:nvPr>
+        </p:nvSpPr>
+        <p:spPr>
+          <a:xfrm>
+            <a:off x="686834" y="1153572"/>
+            <a:ext cx="3200400" cy="4461163"/>
+          </a:xfrm>
+        </p:spPr>
+        <p:txBody>
+          <a:bodyPr>
+            <a:normAutofit/>
+          </a:bodyPr>
+          <a:lstStyle/>
+          <a:p>
+            <a:r>
+              <a:rPr lang="en-US" dirty="0">
+                <a:solidFill>
+                  <a:srgbClr val="FFFFFF"/>
+                </a:solidFill>
+              </a:rPr>
+              <a:t>Benefits of Pthreads </a:t>
+            </a:r>
+          </a:p>
+        </p:txBody>
+      </p:sp>
+      <p:sp>
+        <p:nvSpPr>
+          <p:cNvPr id="12" name="Arc 11">
+            <a:extLst>
+              <a:ext uri="{FF2B5EF4-FFF2-40B4-BE49-F238E27FC236}">
+                <a16:creationId xmlns:a16="http://schemas.microsoft.com/office/drawing/2014/main" id="{081E4A58-353D-44AE-B2FC-2A74E2E400F7}"/>
+              </a:ext>
+              <a:ext uri="{C183D7F6-B498-43B3-948B-1728B52AA6E4}">
+                <adec:decorative xmlns:adec="http://schemas.microsoft.com/office/drawing/2017/decorative" val="1"/>
+              </a:ext>
+            </a:extLst>
+          </p:cNvPr>
+          <p:cNvSpPr>
+            <a:spLocks noGrp="1" noRot="1" noChangeAspect="1" noMove="1" noResize="1" noEditPoints="1" noAdjustHandles="1" noChangeArrowheads="1" noChangeShapeType="1" noTextEdit="1"/>
+          </p:cNvSpPr>
+          <p:nvPr>
+            <p:extLst>
+              <p:ext uri="{386F3935-93C4-4BCD-93E2-E3B085C9AB24}">
+                <p16:designElem xmlns:p16="http://schemas.microsoft.com/office/powerpoint/2015/main" val="1"/>
+              </p:ext>
+            </p:extLst>
+          </p:nvPr>
+        </p:nvSpPr>
+        <p:spPr>
+          <a:xfrm flipV="1">
+            <a:off x="7550402" y="2455479"/>
+            <a:ext cx="4083433" cy="4083433"/>
+          </a:xfrm>
+          <a:prstGeom prst="arc">
+            <a:avLst/>
+          </a:prstGeom>
+          <a:ln w="127000" cap="rnd">
+            <a:solidFill>
+              <a:schemeClr val="accent4"/>
+            </a:solidFill>
+            <a:prstDash val="dash"/>
+          </a:ln>
+        </p:spPr>
+        <p:style>
+          <a:lnRef idx="1">
+            <a:schemeClr val="accent1"/>
+          </a:lnRef>
+          <a:fillRef idx="0">
+            <a:schemeClr val="accent1"/>
+          </a:fillRef>
+          <a:effectRef idx="0">
+            <a:schemeClr val="accent1"/>
+          </a:effectRef>
+          <a:fontRef idx="minor">
+            <a:schemeClr val="tx1"/>
+          </a:fontRef>
+        </p:style>
+        <p:txBody>
+          <a:bodyPr rtlCol="0" anchor="ctr"/>
+          <a:lstStyle/>
+          <a:p>
+            <a:pPr algn="ctr"/>
+            <a:endParaRPr lang="en-US" dirty="0"/>
+          </a:p>
+        </p:txBody>
+      </p:sp>
+      <p:sp>
+        <p:nvSpPr>
+          <p:cNvPr id="3" name="Content Placeholder 2">
+            <a:extLst>
+              <a:ext uri="{FF2B5EF4-FFF2-40B4-BE49-F238E27FC236}">
+                <a16:creationId xmlns:a16="http://schemas.microsoft.com/office/drawing/2014/main" id="{3666F841-3205-AD4F-B9A8-466CEBB5C010}"/>
+              </a:ext>
+            </a:extLst>
+          </p:cNvPr>
+          <p:cNvSpPr>
+            <a:spLocks noGrp="1"/>
+          </p:cNvSpPr>
+          <p:nvPr>
+            <p:ph idx="1"/>
+          </p:nvPr>
+        </p:nvSpPr>
+        <p:spPr>
+          <a:xfrm>
+            <a:off x="4447308" y="591344"/>
+            <a:ext cx="6906491" cy="5585619"/>
+          </a:xfrm>
+        </p:spPr>
+        <p:txBody>
+          <a:bodyPr anchor="ctr">
+            <a:normAutofit/>
+          </a:bodyPr>
+          <a:lstStyle/>
+          <a:p>
+            <a:r>
+              <a:rPr lang="en-US" dirty="0"/>
+              <a:t>Improve program performance</a:t>
+            </a:r>
+          </a:p>
+          <a:p>
+            <a:r>
+              <a:rPr lang="en-US" dirty="0"/>
+              <a:t>Reduce system overhead</a:t>
+            </a:r>
+          </a:p>
+          <a:p>
+            <a:r>
+              <a:rPr lang="en-US" dirty="0"/>
+              <a:t>Improve communication efficiency</a:t>
+            </a:r>
+          </a:p>
+          <a:p>
+            <a:r>
+              <a:rPr lang="en-US" dirty="0"/>
+              <a:t>Increase execution alternatives</a:t>
+            </a:r>
+          </a:p>
+          <a:p>
+            <a:r>
+              <a:rPr lang="en-US" dirty="0"/>
+              <a:t>Exploit potential parallelism</a:t>
+            </a:r>
+          </a:p>
+        </p:txBody>
+      </p:sp>
+    </p:spTree>
+    <p:extLst>
+      <p:ext uri="{BB962C8B-B14F-4D97-AF65-F5344CB8AC3E}">
+        <p14:creationId xmlns:p14="http://schemas.microsoft.com/office/powerpoint/2010/main" val="1027206992"/>
+      </p:ext>
+    </p:extLst>
+  </p:cSld>
+  <p:clrMapOvr>
+    <a:masterClrMapping/>
+  </p:clrMapOvr>
+</p:sld>
+</file>
+
+<file path=ppt/slides/slide6.xml><?xml version="1.0" encoding="utf-8"?>
+<p:sld xmlns:a="http://schemas.openxmlformats.org/drawingml/2006/main" xmlns:r="http://schemas.openxmlformats.org/officeDocument/2006/relationships" xmlns:p="http://schemas.openxmlformats.org/presentationml/2006/main">
+  <p:cSld>
+    <p:bg>
+      <p:bgPr>
+        <a:solidFill>
+          <a:schemeClr val="bg1"/>
+        </a:solidFill>
+        <a:effectLst/>
+      </p:bgPr>
+    </p:bg>
+    <p:spTree>
+      <p:nvGrpSpPr>
+        <p:cNvPr id="1" name=""/>
+        <p:cNvGrpSpPr/>
+        <p:nvPr/>
+      </p:nvGrpSpPr>
+      <p:grpSpPr>
+        <a:xfrm>
+          <a:off x="0" y="0"/>
+          <a:ext cx="0" cy="0"/>
+          <a:chOff x="0" y="0"/>
+          <a:chExt cx="0" cy="0"/>
+        </a:xfrm>
+      </p:grpSpPr>
+      <p:sp useBgFill="1">
+        <p:nvSpPr>
+          <p:cNvPr id="8" name="Rectangle 7">
+            <a:extLst>
+              <a:ext uri="{FF2B5EF4-FFF2-40B4-BE49-F238E27FC236}">
+                <a16:creationId xmlns:a16="http://schemas.microsoft.com/office/drawing/2014/main" id="{907EF6B7-1338-4443-8C46-6A318D952DFD}"/>
+              </a:ext>
+              <a:ext uri="{C183D7F6-B498-43B3-948B-1728B52AA6E4}">
+                <adec:decorative xmlns:adec="http://schemas.microsoft.com/office/drawing/2017/decorative" val="1"/>
+              </a:ext>
+            </a:extLst>
+          </p:cNvPr>
+          <p:cNvSpPr>
+            <a:spLocks noGrp="1" noRot="1" noChangeAspect="1" noMove="1" noResize="1" noEditPoints="1" noAdjustHandles="1" noChangeArrowheads="1" noChangeShapeType="1" noTextEdit="1"/>
+          </p:cNvSpPr>
+          <p:nvPr>
+            <p:extLst>
+              <p:ext uri="{386F3935-93C4-4BCD-93E2-E3B085C9AB24}">
+                <p16:designElem xmlns:p16="http://schemas.microsoft.com/office/powerpoint/2015/main" val="1"/>
+              </p:ext>
+            </p:extLst>
+          </p:nvPr>
+        </p:nvSpPr>
+        <p:spPr>
+          <a:xfrm>
+            <a:off x="3048" y="0"/>
+            <a:ext cx="12188952" cy="6858000"/>
+          </a:xfrm>
+          <a:prstGeom prst="rect">
+            <a:avLst/>
+          </a:prstGeom>
+          <a:ln>
+            <a:noFill/>
+          </a:ln>
+        </p:spPr>
+        <p:style>
+          <a:lnRef idx="2">
+            <a:schemeClr val="accent1">
+              <a:shade val="50000"/>
+            </a:schemeClr>
+          </a:lnRef>
+          <a:fillRef idx="1">
+            <a:schemeClr val="accent1"/>
+          </a:fillRef>
+          <a:effectRef idx="0">
+            <a:schemeClr val="accent1"/>
+          </a:effectRef>
+          <a:fontRef idx="minor">
+            <a:schemeClr val="lt1"/>
+          </a:fontRef>
+        </p:style>
+        <p:txBody>
+          <a:bodyPr rtlCol="0" anchor="ctr"/>
+          <a:lstStyle/>
+          <a:p>
+            <a:pPr algn="ctr"/>
+            <a:endParaRPr lang="en-US"/>
+          </a:p>
+        </p:txBody>
+      </p:sp>
+      <p:sp>
+        <p:nvSpPr>
+          <p:cNvPr id="10" name="Freeform: Shape 9">
+            <a:extLst>
+              <a:ext uri="{FF2B5EF4-FFF2-40B4-BE49-F238E27FC236}">
+                <a16:creationId xmlns:a16="http://schemas.microsoft.com/office/drawing/2014/main" id="{DAAE4CDD-124C-4DCF-9584-B6033B545DD5}"/>
+              </a:ext>
+              <a:ext uri="{C183D7F6-B498-43B3-948B-1728B52AA6E4}">
+                <adec:decorative xmlns:adec="http://schemas.microsoft.com/office/drawing/2017/decorative" val="1"/>
+              </a:ext>
+            </a:extLst>
+          </p:cNvPr>
+          <p:cNvSpPr>
+            <a:spLocks noGrp="1" noRot="1" noChangeAspect="1" noMove="1" noResize="1" noEditPoints="1" noAdjustHandles="1" noChangeArrowheads="1" noChangeShapeType="1" noTextEdit="1"/>
+          </p:cNvSpPr>
+          <p:nvPr>
+            <p:extLst>
+              <p:ext uri="{386F3935-93C4-4BCD-93E2-E3B085C9AB24}">
+                <p16:designElem xmlns:p16="http://schemas.microsoft.com/office/powerpoint/2015/main" val="1"/>
+              </p:ext>
+            </p:extLst>
+          </p:nvPr>
+        </p:nvSpPr>
+        <p:spPr>
+          <a:xfrm>
+            <a:off x="1" y="0"/>
+            <a:ext cx="4167271" cy="6858000"/>
+          </a:xfrm>
+          <a:custGeom>
+            <a:avLst/>
+            <a:gdLst>
+              <a:gd name="connsiteX0" fmla="*/ 0 w 4167271"/>
+              <a:gd name="connsiteY0" fmla="*/ 0 h 6858000"/>
+              <a:gd name="connsiteX1" fmla="*/ 2259550 w 4167271"/>
+              <a:gd name="connsiteY1" fmla="*/ 0 h 6858000"/>
+              <a:gd name="connsiteX2" fmla="*/ 2387803 w 4167271"/>
+              <a:gd name="connsiteY2" fmla="*/ 82222 h 6858000"/>
+              <a:gd name="connsiteX3" fmla="*/ 4167271 w 4167271"/>
+              <a:gd name="connsiteY3" fmla="*/ 3429000 h 6858000"/>
+              <a:gd name="connsiteX4" fmla="*/ 2387803 w 4167271"/>
+              <a:gd name="connsiteY4" fmla="*/ 6775779 h 6858000"/>
+              <a:gd name="connsiteX5" fmla="*/ 2259550 w 4167271"/>
+              <a:gd name="connsiteY5" fmla="*/ 6858000 h 6858000"/>
+              <a:gd name="connsiteX6" fmla="*/ 0 w 4167271"/>
+              <a:gd name="connsiteY6" fmla="*/ 6858000 h 6858000"/>
+            </a:gdLst>
+            <a:ahLst/>
+            <a:cxnLst>
+              <a:cxn ang="0">
+                <a:pos x="connsiteX0" y="connsiteY0"/>
+              </a:cxn>
+              <a:cxn ang="0">
+                <a:pos x="connsiteX1" y="connsiteY1"/>
+              </a:cxn>
+              <a:cxn ang="0">
+                <a:pos x="connsiteX2" y="connsiteY2"/>
+              </a:cxn>
+              <a:cxn ang="0">
+                <a:pos x="connsiteX3" y="connsiteY3"/>
+              </a:cxn>
+              <a:cxn ang="0">
+                <a:pos x="connsiteX4" y="connsiteY4"/>
+              </a:cxn>
+              <a:cxn ang="0">
+                <a:pos x="connsiteX5" y="connsiteY5"/>
+              </a:cxn>
+              <a:cxn ang="0">
+                <a:pos x="connsiteX6" y="connsiteY6"/>
+              </a:cxn>
+            </a:cxnLst>
+            <a:rect l="l" t="t" r="r" b="b"/>
+            <a:pathLst>
+              <a:path w="4167271" h="6858000">
+                <a:moveTo>
+                  <a:pt x="0" y="0"/>
+                </a:moveTo>
+                <a:lnTo>
+                  <a:pt x="2259550" y="0"/>
+                </a:lnTo>
+                <a:lnTo>
+                  <a:pt x="2387803" y="82222"/>
+                </a:lnTo>
+                <a:cubicBezTo>
+                  <a:pt x="3461407" y="807534"/>
+                  <a:pt x="4167271" y="2035835"/>
+                  <a:pt x="4167271" y="3429000"/>
+                </a:cubicBezTo>
+                <a:cubicBezTo>
+                  <a:pt x="4167271" y="4822165"/>
+                  <a:pt x="3461407" y="6050467"/>
+                  <a:pt x="2387803" y="6775779"/>
+                </a:cubicBezTo>
+                <a:lnTo>
+                  <a:pt x="2259550" y="6858000"/>
+                </a:lnTo>
+                <a:lnTo>
+                  <a:pt x="0" y="6858000"/>
+                </a:lnTo>
+                <a:close/>
+              </a:path>
+            </a:pathLst>
+          </a:custGeom>
+          <a:solidFill>
+            <a:schemeClr val="accent2"/>
+          </a:solidFill>
+          <a:ln>
+            <a:noFill/>
+          </a:ln>
+        </p:spPr>
+        <p:style>
+          <a:lnRef idx="2">
+            <a:schemeClr val="accent1">
+              <a:shade val="50000"/>
+            </a:schemeClr>
+          </a:lnRef>
+          <a:fillRef idx="1">
+            <a:schemeClr val="accent1"/>
+          </a:fillRef>
+          <a:effectRef idx="0">
+            <a:schemeClr val="accent1"/>
+          </a:effectRef>
+          <a:fontRef idx="minor">
+            <a:schemeClr val="lt1"/>
+          </a:fontRef>
+        </p:style>
+        <p:txBody>
+          <a:bodyPr rtlCol="0" anchor="ctr"/>
+          <a:lstStyle/>
+          <a:p>
+            <a:pPr algn="ctr"/>
+            <a:endParaRPr lang="en-US"/>
+          </a:p>
+        </p:txBody>
+      </p:sp>
+      <p:sp>
+        <p:nvSpPr>
+          <p:cNvPr id="2" name="Title 1">
+            <a:extLst>
+              <a:ext uri="{FF2B5EF4-FFF2-40B4-BE49-F238E27FC236}">
+                <a16:creationId xmlns:a16="http://schemas.microsoft.com/office/drawing/2014/main" id="{5530367E-0517-E848-83C0-5DEDB69535C3}"/>
+              </a:ext>
+            </a:extLst>
+          </p:cNvPr>
+          <p:cNvSpPr>
+            <a:spLocks noGrp="1"/>
+          </p:cNvSpPr>
+          <p:nvPr>
+            <p:ph type="title"/>
+          </p:nvPr>
+        </p:nvSpPr>
+        <p:spPr>
+          <a:xfrm>
+            <a:off x="686834" y="1153572"/>
+            <a:ext cx="3200400" cy="4461163"/>
+          </a:xfrm>
+        </p:spPr>
+        <p:txBody>
+          <a:bodyPr>
+            <a:normAutofit/>
+          </a:bodyPr>
+          <a:lstStyle/>
+          <a:p>
+            <a:r>
+              <a:rPr lang="en-US">
+                <a:solidFill>
+                  <a:srgbClr val="FFFFFF"/>
+                </a:solidFill>
+              </a:rPr>
+              <a:t>Objective of Sudoku Solution Validator</a:t>
+            </a:r>
+          </a:p>
+        </p:txBody>
+      </p:sp>
+      <p:sp>
+        <p:nvSpPr>
+          <p:cNvPr id="12" name="Arc 11">
+            <a:extLst>
+              <a:ext uri="{FF2B5EF4-FFF2-40B4-BE49-F238E27FC236}">
+                <a16:creationId xmlns:a16="http://schemas.microsoft.com/office/drawing/2014/main" id="{081E4A58-353D-44AE-B2FC-2A74E2E400F7}"/>
+              </a:ext>
+              <a:ext uri="{C183D7F6-B498-43B3-948B-1728B52AA6E4}">
+                <adec:decorative xmlns:adec="http://schemas.microsoft.com/office/drawing/2017/decorative" val="1"/>
+              </a:ext>
+            </a:extLst>
+          </p:cNvPr>
+          <p:cNvSpPr>
+            <a:spLocks noGrp="1" noRot="1" noChangeAspect="1" noMove="1" noResize="1" noEditPoints="1" noAdjustHandles="1" noChangeArrowheads="1" noChangeShapeType="1" noTextEdit="1"/>
+          </p:cNvSpPr>
+          <p:nvPr>
+            <p:extLst>
+              <p:ext uri="{386F3935-93C4-4BCD-93E2-E3B085C9AB24}">
+                <p16:designElem xmlns:p16="http://schemas.microsoft.com/office/powerpoint/2015/main" val="1"/>
+              </p:ext>
+            </p:extLst>
+          </p:nvPr>
+        </p:nvSpPr>
+        <p:spPr>
+          <a:xfrm flipV="1">
+            <a:off x="7550402" y="2455479"/>
+            <a:ext cx="4083433" cy="4083433"/>
+          </a:xfrm>
+          <a:prstGeom prst="arc">
+            <a:avLst/>
+          </a:prstGeom>
+          <a:ln w="127000" cap="rnd">
+            <a:solidFill>
+              <a:schemeClr val="accent4"/>
+            </a:solidFill>
+            <a:prstDash val="dash"/>
+          </a:ln>
+        </p:spPr>
+        <p:style>
+          <a:lnRef idx="1">
+            <a:schemeClr val="accent1"/>
+          </a:lnRef>
+          <a:fillRef idx="0">
+            <a:schemeClr val="accent1"/>
+          </a:fillRef>
+          <a:effectRef idx="0">
+            <a:schemeClr val="accent1"/>
+          </a:effectRef>
+          <a:fontRef idx="minor">
+            <a:schemeClr val="tx1"/>
+          </a:fontRef>
+        </p:style>
+        <p:txBody>
+          <a:bodyPr rtlCol="0" anchor="ctr"/>
+          <a:lstStyle/>
+          <a:p>
+            <a:pPr algn="ctr"/>
+            <a:endParaRPr lang="en-US" dirty="0"/>
+          </a:p>
+        </p:txBody>
+      </p:sp>
+      <p:sp>
+        <p:nvSpPr>
+          <p:cNvPr id="3" name="Content Placeholder 2">
+            <a:extLst>
+              <a:ext uri="{FF2B5EF4-FFF2-40B4-BE49-F238E27FC236}">
+                <a16:creationId xmlns:a16="http://schemas.microsoft.com/office/drawing/2014/main" id="{F9749C6A-B226-674C-AA67-773451818AD9}"/>
+              </a:ext>
+            </a:extLst>
+          </p:cNvPr>
+          <p:cNvSpPr>
+            <a:spLocks noGrp="1"/>
+          </p:cNvSpPr>
+          <p:nvPr>
+            <p:ph idx="1"/>
+          </p:nvPr>
+        </p:nvSpPr>
+        <p:spPr>
+          <a:xfrm>
+            <a:off x="4447308" y="591344"/>
+            <a:ext cx="6906491" cy="5585619"/>
+          </a:xfrm>
+        </p:spPr>
+        <p:txBody>
+          <a:bodyPr anchor="ctr">
+            <a:normAutofit/>
+          </a:bodyPr>
+          <a:lstStyle/>
+          <a:p>
+            <a:r>
+              <a:rPr lang="en-US" dirty="0"/>
+              <a:t>The objective of this project is to design a multithreaded application to determine whether the solution to a Sudoku puzzle is valid. </a:t>
+            </a:r>
+          </a:p>
+          <a:p>
+            <a:r>
+              <a:rPr lang="en-US" dirty="0"/>
+              <a:t>To achieve this, we plan to create eleven threads in total where in two threads would check each column and each row contains the digits 1 through 9 respectively and nine other threads would check that each of the 3x3 sub-grids contains the digits 1 through 9. </a:t>
+            </a:r>
+          </a:p>
+        </p:txBody>
+      </p:sp>
+    </p:spTree>
+    <p:extLst>
+      <p:ext uri="{BB962C8B-B14F-4D97-AF65-F5344CB8AC3E}">
+        <p14:creationId xmlns:p14="http://schemas.microsoft.com/office/powerpoint/2010/main" val="3829114173"/>
+      </p:ext>
+    </p:extLst>
+  </p:cSld>
+  <p:clrMapOvr>
+    <a:masterClrMapping/>
+  </p:clrMapOvr>
+</p:sld>
+</file>
+
+<file path=ppt/slides/slide7.xml><?xml version="1.0" encoding="utf-8"?>
+<p:sld xmlns:a="http://schemas.openxmlformats.org/drawingml/2006/main" xmlns:r="http://schemas.openxmlformats.org/officeDocument/2006/relationships" xmlns:p="http://schemas.openxmlformats.org/presentationml/2006/main">
+  <p:cSld>
+    <p:bg>
+      <p:bgPr>
+        <a:solidFill>
+          <a:schemeClr val="bg1"/>
+        </a:solidFill>
+        <a:effectLst/>
+      </p:bgPr>
+    </p:bg>
+    <p:spTree>
+      <p:nvGrpSpPr>
+        <p:cNvPr id="1" name=""/>
+        <p:cNvGrpSpPr/>
+        <p:nvPr/>
+      </p:nvGrpSpPr>
+      <p:grpSpPr>
+        <a:xfrm>
+          <a:off x="0" y="0"/>
+          <a:ext cx="0" cy="0"/>
+          <a:chOff x="0" y="0"/>
+          <a:chExt cx="0" cy="0"/>
+        </a:xfrm>
+      </p:grpSpPr>
+      <p:sp useBgFill="1">
+        <p:nvSpPr>
+          <p:cNvPr id="14" name="Rectangle 7">
+            <a:extLst>
+              <a:ext uri="{FF2B5EF4-FFF2-40B4-BE49-F238E27FC236}">
+                <a16:creationId xmlns:a16="http://schemas.microsoft.com/office/drawing/2014/main" id="{907EF6B7-1338-4443-8C46-6A318D952DFD}"/>
+              </a:ext>
+              <a:ext uri="{C183D7F6-B498-43B3-948B-1728B52AA6E4}">
+                <adec:decorative xmlns:adec="http://schemas.microsoft.com/office/drawing/2017/decorative" val="1"/>
+              </a:ext>
+            </a:extLst>
+          </p:cNvPr>
+          <p:cNvSpPr>
+            <a:spLocks noGrp="1" noRot="1" noChangeAspect="1" noMove="1" noResize="1" noEditPoints="1" noAdjustHandles="1" noChangeArrowheads="1" noChangeShapeType="1" noTextEdit="1"/>
+          </p:cNvSpPr>
+          <p:nvPr>
+            <p:extLst>
+              <p:ext uri="{386F3935-93C4-4BCD-93E2-E3B085C9AB24}">
+                <p16:designElem xmlns:p16="http://schemas.microsoft.com/office/powerpoint/2015/main" val="1"/>
+              </p:ext>
+            </p:extLst>
+          </p:nvPr>
+        </p:nvSpPr>
+        <p:spPr>
+          <a:xfrm>
+            <a:off x="3048" y="0"/>
+            <a:ext cx="12188952" cy="6858000"/>
+          </a:xfrm>
+          <a:prstGeom prst="rect">
+            <a:avLst/>
+          </a:prstGeom>
+          <a:ln>
+            <a:noFill/>
+          </a:ln>
+        </p:spPr>
+        <p:style>
+          <a:lnRef idx="2">
+            <a:schemeClr val="accent1">
+              <a:shade val="50000"/>
+            </a:schemeClr>
+          </a:lnRef>
+          <a:fillRef idx="1">
+            <a:schemeClr val="accent1"/>
+          </a:fillRef>
+          <a:effectRef idx="0">
+            <a:schemeClr val="accent1"/>
+          </a:effectRef>
+          <a:fontRef idx="minor">
+            <a:schemeClr val="lt1"/>
+          </a:fontRef>
+        </p:style>
+        <p:txBody>
+          <a:bodyPr rtlCol="0" anchor="ctr"/>
+          <a:lstStyle/>
+          <a:p>
+            <a:pPr algn="ctr"/>
+            <a:endParaRPr lang="en-US"/>
+          </a:p>
+        </p:txBody>
+      </p:sp>
+      <p:sp>
+        <p:nvSpPr>
+          <p:cNvPr id="15" name="Freeform: Shape 9">
+            <a:extLst>
+              <a:ext uri="{FF2B5EF4-FFF2-40B4-BE49-F238E27FC236}">
+                <a16:creationId xmlns:a16="http://schemas.microsoft.com/office/drawing/2014/main" id="{DAAE4CDD-124C-4DCF-9584-B6033B545DD5}"/>
+              </a:ext>
+              <a:ext uri="{C183D7F6-B498-43B3-948B-1728B52AA6E4}">
+                <adec:decorative xmlns:adec="http://schemas.microsoft.com/office/drawing/2017/decorative" val="1"/>
+              </a:ext>
+            </a:extLst>
+          </p:cNvPr>
+          <p:cNvSpPr>
+            <a:spLocks noGrp="1" noRot="1" noChangeAspect="1" noMove="1" noResize="1" noEditPoints="1" noAdjustHandles="1" noChangeArrowheads="1" noChangeShapeType="1" noTextEdit="1"/>
+          </p:cNvSpPr>
+          <p:nvPr>
+            <p:extLst>
+              <p:ext uri="{386F3935-93C4-4BCD-93E2-E3B085C9AB24}">
+                <p16:designElem xmlns:p16="http://schemas.microsoft.com/office/powerpoint/2015/main" val="1"/>
+              </p:ext>
+            </p:extLst>
+          </p:nvPr>
+        </p:nvSpPr>
+        <p:spPr>
+          <a:xfrm>
+            <a:off x="1" y="0"/>
+            <a:ext cx="4167271" cy="6858000"/>
+          </a:xfrm>
+          <a:custGeom>
+            <a:avLst/>
+            <a:gdLst>
+              <a:gd name="connsiteX0" fmla="*/ 0 w 4167271"/>
+              <a:gd name="connsiteY0" fmla="*/ 0 h 6858000"/>
+              <a:gd name="connsiteX1" fmla="*/ 2259550 w 4167271"/>
+              <a:gd name="connsiteY1" fmla="*/ 0 h 6858000"/>
+              <a:gd name="connsiteX2" fmla="*/ 2387803 w 4167271"/>
+              <a:gd name="connsiteY2" fmla="*/ 82222 h 6858000"/>
+              <a:gd name="connsiteX3" fmla="*/ 4167271 w 4167271"/>
+              <a:gd name="connsiteY3" fmla="*/ 3429000 h 6858000"/>
+              <a:gd name="connsiteX4" fmla="*/ 2387803 w 4167271"/>
+              <a:gd name="connsiteY4" fmla="*/ 6775779 h 6858000"/>
+              <a:gd name="connsiteX5" fmla="*/ 2259550 w 4167271"/>
+              <a:gd name="connsiteY5" fmla="*/ 6858000 h 6858000"/>
+              <a:gd name="connsiteX6" fmla="*/ 0 w 4167271"/>
+              <a:gd name="connsiteY6" fmla="*/ 6858000 h 6858000"/>
+            </a:gdLst>
+            <a:ahLst/>
+            <a:cxnLst>
+              <a:cxn ang="0">
+                <a:pos x="connsiteX0" y="connsiteY0"/>
+              </a:cxn>
+              <a:cxn ang="0">
+                <a:pos x="connsiteX1" y="connsiteY1"/>
+              </a:cxn>
+              <a:cxn ang="0">
+                <a:pos x="connsiteX2" y="connsiteY2"/>
+              </a:cxn>
+              <a:cxn ang="0">
+                <a:pos x="connsiteX3" y="connsiteY3"/>
+              </a:cxn>
+              <a:cxn ang="0">
+                <a:pos x="connsiteX4" y="connsiteY4"/>
+              </a:cxn>
+              <a:cxn ang="0">
+                <a:pos x="connsiteX5" y="connsiteY5"/>
+              </a:cxn>
+              <a:cxn ang="0">
+                <a:pos x="connsiteX6" y="connsiteY6"/>
+              </a:cxn>
+            </a:cxnLst>
+            <a:rect l="l" t="t" r="r" b="b"/>
+            <a:pathLst>
+              <a:path w="4167271" h="6858000">
+                <a:moveTo>
+                  <a:pt x="0" y="0"/>
+                </a:moveTo>
+                <a:lnTo>
+                  <a:pt x="2259550" y="0"/>
+                </a:lnTo>
+                <a:lnTo>
+                  <a:pt x="2387803" y="82222"/>
+                </a:lnTo>
+                <a:cubicBezTo>
+                  <a:pt x="3461407" y="807534"/>
+                  <a:pt x="4167271" y="2035835"/>
+                  <a:pt x="4167271" y="3429000"/>
+                </a:cubicBezTo>
+                <a:cubicBezTo>
+                  <a:pt x="4167271" y="4822165"/>
+                  <a:pt x="3461407" y="6050467"/>
+                  <a:pt x="2387803" y="6775779"/>
+                </a:cubicBezTo>
+                <a:lnTo>
+                  <a:pt x="2259550" y="6858000"/>
+                </a:lnTo>
+                <a:lnTo>
+                  <a:pt x="0" y="6858000"/>
+                </a:lnTo>
+                <a:close/>
+              </a:path>
+            </a:pathLst>
+          </a:custGeom>
+          <a:solidFill>
+            <a:schemeClr val="accent2"/>
+          </a:solidFill>
+          <a:ln>
+            <a:noFill/>
+          </a:ln>
+        </p:spPr>
+        <p:style>
+          <a:lnRef idx="2">
+            <a:schemeClr val="accent1">
+              <a:shade val="50000"/>
+            </a:schemeClr>
+          </a:lnRef>
+          <a:fillRef idx="1">
+            <a:schemeClr val="accent1"/>
+          </a:fillRef>
+          <a:effectRef idx="0">
+            <a:schemeClr val="accent1"/>
+          </a:effectRef>
+          <a:fontRef idx="minor">
+            <a:schemeClr val="lt1"/>
+          </a:fontRef>
+        </p:style>
+        <p:txBody>
+          <a:bodyPr rtlCol="0" anchor="ctr"/>
+          <a:lstStyle/>
+          <a:p>
+            <a:pPr algn="ctr"/>
+            <a:endParaRPr lang="en-US"/>
+          </a:p>
+        </p:txBody>
+      </p:sp>
+      <p:sp>
+        <p:nvSpPr>
+          <p:cNvPr id="2" name="Title 1">
+            <a:extLst>
+              <a:ext uri="{FF2B5EF4-FFF2-40B4-BE49-F238E27FC236}">
+                <a16:creationId xmlns:a16="http://schemas.microsoft.com/office/drawing/2014/main" id="{4F35D0D2-5B44-0442-B39D-B5D55CE40731}"/>
+              </a:ext>
+            </a:extLst>
+          </p:cNvPr>
+          <p:cNvSpPr>
+            <a:spLocks noGrp="1"/>
+          </p:cNvSpPr>
+          <p:nvPr>
+            <p:ph type="title"/>
+          </p:nvPr>
+        </p:nvSpPr>
+        <p:spPr>
+          <a:xfrm>
+            <a:off x="686834" y="1153572"/>
+            <a:ext cx="3200400" cy="4461163"/>
+          </a:xfrm>
+        </p:spPr>
+        <p:txBody>
+          <a:bodyPr>
+            <a:normAutofit/>
+          </a:bodyPr>
+          <a:lstStyle/>
+          <a:p>
+            <a:r>
+              <a:rPr lang="en-US" dirty="0">
+                <a:solidFill>
+                  <a:srgbClr val="FFFFFF"/>
+                </a:solidFill>
+              </a:rPr>
+              <a:t>Our approach</a:t>
+            </a:r>
+          </a:p>
+        </p:txBody>
+      </p:sp>
+      <p:sp>
+        <p:nvSpPr>
+          <p:cNvPr id="16" name="Arc 11">
+            <a:extLst>
+              <a:ext uri="{FF2B5EF4-FFF2-40B4-BE49-F238E27FC236}">
+                <a16:creationId xmlns:a16="http://schemas.microsoft.com/office/drawing/2014/main" id="{081E4A58-353D-44AE-B2FC-2A74E2E400F7}"/>
+              </a:ext>
+              <a:ext uri="{C183D7F6-B498-43B3-948B-1728B52AA6E4}">
+                <adec:decorative xmlns:adec="http://schemas.microsoft.com/office/drawing/2017/decorative" val="1"/>
+              </a:ext>
+            </a:extLst>
+          </p:cNvPr>
+          <p:cNvSpPr>
+            <a:spLocks noGrp="1" noRot="1" noChangeAspect="1" noMove="1" noResize="1" noEditPoints="1" noAdjustHandles="1" noChangeArrowheads="1" noChangeShapeType="1" noTextEdit="1"/>
+          </p:cNvSpPr>
+          <p:nvPr>
+            <p:extLst>
+              <p:ext uri="{386F3935-93C4-4BCD-93E2-E3B085C9AB24}">
+                <p16:designElem xmlns:p16="http://schemas.microsoft.com/office/powerpoint/2015/main" val="1"/>
+              </p:ext>
+            </p:extLst>
+          </p:nvPr>
+        </p:nvSpPr>
+        <p:spPr>
+          <a:xfrm flipV="1">
+            <a:off x="7550402" y="2455479"/>
+            <a:ext cx="4083433" cy="4083433"/>
+          </a:xfrm>
+          <a:prstGeom prst="arc">
+            <a:avLst/>
+          </a:prstGeom>
+          <a:ln w="127000" cap="rnd">
+            <a:solidFill>
+              <a:schemeClr val="accent4"/>
+            </a:solidFill>
+            <a:prstDash val="dash"/>
+          </a:ln>
+        </p:spPr>
+        <p:style>
+          <a:lnRef idx="1">
+            <a:schemeClr val="accent1"/>
+          </a:lnRef>
+          <a:fillRef idx="0">
+            <a:schemeClr val="accent1"/>
+          </a:fillRef>
+          <a:effectRef idx="0">
+            <a:schemeClr val="accent1"/>
+          </a:effectRef>
+          <a:fontRef idx="minor">
+            <a:schemeClr val="tx1"/>
+          </a:fontRef>
+        </p:style>
+        <p:txBody>
+          <a:bodyPr rtlCol="0" anchor="ctr"/>
+          <a:lstStyle/>
+          <a:p>
+            <a:pPr algn="ctr"/>
+            <a:endParaRPr lang="en-US" dirty="0"/>
+          </a:p>
+        </p:txBody>
+      </p:sp>
+      <p:sp>
+        <p:nvSpPr>
+          <p:cNvPr id="3" name="Content Placeholder 2">
+            <a:extLst>
+              <a:ext uri="{FF2B5EF4-FFF2-40B4-BE49-F238E27FC236}">
+                <a16:creationId xmlns:a16="http://schemas.microsoft.com/office/drawing/2014/main" id="{BFFB8BC6-8843-7F4F-8D17-89849793EE06}"/>
+              </a:ext>
+            </a:extLst>
+          </p:cNvPr>
+          <p:cNvSpPr>
+            <a:spLocks noGrp="1"/>
+          </p:cNvSpPr>
+          <p:nvPr>
+            <p:ph idx="1"/>
+          </p:nvPr>
+        </p:nvSpPr>
+        <p:spPr>
+          <a:xfrm>
+            <a:off x="4447308" y="591344"/>
+            <a:ext cx="6906491" cy="5585619"/>
+          </a:xfrm>
+        </p:spPr>
+        <p:txBody>
+          <a:bodyPr anchor="t">
+            <a:normAutofit fontScale="92500" lnSpcReduction="10000"/>
+          </a:bodyPr>
+          <a:lstStyle/>
+          <a:p>
+            <a:pPr marL="514350" indent="-514350">
+              <a:buAutoNum type="arabicParenR"/>
+            </a:pPr>
+            <a:r>
+              <a:rPr lang="en-US" dirty="0"/>
+              <a:t>Brute Force:</a:t>
             </a:r>
           </a:p>
           <a:p>
@@ -4846,7 +8671,7 @@
             </a:pPr>
             <a:r>
               <a:rPr lang="en-US" dirty="0"/>
-              <a:t>The most common Sudoku puzzles use a 9x9 grid. The grids are partially filled (with hints) to ensure a solution can be reached.</a:t>
+              <a:t>     -&gt; Having only a single thread for checking rows, columns, and 3x3 grids</a:t>
             </a:r>
           </a:p>
           <a:p>
@@ -4855,12 +8680,923 @@
             </a:pPr>
             <a:endParaRPr lang="en-US" dirty="0"/>
           </a:p>
+          <a:p>
+            <a:pPr marL="0" indent="0">
+              <a:buNone/>
+            </a:pPr>
+            <a:r>
+              <a:rPr lang="en-US" dirty="0"/>
+              <a:t>Functions:</a:t>
+            </a:r>
+          </a:p>
+          <a:p>
+            <a:r>
+              <a:rPr lang="en-US" dirty="0">
+                <a:solidFill>
+                  <a:srgbClr val="0070C0"/>
+                </a:solidFill>
+              </a:rPr>
+              <a:t>bool </a:t>
+            </a:r>
+            <a:r>
+              <a:rPr lang="en-US" dirty="0" err="1">
+                <a:solidFill>
+                  <a:srgbClr val="0070C0"/>
+                </a:solidFill>
+              </a:rPr>
+              <a:t>checkr</a:t>
+            </a:r>
+            <a:r>
+              <a:rPr lang="en-US" dirty="0">
+                <a:solidFill>
+                  <a:srgbClr val="0070C0"/>
+                </a:solidFill>
+              </a:rPr>
+              <a:t>(); </a:t>
+            </a:r>
+            <a:r>
+              <a:rPr lang="en-US" dirty="0">
+                <a:solidFill>
+                  <a:srgbClr val="00B050"/>
+                </a:solidFill>
+              </a:rPr>
+              <a:t>//checks rows if count is 9 then the row contains all from 1-9 and return true or return false</a:t>
+            </a:r>
+          </a:p>
+          <a:p>
+            <a:r>
+              <a:rPr lang="en-US" dirty="0">
+                <a:solidFill>
+                  <a:srgbClr val="0070C0"/>
+                </a:solidFill>
+              </a:rPr>
+              <a:t>bool </a:t>
+            </a:r>
+            <a:r>
+              <a:rPr lang="en-US" dirty="0" err="1">
+                <a:solidFill>
+                  <a:srgbClr val="0070C0"/>
+                </a:solidFill>
+              </a:rPr>
+              <a:t>checkc</a:t>
+            </a:r>
+            <a:r>
+              <a:rPr lang="en-US" dirty="0">
+                <a:solidFill>
+                  <a:srgbClr val="0070C0"/>
+                </a:solidFill>
+              </a:rPr>
+              <a:t>(); </a:t>
+            </a:r>
+            <a:r>
+              <a:rPr lang="en-US" dirty="0">
+                <a:solidFill>
+                  <a:srgbClr val="00B050"/>
+                </a:solidFill>
+              </a:rPr>
+              <a:t>//checks columns if count is 9 then the column contains all from 1-9 and return true or return false</a:t>
+            </a:r>
+          </a:p>
+          <a:p>
+            <a:r>
+              <a:rPr lang="en-US" dirty="0">
+                <a:solidFill>
+                  <a:srgbClr val="0070C0"/>
+                </a:solidFill>
+              </a:rPr>
+              <a:t>bool </a:t>
+            </a:r>
+            <a:r>
+              <a:rPr lang="en-US" dirty="0" err="1">
+                <a:solidFill>
+                  <a:srgbClr val="0070C0"/>
+                </a:solidFill>
+              </a:rPr>
+              <a:t>checkcol</a:t>
+            </a:r>
+            <a:r>
+              <a:rPr lang="en-US" dirty="0">
+                <a:solidFill>
+                  <a:srgbClr val="0070C0"/>
+                </a:solidFill>
+              </a:rPr>
+              <a:t>(); </a:t>
+            </a:r>
+            <a:r>
+              <a:rPr lang="en-US" dirty="0">
+                <a:solidFill>
+                  <a:srgbClr val="00B050"/>
+                </a:solidFill>
+              </a:rPr>
+              <a:t>//checks each 3 by 3 grid and if the grid contains all from 1-9 and returns true or false.</a:t>
+            </a:r>
+          </a:p>
+          <a:p>
+            <a:pPr marL="0" indent="0">
+              <a:buNone/>
+            </a:pPr>
+            <a:endParaRPr lang="en-US" dirty="0"/>
+          </a:p>
+          <a:p>
+            <a:pPr marL="0" indent="0">
+              <a:buNone/>
+            </a:pPr>
+            <a:endParaRPr lang="en-US" dirty="0"/>
+          </a:p>
+          <a:p>
+            <a:pPr marL="0" indent="0">
+              <a:buNone/>
+            </a:pPr>
+            <a:endParaRPr lang="en-US" dirty="0"/>
+          </a:p>
+          <a:p>
+            <a:pPr marL="0" indent="0">
+              <a:buNone/>
+            </a:pPr>
+            <a:endParaRPr lang="en-US" dirty="0"/>
+          </a:p>
         </p:txBody>
       </p:sp>
     </p:spTree>
     <p:extLst>
       <p:ext uri="{BB962C8B-B14F-4D97-AF65-F5344CB8AC3E}">
-        <p14:creationId xmlns:p14="http://schemas.microsoft.com/office/powerpoint/2010/main" val="2682114336"/>
+        <p14:creationId xmlns:p14="http://schemas.microsoft.com/office/powerpoint/2010/main" val="1225489406"/>
+      </p:ext>
+    </p:extLst>
+  </p:cSld>
+  <p:clrMapOvr>
+    <a:masterClrMapping/>
+  </p:clrMapOvr>
+</p:sld>
+</file>
+
+<file path=ppt/slides/slide8.xml><?xml version="1.0" encoding="utf-8"?>
+<p:sld xmlns:a="http://schemas.openxmlformats.org/drawingml/2006/main" xmlns:r="http://schemas.openxmlformats.org/officeDocument/2006/relationships" xmlns:p="http://schemas.openxmlformats.org/presentationml/2006/main">
+  <p:cSld>
+    <p:bg>
+      <p:bgPr>
+        <a:solidFill>
+          <a:schemeClr val="bg1"/>
+        </a:solidFill>
+        <a:effectLst/>
+      </p:bgPr>
+    </p:bg>
+    <p:spTree>
+      <p:nvGrpSpPr>
+        <p:cNvPr id="1" name=""/>
+        <p:cNvGrpSpPr/>
+        <p:nvPr/>
+      </p:nvGrpSpPr>
+      <p:grpSpPr>
+        <a:xfrm>
+          <a:off x="0" y="0"/>
+          <a:ext cx="0" cy="0"/>
+          <a:chOff x="0" y="0"/>
+          <a:chExt cx="0" cy="0"/>
+        </a:xfrm>
+      </p:grpSpPr>
+      <p:sp useBgFill="1">
+        <p:nvSpPr>
+          <p:cNvPr id="8" name="Rectangle 7">
+            <a:extLst>
+              <a:ext uri="{FF2B5EF4-FFF2-40B4-BE49-F238E27FC236}">
+                <a16:creationId xmlns:a16="http://schemas.microsoft.com/office/drawing/2014/main" id="{907EF6B7-1338-4443-8C46-6A318D952DFD}"/>
+              </a:ext>
+              <a:ext uri="{C183D7F6-B498-43B3-948B-1728B52AA6E4}">
+                <adec:decorative xmlns:adec="http://schemas.microsoft.com/office/drawing/2017/decorative" val="1"/>
+              </a:ext>
+            </a:extLst>
+          </p:cNvPr>
+          <p:cNvSpPr>
+            <a:spLocks noGrp="1" noRot="1" noChangeAspect="1" noMove="1" noResize="1" noEditPoints="1" noAdjustHandles="1" noChangeArrowheads="1" noChangeShapeType="1" noTextEdit="1"/>
+          </p:cNvSpPr>
+          <p:nvPr>
+            <p:extLst>
+              <p:ext uri="{386F3935-93C4-4BCD-93E2-E3B085C9AB24}">
+                <p16:designElem xmlns:p16="http://schemas.microsoft.com/office/powerpoint/2015/main" val="1"/>
+              </p:ext>
+            </p:extLst>
+          </p:nvPr>
+        </p:nvSpPr>
+        <p:spPr>
+          <a:xfrm>
+            <a:off x="3048" y="0"/>
+            <a:ext cx="12188952" cy="6858000"/>
+          </a:xfrm>
+          <a:prstGeom prst="rect">
+            <a:avLst/>
+          </a:prstGeom>
+          <a:ln>
+            <a:noFill/>
+          </a:ln>
+        </p:spPr>
+        <p:style>
+          <a:lnRef idx="2">
+            <a:schemeClr val="accent1">
+              <a:shade val="50000"/>
+            </a:schemeClr>
+          </a:lnRef>
+          <a:fillRef idx="1">
+            <a:schemeClr val="accent1"/>
+          </a:fillRef>
+          <a:effectRef idx="0">
+            <a:schemeClr val="accent1"/>
+          </a:effectRef>
+          <a:fontRef idx="minor">
+            <a:schemeClr val="lt1"/>
+          </a:fontRef>
+        </p:style>
+        <p:txBody>
+          <a:bodyPr rtlCol="0" anchor="ctr"/>
+          <a:lstStyle/>
+          <a:p>
+            <a:pPr algn="ctr"/>
+            <a:endParaRPr lang="en-US"/>
+          </a:p>
+        </p:txBody>
+      </p:sp>
+      <p:sp>
+        <p:nvSpPr>
+          <p:cNvPr id="10" name="Freeform: Shape 9">
+            <a:extLst>
+              <a:ext uri="{FF2B5EF4-FFF2-40B4-BE49-F238E27FC236}">
+                <a16:creationId xmlns:a16="http://schemas.microsoft.com/office/drawing/2014/main" id="{DAAE4CDD-124C-4DCF-9584-B6033B545DD5}"/>
+              </a:ext>
+              <a:ext uri="{C183D7F6-B498-43B3-948B-1728B52AA6E4}">
+                <adec:decorative xmlns:adec="http://schemas.microsoft.com/office/drawing/2017/decorative" val="1"/>
+              </a:ext>
+            </a:extLst>
+          </p:cNvPr>
+          <p:cNvSpPr>
+            <a:spLocks noGrp="1" noRot="1" noChangeAspect="1" noMove="1" noResize="1" noEditPoints="1" noAdjustHandles="1" noChangeArrowheads="1" noChangeShapeType="1" noTextEdit="1"/>
+          </p:cNvSpPr>
+          <p:nvPr>
+            <p:extLst>
+              <p:ext uri="{386F3935-93C4-4BCD-93E2-E3B085C9AB24}">
+                <p16:designElem xmlns:p16="http://schemas.microsoft.com/office/powerpoint/2015/main" val="1"/>
+              </p:ext>
+            </p:extLst>
+          </p:nvPr>
+        </p:nvSpPr>
+        <p:spPr>
+          <a:xfrm>
+            <a:off x="1" y="0"/>
+            <a:ext cx="4167271" cy="6858000"/>
+          </a:xfrm>
+          <a:custGeom>
+            <a:avLst/>
+            <a:gdLst>
+              <a:gd name="connsiteX0" fmla="*/ 0 w 4167271"/>
+              <a:gd name="connsiteY0" fmla="*/ 0 h 6858000"/>
+              <a:gd name="connsiteX1" fmla="*/ 2259550 w 4167271"/>
+              <a:gd name="connsiteY1" fmla="*/ 0 h 6858000"/>
+              <a:gd name="connsiteX2" fmla="*/ 2387803 w 4167271"/>
+              <a:gd name="connsiteY2" fmla="*/ 82222 h 6858000"/>
+              <a:gd name="connsiteX3" fmla="*/ 4167271 w 4167271"/>
+              <a:gd name="connsiteY3" fmla="*/ 3429000 h 6858000"/>
+              <a:gd name="connsiteX4" fmla="*/ 2387803 w 4167271"/>
+              <a:gd name="connsiteY4" fmla="*/ 6775779 h 6858000"/>
+              <a:gd name="connsiteX5" fmla="*/ 2259550 w 4167271"/>
+              <a:gd name="connsiteY5" fmla="*/ 6858000 h 6858000"/>
+              <a:gd name="connsiteX6" fmla="*/ 0 w 4167271"/>
+              <a:gd name="connsiteY6" fmla="*/ 6858000 h 6858000"/>
+            </a:gdLst>
+            <a:ahLst/>
+            <a:cxnLst>
+              <a:cxn ang="0">
+                <a:pos x="connsiteX0" y="connsiteY0"/>
+              </a:cxn>
+              <a:cxn ang="0">
+                <a:pos x="connsiteX1" y="connsiteY1"/>
+              </a:cxn>
+              <a:cxn ang="0">
+                <a:pos x="connsiteX2" y="connsiteY2"/>
+              </a:cxn>
+              <a:cxn ang="0">
+                <a:pos x="connsiteX3" y="connsiteY3"/>
+              </a:cxn>
+              <a:cxn ang="0">
+                <a:pos x="connsiteX4" y="connsiteY4"/>
+              </a:cxn>
+              <a:cxn ang="0">
+                <a:pos x="connsiteX5" y="connsiteY5"/>
+              </a:cxn>
+              <a:cxn ang="0">
+                <a:pos x="connsiteX6" y="connsiteY6"/>
+              </a:cxn>
+            </a:cxnLst>
+            <a:rect l="l" t="t" r="r" b="b"/>
+            <a:pathLst>
+              <a:path w="4167271" h="6858000">
+                <a:moveTo>
+                  <a:pt x="0" y="0"/>
+                </a:moveTo>
+                <a:lnTo>
+                  <a:pt x="2259550" y="0"/>
+                </a:lnTo>
+                <a:lnTo>
+                  <a:pt x="2387803" y="82222"/>
+                </a:lnTo>
+                <a:cubicBezTo>
+                  <a:pt x="3461407" y="807534"/>
+                  <a:pt x="4167271" y="2035835"/>
+                  <a:pt x="4167271" y="3429000"/>
+                </a:cubicBezTo>
+                <a:cubicBezTo>
+                  <a:pt x="4167271" y="4822165"/>
+                  <a:pt x="3461407" y="6050467"/>
+                  <a:pt x="2387803" y="6775779"/>
+                </a:cubicBezTo>
+                <a:lnTo>
+                  <a:pt x="2259550" y="6858000"/>
+                </a:lnTo>
+                <a:lnTo>
+                  <a:pt x="0" y="6858000"/>
+                </a:lnTo>
+                <a:close/>
+              </a:path>
+            </a:pathLst>
+          </a:custGeom>
+          <a:solidFill>
+            <a:schemeClr val="accent2"/>
+          </a:solidFill>
+          <a:ln>
+            <a:noFill/>
+          </a:ln>
+        </p:spPr>
+        <p:style>
+          <a:lnRef idx="2">
+            <a:schemeClr val="accent1">
+              <a:shade val="50000"/>
+            </a:schemeClr>
+          </a:lnRef>
+          <a:fillRef idx="1">
+            <a:schemeClr val="accent1"/>
+          </a:fillRef>
+          <a:effectRef idx="0">
+            <a:schemeClr val="accent1"/>
+          </a:effectRef>
+          <a:fontRef idx="minor">
+            <a:schemeClr val="lt1"/>
+          </a:fontRef>
+        </p:style>
+        <p:txBody>
+          <a:bodyPr rtlCol="0" anchor="ctr"/>
+          <a:lstStyle/>
+          <a:p>
+            <a:pPr algn="ctr"/>
+            <a:endParaRPr lang="en-US"/>
+          </a:p>
+        </p:txBody>
+      </p:sp>
+      <p:sp>
+        <p:nvSpPr>
+          <p:cNvPr id="2" name="Title 1">
+            <a:extLst>
+              <a:ext uri="{FF2B5EF4-FFF2-40B4-BE49-F238E27FC236}">
+                <a16:creationId xmlns:a16="http://schemas.microsoft.com/office/drawing/2014/main" id="{8D3A68FD-E4C6-E345-9BD1-5DFF22D328EF}"/>
+              </a:ext>
+            </a:extLst>
+          </p:cNvPr>
+          <p:cNvSpPr>
+            <a:spLocks noGrp="1"/>
+          </p:cNvSpPr>
+          <p:nvPr>
+            <p:ph type="title"/>
+          </p:nvPr>
+        </p:nvSpPr>
+        <p:spPr>
+          <a:xfrm>
+            <a:off x="686834" y="1153572"/>
+            <a:ext cx="3200400" cy="4461163"/>
+          </a:xfrm>
+        </p:spPr>
+        <p:txBody>
+          <a:bodyPr>
+            <a:normAutofit/>
+          </a:bodyPr>
+          <a:lstStyle/>
+          <a:p>
+            <a:r>
+              <a:rPr lang="en-US" dirty="0">
+                <a:solidFill>
+                  <a:srgbClr val="FFFFFF"/>
+                </a:solidFill>
+              </a:rPr>
+              <a:t>Our approach</a:t>
+            </a:r>
+          </a:p>
+        </p:txBody>
+      </p:sp>
+      <p:sp>
+        <p:nvSpPr>
+          <p:cNvPr id="12" name="Arc 11">
+            <a:extLst>
+              <a:ext uri="{FF2B5EF4-FFF2-40B4-BE49-F238E27FC236}">
+                <a16:creationId xmlns:a16="http://schemas.microsoft.com/office/drawing/2014/main" id="{081E4A58-353D-44AE-B2FC-2A74E2E400F7}"/>
+              </a:ext>
+              <a:ext uri="{C183D7F6-B498-43B3-948B-1728B52AA6E4}">
+                <adec:decorative xmlns:adec="http://schemas.microsoft.com/office/drawing/2017/decorative" val="1"/>
+              </a:ext>
+            </a:extLst>
+          </p:cNvPr>
+          <p:cNvSpPr>
+            <a:spLocks noGrp="1" noRot="1" noChangeAspect="1" noMove="1" noResize="1" noEditPoints="1" noAdjustHandles="1" noChangeArrowheads="1" noChangeShapeType="1" noTextEdit="1"/>
+          </p:cNvSpPr>
+          <p:nvPr>
+            <p:extLst>
+              <p:ext uri="{386F3935-93C4-4BCD-93E2-E3B085C9AB24}">
+                <p16:designElem xmlns:p16="http://schemas.microsoft.com/office/powerpoint/2015/main" val="1"/>
+              </p:ext>
+            </p:extLst>
+          </p:nvPr>
+        </p:nvSpPr>
+        <p:spPr>
+          <a:xfrm flipV="1">
+            <a:off x="7550402" y="2455479"/>
+            <a:ext cx="4083433" cy="4083433"/>
+          </a:xfrm>
+          <a:prstGeom prst="arc">
+            <a:avLst/>
+          </a:prstGeom>
+          <a:ln w="127000" cap="rnd">
+            <a:solidFill>
+              <a:schemeClr val="accent4"/>
+            </a:solidFill>
+            <a:prstDash val="dash"/>
+          </a:ln>
+        </p:spPr>
+        <p:style>
+          <a:lnRef idx="1">
+            <a:schemeClr val="accent1"/>
+          </a:lnRef>
+          <a:fillRef idx="0">
+            <a:schemeClr val="accent1"/>
+          </a:fillRef>
+          <a:effectRef idx="0">
+            <a:schemeClr val="accent1"/>
+          </a:effectRef>
+          <a:fontRef idx="minor">
+            <a:schemeClr val="tx1"/>
+          </a:fontRef>
+        </p:style>
+        <p:txBody>
+          <a:bodyPr rtlCol="0" anchor="ctr"/>
+          <a:lstStyle/>
+          <a:p>
+            <a:pPr algn="ctr"/>
+            <a:endParaRPr lang="en-US" dirty="0"/>
+          </a:p>
+        </p:txBody>
+      </p:sp>
+      <p:sp>
+        <p:nvSpPr>
+          <p:cNvPr id="3" name="Content Placeholder 2">
+            <a:extLst>
+              <a:ext uri="{FF2B5EF4-FFF2-40B4-BE49-F238E27FC236}">
+                <a16:creationId xmlns:a16="http://schemas.microsoft.com/office/drawing/2014/main" id="{EF3EB17A-8E14-214E-9132-5EA264EFC725}"/>
+              </a:ext>
+            </a:extLst>
+          </p:cNvPr>
+          <p:cNvSpPr>
+            <a:spLocks noGrp="1"/>
+          </p:cNvSpPr>
+          <p:nvPr>
+            <p:ph idx="1"/>
+          </p:nvPr>
+        </p:nvSpPr>
+        <p:spPr>
+          <a:xfrm>
+            <a:off x="4447308" y="591344"/>
+            <a:ext cx="6906491" cy="5585619"/>
+          </a:xfrm>
+        </p:spPr>
+        <p:txBody>
+          <a:bodyPr anchor="ctr">
+            <a:normAutofit/>
+          </a:bodyPr>
+          <a:lstStyle/>
+          <a:p>
+            <a:pPr marL="0" indent="0">
+              <a:buNone/>
+            </a:pPr>
+            <a:r>
+              <a:rPr lang="en-US" dirty="0"/>
+              <a:t>2)   Multi-threading:</a:t>
+            </a:r>
+          </a:p>
+          <a:p>
+            <a:pPr marL="0" indent="0">
+              <a:buNone/>
+            </a:pPr>
+            <a:r>
+              <a:rPr lang="en-US" dirty="0"/>
+              <a:t>     -&gt; One thread for checking rows</a:t>
+            </a:r>
+          </a:p>
+          <a:p>
+            <a:pPr marL="0" indent="0">
+              <a:buNone/>
+            </a:pPr>
+            <a:r>
+              <a:rPr lang="en-US" dirty="0"/>
+              <a:t>     -&gt; One thread for checking columns</a:t>
+            </a:r>
+          </a:p>
+          <a:p>
+            <a:pPr marL="0" indent="0">
+              <a:buNone/>
+            </a:pPr>
+            <a:r>
+              <a:rPr lang="en-US" dirty="0"/>
+              <a:t>     -&gt; Nine threads for checking each 3x3 grid</a:t>
+            </a:r>
+          </a:p>
+          <a:p>
+            <a:pPr marL="0" indent="0">
+              <a:buNone/>
+            </a:pPr>
+            <a:r>
+              <a:rPr lang="en-US" dirty="0"/>
+              <a:t>     -&gt; Total: 11 threads</a:t>
+            </a:r>
+          </a:p>
+          <a:p>
+            <a:pPr marL="0" indent="0">
+              <a:buNone/>
+            </a:pPr>
+            <a:endParaRPr lang="en-US" dirty="0"/>
+          </a:p>
+        </p:txBody>
+      </p:sp>
+    </p:spTree>
+    <p:extLst>
+      <p:ext uri="{BB962C8B-B14F-4D97-AF65-F5344CB8AC3E}">
+        <p14:creationId xmlns:p14="http://schemas.microsoft.com/office/powerpoint/2010/main" val="2044043046"/>
+      </p:ext>
+    </p:extLst>
+  </p:cSld>
+  <p:clrMapOvr>
+    <a:masterClrMapping/>
+  </p:clrMapOvr>
+</p:sld>
+</file>
+
+<file path=ppt/slides/slide9.xml><?xml version="1.0" encoding="utf-8"?>
+<p:sld xmlns:a="http://schemas.openxmlformats.org/drawingml/2006/main" xmlns:r="http://schemas.openxmlformats.org/officeDocument/2006/relationships" xmlns:p="http://schemas.openxmlformats.org/presentationml/2006/main">
+  <p:cSld>
+    <p:bg>
+      <p:bgPr>
+        <a:solidFill>
+          <a:schemeClr val="bg1"/>
+        </a:solidFill>
+        <a:effectLst/>
+      </p:bgPr>
+    </p:bg>
+    <p:spTree>
+      <p:nvGrpSpPr>
+        <p:cNvPr id="1" name=""/>
+        <p:cNvGrpSpPr/>
+        <p:nvPr/>
+      </p:nvGrpSpPr>
+      <p:grpSpPr>
+        <a:xfrm>
+          <a:off x="0" y="0"/>
+          <a:ext cx="0" cy="0"/>
+          <a:chOff x="0" y="0"/>
+          <a:chExt cx="0" cy="0"/>
+        </a:xfrm>
+      </p:grpSpPr>
+      <p:sp useBgFill="1">
+        <p:nvSpPr>
+          <p:cNvPr id="8" name="Rectangle 7">
+            <a:extLst>
+              <a:ext uri="{FF2B5EF4-FFF2-40B4-BE49-F238E27FC236}">
+                <a16:creationId xmlns:a16="http://schemas.microsoft.com/office/drawing/2014/main" id="{907EF6B7-1338-4443-8C46-6A318D952DFD}"/>
+              </a:ext>
+              <a:ext uri="{C183D7F6-B498-43B3-948B-1728B52AA6E4}">
+                <adec:decorative xmlns:adec="http://schemas.microsoft.com/office/drawing/2017/decorative" val="1"/>
+              </a:ext>
+            </a:extLst>
+          </p:cNvPr>
+          <p:cNvSpPr>
+            <a:spLocks noGrp="1" noRot="1" noChangeAspect="1" noMove="1" noResize="1" noEditPoints="1" noAdjustHandles="1" noChangeArrowheads="1" noChangeShapeType="1" noTextEdit="1"/>
+          </p:cNvSpPr>
+          <p:nvPr>
+            <p:extLst>
+              <p:ext uri="{386F3935-93C4-4BCD-93E2-E3B085C9AB24}">
+                <p16:designElem xmlns:p16="http://schemas.microsoft.com/office/powerpoint/2015/main" val="1"/>
+              </p:ext>
+            </p:extLst>
+          </p:nvPr>
+        </p:nvSpPr>
+        <p:spPr>
+          <a:xfrm>
+            <a:off x="3048" y="0"/>
+            <a:ext cx="12188952" cy="6858000"/>
+          </a:xfrm>
+          <a:prstGeom prst="rect">
+            <a:avLst/>
+          </a:prstGeom>
+          <a:ln>
+            <a:noFill/>
+          </a:ln>
+        </p:spPr>
+        <p:style>
+          <a:lnRef idx="2">
+            <a:schemeClr val="accent1">
+              <a:shade val="50000"/>
+            </a:schemeClr>
+          </a:lnRef>
+          <a:fillRef idx="1">
+            <a:schemeClr val="accent1"/>
+          </a:fillRef>
+          <a:effectRef idx="0">
+            <a:schemeClr val="accent1"/>
+          </a:effectRef>
+          <a:fontRef idx="minor">
+            <a:schemeClr val="lt1"/>
+          </a:fontRef>
+        </p:style>
+        <p:txBody>
+          <a:bodyPr rtlCol="0" anchor="ctr"/>
+          <a:lstStyle/>
+          <a:p>
+            <a:pPr algn="ctr"/>
+            <a:endParaRPr lang="en-US"/>
+          </a:p>
+        </p:txBody>
+      </p:sp>
+      <p:sp>
+        <p:nvSpPr>
+          <p:cNvPr id="10" name="Freeform: Shape 9">
+            <a:extLst>
+              <a:ext uri="{FF2B5EF4-FFF2-40B4-BE49-F238E27FC236}">
+                <a16:creationId xmlns:a16="http://schemas.microsoft.com/office/drawing/2014/main" id="{DAAE4CDD-124C-4DCF-9584-B6033B545DD5}"/>
+              </a:ext>
+              <a:ext uri="{C183D7F6-B498-43B3-948B-1728B52AA6E4}">
+                <adec:decorative xmlns:adec="http://schemas.microsoft.com/office/drawing/2017/decorative" val="1"/>
+              </a:ext>
+            </a:extLst>
+          </p:cNvPr>
+          <p:cNvSpPr>
+            <a:spLocks noGrp="1" noRot="1" noChangeAspect="1" noMove="1" noResize="1" noEditPoints="1" noAdjustHandles="1" noChangeArrowheads="1" noChangeShapeType="1" noTextEdit="1"/>
+          </p:cNvSpPr>
+          <p:nvPr>
+            <p:extLst>
+              <p:ext uri="{386F3935-93C4-4BCD-93E2-E3B085C9AB24}">
+                <p16:designElem xmlns:p16="http://schemas.microsoft.com/office/powerpoint/2015/main" val="1"/>
+              </p:ext>
+            </p:extLst>
+          </p:nvPr>
+        </p:nvSpPr>
+        <p:spPr>
+          <a:xfrm>
+            <a:off x="1" y="0"/>
+            <a:ext cx="4167271" cy="6858000"/>
+          </a:xfrm>
+          <a:custGeom>
+            <a:avLst/>
+            <a:gdLst>
+              <a:gd name="connsiteX0" fmla="*/ 0 w 4167271"/>
+              <a:gd name="connsiteY0" fmla="*/ 0 h 6858000"/>
+              <a:gd name="connsiteX1" fmla="*/ 2259550 w 4167271"/>
+              <a:gd name="connsiteY1" fmla="*/ 0 h 6858000"/>
+              <a:gd name="connsiteX2" fmla="*/ 2387803 w 4167271"/>
+              <a:gd name="connsiteY2" fmla="*/ 82222 h 6858000"/>
+              <a:gd name="connsiteX3" fmla="*/ 4167271 w 4167271"/>
+              <a:gd name="connsiteY3" fmla="*/ 3429000 h 6858000"/>
+              <a:gd name="connsiteX4" fmla="*/ 2387803 w 4167271"/>
+              <a:gd name="connsiteY4" fmla="*/ 6775779 h 6858000"/>
+              <a:gd name="connsiteX5" fmla="*/ 2259550 w 4167271"/>
+              <a:gd name="connsiteY5" fmla="*/ 6858000 h 6858000"/>
+              <a:gd name="connsiteX6" fmla="*/ 0 w 4167271"/>
+              <a:gd name="connsiteY6" fmla="*/ 6858000 h 6858000"/>
+            </a:gdLst>
+            <a:ahLst/>
+            <a:cxnLst>
+              <a:cxn ang="0">
+                <a:pos x="connsiteX0" y="connsiteY0"/>
+              </a:cxn>
+              <a:cxn ang="0">
+                <a:pos x="connsiteX1" y="connsiteY1"/>
+              </a:cxn>
+              <a:cxn ang="0">
+                <a:pos x="connsiteX2" y="connsiteY2"/>
+              </a:cxn>
+              <a:cxn ang="0">
+                <a:pos x="connsiteX3" y="connsiteY3"/>
+              </a:cxn>
+              <a:cxn ang="0">
+                <a:pos x="connsiteX4" y="connsiteY4"/>
+              </a:cxn>
+              <a:cxn ang="0">
+                <a:pos x="connsiteX5" y="connsiteY5"/>
+              </a:cxn>
+              <a:cxn ang="0">
+                <a:pos x="connsiteX6" y="connsiteY6"/>
+              </a:cxn>
+            </a:cxnLst>
+            <a:rect l="l" t="t" r="r" b="b"/>
+            <a:pathLst>
+              <a:path w="4167271" h="6858000">
+                <a:moveTo>
+                  <a:pt x="0" y="0"/>
+                </a:moveTo>
+                <a:lnTo>
+                  <a:pt x="2259550" y="0"/>
+                </a:lnTo>
+                <a:lnTo>
+                  <a:pt x="2387803" y="82222"/>
+                </a:lnTo>
+                <a:cubicBezTo>
+                  <a:pt x="3461407" y="807534"/>
+                  <a:pt x="4167271" y="2035835"/>
+                  <a:pt x="4167271" y="3429000"/>
+                </a:cubicBezTo>
+                <a:cubicBezTo>
+                  <a:pt x="4167271" y="4822165"/>
+                  <a:pt x="3461407" y="6050467"/>
+                  <a:pt x="2387803" y="6775779"/>
+                </a:cubicBezTo>
+                <a:lnTo>
+                  <a:pt x="2259550" y="6858000"/>
+                </a:lnTo>
+                <a:lnTo>
+                  <a:pt x="0" y="6858000"/>
+                </a:lnTo>
+                <a:close/>
+              </a:path>
+            </a:pathLst>
+          </a:custGeom>
+          <a:solidFill>
+            <a:schemeClr val="accent2"/>
+          </a:solidFill>
+          <a:ln>
+            <a:noFill/>
+          </a:ln>
+        </p:spPr>
+        <p:style>
+          <a:lnRef idx="2">
+            <a:schemeClr val="accent1">
+              <a:shade val="50000"/>
+            </a:schemeClr>
+          </a:lnRef>
+          <a:fillRef idx="1">
+            <a:schemeClr val="accent1"/>
+          </a:fillRef>
+          <a:effectRef idx="0">
+            <a:schemeClr val="accent1"/>
+          </a:effectRef>
+          <a:fontRef idx="minor">
+            <a:schemeClr val="lt1"/>
+          </a:fontRef>
+        </p:style>
+        <p:txBody>
+          <a:bodyPr rtlCol="0" anchor="ctr"/>
+          <a:lstStyle/>
+          <a:p>
+            <a:pPr algn="ctr"/>
+            <a:endParaRPr lang="en-US"/>
+          </a:p>
+        </p:txBody>
+      </p:sp>
+      <p:sp>
+        <p:nvSpPr>
+          <p:cNvPr id="2" name="Title 1">
+            <a:extLst>
+              <a:ext uri="{FF2B5EF4-FFF2-40B4-BE49-F238E27FC236}">
+                <a16:creationId xmlns:a16="http://schemas.microsoft.com/office/drawing/2014/main" id="{1CEAE535-E1C9-AB42-87B8-DD26EE833D7A}"/>
+              </a:ext>
+            </a:extLst>
+          </p:cNvPr>
+          <p:cNvSpPr>
+            <a:spLocks noGrp="1"/>
+          </p:cNvSpPr>
+          <p:nvPr>
+            <p:ph type="title"/>
+          </p:nvPr>
+        </p:nvSpPr>
+        <p:spPr>
+          <a:xfrm>
+            <a:off x="686834" y="1153572"/>
+            <a:ext cx="3200400" cy="4461163"/>
+          </a:xfrm>
+        </p:spPr>
+        <p:txBody>
+          <a:bodyPr>
+            <a:normAutofit/>
+          </a:bodyPr>
+          <a:lstStyle/>
+          <a:p>
+            <a:r>
+              <a:rPr lang="en-US">
+                <a:solidFill>
+                  <a:srgbClr val="FFFFFF"/>
+                </a:solidFill>
+              </a:rPr>
+              <a:t>Results</a:t>
+            </a:r>
+          </a:p>
+        </p:txBody>
+      </p:sp>
+      <p:sp>
+        <p:nvSpPr>
+          <p:cNvPr id="12" name="Arc 11">
+            <a:extLst>
+              <a:ext uri="{FF2B5EF4-FFF2-40B4-BE49-F238E27FC236}">
+                <a16:creationId xmlns:a16="http://schemas.microsoft.com/office/drawing/2014/main" id="{081E4A58-353D-44AE-B2FC-2A74E2E400F7}"/>
+              </a:ext>
+              <a:ext uri="{C183D7F6-B498-43B3-948B-1728B52AA6E4}">
+                <adec:decorative xmlns:adec="http://schemas.microsoft.com/office/drawing/2017/decorative" val="1"/>
+              </a:ext>
+            </a:extLst>
+          </p:cNvPr>
+          <p:cNvSpPr>
+            <a:spLocks noGrp="1" noRot="1" noChangeAspect="1" noMove="1" noResize="1" noEditPoints="1" noAdjustHandles="1" noChangeArrowheads="1" noChangeShapeType="1" noTextEdit="1"/>
+          </p:cNvSpPr>
+          <p:nvPr>
+            <p:extLst>
+              <p:ext uri="{386F3935-93C4-4BCD-93E2-E3B085C9AB24}">
+                <p16:designElem xmlns:p16="http://schemas.microsoft.com/office/powerpoint/2015/main" val="1"/>
+              </p:ext>
+            </p:extLst>
+          </p:nvPr>
+        </p:nvSpPr>
+        <p:spPr>
+          <a:xfrm flipV="1">
+            <a:off x="7550402" y="2455479"/>
+            <a:ext cx="4083433" cy="4083433"/>
+          </a:xfrm>
+          <a:prstGeom prst="arc">
+            <a:avLst/>
+          </a:prstGeom>
+          <a:ln w="127000" cap="rnd">
+            <a:solidFill>
+              <a:schemeClr val="accent4"/>
+            </a:solidFill>
+            <a:prstDash val="dash"/>
+          </a:ln>
+        </p:spPr>
+        <p:style>
+          <a:lnRef idx="1">
+            <a:schemeClr val="accent1"/>
+          </a:lnRef>
+          <a:fillRef idx="0">
+            <a:schemeClr val="accent1"/>
+          </a:fillRef>
+          <a:effectRef idx="0">
+            <a:schemeClr val="accent1"/>
+          </a:effectRef>
+          <a:fontRef idx="minor">
+            <a:schemeClr val="tx1"/>
+          </a:fontRef>
+        </p:style>
+        <p:txBody>
+          <a:bodyPr rtlCol="0" anchor="ctr"/>
+          <a:lstStyle/>
+          <a:p>
+            <a:pPr algn="ctr"/>
+            <a:endParaRPr lang="en-US" dirty="0"/>
+          </a:p>
+        </p:txBody>
+      </p:sp>
+      <p:sp>
+        <p:nvSpPr>
+          <p:cNvPr id="3" name="Content Placeholder 2">
+            <a:extLst>
+              <a:ext uri="{FF2B5EF4-FFF2-40B4-BE49-F238E27FC236}">
+                <a16:creationId xmlns:a16="http://schemas.microsoft.com/office/drawing/2014/main" id="{6F218925-5EC6-ED41-BB22-D9398896C8AF}"/>
+              </a:ext>
+            </a:extLst>
+          </p:cNvPr>
+          <p:cNvSpPr>
+            <a:spLocks noGrp="1"/>
+          </p:cNvSpPr>
+          <p:nvPr>
+            <p:ph idx="1"/>
+          </p:nvPr>
+        </p:nvSpPr>
+        <p:spPr>
+          <a:xfrm>
+            <a:off x="4447308" y="591344"/>
+            <a:ext cx="6906491" cy="5585619"/>
+          </a:xfrm>
+        </p:spPr>
+        <p:txBody>
+          <a:bodyPr anchor="ctr">
+            <a:normAutofit/>
+          </a:bodyPr>
+          <a:lstStyle/>
+          <a:p>
+            <a:endParaRPr lang="en-US"/>
+          </a:p>
+        </p:txBody>
+      </p:sp>
+    </p:spTree>
+    <p:extLst>
+      <p:ext uri="{BB962C8B-B14F-4D97-AF65-F5344CB8AC3E}">
+        <p14:creationId xmlns:p14="http://schemas.microsoft.com/office/powerpoint/2010/main" val="2270840040"/>
       </p:ext>
     </p:extLst>
   </p:cSld>

--- a/180C Project Presentation - Group12.pptx
+++ b/180C Project Presentation - Group12.pptx
@@ -5,7 +5,7 @@
     <p:sldMasterId id="2147483714" r:id="rId1"/>
   </p:sldMasterIdLst>
   <p:notesMasterIdLst>
-    <p:notesMasterId r:id="rId13"/>
+    <p:notesMasterId r:id="rId17"/>
   </p:notesMasterIdLst>
   <p:sldIdLst>
     <p:sldId id="256" r:id="rId2"/>
@@ -16,9 +16,13 @@
     <p:sldId id="258" r:id="rId7"/>
     <p:sldId id="262" r:id="rId8"/>
     <p:sldId id="263" r:id="rId9"/>
-    <p:sldId id="264" r:id="rId10"/>
-    <p:sldId id="265" r:id="rId11"/>
-    <p:sldId id="266" r:id="rId12"/>
+    <p:sldId id="270" r:id="rId10"/>
+    <p:sldId id="264" r:id="rId11"/>
+    <p:sldId id="268" r:id="rId12"/>
+    <p:sldId id="269" r:id="rId13"/>
+    <p:sldId id="267" r:id="rId14"/>
+    <p:sldId id="265" r:id="rId15"/>
+    <p:sldId id="266" r:id="rId16"/>
   </p:sldIdLst>
   <p:sldSz cx="12192000" cy="6858000"/>
   <p:notesSz cx="6858000" cy="9144000"/>
@@ -125,6 +129,1176 @@
 </p:presentation>
 </file>
 
+<file path=ppt/charts/chart1.xml><?xml version="1.0" encoding="utf-8"?>
+<c:chartSpace xmlns:c="http://schemas.openxmlformats.org/drawingml/2006/chart" xmlns:a="http://schemas.openxmlformats.org/drawingml/2006/main" xmlns:r="http://schemas.openxmlformats.org/officeDocument/2006/relationships" xmlns:c16r2="http://schemas.microsoft.com/office/drawing/2015/06/chart">
+  <c:date1904 val="0"/>
+  <c:lang val="en-US"/>
+  <c:roundedCorners val="0"/>
+  <mc:AlternateContent xmlns:mc="http://schemas.openxmlformats.org/markup-compatibility/2006">
+    <mc:Choice xmlns:c14="http://schemas.microsoft.com/office/drawing/2007/8/2/chart" Requires="c14">
+      <c14:style val="102"/>
+    </mc:Choice>
+    <mc:Fallback>
+      <c:style val="2"/>
+    </mc:Fallback>
+  </mc:AlternateContent>
+  <c:chart>
+    <c:title>
+      <c:tx>
+        <c:rich>
+          <a:bodyPr rot="0" spcFirstLastPara="1" vertOverflow="ellipsis" vert="horz" wrap="square" anchor="ctr" anchorCtr="1"/>
+          <a:lstStyle/>
+          <a:p>
+            <a:pPr>
+              <a:defRPr sz="1440" b="1" i="1" u="none" strike="noStrike" kern="1200" spc="0" baseline="0">
+                <a:ln>
+                  <a:noFill/>
+                </a:ln>
+                <a:solidFill>
+                  <a:sysClr val="windowText" lastClr="000000"/>
+                </a:solidFill>
+                <a:latin typeface="+mn-lt"/>
+                <a:ea typeface="+mn-ea"/>
+                <a:cs typeface="+mn-cs"/>
+              </a:defRPr>
+            </a:pPr>
+            <a:r>
+              <a:rPr lang="en-US" b="1" i="1"/>
+              <a:t>Sudoku Solution Validator</a:t>
+            </a:r>
+          </a:p>
+          <a:p>
+            <a:pPr>
+              <a:defRPr b="1" i="1"/>
+            </a:pPr>
+            <a:r>
+              <a:rPr lang="en-US" b="1" i="1"/>
+              <a:t> Single Thread vs Multi Threads</a:t>
+            </a:r>
+          </a:p>
+        </c:rich>
+      </c:tx>
+      <c:overlay val="0"/>
+      <c:spPr>
+        <a:noFill/>
+        <a:ln>
+          <a:noFill/>
+        </a:ln>
+        <a:effectLst/>
+      </c:spPr>
+      <c:txPr>
+        <a:bodyPr rot="0" spcFirstLastPara="1" vertOverflow="ellipsis" vert="horz" wrap="square" anchor="ctr" anchorCtr="1"/>
+        <a:lstStyle/>
+        <a:p>
+          <a:pPr>
+            <a:defRPr sz="1440" b="1" i="1" u="none" strike="noStrike" kern="1200" spc="0" baseline="0">
+              <a:ln>
+                <a:noFill/>
+              </a:ln>
+              <a:solidFill>
+                <a:sysClr val="windowText" lastClr="000000"/>
+              </a:solidFill>
+              <a:latin typeface="+mn-lt"/>
+              <a:ea typeface="+mn-ea"/>
+              <a:cs typeface="+mn-cs"/>
+            </a:defRPr>
+          </a:pPr>
+          <a:endParaRPr lang="en-US"/>
+        </a:p>
+      </c:txPr>
+    </c:title>
+    <c:autoTitleDeleted val="0"/>
+    <c:plotArea>
+      <c:layout/>
+      <c:barChart>
+        <c:barDir val="col"/>
+        <c:grouping val="clustered"/>
+        <c:varyColors val="0"/>
+        <c:ser>
+          <c:idx val="0"/>
+          <c:order val="0"/>
+          <c:tx>
+            <c:strRef>
+              <c:f>Sheet1!$B$1</c:f>
+              <c:strCache>
+                <c:ptCount val="1"/>
+                <c:pt idx="0">
+                  <c:v>Valid</c:v>
+                </c:pt>
+              </c:strCache>
+            </c:strRef>
+          </c:tx>
+          <c:spPr>
+            <a:solidFill>
+              <a:srgbClr val="00B050"/>
+            </a:solidFill>
+            <a:ln>
+              <a:noFill/>
+            </a:ln>
+            <a:effectLst/>
+          </c:spPr>
+          <c:invertIfNegative val="0"/>
+          <c:dLbls>
+            <c:spPr>
+              <a:noFill/>
+              <a:ln>
+                <a:noFill/>
+              </a:ln>
+              <a:effectLst/>
+            </c:spPr>
+            <c:txPr>
+              <a:bodyPr rot="0" spcFirstLastPara="1" vertOverflow="ellipsis" vert="horz" wrap="square" anchor="ctr" anchorCtr="1"/>
+              <a:lstStyle/>
+              <a:p>
+                <a:pPr>
+                  <a:defRPr sz="1200" b="1" i="0" u="none" strike="noStrike" kern="1200" baseline="0">
+                    <a:ln>
+                      <a:noFill/>
+                    </a:ln>
+                    <a:solidFill>
+                      <a:sysClr val="windowText" lastClr="000000"/>
+                    </a:solidFill>
+                    <a:highlight>
+                      <a:srgbClr val="FFFF00"/>
+                    </a:highlight>
+                    <a:latin typeface="+mn-lt"/>
+                    <a:ea typeface="+mn-ea"/>
+                    <a:cs typeface="+mn-cs"/>
+                  </a:defRPr>
+                </a:pPr>
+                <a:endParaRPr lang="en-US"/>
+              </a:p>
+            </c:txPr>
+            <c:dLblPos val="outEnd"/>
+            <c:showLegendKey val="0"/>
+            <c:showVal val="1"/>
+            <c:showCatName val="0"/>
+            <c:showSerName val="0"/>
+            <c:showPercent val="0"/>
+            <c:showBubbleSize val="0"/>
+            <c:showLeaderLines val="0"/>
+            <c:extLst>
+              <c:ext xmlns:c15="http://schemas.microsoft.com/office/drawing/2012/chart" uri="{CE6537A1-D6FC-4f65-9D91-7224C49458BB}">
+                <c15:showLeaderLines val="1"/>
+                <c15:leaderLines>
+                  <c:spPr>
+                    <a:ln w="9525" cap="flat" cmpd="sng" algn="ctr">
+                      <a:solidFill>
+                        <a:schemeClr val="tx1">
+                          <a:lumMod val="35000"/>
+                          <a:lumOff val="65000"/>
+                        </a:schemeClr>
+                      </a:solidFill>
+                      <a:round/>
+                    </a:ln>
+                    <a:effectLst/>
+                  </c:spPr>
+                </c15:leaderLines>
+              </c:ext>
+            </c:extLst>
+          </c:dLbls>
+          <c:cat>
+            <c:strRef>
+              <c:f>Sheet1!$A$2:$A$3</c:f>
+              <c:strCache>
+                <c:ptCount val="2"/>
+                <c:pt idx="0">
+                  <c:v>Single Thread</c:v>
+                </c:pt>
+                <c:pt idx="1">
+                  <c:v>11 Threads</c:v>
+                </c:pt>
+              </c:strCache>
+            </c:strRef>
+          </c:cat>
+          <c:val>
+            <c:numRef>
+              <c:f>Sheet1!$B$2:$B$3</c:f>
+              <c:numCache>
+                <c:formatCode>General</c:formatCode>
+                <c:ptCount val="2"/>
+                <c:pt idx="0">
+                  <c:v>45888</c:v>
+                </c:pt>
+                <c:pt idx="1">
+                  <c:v>349103</c:v>
+                </c:pt>
+              </c:numCache>
+            </c:numRef>
+          </c:val>
+          <c:extLst>
+            <c:ext xmlns:c16="http://schemas.microsoft.com/office/drawing/2014/chart" uri="{C3380CC4-5D6E-409C-BE32-E72D297353CC}">
+              <c16:uniqueId val="{00000000-6AEB-6649-900F-2695A089B9EA}"/>
+            </c:ext>
+          </c:extLst>
+        </c:ser>
+        <c:ser>
+          <c:idx val="1"/>
+          <c:order val="1"/>
+          <c:tx>
+            <c:strRef>
+              <c:f>Sheet1!$C$1</c:f>
+              <c:strCache>
+                <c:ptCount val="1"/>
+                <c:pt idx="0">
+                  <c:v>InValid</c:v>
+                </c:pt>
+              </c:strCache>
+            </c:strRef>
+          </c:tx>
+          <c:spPr>
+            <a:solidFill>
+              <a:srgbClr val="C00000"/>
+            </a:solidFill>
+            <a:ln>
+              <a:noFill/>
+            </a:ln>
+            <a:effectLst/>
+          </c:spPr>
+          <c:invertIfNegative val="0"/>
+          <c:dLbls>
+            <c:spPr>
+              <a:noFill/>
+              <a:ln>
+                <a:noFill/>
+              </a:ln>
+              <a:effectLst/>
+            </c:spPr>
+            <c:txPr>
+              <a:bodyPr rot="0" spcFirstLastPara="1" vertOverflow="ellipsis" vert="horz" wrap="square" anchor="ctr" anchorCtr="1"/>
+              <a:lstStyle/>
+              <a:p>
+                <a:pPr>
+                  <a:defRPr sz="1200" b="1" i="0" u="none" strike="noStrike" kern="1200" baseline="0">
+                    <a:ln>
+                      <a:noFill/>
+                    </a:ln>
+                    <a:solidFill>
+                      <a:sysClr val="windowText" lastClr="000000"/>
+                    </a:solidFill>
+                    <a:highlight>
+                      <a:srgbClr val="FFFF00"/>
+                    </a:highlight>
+                    <a:latin typeface="+mn-lt"/>
+                    <a:ea typeface="+mn-ea"/>
+                    <a:cs typeface="+mn-cs"/>
+                  </a:defRPr>
+                </a:pPr>
+                <a:endParaRPr lang="en-US"/>
+              </a:p>
+            </c:txPr>
+            <c:dLblPos val="outEnd"/>
+            <c:showLegendKey val="0"/>
+            <c:showVal val="1"/>
+            <c:showCatName val="0"/>
+            <c:showSerName val="0"/>
+            <c:showPercent val="0"/>
+            <c:showBubbleSize val="0"/>
+            <c:showLeaderLines val="0"/>
+            <c:extLst>
+              <c:ext xmlns:c15="http://schemas.microsoft.com/office/drawing/2012/chart" uri="{CE6537A1-D6FC-4f65-9D91-7224C49458BB}">
+                <c15:showLeaderLines val="1"/>
+                <c15:leaderLines>
+                  <c:spPr>
+                    <a:ln w="9525" cap="flat" cmpd="sng" algn="ctr">
+                      <a:solidFill>
+                        <a:schemeClr val="tx1">
+                          <a:lumMod val="35000"/>
+                          <a:lumOff val="65000"/>
+                        </a:schemeClr>
+                      </a:solidFill>
+                      <a:round/>
+                    </a:ln>
+                    <a:effectLst/>
+                  </c:spPr>
+                </c15:leaderLines>
+              </c:ext>
+            </c:extLst>
+          </c:dLbls>
+          <c:cat>
+            <c:strRef>
+              <c:f>Sheet1!$A$2:$A$3</c:f>
+              <c:strCache>
+                <c:ptCount val="2"/>
+                <c:pt idx="0">
+                  <c:v>Single Thread</c:v>
+                </c:pt>
+                <c:pt idx="1">
+                  <c:v>11 Threads</c:v>
+                </c:pt>
+              </c:strCache>
+            </c:strRef>
+          </c:cat>
+          <c:val>
+            <c:numRef>
+              <c:f>Sheet1!$C$2:$C$3</c:f>
+              <c:numCache>
+                <c:formatCode>General</c:formatCode>
+                <c:ptCount val="2"/>
+                <c:pt idx="0">
+                  <c:v>74889</c:v>
+                </c:pt>
+                <c:pt idx="1">
+                  <c:v>324121</c:v>
+                </c:pt>
+              </c:numCache>
+            </c:numRef>
+          </c:val>
+          <c:extLst>
+            <c:ext xmlns:c16="http://schemas.microsoft.com/office/drawing/2014/chart" uri="{C3380CC4-5D6E-409C-BE32-E72D297353CC}">
+              <c16:uniqueId val="{00000001-6AEB-6649-900F-2695A089B9EA}"/>
+            </c:ext>
+          </c:extLst>
+        </c:ser>
+        <c:dLbls>
+          <c:dLblPos val="outEnd"/>
+          <c:showLegendKey val="0"/>
+          <c:showVal val="1"/>
+          <c:showCatName val="0"/>
+          <c:showSerName val="0"/>
+          <c:showPercent val="0"/>
+          <c:showBubbleSize val="0"/>
+        </c:dLbls>
+        <c:gapWidth val="219"/>
+        <c:overlap val="-27"/>
+        <c:axId val="507462544"/>
+        <c:axId val="507464176"/>
+      </c:barChart>
+      <c:catAx>
+        <c:axId val="507462544"/>
+        <c:scaling>
+          <c:orientation val="minMax"/>
+        </c:scaling>
+        <c:delete val="0"/>
+        <c:axPos val="b"/>
+        <c:numFmt formatCode="General" sourceLinked="1"/>
+        <c:majorTickMark val="none"/>
+        <c:minorTickMark val="none"/>
+        <c:tickLblPos val="nextTo"/>
+        <c:spPr>
+          <a:noFill/>
+          <a:ln w="9525" cap="flat" cmpd="sng" algn="ctr">
+            <a:solidFill>
+              <a:schemeClr val="tx1">
+                <a:lumMod val="15000"/>
+                <a:lumOff val="85000"/>
+              </a:schemeClr>
+            </a:solidFill>
+            <a:round/>
+          </a:ln>
+          <a:effectLst/>
+        </c:spPr>
+        <c:txPr>
+          <a:bodyPr rot="-60000000" spcFirstLastPara="1" vertOverflow="ellipsis" vert="horz" wrap="square" anchor="ctr" anchorCtr="1"/>
+          <a:lstStyle/>
+          <a:p>
+            <a:pPr>
+              <a:defRPr sz="1200" b="0" i="0" u="none" strike="noStrike" kern="1200" baseline="0">
+                <a:ln>
+                  <a:noFill/>
+                </a:ln>
+                <a:solidFill>
+                  <a:sysClr val="windowText" lastClr="000000"/>
+                </a:solidFill>
+                <a:latin typeface="+mn-lt"/>
+                <a:ea typeface="+mn-ea"/>
+                <a:cs typeface="+mn-cs"/>
+              </a:defRPr>
+            </a:pPr>
+            <a:endParaRPr lang="en-US"/>
+          </a:p>
+        </c:txPr>
+        <c:crossAx val="507464176"/>
+        <c:crosses val="autoZero"/>
+        <c:auto val="1"/>
+        <c:lblAlgn val="ctr"/>
+        <c:lblOffset val="100"/>
+        <c:noMultiLvlLbl val="0"/>
+      </c:catAx>
+      <c:valAx>
+        <c:axId val="507464176"/>
+        <c:scaling>
+          <c:orientation val="minMax"/>
+        </c:scaling>
+        <c:delete val="0"/>
+        <c:axPos val="l"/>
+        <c:majorGridlines>
+          <c:spPr>
+            <a:ln w="9525" cap="flat" cmpd="sng" algn="ctr">
+              <a:solidFill>
+                <a:srgbClr val="002060"/>
+              </a:solidFill>
+              <a:round/>
+            </a:ln>
+            <a:effectLst/>
+          </c:spPr>
+        </c:majorGridlines>
+        <c:title>
+          <c:tx>
+            <c:rich>
+              <a:bodyPr rot="-5400000" spcFirstLastPara="1" vertOverflow="ellipsis" vert="horz" wrap="square" anchor="ctr" anchorCtr="1"/>
+              <a:lstStyle/>
+              <a:p>
+                <a:pPr>
+                  <a:defRPr sz="1200" b="0" i="0" u="none" strike="noStrike" kern="1200" baseline="0">
+                    <a:ln>
+                      <a:noFill/>
+                    </a:ln>
+                    <a:solidFill>
+                      <a:sysClr val="windowText" lastClr="000000"/>
+                    </a:solidFill>
+                    <a:latin typeface="+mn-lt"/>
+                    <a:ea typeface="+mn-ea"/>
+                    <a:cs typeface="+mn-cs"/>
+                  </a:defRPr>
+                </a:pPr>
+                <a:r>
+                  <a:rPr lang="en-US"/>
+                  <a:t>Run Time (miliseconds)</a:t>
+                </a:r>
+              </a:p>
+            </c:rich>
+          </c:tx>
+          <c:layout>
+            <c:manualLayout>
+              <c:xMode val="edge"/>
+              <c:yMode val="edge"/>
+              <c:x val="1.078167115902965E-2"/>
+              <c:y val="0.32320593335838776"/>
+            </c:manualLayout>
+          </c:layout>
+          <c:overlay val="0"/>
+          <c:spPr>
+            <a:noFill/>
+            <a:ln>
+              <a:noFill/>
+            </a:ln>
+            <a:effectLst/>
+          </c:spPr>
+          <c:txPr>
+            <a:bodyPr rot="-5400000" spcFirstLastPara="1" vertOverflow="ellipsis" vert="horz" wrap="square" anchor="ctr" anchorCtr="1"/>
+            <a:lstStyle/>
+            <a:p>
+              <a:pPr>
+                <a:defRPr sz="1200" b="0" i="0" u="none" strike="noStrike" kern="1200" baseline="0">
+                  <a:ln>
+                    <a:noFill/>
+                  </a:ln>
+                  <a:solidFill>
+                    <a:sysClr val="windowText" lastClr="000000"/>
+                  </a:solidFill>
+                  <a:latin typeface="+mn-lt"/>
+                  <a:ea typeface="+mn-ea"/>
+                  <a:cs typeface="+mn-cs"/>
+                </a:defRPr>
+              </a:pPr>
+              <a:endParaRPr lang="en-US"/>
+            </a:p>
+          </c:txPr>
+        </c:title>
+        <c:numFmt formatCode="General" sourceLinked="1"/>
+        <c:majorTickMark val="none"/>
+        <c:minorTickMark val="none"/>
+        <c:tickLblPos val="nextTo"/>
+        <c:spPr>
+          <a:noFill/>
+          <a:ln>
+            <a:noFill/>
+          </a:ln>
+          <a:effectLst/>
+        </c:spPr>
+        <c:txPr>
+          <a:bodyPr rot="-60000000" spcFirstLastPara="1" vertOverflow="ellipsis" vert="horz" wrap="square" anchor="ctr" anchorCtr="1"/>
+          <a:lstStyle/>
+          <a:p>
+            <a:pPr>
+              <a:defRPr sz="1200" b="1" i="0" u="none" strike="noStrike" kern="1200" baseline="0">
+                <a:ln>
+                  <a:noFill/>
+                </a:ln>
+                <a:solidFill>
+                  <a:sysClr val="windowText" lastClr="000000"/>
+                </a:solidFill>
+                <a:latin typeface="+mn-lt"/>
+                <a:ea typeface="+mn-ea"/>
+                <a:cs typeface="+mn-cs"/>
+              </a:defRPr>
+            </a:pPr>
+            <a:endParaRPr lang="en-US"/>
+          </a:p>
+        </c:txPr>
+        <c:crossAx val="507462544"/>
+        <c:crosses val="autoZero"/>
+        <c:crossBetween val="between"/>
+      </c:valAx>
+      <c:dTable>
+        <c:showHorzBorder val="1"/>
+        <c:showVertBorder val="1"/>
+        <c:showOutline val="1"/>
+        <c:showKeys val="1"/>
+        <c:spPr>
+          <a:noFill/>
+          <a:ln w="9525" cap="flat" cmpd="sng" algn="ctr">
+            <a:solidFill>
+              <a:schemeClr val="tx1">
+                <a:lumMod val="15000"/>
+                <a:lumOff val="85000"/>
+              </a:schemeClr>
+            </a:solidFill>
+            <a:round/>
+          </a:ln>
+          <a:effectLst/>
+        </c:spPr>
+        <c:txPr>
+          <a:bodyPr rot="0" spcFirstLastPara="1" vertOverflow="ellipsis" vert="horz" wrap="square" anchor="ctr" anchorCtr="1"/>
+          <a:lstStyle/>
+          <a:p>
+            <a:pPr rtl="0">
+              <a:defRPr sz="1200" b="0" i="0" u="none" strike="noStrike" kern="1200" baseline="0">
+                <a:ln>
+                  <a:noFill/>
+                </a:ln>
+                <a:solidFill>
+                  <a:sysClr val="windowText" lastClr="000000"/>
+                </a:solidFill>
+                <a:latin typeface="+mn-lt"/>
+                <a:ea typeface="+mn-ea"/>
+                <a:cs typeface="+mn-cs"/>
+              </a:defRPr>
+            </a:pPr>
+            <a:endParaRPr lang="en-US"/>
+          </a:p>
+        </c:txPr>
+      </c:dTable>
+      <c:spPr>
+        <a:noFill/>
+        <a:ln w="38100">
+          <a:noFill/>
+        </a:ln>
+        <a:effectLst/>
+      </c:spPr>
+    </c:plotArea>
+    <c:legend>
+      <c:legendPos val="b"/>
+      <c:overlay val="0"/>
+      <c:spPr>
+        <a:noFill/>
+        <a:ln>
+          <a:noFill/>
+        </a:ln>
+        <a:effectLst/>
+      </c:spPr>
+      <c:txPr>
+        <a:bodyPr rot="0" spcFirstLastPara="1" vertOverflow="ellipsis" vert="horz" wrap="square" anchor="ctr" anchorCtr="1"/>
+        <a:lstStyle/>
+        <a:p>
+          <a:pPr>
+            <a:defRPr sz="1200" b="0" i="0" u="none" strike="noStrike" kern="1200" baseline="0">
+              <a:ln>
+                <a:noFill/>
+              </a:ln>
+              <a:solidFill>
+                <a:sysClr val="windowText" lastClr="000000"/>
+              </a:solidFill>
+              <a:latin typeface="+mn-lt"/>
+              <a:ea typeface="+mn-ea"/>
+              <a:cs typeface="+mn-cs"/>
+            </a:defRPr>
+          </a:pPr>
+          <a:endParaRPr lang="en-US"/>
+        </a:p>
+      </c:txPr>
+    </c:legend>
+    <c:plotVisOnly val="1"/>
+    <c:dispBlanksAs val="gap"/>
+    <c:extLst>
+      <c:ext xmlns:c16r3="http://schemas.microsoft.com/office/drawing/2017/03/chart" uri="{56B9EC1D-385E-4148-901F-78D8002777C0}">
+        <c16r3:dataDisplayOptions16>
+          <c16r3:dispNaAsBlank val="1"/>
+        </c16r3:dataDisplayOptions16>
+      </c:ext>
+    </c:extLst>
+    <c:showDLblsOverMax val="0"/>
+  </c:chart>
+  <c:spPr>
+    <a:noFill/>
+    <a:ln w="9525" cap="flat" cmpd="sng" algn="ctr">
+      <a:solidFill>
+        <a:schemeClr val="tx1">
+          <a:lumMod val="15000"/>
+          <a:lumOff val="85000"/>
+        </a:schemeClr>
+      </a:solidFill>
+      <a:round/>
+    </a:ln>
+    <a:effectLst/>
+  </c:spPr>
+  <c:txPr>
+    <a:bodyPr/>
+    <a:lstStyle/>
+    <a:p>
+      <a:pPr>
+        <a:defRPr sz="1200">
+          <a:ln>
+            <a:noFill/>
+          </a:ln>
+          <a:solidFill>
+            <a:sysClr val="windowText" lastClr="000000"/>
+          </a:solidFill>
+        </a:defRPr>
+      </a:pPr>
+      <a:endParaRPr lang="en-US"/>
+    </a:p>
+  </c:txPr>
+  <c:externalData r:id="rId3">
+    <c:autoUpdate val="0"/>
+  </c:externalData>
+</c:chartSpace>
+</file>
+
+<file path=ppt/charts/colors1.xml><?xml version="1.0" encoding="utf-8"?>
+<cs:colorStyle xmlns:cs="http://schemas.microsoft.com/office/drawing/2012/chartStyle" xmlns:a="http://schemas.openxmlformats.org/drawingml/2006/main" meth="cycle" id="10">
+  <a:schemeClr val="accent1"/>
+  <a:schemeClr val="accent2"/>
+  <a:schemeClr val="accent3"/>
+  <a:schemeClr val="accent4"/>
+  <a:schemeClr val="accent5"/>
+  <a:schemeClr val="accent6"/>
+  <cs:variation/>
+  <cs:variation>
+    <a:lumMod val="60000"/>
+  </cs:variation>
+  <cs:variation>
+    <a:lumMod val="80000"/>
+    <a:lumOff val="20000"/>
+  </cs:variation>
+  <cs:variation>
+    <a:lumMod val="80000"/>
+  </cs:variation>
+  <cs:variation>
+    <a:lumMod val="60000"/>
+    <a:lumOff val="40000"/>
+  </cs:variation>
+  <cs:variation>
+    <a:lumMod val="50000"/>
+  </cs:variation>
+  <cs:variation>
+    <a:lumMod val="70000"/>
+    <a:lumOff val="30000"/>
+  </cs:variation>
+  <cs:variation>
+    <a:lumMod val="70000"/>
+  </cs:variation>
+  <cs:variation>
+    <a:lumMod val="50000"/>
+    <a:lumOff val="50000"/>
+  </cs:variation>
+</cs:colorStyle>
+</file>
+
+<file path=ppt/charts/style1.xml><?xml version="1.0" encoding="utf-8"?>
+<cs:chartStyle xmlns:cs="http://schemas.microsoft.com/office/drawing/2012/chartStyle" xmlns:a="http://schemas.openxmlformats.org/drawingml/2006/main" id="201">
+  <cs:axisTitle>
+    <cs:lnRef idx="0"/>
+    <cs:fillRef idx="0"/>
+    <cs:effectRef idx="0"/>
+    <cs:fontRef idx="minor">
+      <a:schemeClr val="tx1">
+        <a:lumMod val="65000"/>
+        <a:lumOff val="35000"/>
+      </a:schemeClr>
+    </cs:fontRef>
+    <cs:defRPr sz="1000" kern="1200"/>
+  </cs:axisTitle>
+  <cs:categoryAxis>
+    <cs:lnRef idx="0"/>
+    <cs:fillRef idx="0"/>
+    <cs:effectRef idx="0"/>
+    <cs:fontRef idx="minor">
+      <a:schemeClr val="tx1">
+        <a:lumMod val="65000"/>
+        <a:lumOff val="35000"/>
+      </a:schemeClr>
+    </cs:fontRef>
+    <cs:spPr>
+      <a:ln w="9525" cap="flat" cmpd="sng" algn="ctr">
+        <a:solidFill>
+          <a:schemeClr val="tx1">
+            <a:lumMod val="15000"/>
+            <a:lumOff val="85000"/>
+          </a:schemeClr>
+        </a:solidFill>
+        <a:round/>
+      </a:ln>
+    </cs:spPr>
+    <cs:defRPr sz="900" kern="1200"/>
+  </cs:categoryAxis>
+  <cs:chartArea mods="allowNoFillOverride allowNoLineOverride">
+    <cs:lnRef idx="0"/>
+    <cs:fillRef idx="0"/>
+    <cs:effectRef idx="0"/>
+    <cs:fontRef idx="minor">
+      <a:schemeClr val="tx1"/>
+    </cs:fontRef>
+    <cs:spPr>
+      <a:solidFill>
+        <a:schemeClr val="bg1"/>
+      </a:solidFill>
+      <a:ln w="9525" cap="flat" cmpd="sng" algn="ctr">
+        <a:solidFill>
+          <a:schemeClr val="tx1">
+            <a:lumMod val="15000"/>
+            <a:lumOff val="85000"/>
+          </a:schemeClr>
+        </a:solidFill>
+        <a:round/>
+      </a:ln>
+    </cs:spPr>
+    <cs:defRPr sz="1000" kern="1200"/>
+  </cs:chartArea>
+  <cs:dataLabel>
+    <cs:lnRef idx="0"/>
+    <cs:fillRef idx="0"/>
+    <cs:effectRef idx="0"/>
+    <cs:fontRef idx="minor">
+      <a:schemeClr val="tx1">
+        <a:lumMod val="75000"/>
+        <a:lumOff val="25000"/>
+      </a:schemeClr>
+    </cs:fontRef>
+    <cs:defRPr sz="900" kern="1200"/>
+  </cs:dataLabel>
+  <cs:dataLabelCallout>
+    <cs:lnRef idx="0"/>
+    <cs:fillRef idx="0"/>
+    <cs:effectRef idx="0"/>
+    <cs:fontRef idx="minor">
+      <a:schemeClr val="dk1">
+        <a:lumMod val="65000"/>
+        <a:lumOff val="35000"/>
+      </a:schemeClr>
+    </cs:fontRef>
+    <cs:spPr>
+      <a:solidFill>
+        <a:schemeClr val="lt1"/>
+      </a:solidFill>
+      <a:ln>
+        <a:solidFill>
+          <a:schemeClr val="dk1">
+            <a:lumMod val="25000"/>
+            <a:lumOff val="75000"/>
+          </a:schemeClr>
+        </a:solidFill>
+      </a:ln>
+    </cs:spPr>
+    <cs:defRPr sz="900" kern="1200"/>
+    <cs:bodyPr rot="0" spcFirstLastPara="1" vertOverflow="clip" horzOverflow="clip" vert="horz" wrap="square" lIns="36576" tIns="18288" rIns="36576" bIns="18288" anchor="ctr" anchorCtr="1">
+      <a:spAutoFit/>
+    </cs:bodyPr>
+  </cs:dataLabelCallout>
+  <cs:dataPoint>
+    <cs:lnRef idx="0"/>
+    <cs:fillRef idx="1">
+      <cs:styleClr val="auto"/>
+    </cs:fillRef>
+    <cs:effectRef idx="0"/>
+    <cs:fontRef idx="minor">
+      <a:schemeClr val="tx1"/>
+    </cs:fontRef>
+  </cs:dataPoint>
+  <cs:dataPoint3D>
+    <cs:lnRef idx="0"/>
+    <cs:fillRef idx="1">
+      <cs:styleClr val="auto"/>
+    </cs:fillRef>
+    <cs:effectRef idx="0"/>
+    <cs:fontRef idx="minor">
+      <a:schemeClr val="tx1"/>
+    </cs:fontRef>
+  </cs:dataPoint3D>
+  <cs:dataPointLine>
+    <cs:lnRef idx="0">
+      <cs:styleClr val="auto"/>
+    </cs:lnRef>
+    <cs:fillRef idx="1"/>
+    <cs:effectRef idx="0"/>
+    <cs:fontRef idx="minor">
+      <a:schemeClr val="tx1"/>
+    </cs:fontRef>
+    <cs:spPr>
+      <a:ln w="28575" cap="rnd">
+        <a:solidFill>
+          <a:schemeClr val="phClr"/>
+        </a:solidFill>
+        <a:round/>
+      </a:ln>
+    </cs:spPr>
+  </cs:dataPointLine>
+  <cs:dataPointMarker>
+    <cs:lnRef idx="0">
+      <cs:styleClr val="auto"/>
+    </cs:lnRef>
+    <cs:fillRef idx="1">
+      <cs:styleClr val="auto"/>
+    </cs:fillRef>
+    <cs:effectRef idx="0"/>
+    <cs:fontRef idx="minor">
+      <a:schemeClr val="tx1"/>
+    </cs:fontRef>
+    <cs:spPr>
+      <a:ln w="9525">
+        <a:solidFill>
+          <a:schemeClr val="phClr"/>
+        </a:solidFill>
+      </a:ln>
+    </cs:spPr>
+  </cs:dataPointMarker>
+  <cs:dataPointMarkerLayout symbol="circle" size="5"/>
+  <cs:dataPointWireframe>
+    <cs:lnRef idx="0">
+      <cs:styleClr val="auto"/>
+    </cs:lnRef>
+    <cs:fillRef idx="1"/>
+    <cs:effectRef idx="0"/>
+    <cs:fontRef idx="minor">
+      <a:schemeClr val="tx1"/>
+    </cs:fontRef>
+    <cs:spPr>
+      <a:ln w="9525" cap="rnd">
+        <a:solidFill>
+          <a:schemeClr val="phClr"/>
+        </a:solidFill>
+        <a:round/>
+      </a:ln>
+    </cs:spPr>
+  </cs:dataPointWireframe>
+  <cs:dataTable>
+    <cs:lnRef idx="0"/>
+    <cs:fillRef idx="0"/>
+    <cs:effectRef idx="0"/>
+    <cs:fontRef idx="minor">
+      <a:schemeClr val="tx1">
+        <a:lumMod val="65000"/>
+        <a:lumOff val="35000"/>
+      </a:schemeClr>
+    </cs:fontRef>
+    <cs:spPr>
+      <a:noFill/>
+      <a:ln w="9525" cap="flat" cmpd="sng" algn="ctr">
+        <a:solidFill>
+          <a:schemeClr val="tx1">
+            <a:lumMod val="15000"/>
+            <a:lumOff val="85000"/>
+          </a:schemeClr>
+        </a:solidFill>
+        <a:round/>
+      </a:ln>
+    </cs:spPr>
+    <cs:defRPr sz="900" kern="1200"/>
+  </cs:dataTable>
+  <cs:downBar>
+    <cs:lnRef idx="0"/>
+    <cs:fillRef idx="0"/>
+    <cs:effectRef idx="0"/>
+    <cs:fontRef idx="minor">
+      <a:schemeClr val="dk1"/>
+    </cs:fontRef>
+    <cs:spPr>
+      <a:solidFill>
+        <a:schemeClr val="dk1">
+          <a:lumMod val="65000"/>
+          <a:lumOff val="35000"/>
+        </a:schemeClr>
+      </a:solidFill>
+      <a:ln w="9525">
+        <a:solidFill>
+          <a:schemeClr val="tx1">
+            <a:lumMod val="65000"/>
+            <a:lumOff val="35000"/>
+          </a:schemeClr>
+        </a:solidFill>
+      </a:ln>
+    </cs:spPr>
+  </cs:downBar>
+  <cs:dropLine>
+    <cs:lnRef idx="0"/>
+    <cs:fillRef idx="0"/>
+    <cs:effectRef idx="0"/>
+    <cs:fontRef idx="minor">
+      <a:schemeClr val="tx1"/>
+    </cs:fontRef>
+    <cs:spPr>
+      <a:ln w="9525" cap="flat" cmpd="sng" algn="ctr">
+        <a:solidFill>
+          <a:schemeClr val="tx1">
+            <a:lumMod val="35000"/>
+            <a:lumOff val="65000"/>
+          </a:schemeClr>
+        </a:solidFill>
+        <a:round/>
+      </a:ln>
+    </cs:spPr>
+  </cs:dropLine>
+  <cs:errorBar>
+    <cs:lnRef idx="0"/>
+    <cs:fillRef idx="0"/>
+    <cs:effectRef idx="0"/>
+    <cs:fontRef idx="minor">
+      <a:schemeClr val="tx1"/>
+    </cs:fontRef>
+    <cs:spPr>
+      <a:ln w="9525" cap="flat" cmpd="sng" algn="ctr">
+        <a:solidFill>
+          <a:schemeClr val="tx1">
+            <a:lumMod val="65000"/>
+            <a:lumOff val="35000"/>
+          </a:schemeClr>
+        </a:solidFill>
+        <a:round/>
+      </a:ln>
+    </cs:spPr>
+  </cs:errorBar>
+  <cs:floor>
+    <cs:lnRef idx="0"/>
+    <cs:fillRef idx="0"/>
+    <cs:effectRef idx="0"/>
+    <cs:fontRef idx="minor">
+      <a:schemeClr val="tx1"/>
+    </cs:fontRef>
+    <cs:spPr>
+      <a:noFill/>
+      <a:ln>
+        <a:noFill/>
+      </a:ln>
+    </cs:spPr>
+  </cs:floor>
+  <cs:gridlineMajor>
+    <cs:lnRef idx="0"/>
+    <cs:fillRef idx="0"/>
+    <cs:effectRef idx="0"/>
+    <cs:fontRef idx="minor">
+      <a:schemeClr val="tx1"/>
+    </cs:fontRef>
+    <cs:spPr>
+      <a:ln w="9525" cap="flat" cmpd="sng" algn="ctr">
+        <a:solidFill>
+          <a:schemeClr val="tx1">
+            <a:lumMod val="15000"/>
+            <a:lumOff val="85000"/>
+          </a:schemeClr>
+        </a:solidFill>
+        <a:round/>
+      </a:ln>
+    </cs:spPr>
+  </cs:gridlineMajor>
+  <cs:gridlineMinor>
+    <cs:lnRef idx="0"/>
+    <cs:fillRef idx="0"/>
+    <cs:effectRef idx="0"/>
+    <cs:fontRef idx="minor">
+      <a:schemeClr val="tx1"/>
+    </cs:fontRef>
+    <cs:spPr>
+      <a:ln w="9525" cap="flat" cmpd="sng" algn="ctr">
+        <a:solidFill>
+          <a:schemeClr val="tx1">
+            <a:lumMod val="5000"/>
+            <a:lumOff val="95000"/>
+          </a:schemeClr>
+        </a:solidFill>
+        <a:round/>
+      </a:ln>
+    </cs:spPr>
+  </cs:gridlineMinor>
+  <cs:hiLoLine>
+    <cs:lnRef idx="0"/>
+    <cs:fillRef idx="0"/>
+    <cs:effectRef idx="0"/>
+    <cs:fontRef idx="minor">
+      <a:schemeClr val="tx1"/>
+    </cs:fontRef>
+    <cs:spPr>
+      <a:ln w="9525" cap="flat" cmpd="sng" algn="ctr">
+        <a:solidFill>
+          <a:schemeClr val="tx1">
+            <a:lumMod val="75000"/>
+            <a:lumOff val="25000"/>
+          </a:schemeClr>
+        </a:solidFill>
+        <a:round/>
+      </a:ln>
+    </cs:spPr>
+  </cs:hiLoLine>
+  <cs:leaderLine>
+    <cs:lnRef idx="0"/>
+    <cs:fillRef idx="0"/>
+    <cs:effectRef idx="0"/>
+    <cs:fontRef idx="minor">
+      <a:schemeClr val="tx1"/>
+    </cs:fontRef>
+    <cs:spPr>
+      <a:ln w="9525" cap="flat" cmpd="sng" algn="ctr">
+        <a:solidFill>
+          <a:schemeClr val="tx1">
+            <a:lumMod val="35000"/>
+            <a:lumOff val="65000"/>
+          </a:schemeClr>
+        </a:solidFill>
+        <a:round/>
+      </a:ln>
+    </cs:spPr>
+  </cs:leaderLine>
+  <cs:legend>
+    <cs:lnRef idx="0"/>
+    <cs:fillRef idx="0"/>
+    <cs:effectRef idx="0"/>
+    <cs:fontRef idx="minor">
+      <a:schemeClr val="tx1">
+        <a:lumMod val="65000"/>
+        <a:lumOff val="35000"/>
+      </a:schemeClr>
+    </cs:fontRef>
+    <cs:defRPr sz="900" kern="1200"/>
+  </cs:legend>
+  <cs:plotArea mods="allowNoFillOverride allowNoLineOverride">
+    <cs:lnRef idx="0"/>
+    <cs:fillRef idx="0"/>
+    <cs:effectRef idx="0"/>
+    <cs:fontRef idx="minor">
+      <a:schemeClr val="tx1"/>
+    </cs:fontRef>
+  </cs:plotArea>
+  <cs:plotArea3D mods="allowNoFillOverride allowNoLineOverride">
+    <cs:lnRef idx="0"/>
+    <cs:fillRef idx="0"/>
+    <cs:effectRef idx="0"/>
+    <cs:fontRef idx="minor">
+      <a:schemeClr val="tx1"/>
+    </cs:fontRef>
+  </cs:plotArea3D>
+  <cs:seriesAxis>
+    <cs:lnRef idx="0"/>
+    <cs:fillRef idx="0"/>
+    <cs:effectRef idx="0"/>
+    <cs:fontRef idx="minor">
+      <a:schemeClr val="tx1">
+        <a:lumMod val="65000"/>
+        <a:lumOff val="35000"/>
+      </a:schemeClr>
+    </cs:fontRef>
+    <cs:defRPr sz="900" kern="1200"/>
+  </cs:seriesAxis>
+  <cs:seriesLine>
+    <cs:lnRef idx="0"/>
+    <cs:fillRef idx="0"/>
+    <cs:effectRef idx="0"/>
+    <cs:fontRef idx="minor">
+      <a:schemeClr val="tx1"/>
+    </cs:fontRef>
+    <cs:spPr>
+      <a:ln w="9525" cap="flat" cmpd="sng" algn="ctr">
+        <a:solidFill>
+          <a:schemeClr val="tx1">
+            <a:lumMod val="35000"/>
+            <a:lumOff val="65000"/>
+          </a:schemeClr>
+        </a:solidFill>
+        <a:round/>
+      </a:ln>
+    </cs:spPr>
+  </cs:seriesLine>
+  <cs:title>
+    <cs:lnRef idx="0"/>
+    <cs:fillRef idx="0"/>
+    <cs:effectRef idx="0"/>
+    <cs:fontRef idx="minor">
+      <a:schemeClr val="tx1">
+        <a:lumMod val="65000"/>
+        <a:lumOff val="35000"/>
+      </a:schemeClr>
+    </cs:fontRef>
+    <cs:defRPr sz="1400" b="0" kern="1200" spc="0" baseline="0"/>
+  </cs:title>
+  <cs:trendline>
+    <cs:lnRef idx="0">
+      <cs:styleClr val="auto"/>
+    </cs:lnRef>
+    <cs:fillRef idx="0"/>
+    <cs:effectRef idx="0"/>
+    <cs:fontRef idx="minor">
+      <a:schemeClr val="tx1"/>
+    </cs:fontRef>
+    <cs:spPr>
+      <a:ln w="19050" cap="rnd">
+        <a:solidFill>
+          <a:schemeClr val="phClr"/>
+        </a:solidFill>
+        <a:prstDash val="sysDot"/>
+      </a:ln>
+    </cs:spPr>
+  </cs:trendline>
+  <cs:trendlineLabel>
+    <cs:lnRef idx="0"/>
+    <cs:fillRef idx="0"/>
+    <cs:effectRef idx="0"/>
+    <cs:fontRef idx="minor">
+      <a:schemeClr val="tx1">
+        <a:lumMod val="65000"/>
+        <a:lumOff val="35000"/>
+      </a:schemeClr>
+    </cs:fontRef>
+    <cs:defRPr sz="900" kern="1200"/>
+  </cs:trendlineLabel>
+  <cs:upBar>
+    <cs:lnRef idx="0"/>
+    <cs:fillRef idx="0"/>
+    <cs:effectRef idx="0"/>
+    <cs:fontRef idx="minor">
+      <a:schemeClr val="dk1"/>
+    </cs:fontRef>
+    <cs:spPr>
+      <a:solidFill>
+        <a:schemeClr val="lt1"/>
+      </a:solidFill>
+      <a:ln w="9525">
+        <a:solidFill>
+          <a:schemeClr val="tx1">
+            <a:lumMod val="15000"/>
+            <a:lumOff val="85000"/>
+          </a:schemeClr>
+        </a:solidFill>
+      </a:ln>
+    </cs:spPr>
+  </cs:upBar>
+  <cs:valueAxis>
+    <cs:lnRef idx="0"/>
+    <cs:fillRef idx="0"/>
+    <cs:effectRef idx="0"/>
+    <cs:fontRef idx="minor">
+      <a:schemeClr val="tx1">
+        <a:lumMod val="65000"/>
+        <a:lumOff val="35000"/>
+      </a:schemeClr>
+    </cs:fontRef>
+    <cs:defRPr sz="900" kern="1200"/>
+  </cs:valueAxis>
+  <cs:wall>
+    <cs:lnRef idx="0"/>
+    <cs:fillRef idx="0"/>
+    <cs:effectRef idx="0"/>
+    <cs:fontRef idx="minor">
+      <a:schemeClr val="tx1"/>
+    </cs:fontRef>
+    <cs:spPr>
+      <a:noFill/>
+      <a:ln>
+        <a:noFill/>
+      </a:ln>
+    </cs:spPr>
+  </cs:wall>
+</cs:chartStyle>
+</file>
+
 <file path=ppt/notesMasters/notesMaster1.xml><?xml version="1.0" encoding="utf-8"?>
 <p:notesMaster xmlns:a="http://schemas.openxmlformats.org/drawingml/2006/main" xmlns:r="http://schemas.openxmlformats.org/officeDocument/2006/relationships" xmlns:p="http://schemas.openxmlformats.org/presentationml/2006/main">
   <p:cSld>
@@ -207,7 +1381,7 @@
           <a:p>
             <a:fld id="{33B3B743-6339-B64C-85E5-F0E48B78E78C}" type="datetimeFigureOut">
               <a:rPr lang="en-US" smtClean="0"/>
-              <a:t>4/21/20</a:t>
+              <a:t>4/30/20</a:t>
             </a:fld>
             <a:endParaRPr lang="en-US"/>
           </a:p>
@@ -705,7 +1879,7 @@
           <a:p>
             <a:fld id="{D1A0090F-0C62-134E-AA28-3C8DF2BD0BD9}" type="datetimeFigureOut">
               <a:rPr lang="en-US" smtClean="0"/>
-              <a:t>4/21/20</a:t>
+              <a:t>4/30/20</a:t>
             </a:fld>
             <a:endParaRPr lang="en-US"/>
           </a:p>
@@ -903,7 +2077,7 @@
           <a:p>
             <a:fld id="{D1A0090F-0C62-134E-AA28-3C8DF2BD0BD9}" type="datetimeFigureOut">
               <a:rPr lang="en-US" smtClean="0"/>
-              <a:t>4/21/20</a:t>
+              <a:t>4/30/20</a:t>
             </a:fld>
             <a:endParaRPr lang="en-US"/>
           </a:p>
@@ -1111,7 +2285,7 @@
           <a:p>
             <a:fld id="{D1A0090F-0C62-134E-AA28-3C8DF2BD0BD9}" type="datetimeFigureOut">
               <a:rPr lang="en-US" smtClean="0"/>
-              <a:t>4/21/20</a:t>
+              <a:t>4/30/20</a:t>
             </a:fld>
             <a:endParaRPr lang="en-US"/>
           </a:p>
@@ -1309,7 +2483,7 @@
           <a:p>
             <a:fld id="{D1A0090F-0C62-134E-AA28-3C8DF2BD0BD9}" type="datetimeFigureOut">
               <a:rPr lang="en-US" smtClean="0"/>
-              <a:t>4/21/20</a:t>
+              <a:t>4/30/20</a:t>
             </a:fld>
             <a:endParaRPr lang="en-US"/>
           </a:p>
@@ -1584,7 +2758,7 @@
           <a:p>
             <a:fld id="{D1A0090F-0C62-134E-AA28-3C8DF2BD0BD9}" type="datetimeFigureOut">
               <a:rPr lang="en-US" smtClean="0"/>
-              <a:t>4/21/20</a:t>
+              <a:t>4/30/20</a:t>
             </a:fld>
             <a:endParaRPr lang="en-US"/>
           </a:p>
@@ -1849,7 +3023,7 @@
           <a:p>
             <a:fld id="{D1A0090F-0C62-134E-AA28-3C8DF2BD0BD9}" type="datetimeFigureOut">
               <a:rPr lang="en-US" smtClean="0"/>
-              <a:t>4/21/20</a:t>
+              <a:t>4/30/20</a:t>
             </a:fld>
             <a:endParaRPr lang="en-US"/>
           </a:p>
@@ -2261,7 +3435,7 @@
           <a:p>
             <a:fld id="{D1A0090F-0C62-134E-AA28-3C8DF2BD0BD9}" type="datetimeFigureOut">
               <a:rPr lang="en-US" smtClean="0"/>
-              <a:t>4/21/20</a:t>
+              <a:t>4/30/20</a:t>
             </a:fld>
             <a:endParaRPr lang="en-US"/>
           </a:p>
@@ -2402,7 +3576,7 @@
           <a:p>
             <a:fld id="{D1A0090F-0C62-134E-AA28-3C8DF2BD0BD9}" type="datetimeFigureOut">
               <a:rPr lang="en-US" smtClean="0"/>
-              <a:t>4/21/20</a:t>
+              <a:t>4/30/20</a:t>
             </a:fld>
             <a:endParaRPr lang="en-US"/>
           </a:p>
@@ -2515,7 +3689,7 @@
           <a:p>
             <a:fld id="{D1A0090F-0C62-134E-AA28-3C8DF2BD0BD9}" type="datetimeFigureOut">
               <a:rPr lang="en-US" smtClean="0"/>
-              <a:t>4/21/20</a:t>
+              <a:t>4/30/20</a:t>
             </a:fld>
             <a:endParaRPr lang="en-US"/>
           </a:p>
@@ -2826,7 +4000,7 @@
           <a:p>
             <a:fld id="{D1A0090F-0C62-134E-AA28-3C8DF2BD0BD9}" type="datetimeFigureOut">
               <a:rPr lang="en-US" smtClean="0"/>
-              <a:t>4/21/20</a:t>
+              <a:t>4/30/20</a:t>
             </a:fld>
             <a:endParaRPr lang="en-US"/>
           </a:p>
@@ -3114,7 +4288,7 @@
           <a:p>
             <a:fld id="{D1A0090F-0C62-134E-AA28-3C8DF2BD0BD9}" type="datetimeFigureOut">
               <a:rPr lang="en-US" smtClean="0"/>
-              <a:t>4/21/20</a:t>
+              <a:t>4/30/20</a:t>
             </a:fld>
             <a:endParaRPr lang="en-US"/>
           </a:p>
@@ -3355,7 +4529,7 @@
           <a:p>
             <a:fld id="{D1A0090F-0C62-134E-AA28-3C8DF2BD0BD9}" type="datetimeFigureOut">
               <a:rPr lang="en-US" smtClean="0"/>
-              <a:t>4/21/20</a:t>
+              <a:t>4/30/20</a:t>
             </a:fld>
             <a:endParaRPr lang="en-US"/>
           </a:p>
@@ -4807,6 +5981,2604 @@
       </p:grpSpPr>
       <p:sp useBgFill="1">
         <p:nvSpPr>
+          <p:cNvPr id="17" name="Rectangle 16">
+            <a:extLst>
+              <a:ext uri="{FF2B5EF4-FFF2-40B4-BE49-F238E27FC236}">
+                <a16:creationId xmlns:a16="http://schemas.microsoft.com/office/drawing/2014/main" id="{1C799903-48D5-4A31-A1A2-541072D9771E}"/>
+              </a:ext>
+              <a:ext uri="{C183D7F6-B498-43B3-948B-1728B52AA6E4}">
+                <adec:decorative xmlns:adec="http://schemas.microsoft.com/office/drawing/2017/decorative" val="1"/>
+              </a:ext>
+            </a:extLst>
+          </p:cNvPr>
+          <p:cNvSpPr>
+            <a:spLocks noGrp="1" noRot="1" noChangeAspect="1" noMove="1" noResize="1" noEditPoints="1" noAdjustHandles="1" noChangeArrowheads="1" noChangeShapeType="1" noTextEdit="1"/>
+          </p:cNvSpPr>
+          <p:nvPr>
+            <p:extLst>
+              <p:ext uri="{386F3935-93C4-4BCD-93E2-E3B085C9AB24}">
+                <p16:designElem xmlns:p16="http://schemas.microsoft.com/office/powerpoint/2015/main" val="1"/>
+              </p:ext>
+            </p:extLst>
+          </p:nvPr>
+        </p:nvSpPr>
+        <p:spPr>
+          <a:xfrm>
+            <a:off x="0" y="0"/>
+            <a:ext cx="12192002" cy="6858000"/>
+          </a:xfrm>
+          <a:prstGeom prst="rect">
+            <a:avLst/>
+          </a:prstGeom>
+          <a:ln>
+            <a:noFill/>
+          </a:ln>
+        </p:spPr>
+        <p:style>
+          <a:lnRef idx="2">
+            <a:schemeClr val="accent1">
+              <a:shade val="50000"/>
+            </a:schemeClr>
+          </a:lnRef>
+          <a:fillRef idx="1">
+            <a:schemeClr val="accent1"/>
+          </a:fillRef>
+          <a:effectRef idx="0">
+            <a:schemeClr val="accent1"/>
+          </a:effectRef>
+          <a:fontRef idx="minor">
+            <a:schemeClr val="lt1"/>
+          </a:fontRef>
+        </p:style>
+        <p:txBody>
+          <a:bodyPr rtlCol="0" anchor="ctr"/>
+          <a:lstStyle/>
+          <a:p>
+            <a:pPr algn="ctr"/>
+            <a:endParaRPr lang="en-US"/>
+          </a:p>
+        </p:txBody>
+      </p:sp>
+      <p:sp useBgFill="1">
+        <p:nvSpPr>
+          <p:cNvPr id="19" name="Freeform: Shape 18">
+            <a:extLst>
+              <a:ext uri="{FF2B5EF4-FFF2-40B4-BE49-F238E27FC236}">
+                <a16:creationId xmlns:a16="http://schemas.microsoft.com/office/drawing/2014/main" id="{8EFFF109-FC58-4FD3-BE05-9775A1310F55}"/>
+              </a:ext>
+              <a:ext uri="{C183D7F6-B498-43B3-948B-1728B52AA6E4}">
+                <adec:decorative xmlns:adec="http://schemas.microsoft.com/office/drawing/2017/decorative" val="1"/>
+              </a:ext>
+            </a:extLst>
+          </p:cNvPr>
+          <p:cNvSpPr>
+            <a:spLocks noGrp="1" noRot="1" noChangeAspect="1" noMove="1" noResize="1" noEditPoints="1" noAdjustHandles="1" noChangeArrowheads="1" noChangeShapeType="1" noTextEdit="1"/>
+          </p:cNvSpPr>
+          <p:nvPr>
+            <p:extLst>
+              <p:ext uri="{386F3935-93C4-4BCD-93E2-E3B085C9AB24}">
+                <p16:designElem xmlns:p16="http://schemas.microsoft.com/office/powerpoint/2015/main" val="1"/>
+              </p:ext>
+            </p:extLst>
+          </p:nvPr>
+        </p:nvSpPr>
+        <p:spPr>
+          <a:xfrm>
+            <a:off x="-1" y="0"/>
+            <a:ext cx="4818889" cy="6858000"/>
+          </a:xfrm>
+          <a:custGeom>
+            <a:avLst/>
+            <a:gdLst>
+              <a:gd name="connsiteX0" fmla="*/ 0 w 4818889"/>
+              <a:gd name="connsiteY0" fmla="*/ 0 h 6858000"/>
+              <a:gd name="connsiteX1" fmla="*/ 3605911 w 4818889"/>
+              <a:gd name="connsiteY1" fmla="*/ 0 h 6858000"/>
+              <a:gd name="connsiteX2" fmla="*/ 3668894 w 4818889"/>
+              <a:gd name="connsiteY2" fmla="*/ 69271 h 6858000"/>
+              <a:gd name="connsiteX3" fmla="*/ 4818889 w 4818889"/>
+              <a:gd name="connsiteY3" fmla="*/ 3429000 h 6858000"/>
+              <a:gd name="connsiteX4" fmla="*/ 3668894 w 4818889"/>
+              <a:gd name="connsiteY4" fmla="*/ 6788730 h 6858000"/>
+              <a:gd name="connsiteX5" fmla="*/ 3605911 w 4818889"/>
+              <a:gd name="connsiteY5" fmla="*/ 6858000 h 6858000"/>
+              <a:gd name="connsiteX6" fmla="*/ 0 w 4818889"/>
+              <a:gd name="connsiteY6" fmla="*/ 6858000 h 6858000"/>
+            </a:gdLst>
+            <a:ahLst/>
+            <a:cxnLst>
+              <a:cxn ang="0">
+                <a:pos x="connsiteX0" y="connsiteY0"/>
+              </a:cxn>
+              <a:cxn ang="0">
+                <a:pos x="connsiteX1" y="connsiteY1"/>
+              </a:cxn>
+              <a:cxn ang="0">
+                <a:pos x="connsiteX2" y="connsiteY2"/>
+              </a:cxn>
+              <a:cxn ang="0">
+                <a:pos x="connsiteX3" y="connsiteY3"/>
+              </a:cxn>
+              <a:cxn ang="0">
+                <a:pos x="connsiteX4" y="connsiteY4"/>
+              </a:cxn>
+              <a:cxn ang="0">
+                <a:pos x="connsiteX5" y="connsiteY5"/>
+              </a:cxn>
+              <a:cxn ang="0">
+                <a:pos x="connsiteX6" y="connsiteY6"/>
+              </a:cxn>
+            </a:cxnLst>
+            <a:rect l="l" t="t" r="r" b="b"/>
+            <a:pathLst>
+              <a:path w="4818889" h="6858000">
+                <a:moveTo>
+                  <a:pt x="0" y="0"/>
+                </a:moveTo>
+                <a:lnTo>
+                  <a:pt x="3605911" y="0"/>
+                </a:lnTo>
+                <a:lnTo>
+                  <a:pt x="3668894" y="69271"/>
+                </a:lnTo>
+                <a:cubicBezTo>
+                  <a:pt x="4379420" y="929100"/>
+                  <a:pt x="4818889" y="2116944"/>
+                  <a:pt x="4818889" y="3429000"/>
+                </a:cubicBezTo>
+                <a:cubicBezTo>
+                  <a:pt x="4818889" y="4741056"/>
+                  <a:pt x="4379420" y="5928900"/>
+                  <a:pt x="3668894" y="6788730"/>
+                </a:cubicBezTo>
+                <a:lnTo>
+                  <a:pt x="3605911" y="6858000"/>
+                </a:lnTo>
+                <a:lnTo>
+                  <a:pt x="0" y="6858000"/>
+                </a:lnTo>
+                <a:close/>
+              </a:path>
+            </a:pathLst>
+          </a:custGeom>
+          <a:ln w="9525">
+            <a:solidFill>
+              <a:srgbClr val="E6E6E6"/>
+            </a:solidFill>
+          </a:ln>
+          <a:effectLst>
+            <a:outerShdw blurRad="50800" dist="38100" algn="l" rotWithShape="0">
+              <a:schemeClr val="bg1">
+                <a:lumMod val="85000"/>
+                <a:alpha val="50000"/>
+              </a:schemeClr>
+            </a:outerShdw>
+          </a:effectLst>
+        </p:spPr>
+        <p:style>
+          <a:lnRef idx="2">
+            <a:schemeClr val="accent1">
+              <a:shade val="50000"/>
+            </a:schemeClr>
+          </a:lnRef>
+          <a:fillRef idx="1">
+            <a:schemeClr val="accent1"/>
+          </a:fillRef>
+          <a:effectRef idx="0">
+            <a:schemeClr val="accent1"/>
+          </a:effectRef>
+          <a:fontRef idx="minor">
+            <a:schemeClr val="lt1"/>
+          </a:fontRef>
+        </p:style>
+        <p:txBody>
+          <a:bodyPr wrap="square" rtlCol="0" anchor="ctr">
+            <a:noAutofit/>
+          </a:bodyPr>
+          <a:lstStyle/>
+          <a:p>
+            <a:pPr marL="0" marR="0" lvl="0" indent="0" algn="ctr" defTabSz="914400" rtl="0" eaLnBrk="1" fontAlgn="auto" latinLnBrk="0" hangingPunct="1">
+              <a:lnSpc>
+                <a:spcPct val="100000"/>
+              </a:lnSpc>
+              <a:spcBef>
+                <a:spcPts val="0"/>
+              </a:spcBef>
+              <a:spcAft>
+                <a:spcPts val="0"/>
+              </a:spcAft>
+              <a:buClrTx/>
+              <a:buSzTx/>
+              <a:buFontTx/>
+              <a:buNone/>
+              <a:tabLst/>
+              <a:defRPr/>
+            </a:pPr>
+            <a:endParaRPr kumimoji="0" lang="en-US" sz="1800" b="0" i="0" u="none" strike="noStrike" kern="1200" cap="none" spc="0" normalizeH="0" baseline="0" noProof="0">
+              <a:ln>
+                <a:noFill/>
+              </a:ln>
+              <a:solidFill>
+                <a:prstClr val="white"/>
+              </a:solidFill>
+              <a:effectLst/>
+              <a:uLnTx/>
+              <a:uFillTx/>
+              <a:latin typeface="Calibri" panose="020F0502020204030204"/>
+              <a:ea typeface="+mn-ea"/>
+              <a:cs typeface="+mn-cs"/>
+            </a:endParaRPr>
+          </a:p>
+        </p:txBody>
+      </p:sp>
+      <p:sp useBgFill="1">
+        <p:nvSpPr>
+          <p:cNvPr id="21" name="Freeform: Shape 20">
+            <a:extLst>
+              <a:ext uri="{FF2B5EF4-FFF2-40B4-BE49-F238E27FC236}">
+                <a16:creationId xmlns:a16="http://schemas.microsoft.com/office/drawing/2014/main" id="{E1B96AD6-92A9-4273-A62B-96A1C3E0BA95}"/>
+              </a:ext>
+              <a:ext uri="{C183D7F6-B498-43B3-948B-1728B52AA6E4}">
+                <adec:decorative xmlns:adec="http://schemas.microsoft.com/office/drawing/2017/decorative" val="1"/>
+              </a:ext>
+            </a:extLst>
+          </p:cNvPr>
+          <p:cNvSpPr>
+            <a:spLocks noGrp="1" noRot="1" noChangeAspect="1" noMove="1" noResize="1" noEditPoints="1" noAdjustHandles="1" noChangeArrowheads="1" noChangeShapeType="1" noTextEdit="1"/>
+          </p:cNvSpPr>
+          <p:nvPr>
+            <p:extLst>
+              <p:ext uri="{386F3935-93C4-4BCD-93E2-E3B085C9AB24}">
+                <p16:designElem xmlns:p16="http://schemas.microsoft.com/office/powerpoint/2015/main" val="1"/>
+              </p:ext>
+            </p:extLst>
+          </p:nvPr>
+        </p:nvSpPr>
+        <p:spPr>
+          <a:xfrm>
+            <a:off x="1" y="0"/>
+            <a:ext cx="4811477" cy="6858000"/>
+          </a:xfrm>
+          <a:custGeom>
+            <a:avLst/>
+            <a:gdLst>
+              <a:gd name="connsiteX0" fmla="*/ 0 w 4811477"/>
+              <a:gd name="connsiteY0" fmla="*/ 0 h 6858000"/>
+              <a:gd name="connsiteX1" fmla="*/ 3598499 w 4811477"/>
+              <a:gd name="connsiteY1" fmla="*/ 0 h 6858000"/>
+              <a:gd name="connsiteX2" fmla="*/ 3661482 w 4811477"/>
+              <a:gd name="connsiteY2" fmla="*/ 69271 h 6858000"/>
+              <a:gd name="connsiteX3" fmla="*/ 4811477 w 4811477"/>
+              <a:gd name="connsiteY3" fmla="*/ 3429000 h 6858000"/>
+              <a:gd name="connsiteX4" fmla="*/ 3661482 w 4811477"/>
+              <a:gd name="connsiteY4" fmla="*/ 6788730 h 6858000"/>
+              <a:gd name="connsiteX5" fmla="*/ 3598499 w 4811477"/>
+              <a:gd name="connsiteY5" fmla="*/ 6858000 h 6858000"/>
+              <a:gd name="connsiteX6" fmla="*/ 0 w 4811477"/>
+              <a:gd name="connsiteY6" fmla="*/ 6858000 h 6858000"/>
+            </a:gdLst>
+            <a:ahLst/>
+            <a:cxnLst>
+              <a:cxn ang="0">
+                <a:pos x="connsiteX0" y="connsiteY0"/>
+              </a:cxn>
+              <a:cxn ang="0">
+                <a:pos x="connsiteX1" y="connsiteY1"/>
+              </a:cxn>
+              <a:cxn ang="0">
+                <a:pos x="connsiteX2" y="connsiteY2"/>
+              </a:cxn>
+              <a:cxn ang="0">
+                <a:pos x="connsiteX3" y="connsiteY3"/>
+              </a:cxn>
+              <a:cxn ang="0">
+                <a:pos x="connsiteX4" y="connsiteY4"/>
+              </a:cxn>
+              <a:cxn ang="0">
+                <a:pos x="connsiteX5" y="connsiteY5"/>
+              </a:cxn>
+              <a:cxn ang="0">
+                <a:pos x="connsiteX6" y="connsiteY6"/>
+              </a:cxn>
+            </a:cxnLst>
+            <a:rect l="l" t="t" r="r" b="b"/>
+            <a:pathLst>
+              <a:path w="4811477" h="6858000">
+                <a:moveTo>
+                  <a:pt x="0" y="0"/>
+                </a:moveTo>
+                <a:lnTo>
+                  <a:pt x="3598499" y="0"/>
+                </a:lnTo>
+                <a:lnTo>
+                  <a:pt x="3661482" y="69271"/>
+                </a:lnTo>
+                <a:cubicBezTo>
+                  <a:pt x="4372008" y="929100"/>
+                  <a:pt x="4811477" y="2116944"/>
+                  <a:pt x="4811477" y="3429000"/>
+                </a:cubicBezTo>
+                <a:cubicBezTo>
+                  <a:pt x="4811477" y="4741056"/>
+                  <a:pt x="4372008" y="5928900"/>
+                  <a:pt x="3661482" y="6788730"/>
+                </a:cubicBezTo>
+                <a:lnTo>
+                  <a:pt x="3598499" y="6858000"/>
+                </a:lnTo>
+                <a:lnTo>
+                  <a:pt x="0" y="6858000"/>
+                </a:lnTo>
+                <a:close/>
+              </a:path>
+            </a:pathLst>
+          </a:custGeom>
+          <a:ln w="9525">
+            <a:noFill/>
+          </a:ln>
+          <a:effectLst/>
+        </p:spPr>
+        <p:style>
+          <a:lnRef idx="2">
+            <a:schemeClr val="accent1">
+              <a:shade val="50000"/>
+            </a:schemeClr>
+          </a:lnRef>
+          <a:fillRef idx="1">
+            <a:schemeClr val="accent1"/>
+          </a:fillRef>
+          <a:effectRef idx="0">
+            <a:schemeClr val="accent1"/>
+          </a:effectRef>
+          <a:fontRef idx="minor">
+            <a:schemeClr val="lt1"/>
+          </a:fontRef>
+        </p:style>
+        <p:txBody>
+          <a:bodyPr wrap="square" rtlCol="0" anchor="ctr">
+            <a:noAutofit/>
+          </a:bodyPr>
+          <a:lstStyle/>
+          <a:p>
+            <a:pPr marL="0" marR="0" lvl="0" indent="0" algn="ctr" defTabSz="914400" rtl="0" eaLnBrk="1" fontAlgn="auto" latinLnBrk="0" hangingPunct="1">
+              <a:lnSpc>
+                <a:spcPct val="100000"/>
+              </a:lnSpc>
+              <a:spcBef>
+                <a:spcPts val="0"/>
+              </a:spcBef>
+              <a:spcAft>
+                <a:spcPts val="0"/>
+              </a:spcAft>
+              <a:buClrTx/>
+              <a:buSzTx/>
+              <a:buFontTx/>
+              <a:buNone/>
+              <a:tabLst/>
+              <a:defRPr/>
+            </a:pPr>
+            <a:endParaRPr kumimoji="0" lang="en-US" sz="1800" b="0" i="0" u="none" strike="noStrike" kern="1200" cap="none" spc="0" normalizeH="0" baseline="0" noProof="0">
+              <a:ln>
+                <a:noFill/>
+              </a:ln>
+              <a:solidFill>
+                <a:prstClr val="white"/>
+              </a:solidFill>
+              <a:effectLst/>
+              <a:uLnTx/>
+              <a:uFillTx/>
+              <a:latin typeface="Calibri" panose="020F0502020204030204"/>
+              <a:ea typeface="+mn-ea"/>
+              <a:cs typeface="+mn-cs"/>
+            </a:endParaRPr>
+          </a:p>
+        </p:txBody>
+      </p:sp>
+      <p:sp>
+        <p:nvSpPr>
+          <p:cNvPr id="2" name="Title 1">
+            <a:extLst>
+              <a:ext uri="{FF2B5EF4-FFF2-40B4-BE49-F238E27FC236}">
+                <a16:creationId xmlns:a16="http://schemas.microsoft.com/office/drawing/2014/main" id="{1CEAE535-E1C9-AB42-87B8-DD26EE833D7A}"/>
+              </a:ext>
+            </a:extLst>
+          </p:cNvPr>
+          <p:cNvSpPr>
+            <a:spLocks noGrp="1"/>
+          </p:cNvSpPr>
+          <p:nvPr>
+            <p:ph type="title"/>
+          </p:nvPr>
+        </p:nvSpPr>
+        <p:spPr>
+          <a:xfrm>
+            <a:off x="1539906" y="494804"/>
+            <a:ext cx="1731664" cy="577571"/>
+          </a:xfrm>
+        </p:spPr>
+        <p:txBody>
+          <a:bodyPr>
+            <a:normAutofit/>
+          </a:bodyPr>
+          <a:lstStyle/>
+          <a:p>
+            <a:r>
+              <a:rPr lang="en-US" sz="4000" dirty="0"/>
+              <a:t>Results</a:t>
+            </a:r>
+          </a:p>
+        </p:txBody>
+      </p:sp>
+      <p:sp>
+        <p:nvSpPr>
+          <p:cNvPr id="23" name="Rectangle 22">
+            <a:extLst>
+              <a:ext uri="{FF2B5EF4-FFF2-40B4-BE49-F238E27FC236}">
+                <a16:creationId xmlns:a16="http://schemas.microsoft.com/office/drawing/2014/main" id="{463EEC44-1BA3-44ED-81FC-A644B04B2A44}"/>
+              </a:ext>
+              <a:ext uri="{C183D7F6-B498-43B3-948B-1728B52AA6E4}">
+                <adec:decorative xmlns:adec="http://schemas.microsoft.com/office/drawing/2017/decorative" val="1"/>
+              </a:ext>
+            </a:extLst>
+          </p:cNvPr>
+          <p:cNvSpPr>
+            <a:spLocks noGrp="1" noRot="1" noChangeAspect="1" noMove="1" noResize="1" noEditPoints="1" noAdjustHandles="1" noChangeArrowheads="1" noChangeShapeType="1" noTextEdit="1"/>
+          </p:cNvSpPr>
+          <p:nvPr>
+            <p:extLst>
+              <p:ext uri="{386F3935-93C4-4BCD-93E2-E3B085C9AB24}">
+                <p16:designElem xmlns:p16="http://schemas.microsoft.com/office/powerpoint/2015/main" val="1"/>
+              </p:ext>
+            </p:extLst>
+          </p:nvPr>
+        </p:nvSpPr>
+        <p:spPr>
+          <a:xfrm>
+            <a:off x="0" y="3102049"/>
+            <a:ext cx="128016" cy="653903"/>
+          </a:xfrm>
+          <a:prstGeom prst="rect">
+            <a:avLst/>
+          </a:prstGeom>
+          <a:solidFill>
+            <a:schemeClr val="accent2"/>
+          </a:solidFill>
+          <a:ln>
+            <a:noFill/>
+          </a:ln>
+        </p:spPr>
+        <p:style>
+          <a:lnRef idx="2">
+            <a:schemeClr val="accent1">
+              <a:shade val="50000"/>
+            </a:schemeClr>
+          </a:lnRef>
+          <a:fillRef idx="1">
+            <a:schemeClr val="accent1"/>
+          </a:fillRef>
+          <a:effectRef idx="0">
+            <a:schemeClr val="accent1"/>
+          </a:effectRef>
+          <a:fontRef idx="minor">
+            <a:schemeClr val="lt1"/>
+          </a:fontRef>
+        </p:style>
+        <p:txBody>
+          <a:bodyPr rtlCol="0" anchor="ctr"/>
+          <a:lstStyle/>
+          <a:p>
+            <a:pPr algn="ctr"/>
+            <a:endParaRPr lang="en-US">
+              <a:solidFill>
+                <a:prstClr val="white"/>
+              </a:solidFill>
+              <a:latin typeface="Calibri" panose="020F0502020204030204"/>
+            </a:endParaRPr>
+          </a:p>
+        </p:txBody>
+      </p:sp>
+      <p:sp>
+        <p:nvSpPr>
+          <p:cNvPr id="4" name="TextBox 3">
+            <a:extLst>
+              <a:ext uri="{FF2B5EF4-FFF2-40B4-BE49-F238E27FC236}">
+                <a16:creationId xmlns:a16="http://schemas.microsoft.com/office/drawing/2014/main" id="{47AC0099-A13E-CA45-BBE6-1B4357B46A1D}"/>
+              </a:ext>
+            </a:extLst>
+          </p:cNvPr>
+          <p:cNvSpPr txBox="1"/>
+          <p:nvPr/>
+        </p:nvSpPr>
+        <p:spPr>
+          <a:xfrm>
+            <a:off x="628842" y="1770793"/>
+            <a:ext cx="3553793" cy="3970318"/>
+          </a:xfrm>
+          <a:prstGeom prst="rect">
+            <a:avLst/>
+          </a:prstGeom>
+          <a:noFill/>
+        </p:spPr>
+        <p:txBody>
+          <a:bodyPr wrap="none" rtlCol="0">
+            <a:spAutoFit/>
+          </a:bodyPr>
+          <a:lstStyle/>
+          <a:p>
+            <a:r>
+              <a:rPr lang="en-US" b="1" u="sng" dirty="0"/>
+              <a:t>Test Case 2</a:t>
+            </a:r>
+            <a:r>
+              <a:rPr lang="en-US" b="1" dirty="0"/>
+              <a:t>:</a:t>
+            </a:r>
+            <a:endParaRPr lang="en-US" dirty="0"/>
+          </a:p>
+          <a:p>
+            <a:r>
+              <a:rPr lang="en-US" dirty="0"/>
+              <a:t> </a:t>
+            </a:r>
+          </a:p>
+          <a:p>
+            <a:r>
+              <a:rPr lang="en-US" dirty="0"/>
+              <a:t>Invalid Sudoku solution [11 threads]</a:t>
+            </a:r>
+          </a:p>
+          <a:p>
+            <a:r>
+              <a:rPr lang="en-US" dirty="0"/>
+              <a:t> </a:t>
+            </a:r>
+          </a:p>
+          <a:p>
+            <a:r>
+              <a:rPr lang="en-US" b="1" dirty="0"/>
+              <a:t>{</a:t>
+            </a:r>
+            <a:r>
+              <a:rPr lang="en-US" b="1" dirty="0">
+                <a:solidFill>
+                  <a:srgbClr val="FF0000"/>
+                </a:solidFill>
+                <a:highlight>
+                  <a:srgbClr val="FFFF00"/>
+                </a:highlight>
+              </a:rPr>
+              <a:t>0</a:t>
+            </a:r>
+            <a:r>
+              <a:rPr lang="en-US" b="1" dirty="0"/>
+              <a:t>, 4, 8, 3, 9, 5, 7, 1, 6},</a:t>
+            </a:r>
+            <a:endParaRPr lang="en-US" dirty="0"/>
+          </a:p>
+          <a:p>
+            <a:r>
+              <a:rPr lang="en-US" b="1" dirty="0"/>
+              <a:t>{5, 7, 1, 6, 2, 8, 3, 4, 9},</a:t>
+            </a:r>
+            <a:endParaRPr lang="en-US" dirty="0"/>
+          </a:p>
+          <a:p>
+            <a:r>
+              <a:rPr lang="en-US" b="1" dirty="0"/>
+              <a:t>{9, 3, 6, 7, 4, 1, 5, 8, 2},</a:t>
+            </a:r>
+            <a:endParaRPr lang="en-US" dirty="0"/>
+          </a:p>
+          <a:p>
+            <a:r>
+              <a:rPr lang="en-US" b="1" dirty="0"/>
+              <a:t>{6, 8, 2, 5, 3, 9, 1, 7, 4},</a:t>
+            </a:r>
+            <a:endParaRPr lang="en-US" dirty="0"/>
+          </a:p>
+          <a:p>
+            <a:r>
+              <a:rPr lang="en-US" b="1" dirty="0"/>
+              <a:t>{3, 5, 9, 1, 7, 4, 6, 2, 8},</a:t>
+            </a:r>
+            <a:endParaRPr lang="en-US" dirty="0"/>
+          </a:p>
+          <a:p>
+            <a:r>
+              <a:rPr lang="en-US" b="1" dirty="0"/>
+              <a:t>{7, 1, 4, 8, 6, 2, 9, 5, 3},</a:t>
+            </a:r>
+            <a:endParaRPr lang="en-US" dirty="0"/>
+          </a:p>
+          <a:p>
+            <a:r>
+              <a:rPr lang="en-US" b="1" dirty="0"/>
+              <a:t>{8, 6, 3, 4, 1, 7, 2, 9, 5},</a:t>
+            </a:r>
+            <a:endParaRPr lang="en-US" dirty="0"/>
+          </a:p>
+          <a:p>
+            <a:r>
+              <a:rPr lang="en-US" b="1" dirty="0"/>
+              <a:t>{1, 9, 5, 2, 8, 6, 4, 3, 7},</a:t>
+            </a:r>
+            <a:endParaRPr lang="en-US" dirty="0"/>
+          </a:p>
+          <a:p>
+            <a:r>
+              <a:rPr lang="en-US" b="1" dirty="0"/>
+              <a:t>{4, 2, 7, 9, 5, 3, 8, 6, 1}</a:t>
+            </a:r>
+            <a:endParaRPr lang="en-US" dirty="0"/>
+          </a:p>
+          <a:p>
+            <a:endParaRPr lang="en-US" dirty="0"/>
+          </a:p>
+        </p:txBody>
+      </p:sp>
+      <p:pic>
+        <p:nvPicPr>
+          <p:cNvPr id="13" name="Picture 12" descr="A screenshot of a computer screen&#10;&#10;Description automatically generated">
+            <a:extLst>
+              <a:ext uri="{FF2B5EF4-FFF2-40B4-BE49-F238E27FC236}">
+                <a16:creationId xmlns:a16="http://schemas.microsoft.com/office/drawing/2014/main" id="{6185DDB2-1459-8D42-8739-393BFF35DF84}"/>
+              </a:ext>
+            </a:extLst>
+          </p:cNvPr>
+          <p:cNvPicPr/>
+          <p:nvPr/>
+        </p:nvPicPr>
+        <p:blipFill rotWithShape="1">
+          <a:blip r:embed="rId2" cstate="print">
+            <a:extLst>
+              <a:ext uri="{28A0092B-C50C-407E-A947-70E740481C1C}">
+                <a14:useLocalDpi xmlns:a14="http://schemas.microsoft.com/office/drawing/2010/main" val="0"/>
+              </a:ext>
+            </a:extLst>
+          </a:blip>
+          <a:srcRect l="19980" t="28771"/>
+          <a:stretch/>
+        </p:blipFill>
+        <p:spPr bwMode="auto">
+          <a:xfrm>
+            <a:off x="6096000" y="783590"/>
+            <a:ext cx="4755515" cy="2645410"/>
+          </a:xfrm>
+          <a:prstGeom prst="rect">
+            <a:avLst/>
+          </a:prstGeom>
+          <a:ln>
+            <a:noFill/>
+          </a:ln>
+          <a:extLst>
+            <a:ext uri="{53640926-AAD7-44D8-BBD7-CCE9431645EC}">
+              <a14:shadowObscured xmlns:a14="http://schemas.microsoft.com/office/drawing/2010/main"/>
+            </a:ext>
+          </a:extLst>
+        </p:spPr>
+      </p:pic>
+      <p:sp>
+        <p:nvSpPr>
+          <p:cNvPr id="5" name="Rectangle 4">
+            <a:extLst>
+              <a:ext uri="{FF2B5EF4-FFF2-40B4-BE49-F238E27FC236}">
+                <a16:creationId xmlns:a16="http://schemas.microsoft.com/office/drawing/2014/main" id="{13DF7024-34B8-764D-AE66-385685C1E842}"/>
+              </a:ext>
+            </a:extLst>
+          </p:cNvPr>
+          <p:cNvSpPr/>
+          <p:nvPr/>
+        </p:nvSpPr>
+        <p:spPr>
+          <a:xfrm>
+            <a:off x="5467158" y="3755952"/>
+            <a:ext cx="6096000" cy="2031325"/>
+          </a:xfrm>
+          <a:prstGeom prst="rect">
+            <a:avLst/>
+          </a:prstGeom>
+        </p:spPr>
+        <p:txBody>
+          <a:bodyPr>
+            <a:spAutoFit/>
+          </a:bodyPr>
+          <a:lstStyle/>
+          <a:p>
+            <a:r>
+              <a:rPr lang="en-US" b="1" u="sng" dirty="0">
+                <a:ea typeface="Times New Roman" panose="02020603050405020304" pitchFamily="18" charset="0"/>
+              </a:rPr>
+              <a:t>Result</a:t>
+            </a:r>
+            <a:r>
+              <a:rPr lang="en-US" b="1" dirty="0">
+                <a:ea typeface="Times New Roman" panose="02020603050405020304" pitchFamily="18" charset="0"/>
+              </a:rPr>
+              <a:t>:</a:t>
+            </a:r>
+            <a:endParaRPr lang="en-US" sz="1600" dirty="0">
+              <a:ea typeface="Times New Roman" panose="02020603050405020304" pitchFamily="18" charset="0"/>
+            </a:endParaRPr>
+          </a:p>
+          <a:p>
+            <a:r>
+              <a:rPr lang="en-US" dirty="0">
+                <a:ea typeface="Times New Roman" panose="02020603050405020304" pitchFamily="18" charset="0"/>
+              </a:rPr>
+              <a:t> </a:t>
+            </a:r>
+            <a:endParaRPr lang="en-US" sz="1600" dirty="0">
+              <a:ea typeface="Times New Roman" panose="02020603050405020304" pitchFamily="18" charset="0"/>
+            </a:endParaRPr>
+          </a:p>
+          <a:p>
+            <a:r>
+              <a:rPr lang="en-US" dirty="0">
+                <a:ea typeface="Times New Roman" panose="02020603050405020304" pitchFamily="18" charset="0"/>
+              </a:rPr>
+              <a:t>Invalid solution. </a:t>
+            </a:r>
+            <a:endParaRPr lang="en-US" sz="1600" dirty="0">
+              <a:ea typeface="Times New Roman" panose="02020603050405020304" pitchFamily="18" charset="0"/>
+            </a:endParaRPr>
+          </a:p>
+          <a:p>
+            <a:r>
+              <a:rPr lang="en-US" dirty="0">
+                <a:ea typeface="Times New Roman" panose="02020603050405020304" pitchFamily="18" charset="0"/>
+              </a:rPr>
+              <a:t> </a:t>
+            </a:r>
+            <a:endParaRPr lang="en-US" sz="1600" dirty="0">
+              <a:ea typeface="Times New Roman" panose="02020603050405020304" pitchFamily="18" charset="0"/>
+            </a:endParaRPr>
+          </a:p>
+          <a:p>
+            <a:r>
+              <a:rPr lang="en-US" dirty="0">
+                <a:ea typeface="Times New Roman" panose="02020603050405020304" pitchFamily="18" charset="0"/>
+              </a:rPr>
+              <a:t>The Following is an invalid solution to the sudoku puzzle</a:t>
+            </a:r>
+            <a:endParaRPr lang="en-US" sz="1600" dirty="0">
+              <a:ea typeface="Times New Roman" panose="02020603050405020304" pitchFamily="18" charset="0"/>
+            </a:endParaRPr>
+          </a:p>
+          <a:p>
+            <a:r>
+              <a:rPr lang="en-US" dirty="0">
+                <a:ea typeface="Times New Roman" panose="02020603050405020304" pitchFamily="18" charset="0"/>
+              </a:rPr>
+              <a:t> </a:t>
+            </a:r>
+            <a:endParaRPr lang="en-US" sz="1600" dirty="0">
+              <a:ea typeface="Times New Roman" panose="02020603050405020304" pitchFamily="18" charset="0"/>
+            </a:endParaRPr>
+          </a:p>
+          <a:p>
+            <a:r>
+              <a:rPr lang="en-US" dirty="0">
+                <a:ea typeface="Times New Roman" panose="02020603050405020304" pitchFamily="18" charset="0"/>
+              </a:rPr>
+              <a:t>Total Time Taken for Sudoku puzzle validation is </a:t>
+            </a:r>
+            <a:r>
+              <a:rPr lang="en-US" dirty="0">
+                <a:highlight>
+                  <a:srgbClr val="FFFF00"/>
+                </a:highlight>
+                <a:ea typeface="Times New Roman" panose="02020603050405020304" pitchFamily="18" charset="0"/>
+              </a:rPr>
+              <a:t>324121ns</a:t>
+            </a:r>
+            <a:endParaRPr lang="en-US" sz="1600" dirty="0">
+              <a:effectLst/>
+              <a:ea typeface="Times New Roman" panose="02020603050405020304" pitchFamily="18" charset="0"/>
+            </a:endParaRPr>
+          </a:p>
+        </p:txBody>
+      </p:sp>
+    </p:spTree>
+    <p:extLst>
+      <p:ext uri="{BB962C8B-B14F-4D97-AF65-F5344CB8AC3E}">
+        <p14:creationId xmlns:p14="http://schemas.microsoft.com/office/powerpoint/2010/main" val="2270840040"/>
+      </p:ext>
+    </p:extLst>
+  </p:cSld>
+  <p:clrMapOvr>
+    <a:masterClrMapping/>
+  </p:clrMapOvr>
+</p:sld>
+</file>
+
+<file path=ppt/slides/slide11.xml><?xml version="1.0" encoding="utf-8"?>
+<p:sld xmlns:a="http://schemas.openxmlformats.org/drawingml/2006/main" xmlns:r="http://schemas.openxmlformats.org/officeDocument/2006/relationships" xmlns:p="http://schemas.openxmlformats.org/presentationml/2006/main">
+  <p:cSld>
+    <p:bg>
+      <p:bgPr>
+        <a:solidFill>
+          <a:schemeClr val="bg1"/>
+        </a:solidFill>
+        <a:effectLst/>
+      </p:bgPr>
+    </p:bg>
+    <p:spTree>
+      <p:nvGrpSpPr>
+        <p:cNvPr id="1" name=""/>
+        <p:cNvGrpSpPr/>
+        <p:nvPr/>
+      </p:nvGrpSpPr>
+      <p:grpSpPr>
+        <a:xfrm>
+          <a:off x="0" y="0"/>
+          <a:ext cx="0" cy="0"/>
+          <a:chOff x="0" y="0"/>
+          <a:chExt cx="0" cy="0"/>
+        </a:xfrm>
+      </p:grpSpPr>
+      <p:sp useBgFill="1">
+        <p:nvSpPr>
+          <p:cNvPr id="17" name="Rectangle 16">
+            <a:extLst>
+              <a:ext uri="{FF2B5EF4-FFF2-40B4-BE49-F238E27FC236}">
+                <a16:creationId xmlns:a16="http://schemas.microsoft.com/office/drawing/2014/main" id="{1C799903-48D5-4A31-A1A2-541072D9771E}"/>
+              </a:ext>
+              <a:ext uri="{C183D7F6-B498-43B3-948B-1728B52AA6E4}">
+                <adec:decorative xmlns:adec="http://schemas.microsoft.com/office/drawing/2017/decorative" val="1"/>
+              </a:ext>
+            </a:extLst>
+          </p:cNvPr>
+          <p:cNvSpPr>
+            <a:spLocks noGrp="1" noRot="1" noChangeAspect="1" noMove="1" noResize="1" noEditPoints="1" noAdjustHandles="1" noChangeArrowheads="1" noChangeShapeType="1" noTextEdit="1"/>
+          </p:cNvSpPr>
+          <p:nvPr>
+            <p:extLst>
+              <p:ext uri="{386F3935-93C4-4BCD-93E2-E3B085C9AB24}">
+                <p16:designElem xmlns:p16="http://schemas.microsoft.com/office/powerpoint/2015/main" val="1"/>
+              </p:ext>
+            </p:extLst>
+          </p:nvPr>
+        </p:nvSpPr>
+        <p:spPr>
+          <a:xfrm>
+            <a:off x="0" y="0"/>
+            <a:ext cx="12192002" cy="6858000"/>
+          </a:xfrm>
+          <a:prstGeom prst="rect">
+            <a:avLst/>
+          </a:prstGeom>
+          <a:ln>
+            <a:noFill/>
+          </a:ln>
+        </p:spPr>
+        <p:style>
+          <a:lnRef idx="2">
+            <a:schemeClr val="accent1">
+              <a:shade val="50000"/>
+            </a:schemeClr>
+          </a:lnRef>
+          <a:fillRef idx="1">
+            <a:schemeClr val="accent1"/>
+          </a:fillRef>
+          <a:effectRef idx="0">
+            <a:schemeClr val="accent1"/>
+          </a:effectRef>
+          <a:fontRef idx="minor">
+            <a:schemeClr val="lt1"/>
+          </a:fontRef>
+        </p:style>
+        <p:txBody>
+          <a:bodyPr rtlCol="0" anchor="ctr"/>
+          <a:lstStyle/>
+          <a:p>
+            <a:pPr algn="ctr"/>
+            <a:endParaRPr lang="en-US"/>
+          </a:p>
+        </p:txBody>
+      </p:sp>
+      <p:sp useBgFill="1">
+        <p:nvSpPr>
+          <p:cNvPr id="19" name="Freeform: Shape 18">
+            <a:extLst>
+              <a:ext uri="{FF2B5EF4-FFF2-40B4-BE49-F238E27FC236}">
+                <a16:creationId xmlns:a16="http://schemas.microsoft.com/office/drawing/2014/main" id="{8EFFF109-FC58-4FD3-BE05-9775A1310F55}"/>
+              </a:ext>
+              <a:ext uri="{C183D7F6-B498-43B3-948B-1728B52AA6E4}">
+                <adec:decorative xmlns:adec="http://schemas.microsoft.com/office/drawing/2017/decorative" val="1"/>
+              </a:ext>
+            </a:extLst>
+          </p:cNvPr>
+          <p:cNvSpPr>
+            <a:spLocks noGrp="1" noRot="1" noChangeAspect="1" noMove="1" noResize="1" noEditPoints="1" noAdjustHandles="1" noChangeArrowheads="1" noChangeShapeType="1" noTextEdit="1"/>
+          </p:cNvSpPr>
+          <p:nvPr>
+            <p:extLst>
+              <p:ext uri="{386F3935-93C4-4BCD-93E2-E3B085C9AB24}">
+                <p16:designElem xmlns:p16="http://schemas.microsoft.com/office/powerpoint/2015/main" val="1"/>
+              </p:ext>
+            </p:extLst>
+          </p:nvPr>
+        </p:nvSpPr>
+        <p:spPr>
+          <a:xfrm>
+            <a:off x="-1" y="0"/>
+            <a:ext cx="4818889" cy="6858000"/>
+          </a:xfrm>
+          <a:custGeom>
+            <a:avLst/>
+            <a:gdLst>
+              <a:gd name="connsiteX0" fmla="*/ 0 w 4818889"/>
+              <a:gd name="connsiteY0" fmla="*/ 0 h 6858000"/>
+              <a:gd name="connsiteX1" fmla="*/ 3605911 w 4818889"/>
+              <a:gd name="connsiteY1" fmla="*/ 0 h 6858000"/>
+              <a:gd name="connsiteX2" fmla="*/ 3668894 w 4818889"/>
+              <a:gd name="connsiteY2" fmla="*/ 69271 h 6858000"/>
+              <a:gd name="connsiteX3" fmla="*/ 4818889 w 4818889"/>
+              <a:gd name="connsiteY3" fmla="*/ 3429000 h 6858000"/>
+              <a:gd name="connsiteX4" fmla="*/ 3668894 w 4818889"/>
+              <a:gd name="connsiteY4" fmla="*/ 6788730 h 6858000"/>
+              <a:gd name="connsiteX5" fmla="*/ 3605911 w 4818889"/>
+              <a:gd name="connsiteY5" fmla="*/ 6858000 h 6858000"/>
+              <a:gd name="connsiteX6" fmla="*/ 0 w 4818889"/>
+              <a:gd name="connsiteY6" fmla="*/ 6858000 h 6858000"/>
+            </a:gdLst>
+            <a:ahLst/>
+            <a:cxnLst>
+              <a:cxn ang="0">
+                <a:pos x="connsiteX0" y="connsiteY0"/>
+              </a:cxn>
+              <a:cxn ang="0">
+                <a:pos x="connsiteX1" y="connsiteY1"/>
+              </a:cxn>
+              <a:cxn ang="0">
+                <a:pos x="connsiteX2" y="connsiteY2"/>
+              </a:cxn>
+              <a:cxn ang="0">
+                <a:pos x="connsiteX3" y="connsiteY3"/>
+              </a:cxn>
+              <a:cxn ang="0">
+                <a:pos x="connsiteX4" y="connsiteY4"/>
+              </a:cxn>
+              <a:cxn ang="0">
+                <a:pos x="connsiteX5" y="connsiteY5"/>
+              </a:cxn>
+              <a:cxn ang="0">
+                <a:pos x="connsiteX6" y="connsiteY6"/>
+              </a:cxn>
+            </a:cxnLst>
+            <a:rect l="l" t="t" r="r" b="b"/>
+            <a:pathLst>
+              <a:path w="4818889" h="6858000">
+                <a:moveTo>
+                  <a:pt x="0" y="0"/>
+                </a:moveTo>
+                <a:lnTo>
+                  <a:pt x="3605911" y="0"/>
+                </a:lnTo>
+                <a:lnTo>
+                  <a:pt x="3668894" y="69271"/>
+                </a:lnTo>
+                <a:cubicBezTo>
+                  <a:pt x="4379420" y="929100"/>
+                  <a:pt x="4818889" y="2116944"/>
+                  <a:pt x="4818889" y="3429000"/>
+                </a:cubicBezTo>
+                <a:cubicBezTo>
+                  <a:pt x="4818889" y="4741056"/>
+                  <a:pt x="4379420" y="5928900"/>
+                  <a:pt x="3668894" y="6788730"/>
+                </a:cubicBezTo>
+                <a:lnTo>
+                  <a:pt x="3605911" y="6858000"/>
+                </a:lnTo>
+                <a:lnTo>
+                  <a:pt x="0" y="6858000"/>
+                </a:lnTo>
+                <a:close/>
+              </a:path>
+            </a:pathLst>
+          </a:custGeom>
+          <a:ln w="9525">
+            <a:solidFill>
+              <a:srgbClr val="E6E6E6"/>
+            </a:solidFill>
+          </a:ln>
+          <a:effectLst>
+            <a:outerShdw blurRad="50800" dist="38100" algn="l" rotWithShape="0">
+              <a:schemeClr val="bg1">
+                <a:lumMod val="85000"/>
+                <a:alpha val="50000"/>
+              </a:schemeClr>
+            </a:outerShdw>
+          </a:effectLst>
+        </p:spPr>
+        <p:style>
+          <a:lnRef idx="2">
+            <a:schemeClr val="accent1">
+              <a:shade val="50000"/>
+            </a:schemeClr>
+          </a:lnRef>
+          <a:fillRef idx="1">
+            <a:schemeClr val="accent1"/>
+          </a:fillRef>
+          <a:effectRef idx="0">
+            <a:schemeClr val="accent1"/>
+          </a:effectRef>
+          <a:fontRef idx="minor">
+            <a:schemeClr val="lt1"/>
+          </a:fontRef>
+        </p:style>
+        <p:txBody>
+          <a:bodyPr wrap="square" rtlCol="0" anchor="ctr">
+            <a:noAutofit/>
+          </a:bodyPr>
+          <a:lstStyle/>
+          <a:p>
+            <a:pPr marL="0" marR="0" lvl="0" indent="0" algn="ctr" defTabSz="914400" rtl="0" eaLnBrk="1" fontAlgn="auto" latinLnBrk="0" hangingPunct="1">
+              <a:lnSpc>
+                <a:spcPct val="100000"/>
+              </a:lnSpc>
+              <a:spcBef>
+                <a:spcPts val="0"/>
+              </a:spcBef>
+              <a:spcAft>
+                <a:spcPts val="0"/>
+              </a:spcAft>
+              <a:buClrTx/>
+              <a:buSzTx/>
+              <a:buFontTx/>
+              <a:buNone/>
+              <a:tabLst/>
+              <a:defRPr/>
+            </a:pPr>
+            <a:endParaRPr kumimoji="0" lang="en-US" sz="1800" b="0" i="0" u="none" strike="noStrike" kern="1200" cap="none" spc="0" normalizeH="0" baseline="0" noProof="0">
+              <a:ln>
+                <a:noFill/>
+              </a:ln>
+              <a:solidFill>
+                <a:prstClr val="white"/>
+              </a:solidFill>
+              <a:effectLst/>
+              <a:uLnTx/>
+              <a:uFillTx/>
+              <a:latin typeface="Calibri" panose="020F0502020204030204"/>
+              <a:ea typeface="+mn-ea"/>
+              <a:cs typeface="+mn-cs"/>
+            </a:endParaRPr>
+          </a:p>
+        </p:txBody>
+      </p:sp>
+      <p:sp useBgFill="1">
+        <p:nvSpPr>
+          <p:cNvPr id="21" name="Freeform: Shape 20">
+            <a:extLst>
+              <a:ext uri="{FF2B5EF4-FFF2-40B4-BE49-F238E27FC236}">
+                <a16:creationId xmlns:a16="http://schemas.microsoft.com/office/drawing/2014/main" id="{E1B96AD6-92A9-4273-A62B-96A1C3E0BA95}"/>
+              </a:ext>
+              <a:ext uri="{C183D7F6-B498-43B3-948B-1728B52AA6E4}">
+                <adec:decorative xmlns:adec="http://schemas.microsoft.com/office/drawing/2017/decorative" val="1"/>
+              </a:ext>
+            </a:extLst>
+          </p:cNvPr>
+          <p:cNvSpPr>
+            <a:spLocks noGrp="1" noRot="1" noChangeAspect="1" noMove="1" noResize="1" noEditPoints="1" noAdjustHandles="1" noChangeArrowheads="1" noChangeShapeType="1" noTextEdit="1"/>
+          </p:cNvSpPr>
+          <p:nvPr>
+            <p:extLst>
+              <p:ext uri="{386F3935-93C4-4BCD-93E2-E3B085C9AB24}">
+                <p16:designElem xmlns:p16="http://schemas.microsoft.com/office/powerpoint/2015/main" val="1"/>
+              </p:ext>
+            </p:extLst>
+          </p:nvPr>
+        </p:nvSpPr>
+        <p:spPr>
+          <a:xfrm>
+            <a:off x="1" y="0"/>
+            <a:ext cx="4811477" cy="6858000"/>
+          </a:xfrm>
+          <a:custGeom>
+            <a:avLst/>
+            <a:gdLst>
+              <a:gd name="connsiteX0" fmla="*/ 0 w 4811477"/>
+              <a:gd name="connsiteY0" fmla="*/ 0 h 6858000"/>
+              <a:gd name="connsiteX1" fmla="*/ 3598499 w 4811477"/>
+              <a:gd name="connsiteY1" fmla="*/ 0 h 6858000"/>
+              <a:gd name="connsiteX2" fmla="*/ 3661482 w 4811477"/>
+              <a:gd name="connsiteY2" fmla="*/ 69271 h 6858000"/>
+              <a:gd name="connsiteX3" fmla="*/ 4811477 w 4811477"/>
+              <a:gd name="connsiteY3" fmla="*/ 3429000 h 6858000"/>
+              <a:gd name="connsiteX4" fmla="*/ 3661482 w 4811477"/>
+              <a:gd name="connsiteY4" fmla="*/ 6788730 h 6858000"/>
+              <a:gd name="connsiteX5" fmla="*/ 3598499 w 4811477"/>
+              <a:gd name="connsiteY5" fmla="*/ 6858000 h 6858000"/>
+              <a:gd name="connsiteX6" fmla="*/ 0 w 4811477"/>
+              <a:gd name="connsiteY6" fmla="*/ 6858000 h 6858000"/>
+            </a:gdLst>
+            <a:ahLst/>
+            <a:cxnLst>
+              <a:cxn ang="0">
+                <a:pos x="connsiteX0" y="connsiteY0"/>
+              </a:cxn>
+              <a:cxn ang="0">
+                <a:pos x="connsiteX1" y="connsiteY1"/>
+              </a:cxn>
+              <a:cxn ang="0">
+                <a:pos x="connsiteX2" y="connsiteY2"/>
+              </a:cxn>
+              <a:cxn ang="0">
+                <a:pos x="connsiteX3" y="connsiteY3"/>
+              </a:cxn>
+              <a:cxn ang="0">
+                <a:pos x="connsiteX4" y="connsiteY4"/>
+              </a:cxn>
+              <a:cxn ang="0">
+                <a:pos x="connsiteX5" y="connsiteY5"/>
+              </a:cxn>
+              <a:cxn ang="0">
+                <a:pos x="connsiteX6" y="connsiteY6"/>
+              </a:cxn>
+            </a:cxnLst>
+            <a:rect l="l" t="t" r="r" b="b"/>
+            <a:pathLst>
+              <a:path w="4811477" h="6858000">
+                <a:moveTo>
+                  <a:pt x="0" y="0"/>
+                </a:moveTo>
+                <a:lnTo>
+                  <a:pt x="3598499" y="0"/>
+                </a:lnTo>
+                <a:lnTo>
+                  <a:pt x="3661482" y="69271"/>
+                </a:lnTo>
+                <a:cubicBezTo>
+                  <a:pt x="4372008" y="929100"/>
+                  <a:pt x="4811477" y="2116944"/>
+                  <a:pt x="4811477" y="3429000"/>
+                </a:cubicBezTo>
+                <a:cubicBezTo>
+                  <a:pt x="4811477" y="4741056"/>
+                  <a:pt x="4372008" y="5928900"/>
+                  <a:pt x="3661482" y="6788730"/>
+                </a:cubicBezTo>
+                <a:lnTo>
+                  <a:pt x="3598499" y="6858000"/>
+                </a:lnTo>
+                <a:lnTo>
+                  <a:pt x="0" y="6858000"/>
+                </a:lnTo>
+                <a:close/>
+              </a:path>
+            </a:pathLst>
+          </a:custGeom>
+          <a:ln w="9525">
+            <a:noFill/>
+          </a:ln>
+          <a:effectLst/>
+        </p:spPr>
+        <p:style>
+          <a:lnRef idx="2">
+            <a:schemeClr val="accent1">
+              <a:shade val="50000"/>
+            </a:schemeClr>
+          </a:lnRef>
+          <a:fillRef idx="1">
+            <a:schemeClr val="accent1"/>
+          </a:fillRef>
+          <a:effectRef idx="0">
+            <a:schemeClr val="accent1"/>
+          </a:effectRef>
+          <a:fontRef idx="minor">
+            <a:schemeClr val="lt1"/>
+          </a:fontRef>
+        </p:style>
+        <p:txBody>
+          <a:bodyPr wrap="square" rtlCol="0" anchor="ctr">
+            <a:noAutofit/>
+          </a:bodyPr>
+          <a:lstStyle/>
+          <a:p>
+            <a:pPr marL="0" marR="0" lvl="0" indent="0" algn="ctr" defTabSz="914400" rtl="0" eaLnBrk="1" fontAlgn="auto" latinLnBrk="0" hangingPunct="1">
+              <a:lnSpc>
+                <a:spcPct val="100000"/>
+              </a:lnSpc>
+              <a:spcBef>
+                <a:spcPts val="0"/>
+              </a:spcBef>
+              <a:spcAft>
+                <a:spcPts val="0"/>
+              </a:spcAft>
+              <a:buClrTx/>
+              <a:buSzTx/>
+              <a:buFontTx/>
+              <a:buNone/>
+              <a:tabLst/>
+              <a:defRPr/>
+            </a:pPr>
+            <a:endParaRPr kumimoji="0" lang="en-US" sz="1800" b="0" i="0" u="none" strike="noStrike" kern="1200" cap="none" spc="0" normalizeH="0" baseline="0" noProof="0">
+              <a:ln>
+                <a:noFill/>
+              </a:ln>
+              <a:solidFill>
+                <a:prstClr val="white"/>
+              </a:solidFill>
+              <a:effectLst/>
+              <a:uLnTx/>
+              <a:uFillTx/>
+              <a:latin typeface="Calibri" panose="020F0502020204030204"/>
+              <a:ea typeface="+mn-ea"/>
+              <a:cs typeface="+mn-cs"/>
+            </a:endParaRPr>
+          </a:p>
+        </p:txBody>
+      </p:sp>
+      <p:sp>
+        <p:nvSpPr>
+          <p:cNvPr id="2" name="Title 1">
+            <a:extLst>
+              <a:ext uri="{FF2B5EF4-FFF2-40B4-BE49-F238E27FC236}">
+                <a16:creationId xmlns:a16="http://schemas.microsoft.com/office/drawing/2014/main" id="{1CEAE535-E1C9-AB42-87B8-DD26EE833D7A}"/>
+              </a:ext>
+            </a:extLst>
+          </p:cNvPr>
+          <p:cNvSpPr>
+            <a:spLocks noGrp="1"/>
+          </p:cNvSpPr>
+          <p:nvPr>
+            <p:ph type="title"/>
+          </p:nvPr>
+        </p:nvSpPr>
+        <p:spPr>
+          <a:xfrm>
+            <a:off x="1524917" y="336585"/>
+            <a:ext cx="1761644" cy="742463"/>
+          </a:xfrm>
+        </p:spPr>
+        <p:txBody>
+          <a:bodyPr>
+            <a:normAutofit/>
+          </a:bodyPr>
+          <a:lstStyle/>
+          <a:p>
+            <a:r>
+              <a:rPr lang="en-US" sz="4000" dirty="0"/>
+              <a:t>Results</a:t>
+            </a:r>
+          </a:p>
+        </p:txBody>
+      </p:sp>
+      <p:sp>
+        <p:nvSpPr>
+          <p:cNvPr id="23" name="Rectangle 22">
+            <a:extLst>
+              <a:ext uri="{FF2B5EF4-FFF2-40B4-BE49-F238E27FC236}">
+                <a16:creationId xmlns:a16="http://schemas.microsoft.com/office/drawing/2014/main" id="{463EEC44-1BA3-44ED-81FC-A644B04B2A44}"/>
+              </a:ext>
+              <a:ext uri="{C183D7F6-B498-43B3-948B-1728B52AA6E4}">
+                <adec:decorative xmlns:adec="http://schemas.microsoft.com/office/drawing/2017/decorative" val="1"/>
+              </a:ext>
+            </a:extLst>
+          </p:cNvPr>
+          <p:cNvSpPr>
+            <a:spLocks noGrp="1" noRot="1" noChangeAspect="1" noMove="1" noResize="1" noEditPoints="1" noAdjustHandles="1" noChangeArrowheads="1" noChangeShapeType="1" noTextEdit="1"/>
+          </p:cNvSpPr>
+          <p:nvPr>
+            <p:extLst>
+              <p:ext uri="{386F3935-93C4-4BCD-93E2-E3B085C9AB24}">
+                <p16:designElem xmlns:p16="http://schemas.microsoft.com/office/powerpoint/2015/main" val="1"/>
+              </p:ext>
+            </p:extLst>
+          </p:nvPr>
+        </p:nvSpPr>
+        <p:spPr>
+          <a:xfrm>
+            <a:off x="0" y="3102049"/>
+            <a:ext cx="128016" cy="653903"/>
+          </a:xfrm>
+          <a:prstGeom prst="rect">
+            <a:avLst/>
+          </a:prstGeom>
+          <a:solidFill>
+            <a:schemeClr val="accent2"/>
+          </a:solidFill>
+          <a:ln>
+            <a:noFill/>
+          </a:ln>
+        </p:spPr>
+        <p:style>
+          <a:lnRef idx="2">
+            <a:schemeClr val="accent1">
+              <a:shade val="50000"/>
+            </a:schemeClr>
+          </a:lnRef>
+          <a:fillRef idx="1">
+            <a:schemeClr val="accent1"/>
+          </a:fillRef>
+          <a:effectRef idx="0">
+            <a:schemeClr val="accent1"/>
+          </a:effectRef>
+          <a:fontRef idx="minor">
+            <a:schemeClr val="lt1"/>
+          </a:fontRef>
+        </p:style>
+        <p:txBody>
+          <a:bodyPr rtlCol="0" anchor="ctr"/>
+          <a:lstStyle/>
+          <a:p>
+            <a:pPr algn="ctr"/>
+            <a:endParaRPr lang="en-US">
+              <a:solidFill>
+                <a:prstClr val="white"/>
+              </a:solidFill>
+              <a:latin typeface="Calibri" panose="020F0502020204030204"/>
+            </a:endParaRPr>
+          </a:p>
+        </p:txBody>
+      </p:sp>
+      <p:sp>
+        <p:nvSpPr>
+          <p:cNvPr id="4" name="Rectangle 3">
+            <a:extLst>
+              <a:ext uri="{FF2B5EF4-FFF2-40B4-BE49-F238E27FC236}">
+                <a16:creationId xmlns:a16="http://schemas.microsoft.com/office/drawing/2014/main" id="{CCCBEE83-727D-214D-8B32-C9560D90A6E6}"/>
+              </a:ext>
+            </a:extLst>
+          </p:cNvPr>
+          <p:cNvSpPr/>
+          <p:nvPr/>
+        </p:nvSpPr>
+        <p:spPr>
+          <a:xfrm>
+            <a:off x="546009" y="1762222"/>
+            <a:ext cx="3847475" cy="3693319"/>
+          </a:xfrm>
+          <a:prstGeom prst="rect">
+            <a:avLst/>
+          </a:prstGeom>
+        </p:spPr>
+        <p:txBody>
+          <a:bodyPr wrap="square">
+            <a:spAutoFit/>
+          </a:bodyPr>
+          <a:lstStyle/>
+          <a:p>
+            <a:r>
+              <a:rPr lang="en-US" b="1" u="sng" dirty="0">
+                <a:ea typeface="Times New Roman" panose="02020603050405020304" pitchFamily="18" charset="0"/>
+              </a:rPr>
+              <a:t>Test Case 3</a:t>
+            </a:r>
+            <a:r>
+              <a:rPr lang="en-US" b="1" dirty="0">
+                <a:ea typeface="Times New Roman" panose="02020603050405020304" pitchFamily="18" charset="0"/>
+              </a:rPr>
+              <a:t>:</a:t>
+            </a:r>
+            <a:endParaRPr lang="en-US" sz="1600" dirty="0">
+              <a:ea typeface="Times New Roman" panose="02020603050405020304" pitchFamily="18" charset="0"/>
+            </a:endParaRPr>
+          </a:p>
+          <a:p>
+            <a:r>
+              <a:rPr lang="en-US" dirty="0">
+                <a:ea typeface="Times New Roman" panose="02020603050405020304" pitchFamily="18" charset="0"/>
+              </a:rPr>
+              <a:t> </a:t>
+            </a:r>
+            <a:endParaRPr lang="en-US" sz="1600" dirty="0">
+              <a:ea typeface="Times New Roman" panose="02020603050405020304" pitchFamily="18" charset="0"/>
+            </a:endParaRPr>
+          </a:p>
+          <a:p>
+            <a:r>
+              <a:rPr lang="en-US" dirty="0">
+                <a:ea typeface="Times New Roman" panose="02020603050405020304" pitchFamily="18" charset="0"/>
+              </a:rPr>
+              <a:t>Valid Sudoku Solution [Single thread]</a:t>
+            </a:r>
+            <a:endParaRPr lang="en-US" sz="1600" dirty="0">
+              <a:ea typeface="Times New Roman" panose="02020603050405020304" pitchFamily="18" charset="0"/>
+            </a:endParaRPr>
+          </a:p>
+          <a:p>
+            <a:r>
+              <a:rPr lang="en-US" dirty="0">
+                <a:ea typeface="Times New Roman" panose="02020603050405020304" pitchFamily="18" charset="0"/>
+              </a:rPr>
+              <a:t> </a:t>
+            </a:r>
+            <a:endParaRPr lang="en-US" sz="1600" dirty="0">
+              <a:ea typeface="Times New Roman" panose="02020603050405020304" pitchFamily="18" charset="0"/>
+            </a:endParaRPr>
+          </a:p>
+          <a:p>
+            <a:r>
+              <a:rPr lang="en-US" b="1" dirty="0">
+                <a:solidFill>
+                  <a:srgbClr val="002060"/>
+                </a:solidFill>
+                <a:ea typeface="Times New Roman" panose="02020603050405020304" pitchFamily="18" charset="0"/>
+              </a:rPr>
+              <a:t> {2, 3, 8, 3, 9, 5, 7, 1, 6},</a:t>
+            </a:r>
+            <a:endParaRPr lang="en-US" sz="1600" dirty="0">
+              <a:ea typeface="Times New Roman" panose="02020603050405020304" pitchFamily="18" charset="0"/>
+            </a:endParaRPr>
+          </a:p>
+          <a:p>
+            <a:r>
+              <a:rPr lang="en-US" b="1" dirty="0">
+                <a:solidFill>
+                  <a:srgbClr val="002060"/>
+                </a:solidFill>
+                <a:ea typeface="Times New Roman" panose="02020603050405020304" pitchFamily="18" charset="0"/>
+              </a:rPr>
+              <a:t> {5, 7, 1, 6, 2, 8, 3, 4, 9},</a:t>
+            </a:r>
+            <a:endParaRPr lang="en-US" sz="1600" dirty="0">
+              <a:ea typeface="Times New Roman" panose="02020603050405020304" pitchFamily="18" charset="0"/>
+            </a:endParaRPr>
+          </a:p>
+          <a:p>
+            <a:r>
+              <a:rPr lang="en-US" b="1" dirty="0">
+                <a:solidFill>
+                  <a:srgbClr val="002060"/>
+                </a:solidFill>
+                <a:ea typeface="Times New Roman" panose="02020603050405020304" pitchFamily="18" charset="0"/>
+              </a:rPr>
+              <a:t> {9, 3, 6, 7, 4, 1, 5, 8, 2},</a:t>
+            </a:r>
+            <a:endParaRPr lang="en-US" sz="1600" dirty="0">
+              <a:ea typeface="Times New Roman" panose="02020603050405020304" pitchFamily="18" charset="0"/>
+            </a:endParaRPr>
+          </a:p>
+          <a:p>
+            <a:r>
+              <a:rPr lang="en-US" b="1" dirty="0">
+                <a:solidFill>
+                  <a:srgbClr val="002060"/>
+                </a:solidFill>
+                <a:ea typeface="Times New Roman" panose="02020603050405020304" pitchFamily="18" charset="0"/>
+              </a:rPr>
+              <a:t> {6, 8, 2, 5, 3, 9, 1, 7, 4},</a:t>
+            </a:r>
+            <a:endParaRPr lang="en-US" sz="1600" dirty="0">
+              <a:ea typeface="Times New Roman" panose="02020603050405020304" pitchFamily="18" charset="0"/>
+            </a:endParaRPr>
+          </a:p>
+          <a:p>
+            <a:r>
+              <a:rPr lang="en-US" b="1" dirty="0">
+                <a:solidFill>
+                  <a:srgbClr val="002060"/>
+                </a:solidFill>
+                <a:ea typeface="Times New Roman" panose="02020603050405020304" pitchFamily="18" charset="0"/>
+              </a:rPr>
+              <a:t> {3, 5, 9, 1, 7, 4, 6, 2, 8},</a:t>
+            </a:r>
+            <a:endParaRPr lang="en-US" sz="1600" dirty="0">
+              <a:ea typeface="Times New Roman" panose="02020603050405020304" pitchFamily="18" charset="0"/>
+            </a:endParaRPr>
+          </a:p>
+          <a:p>
+            <a:r>
+              <a:rPr lang="en-US" b="1" dirty="0">
+                <a:solidFill>
+                  <a:srgbClr val="002060"/>
+                </a:solidFill>
+                <a:ea typeface="Times New Roman" panose="02020603050405020304" pitchFamily="18" charset="0"/>
+              </a:rPr>
+              <a:t> {7, 1, 4, 8, 6, 2, 9, 5, 3},</a:t>
+            </a:r>
+            <a:endParaRPr lang="en-US" sz="1600" dirty="0">
+              <a:ea typeface="Times New Roman" panose="02020603050405020304" pitchFamily="18" charset="0"/>
+            </a:endParaRPr>
+          </a:p>
+          <a:p>
+            <a:r>
+              <a:rPr lang="en-US" b="1" dirty="0">
+                <a:solidFill>
+                  <a:srgbClr val="002060"/>
+                </a:solidFill>
+                <a:ea typeface="Times New Roman" panose="02020603050405020304" pitchFamily="18" charset="0"/>
+              </a:rPr>
+              <a:t> {8, 6, 3, 4, 1, 7, 2, 9, 5},</a:t>
+            </a:r>
+            <a:endParaRPr lang="en-US" sz="1600" dirty="0">
+              <a:ea typeface="Times New Roman" panose="02020603050405020304" pitchFamily="18" charset="0"/>
+            </a:endParaRPr>
+          </a:p>
+          <a:p>
+            <a:r>
+              <a:rPr lang="en-US" b="1" dirty="0">
+                <a:solidFill>
+                  <a:srgbClr val="002060"/>
+                </a:solidFill>
+                <a:ea typeface="Times New Roman" panose="02020603050405020304" pitchFamily="18" charset="0"/>
+              </a:rPr>
+              <a:t> {1, 9, 5, 2, 8, 6, 4, 3, 7},</a:t>
+            </a:r>
+            <a:endParaRPr lang="en-US" sz="1600" dirty="0">
+              <a:ea typeface="Times New Roman" panose="02020603050405020304" pitchFamily="18" charset="0"/>
+            </a:endParaRPr>
+          </a:p>
+          <a:p>
+            <a:r>
+              <a:rPr lang="en-US" b="1" dirty="0">
+                <a:solidFill>
+                  <a:srgbClr val="002060"/>
+                </a:solidFill>
+                <a:ea typeface="Times New Roman" panose="02020603050405020304" pitchFamily="18" charset="0"/>
+              </a:rPr>
+              <a:t> {4, 2, 7, 9, 5, 3, 8, 6, 1}</a:t>
+            </a:r>
+            <a:endParaRPr lang="en-US" sz="1600" dirty="0">
+              <a:effectLst/>
+              <a:ea typeface="Times New Roman" panose="02020603050405020304" pitchFamily="18" charset="0"/>
+            </a:endParaRPr>
+          </a:p>
+        </p:txBody>
+      </p:sp>
+      <p:pic>
+        <p:nvPicPr>
+          <p:cNvPr id="13" name="Picture 12" descr="A screenshot of a computer screen&#10;&#10;Description automatically generated">
+            <a:extLst>
+              <a:ext uri="{FF2B5EF4-FFF2-40B4-BE49-F238E27FC236}">
+                <a16:creationId xmlns:a16="http://schemas.microsoft.com/office/drawing/2014/main" id="{BF40E1C2-6825-114F-B3C1-58F34A0AB0A0}"/>
+              </a:ext>
+            </a:extLst>
+          </p:cNvPr>
+          <p:cNvPicPr/>
+          <p:nvPr/>
+        </p:nvPicPr>
+        <p:blipFill rotWithShape="1">
+          <a:blip r:embed="rId2" cstate="print">
+            <a:extLst>
+              <a:ext uri="{28A0092B-C50C-407E-A947-70E740481C1C}">
+                <a14:useLocalDpi xmlns:a14="http://schemas.microsoft.com/office/drawing/2010/main" val="0"/>
+              </a:ext>
+            </a:extLst>
+          </a:blip>
+          <a:srcRect l="19180" t="28452"/>
+          <a:stretch/>
+        </p:blipFill>
+        <p:spPr bwMode="auto">
+          <a:xfrm>
+            <a:off x="6091003" y="707817"/>
+            <a:ext cx="4803140" cy="2657475"/>
+          </a:xfrm>
+          <a:prstGeom prst="rect">
+            <a:avLst/>
+          </a:prstGeom>
+          <a:ln>
+            <a:noFill/>
+          </a:ln>
+          <a:extLst>
+            <a:ext uri="{53640926-AAD7-44D8-BBD7-CCE9431645EC}">
+              <a14:shadowObscured xmlns:a14="http://schemas.microsoft.com/office/drawing/2010/main"/>
+            </a:ext>
+          </a:extLst>
+        </p:spPr>
+      </p:pic>
+      <p:sp>
+        <p:nvSpPr>
+          <p:cNvPr id="5" name="TextBox 4">
+            <a:extLst>
+              <a:ext uri="{FF2B5EF4-FFF2-40B4-BE49-F238E27FC236}">
+                <a16:creationId xmlns:a16="http://schemas.microsoft.com/office/drawing/2014/main" id="{AE1F4D8A-470C-1F43-98AF-5F49E7258128}"/>
+              </a:ext>
+            </a:extLst>
+          </p:cNvPr>
+          <p:cNvSpPr txBox="1"/>
+          <p:nvPr/>
+        </p:nvSpPr>
+        <p:spPr>
+          <a:xfrm>
+            <a:off x="5765560" y="3875873"/>
+            <a:ext cx="5479770" cy="2031325"/>
+          </a:xfrm>
+          <a:prstGeom prst="rect">
+            <a:avLst/>
+          </a:prstGeom>
+          <a:noFill/>
+        </p:spPr>
+        <p:txBody>
+          <a:bodyPr wrap="none" rtlCol="0">
+            <a:spAutoFit/>
+          </a:bodyPr>
+          <a:lstStyle/>
+          <a:p>
+            <a:r>
+              <a:rPr lang="en-US" b="1" u="sng" dirty="0"/>
+              <a:t>Result</a:t>
+            </a:r>
+            <a:r>
+              <a:rPr lang="en-US" b="1" dirty="0"/>
+              <a:t>:</a:t>
+            </a:r>
+            <a:endParaRPr lang="en-US" dirty="0"/>
+          </a:p>
+          <a:p>
+            <a:r>
+              <a:rPr lang="en-US" dirty="0"/>
+              <a:t> </a:t>
+            </a:r>
+          </a:p>
+          <a:p>
+            <a:r>
+              <a:rPr lang="en-US" dirty="0"/>
+              <a:t>Number of valid threads: 1</a:t>
+            </a:r>
+          </a:p>
+          <a:p>
+            <a:r>
+              <a:rPr lang="en-US" dirty="0"/>
+              <a:t> </a:t>
+            </a:r>
+          </a:p>
+          <a:p>
+            <a:r>
+              <a:rPr lang="en-US" dirty="0"/>
+              <a:t>The following is a valid solution to the sudoku puzzle</a:t>
+            </a:r>
+          </a:p>
+          <a:p>
+            <a:r>
+              <a:rPr lang="en-US" dirty="0"/>
+              <a:t> </a:t>
+            </a:r>
+          </a:p>
+          <a:p>
+            <a:r>
+              <a:rPr lang="en-US" dirty="0"/>
+              <a:t>Total Time Taken for Sudoku puzzle validation is 45888ns</a:t>
+            </a:r>
+          </a:p>
+        </p:txBody>
+      </p:sp>
+    </p:spTree>
+    <p:extLst>
+      <p:ext uri="{BB962C8B-B14F-4D97-AF65-F5344CB8AC3E}">
+        <p14:creationId xmlns:p14="http://schemas.microsoft.com/office/powerpoint/2010/main" val="532956199"/>
+      </p:ext>
+    </p:extLst>
+  </p:cSld>
+  <p:clrMapOvr>
+    <a:masterClrMapping/>
+  </p:clrMapOvr>
+</p:sld>
+</file>
+
+<file path=ppt/slides/slide12.xml><?xml version="1.0" encoding="utf-8"?>
+<p:sld xmlns:a="http://schemas.openxmlformats.org/drawingml/2006/main" xmlns:r="http://schemas.openxmlformats.org/officeDocument/2006/relationships" xmlns:p="http://schemas.openxmlformats.org/presentationml/2006/main">
+  <p:cSld>
+    <p:bg>
+      <p:bgPr>
+        <a:solidFill>
+          <a:schemeClr val="bg1"/>
+        </a:solidFill>
+        <a:effectLst/>
+      </p:bgPr>
+    </p:bg>
+    <p:spTree>
+      <p:nvGrpSpPr>
+        <p:cNvPr id="1" name=""/>
+        <p:cNvGrpSpPr/>
+        <p:nvPr/>
+      </p:nvGrpSpPr>
+      <p:grpSpPr>
+        <a:xfrm>
+          <a:off x="0" y="0"/>
+          <a:ext cx="0" cy="0"/>
+          <a:chOff x="0" y="0"/>
+          <a:chExt cx="0" cy="0"/>
+        </a:xfrm>
+      </p:grpSpPr>
+      <p:sp useBgFill="1">
+        <p:nvSpPr>
+          <p:cNvPr id="17" name="Rectangle 16">
+            <a:extLst>
+              <a:ext uri="{FF2B5EF4-FFF2-40B4-BE49-F238E27FC236}">
+                <a16:creationId xmlns:a16="http://schemas.microsoft.com/office/drawing/2014/main" id="{1C799903-48D5-4A31-A1A2-541072D9771E}"/>
+              </a:ext>
+              <a:ext uri="{C183D7F6-B498-43B3-948B-1728B52AA6E4}">
+                <adec:decorative xmlns:adec="http://schemas.microsoft.com/office/drawing/2017/decorative" val="1"/>
+              </a:ext>
+            </a:extLst>
+          </p:cNvPr>
+          <p:cNvSpPr>
+            <a:spLocks noGrp="1" noRot="1" noChangeAspect="1" noMove="1" noResize="1" noEditPoints="1" noAdjustHandles="1" noChangeArrowheads="1" noChangeShapeType="1" noTextEdit="1"/>
+          </p:cNvSpPr>
+          <p:nvPr>
+            <p:extLst>
+              <p:ext uri="{386F3935-93C4-4BCD-93E2-E3B085C9AB24}">
+                <p16:designElem xmlns:p16="http://schemas.microsoft.com/office/powerpoint/2015/main" val="1"/>
+              </p:ext>
+            </p:extLst>
+          </p:nvPr>
+        </p:nvSpPr>
+        <p:spPr>
+          <a:xfrm>
+            <a:off x="0" y="0"/>
+            <a:ext cx="12192002" cy="6858000"/>
+          </a:xfrm>
+          <a:prstGeom prst="rect">
+            <a:avLst/>
+          </a:prstGeom>
+          <a:ln>
+            <a:noFill/>
+          </a:ln>
+        </p:spPr>
+        <p:style>
+          <a:lnRef idx="2">
+            <a:schemeClr val="accent1">
+              <a:shade val="50000"/>
+            </a:schemeClr>
+          </a:lnRef>
+          <a:fillRef idx="1">
+            <a:schemeClr val="accent1"/>
+          </a:fillRef>
+          <a:effectRef idx="0">
+            <a:schemeClr val="accent1"/>
+          </a:effectRef>
+          <a:fontRef idx="minor">
+            <a:schemeClr val="lt1"/>
+          </a:fontRef>
+        </p:style>
+        <p:txBody>
+          <a:bodyPr rtlCol="0" anchor="ctr"/>
+          <a:lstStyle/>
+          <a:p>
+            <a:pPr algn="ctr"/>
+            <a:endParaRPr lang="en-US"/>
+          </a:p>
+        </p:txBody>
+      </p:sp>
+      <p:sp useBgFill="1">
+        <p:nvSpPr>
+          <p:cNvPr id="19" name="Freeform: Shape 18">
+            <a:extLst>
+              <a:ext uri="{FF2B5EF4-FFF2-40B4-BE49-F238E27FC236}">
+                <a16:creationId xmlns:a16="http://schemas.microsoft.com/office/drawing/2014/main" id="{8EFFF109-FC58-4FD3-BE05-9775A1310F55}"/>
+              </a:ext>
+              <a:ext uri="{C183D7F6-B498-43B3-948B-1728B52AA6E4}">
+                <adec:decorative xmlns:adec="http://schemas.microsoft.com/office/drawing/2017/decorative" val="1"/>
+              </a:ext>
+            </a:extLst>
+          </p:cNvPr>
+          <p:cNvSpPr>
+            <a:spLocks noGrp="1" noRot="1" noChangeAspect="1" noMove="1" noResize="1" noEditPoints="1" noAdjustHandles="1" noChangeArrowheads="1" noChangeShapeType="1" noTextEdit="1"/>
+          </p:cNvSpPr>
+          <p:nvPr>
+            <p:extLst>
+              <p:ext uri="{386F3935-93C4-4BCD-93E2-E3B085C9AB24}">
+                <p16:designElem xmlns:p16="http://schemas.microsoft.com/office/powerpoint/2015/main" val="1"/>
+              </p:ext>
+            </p:extLst>
+          </p:nvPr>
+        </p:nvSpPr>
+        <p:spPr>
+          <a:xfrm>
+            <a:off x="-1" y="0"/>
+            <a:ext cx="4818889" cy="6858000"/>
+          </a:xfrm>
+          <a:custGeom>
+            <a:avLst/>
+            <a:gdLst>
+              <a:gd name="connsiteX0" fmla="*/ 0 w 4818889"/>
+              <a:gd name="connsiteY0" fmla="*/ 0 h 6858000"/>
+              <a:gd name="connsiteX1" fmla="*/ 3605911 w 4818889"/>
+              <a:gd name="connsiteY1" fmla="*/ 0 h 6858000"/>
+              <a:gd name="connsiteX2" fmla="*/ 3668894 w 4818889"/>
+              <a:gd name="connsiteY2" fmla="*/ 69271 h 6858000"/>
+              <a:gd name="connsiteX3" fmla="*/ 4818889 w 4818889"/>
+              <a:gd name="connsiteY3" fmla="*/ 3429000 h 6858000"/>
+              <a:gd name="connsiteX4" fmla="*/ 3668894 w 4818889"/>
+              <a:gd name="connsiteY4" fmla="*/ 6788730 h 6858000"/>
+              <a:gd name="connsiteX5" fmla="*/ 3605911 w 4818889"/>
+              <a:gd name="connsiteY5" fmla="*/ 6858000 h 6858000"/>
+              <a:gd name="connsiteX6" fmla="*/ 0 w 4818889"/>
+              <a:gd name="connsiteY6" fmla="*/ 6858000 h 6858000"/>
+            </a:gdLst>
+            <a:ahLst/>
+            <a:cxnLst>
+              <a:cxn ang="0">
+                <a:pos x="connsiteX0" y="connsiteY0"/>
+              </a:cxn>
+              <a:cxn ang="0">
+                <a:pos x="connsiteX1" y="connsiteY1"/>
+              </a:cxn>
+              <a:cxn ang="0">
+                <a:pos x="connsiteX2" y="connsiteY2"/>
+              </a:cxn>
+              <a:cxn ang="0">
+                <a:pos x="connsiteX3" y="connsiteY3"/>
+              </a:cxn>
+              <a:cxn ang="0">
+                <a:pos x="connsiteX4" y="connsiteY4"/>
+              </a:cxn>
+              <a:cxn ang="0">
+                <a:pos x="connsiteX5" y="connsiteY5"/>
+              </a:cxn>
+              <a:cxn ang="0">
+                <a:pos x="connsiteX6" y="connsiteY6"/>
+              </a:cxn>
+            </a:cxnLst>
+            <a:rect l="l" t="t" r="r" b="b"/>
+            <a:pathLst>
+              <a:path w="4818889" h="6858000">
+                <a:moveTo>
+                  <a:pt x="0" y="0"/>
+                </a:moveTo>
+                <a:lnTo>
+                  <a:pt x="3605911" y="0"/>
+                </a:lnTo>
+                <a:lnTo>
+                  <a:pt x="3668894" y="69271"/>
+                </a:lnTo>
+                <a:cubicBezTo>
+                  <a:pt x="4379420" y="929100"/>
+                  <a:pt x="4818889" y="2116944"/>
+                  <a:pt x="4818889" y="3429000"/>
+                </a:cubicBezTo>
+                <a:cubicBezTo>
+                  <a:pt x="4818889" y="4741056"/>
+                  <a:pt x="4379420" y="5928900"/>
+                  <a:pt x="3668894" y="6788730"/>
+                </a:cubicBezTo>
+                <a:lnTo>
+                  <a:pt x="3605911" y="6858000"/>
+                </a:lnTo>
+                <a:lnTo>
+                  <a:pt x="0" y="6858000"/>
+                </a:lnTo>
+                <a:close/>
+              </a:path>
+            </a:pathLst>
+          </a:custGeom>
+          <a:ln w="9525">
+            <a:solidFill>
+              <a:srgbClr val="E6E6E6"/>
+            </a:solidFill>
+          </a:ln>
+          <a:effectLst>
+            <a:outerShdw blurRad="50800" dist="38100" algn="l" rotWithShape="0">
+              <a:schemeClr val="bg1">
+                <a:lumMod val="85000"/>
+                <a:alpha val="50000"/>
+              </a:schemeClr>
+            </a:outerShdw>
+          </a:effectLst>
+        </p:spPr>
+        <p:style>
+          <a:lnRef idx="2">
+            <a:schemeClr val="accent1">
+              <a:shade val="50000"/>
+            </a:schemeClr>
+          </a:lnRef>
+          <a:fillRef idx="1">
+            <a:schemeClr val="accent1"/>
+          </a:fillRef>
+          <a:effectRef idx="0">
+            <a:schemeClr val="accent1"/>
+          </a:effectRef>
+          <a:fontRef idx="minor">
+            <a:schemeClr val="lt1"/>
+          </a:fontRef>
+        </p:style>
+        <p:txBody>
+          <a:bodyPr wrap="square" rtlCol="0" anchor="ctr">
+            <a:noAutofit/>
+          </a:bodyPr>
+          <a:lstStyle/>
+          <a:p>
+            <a:pPr marL="0" marR="0" lvl="0" indent="0" algn="ctr" defTabSz="914400" rtl="0" eaLnBrk="1" fontAlgn="auto" latinLnBrk="0" hangingPunct="1">
+              <a:lnSpc>
+                <a:spcPct val="100000"/>
+              </a:lnSpc>
+              <a:spcBef>
+                <a:spcPts val="0"/>
+              </a:spcBef>
+              <a:spcAft>
+                <a:spcPts val="0"/>
+              </a:spcAft>
+              <a:buClrTx/>
+              <a:buSzTx/>
+              <a:buFontTx/>
+              <a:buNone/>
+              <a:tabLst/>
+              <a:defRPr/>
+            </a:pPr>
+            <a:endParaRPr kumimoji="0" lang="en-US" sz="1800" b="0" i="0" u="none" strike="noStrike" kern="1200" cap="none" spc="0" normalizeH="0" baseline="0" noProof="0">
+              <a:ln>
+                <a:noFill/>
+              </a:ln>
+              <a:solidFill>
+                <a:prstClr val="white"/>
+              </a:solidFill>
+              <a:effectLst/>
+              <a:uLnTx/>
+              <a:uFillTx/>
+              <a:latin typeface="Calibri" panose="020F0502020204030204"/>
+              <a:ea typeface="+mn-ea"/>
+              <a:cs typeface="+mn-cs"/>
+            </a:endParaRPr>
+          </a:p>
+        </p:txBody>
+      </p:sp>
+      <p:sp useBgFill="1">
+        <p:nvSpPr>
+          <p:cNvPr id="21" name="Freeform: Shape 20">
+            <a:extLst>
+              <a:ext uri="{FF2B5EF4-FFF2-40B4-BE49-F238E27FC236}">
+                <a16:creationId xmlns:a16="http://schemas.microsoft.com/office/drawing/2014/main" id="{E1B96AD6-92A9-4273-A62B-96A1C3E0BA95}"/>
+              </a:ext>
+              <a:ext uri="{C183D7F6-B498-43B3-948B-1728B52AA6E4}">
+                <adec:decorative xmlns:adec="http://schemas.microsoft.com/office/drawing/2017/decorative" val="1"/>
+              </a:ext>
+            </a:extLst>
+          </p:cNvPr>
+          <p:cNvSpPr>
+            <a:spLocks noGrp="1" noRot="1" noChangeAspect="1" noMove="1" noResize="1" noEditPoints="1" noAdjustHandles="1" noChangeArrowheads="1" noChangeShapeType="1" noTextEdit="1"/>
+          </p:cNvSpPr>
+          <p:nvPr>
+            <p:extLst>
+              <p:ext uri="{386F3935-93C4-4BCD-93E2-E3B085C9AB24}">
+                <p16:designElem xmlns:p16="http://schemas.microsoft.com/office/powerpoint/2015/main" val="1"/>
+              </p:ext>
+            </p:extLst>
+          </p:nvPr>
+        </p:nvSpPr>
+        <p:spPr>
+          <a:xfrm>
+            <a:off x="1" y="0"/>
+            <a:ext cx="4811477" cy="6858000"/>
+          </a:xfrm>
+          <a:custGeom>
+            <a:avLst/>
+            <a:gdLst>
+              <a:gd name="connsiteX0" fmla="*/ 0 w 4811477"/>
+              <a:gd name="connsiteY0" fmla="*/ 0 h 6858000"/>
+              <a:gd name="connsiteX1" fmla="*/ 3598499 w 4811477"/>
+              <a:gd name="connsiteY1" fmla="*/ 0 h 6858000"/>
+              <a:gd name="connsiteX2" fmla="*/ 3661482 w 4811477"/>
+              <a:gd name="connsiteY2" fmla="*/ 69271 h 6858000"/>
+              <a:gd name="connsiteX3" fmla="*/ 4811477 w 4811477"/>
+              <a:gd name="connsiteY3" fmla="*/ 3429000 h 6858000"/>
+              <a:gd name="connsiteX4" fmla="*/ 3661482 w 4811477"/>
+              <a:gd name="connsiteY4" fmla="*/ 6788730 h 6858000"/>
+              <a:gd name="connsiteX5" fmla="*/ 3598499 w 4811477"/>
+              <a:gd name="connsiteY5" fmla="*/ 6858000 h 6858000"/>
+              <a:gd name="connsiteX6" fmla="*/ 0 w 4811477"/>
+              <a:gd name="connsiteY6" fmla="*/ 6858000 h 6858000"/>
+            </a:gdLst>
+            <a:ahLst/>
+            <a:cxnLst>
+              <a:cxn ang="0">
+                <a:pos x="connsiteX0" y="connsiteY0"/>
+              </a:cxn>
+              <a:cxn ang="0">
+                <a:pos x="connsiteX1" y="connsiteY1"/>
+              </a:cxn>
+              <a:cxn ang="0">
+                <a:pos x="connsiteX2" y="connsiteY2"/>
+              </a:cxn>
+              <a:cxn ang="0">
+                <a:pos x="connsiteX3" y="connsiteY3"/>
+              </a:cxn>
+              <a:cxn ang="0">
+                <a:pos x="connsiteX4" y="connsiteY4"/>
+              </a:cxn>
+              <a:cxn ang="0">
+                <a:pos x="connsiteX5" y="connsiteY5"/>
+              </a:cxn>
+              <a:cxn ang="0">
+                <a:pos x="connsiteX6" y="connsiteY6"/>
+              </a:cxn>
+            </a:cxnLst>
+            <a:rect l="l" t="t" r="r" b="b"/>
+            <a:pathLst>
+              <a:path w="4811477" h="6858000">
+                <a:moveTo>
+                  <a:pt x="0" y="0"/>
+                </a:moveTo>
+                <a:lnTo>
+                  <a:pt x="3598499" y="0"/>
+                </a:lnTo>
+                <a:lnTo>
+                  <a:pt x="3661482" y="69271"/>
+                </a:lnTo>
+                <a:cubicBezTo>
+                  <a:pt x="4372008" y="929100"/>
+                  <a:pt x="4811477" y="2116944"/>
+                  <a:pt x="4811477" y="3429000"/>
+                </a:cubicBezTo>
+                <a:cubicBezTo>
+                  <a:pt x="4811477" y="4741056"/>
+                  <a:pt x="4372008" y="5928900"/>
+                  <a:pt x="3661482" y="6788730"/>
+                </a:cubicBezTo>
+                <a:lnTo>
+                  <a:pt x="3598499" y="6858000"/>
+                </a:lnTo>
+                <a:lnTo>
+                  <a:pt x="0" y="6858000"/>
+                </a:lnTo>
+                <a:close/>
+              </a:path>
+            </a:pathLst>
+          </a:custGeom>
+          <a:ln w="9525">
+            <a:noFill/>
+          </a:ln>
+          <a:effectLst/>
+        </p:spPr>
+        <p:style>
+          <a:lnRef idx="2">
+            <a:schemeClr val="accent1">
+              <a:shade val="50000"/>
+            </a:schemeClr>
+          </a:lnRef>
+          <a:fillRef idx="1">
+            <a:schemeClr val="accent1"/>
+          </a:fillRef>
+          <a:effectRef idx="0">
+            <a:schemeClr val="accent1"/>
+          </a:effectRef>
+          <a:fontRef idx="minor">
+            <a:schemeClr val="lt1"/>
+          </a:fontRef>
+        </p:style>
+        <p:txBody>
+          <a:bodyPr wrap="square" rtlCol="0" anchor="ctr">
+            <a:noAutofit/>
+          </a:bodyPr>
+          <a:lstStyle/>
+          <a:p>
+            <a:pPr marL="0" marR="0" lvl="0" indent="0" algn="ctr" defTabSz="914400" rtl="0" eaLnBrk="1" fontAlgn="auto" latinLnBrk="0" hangingPunct="1">
+              <a:lnSpc>
+                <a:spcPct val="100000"/>
+              </a:lnSpc>
+              <a:spcBef>
+                <a:spcPts val="0"/>
+              </a:spcBef>
+              <a:spcAft>
+                <a:spcPts val="0"/>
+              </a:spcAft>
+              <a:buClrTx/>
+              <a:buSzTx/>
+              <a:buFontTx/>
+              <a:buNone/>
+              <a:tabLst/>
+              <a:defRPr/>
+            </a:pPr>
+            <a:endParaRPr kumimoji="0" lang="en-US" sz="1800" b="0" i="0" u="none" strike="noStrike" kern="1200" cap="none" spc="0" normalizeH="0" baseline="0" noProof="0">
+              <a:ln>
+                <a:noFill/>
+              </a:ln>
+              <a:solidFill>
+                <a:prstClr val="white"/>
+              </a:solidFill>
+              <a:effectLst/>
+              <a:uLnTx/>
+              <a:uFillTx/>
+              <a:latin typeface="Calibri" panose="020F0502020204030204"/>
+              <a:ea typeface="+mn-ea"/>
+              <a:cs typeface="+mn-cs"/>
+            </a:endParaRPr>
+          </a:p>
+        </p:txBody>
+      </p:sp>
+      <p:sp>
+        <p:nvSpPr>
+          <p:cNvPr id="2" name="Title 1">
+            <a:extLst>
+              <a:ext uri="{FF2B5EF4-FFF2-40B4-BE49-F238E27FC236}">
+                <a16:creationId xmlns:a16="http://schemas.microsoft.com/office/drawing/2014/main" id="{1CEAE535-E1C9-AB42-87B8-DD26EE833D7A}"/>
+              </a:ext>
+            </a:extLst>
+          </p:cNvPr>
+          <p:cNvSpPr>
+            <a:spLocks noGrp="1"/>
+          </p:cNvSpPr>
+          <p:nvPr>
+            <p:ph type="title"/>
+          </p:nvPr>
+        </p:nvSpPr>
+        <p:spPr>
+          <a:xfrm>
+            <a:off x="1577381" y="265176"/>
+            <a:ext cx="1656713" cy="667512"/>
+          </a:xfrm>
+        </p:spPr>
+        <p:txBody>
+          <a:bodyPr>
+            <a:normAutofit/>
+          </a:bodyPr>
+          <a:lstStyle/>
+          <a:p>
+            <a:r>
+              <a:rPr lang="en-US" sz="4000" dirty="0"/>
+              <a:t>Results</a:t>
+            </a:r>
+          </a:p>
+        </p:txBody>
+      </p:sp>
+      <p:sp>
+        <p:nvSpPr>
+          <p:cNvPr id="23" name="Rectangle 22">
+            <a:extLst>
+              <a:ext uri="{FF2B5EF4-FFF2-40B4-BE49-F238E27FC236}">
+                <a16:creationId xmlns:a16="http://schemas.microsoft.com/office/drawing/2014/main" id="{463EEC44-1BA3-44ED-81FC-A644B04B2A44}"/>
+              </a:ext>
+              <a:ext uri="{C183D7F6-B498-43B3-948B-1728B52AA6E4}">
+                <adec:decorative xmlns:adec="http://schemas.microsoft.com/office/drawing/2017/decorative" val="1"/>
+              </a:ext>
+            </a:extLst>
+          </p:cNvPr>
+          <p:cNvSpPr>
+            <a:spLocks noGrp="1" noRot="1" noChangeAspect="1" noMove="1" noResize="1" noEditPoints="1" noAdjustHandles="1" noChangeArrowheads="1" noChangeShapeType="1" noTextEdit="1"/>
+          </p:cNvSpPr>
+          <p:nvPr>
+            <p:extLst>
+              <p:ext uri="{386F3935-93C4-4BCD-93E2-E3B085C9AB24}">
+                <p16:designElem xmlns:p16="http://schemas.microsoft.com/office/powerpoint/2015/main" val="1"/>
+              </p:ext>
+            </p:extLst>
+          </p:nvPr>
+        </p:nvSpPr>
+        <p:spPr>
+          <a:xfrm>
+            <a:off x="0" y="3102049"/>
+            <a:ext cx="128016" cy="653903"/>
+          </a:xfrm>
+          <a:prstGeom prst="rect">
+            <a:avLst/>
+          </a:prstGeom>
+          <a:solidFill>
+            <a:schemeClr val="accent2"/>
+          </a:solidFill>
+          <a:ln>
+            <a:noFill/>
+          </a:ln>
+        </p:spPr>
+        <p:style>
+          <a:lnRef idx="2">
+            <a:schemeClr val="accent1">
+              <a:shade val="50000"/>
+            </a:schemeClr>
+          </a:lnRef>
+          <a:fillRef idx="1">
+            <a:schemeClr val="accent1"/>
+          </a:fillRef>
+          <a:effectRef idx="0">
+            <a:schemeClr val="accent1"/>
+          </a:effectRef>
+          <a:fontRef idx="minor">
+            <a:schemeClr val="lt1"/>
+          </a:fontRef>
+        </p:style>
+        <p:txBody>
+          <a:bodyPr rtlCol="0" anchor="ctr"/>
+          <a:lstStyle/>
+          <a:p>
+            <a:pPr algn="ctr"/>
+            <a:endParaRPr lang="en-US">
+              <a:solidFill>
+                <a:prstClr val="white"/>
+              </a:solidFill>
+              <a:latin typeface="Calibri" panose="020F0502020204030204"/>
+            </a:endParaRPr>
+          </a:p>
+        </p:txBody>
+      </p:sp>
+      <p:sp>
+        <p:nvSpPr>
+          <p:cNvPr id="5" name="Rectangle 4">
+            <a:extLst>
+              <a:ext uri="{FF2B5EF4-FFF2-40B4-BE49-F238E27FC236}">
+                <a16:creationId xmlns:a16="http://schemas.microsoft.com/office/drawing/2014/main" id="{743CC88A-1F03-9C43-977F-7C53E65EE48E}"/>
+              </a:ext>
+            </a:extLst>
+          </p:cNvPr>
+          <p:cNvSpPr/>
+          <p:nvPr/>
+        </p:nvSpPr>
+        <p:spPr>
+          <a:xfrm>
+            <a:off x="676873" y="1679337"/>
+            <a:ext cx="3457731" cy="3709187"/>
+          </a:xfrm>
+          <a:prstGeom prst="rect">
+            <a:avLst/>
+          </a:prstGeom>
+        </p:spPr>
+        <p:txBody>
+          <a:bodyPr wrap="square">
+            <a:spAutoFit/>
+          </a:bodyPr>
+          <a:lstStyle/>
+          <a:p>
+            <a:r>
+              <a:rPr lang="en-US" b="1" u="sng" dirty="0">
+                <a:ea typeface="Times New Roman" panose="02020603050405020304" pitchFamily="18" charset="0"/>
+              </a:rPr>
+              <a:t>Test Case 4</a:t>
+            </a:r>
+            <a:r>
+              <a:rPr lang="en-US" b="1" dirty="0">
+                <a:ea typeface="Times New Roman" panose="02020603050405020304" pitchFamily="18" charset="0"/>
+              </a:rPr>
+              <a:t>:</a:t>
+            </a:r>
+            <a:endParaRPr lang="en-US" sz="1600" dirty="0">
+              <a:ea typeface="Times New Roman" panose="02020603050405020304" pitchFamily="18" charset="0"/>
+            </a:endParaRPr>
+          </a:p>
+          <a:p>
+            <a:r>
+              <a:rPr lang="en-US" b="1" dirty="0">
+                <a:ea typeface="Times New Roman" panose="02020603050405020304" pitchFamily="18" charset="0"/>
+              </a:rPr>
+              <a:t> </a:t>
+            </a:r>
+            <a:endParaRPr lang="en-US" sz="1600" dirty="0">
+              <a:ea typeface="Times New Roman" panose="02020603050405020304" pitchFamily="18" charset="0"/>
+            </a:endParaRPr>
+          </a:p>
+          <a:p>
+            <a:r>
+              <a:rPr lang="en-US" dirty="0">
+                <a:ea typeface="Times New Roman" panose="02020603050405020304" pitchFamily="18" charset="0"/>
+              </a:rPr>
+              <a:t>Valid Sudoku Solution [11 threads]</a:t>
+            </a:r>
+            <a:endParaRPr lang="en-US" sz="1600" dirty="0">
+              <a:ea typeface="Times New Roman" panose="02020603050405020304" pitchFamily="18" charset="0"/>
+            </a:endParaRPr>
+          </a:p>
+          <a:p>
+            <a:r>
+              <a:rPr lang="en-US" dirty="0">
+                <a:ea typeface="Times New Roman" panose="02020603050405020304" pitchFamily="18" charset="0"/>
+              </a:rPr>
+              <a:t> </a:t>
+            </a:r>
+            <a:endParaRPr lang="en-US" sz="1600" dirty="0">
+              <a:ea typeface="Times New Roman" panose="02020603050405020304" pitchFamily="18" charset="0"/>
+            </a:endParaRPr>
+          </a:p>
+          <a:p>
+            <a:r>
+              <a:rPr lang="en-US" b="1" dirty="0">
+                <a:solidFill>
+                  <a:srgbClr val="002060"/>
+                </a:solidFill>
+                <a:ea typeface="Times New Roman" panose="02020603050405020304" pitchFamily="18" charset="0"/>
+              </a:rPr>
+              <a:t>{2, 4, 8, 3, 9, 5, 7, 1, 6},</a:t>
+            </a:r>
+            <a:endParaRPr lang="en-US" sz="1600" dirty="0">
+              <a:ea typeface="Times New Roman" panose="02020603050405020304" pitchFamily="18" charset="0"/>
+            </a:endParaRPr>
+          </a:p>
+          <a:p>
+            <a:r>
+              <a:rPr lang="en-US" b="1" dirty="0">
+                <a:solidFill>
+                  <a:srgbClr val="002060"/>
+                </a:solidFill>
+                <a:ea typeface="Times New Roman" panose="02020603050405020304" pitchFamily="18" charset="0"/>
+              </a:rPr>
+              <a:t>{5, 7, 1, 6, 2, 8, 3, 4, 9},</a:t>
+            </a:r>
+            <a:endParaRPr lang="en-US" sz="1600" dirty="0">
+              <a:ea typeface="Times New Roman" panose="02020603050405020304" pitchFamily="18" charset="0"/>
+            </a:endParaRPr>
+          </a:p>
+          <a:p>
+            <a:r>
+              <a:rPr lang="en-US" b="1" dirty="0">
+                <a:solidFill>
+                  <a:srgbClr val="002060"/>
+                </a:solidFill>
+                <a:ea typeface="Times New Roman" panose="02020603050405020304" pitchFamily="18" charset="0"/>
+              </a:rPr>
+              <a:t>{9, 3, 6, 7, 4, 1, 5, 8, 2},</a:t>
+            </a:r>
+            <a:endParaRPr lang="en-US" sz="1600" dirty="0">
+              <a:ea typeface="Times New Roman" panose="02020603050405020304" pitchFamily="18" charset="0"/>
+            </a:endParaRPr>
+          </a:p>
+          <a:p>
+            <a:r>
+              <a:rPr lang="en-US" b="1" dirty="0">
+                <a:solidFill>
+                  <a:srgbClr val="002060"/>
+                </a:solidFill>
+                <a:ea typeface="Times New Roman" panose="02020603050405020304" pitchFamily="18" charset="0"/>
+              </a:rPr>
+              <a:t>{6, 8, 2, 5, 3, 9, 1, 7, 4},</a:t>
+            </a:r>
+            <a:endParaRPr lang="en-US" sz="1600" dirty="0">
+              <a:ea typeface="Times New Roman" panose="02020603050405020304" pitchFamily="18" charset="0"/>
+            </a:endParaRPr>
+          </a:p>
+          <a:p>
+            <a:r>
+              <a:rPr lang="en-US" b="1" dirty="0">
+                <a:solidFill>
+                  <a:srgbClr val="002060"/>
+                </a:solidFill>
+                <a:ea typeface="Times New Roman" panose="02020603050405020304" pitchFamily="18" charset="0"/>
+              </a:rPr>
+              <a:t>{3, 5, 9, 1, 7, 4, 6, 2, 8},</a:t>
+            </a:r>
+            <a:endParaRPr lang="en-US" sz="1600" dirty="0">
+              <a:ea typeface="Times New Roman" panose="02020603050405020304" pitchFamily="18" charset="0"/>
+            </a:endParaRPr>
+          </a:p>
+          <a:p>
+            <a:r>
+              <a:rPr lang="en-US" b="1" dirty="0">
+                <a:solidFill>
+                  <a:srgbClr val="002060"/>
+                </a:solidFill>
+                <a:ea typeface="Times New Roman" panose="02020603050405020304" pitchFamily="18" charset="0"/>
+              </a:rPr>
+              <a:t>{7, 1, 4, 8, 6, 2, 9, 5, 3},</a:t>
+            </a:r>
+            <a:endParaRPr lang="en-US" sz="1600" dirty="0">
+              <a:ea typeface="Times New Roman" panose="02020603050405020304" pitchFamily="18" charset="0"/>
+            </a:endParaRPr>
+          </a:p>
+          <a:p>
+            <a:r>
+              <a:rPr lang="en-US" b="1" dirty="0">
+                <a:solidFill>
+                  <a:srgbClr val="002060"/>
+                </a:solidFill>
+                <a:ea typeface="Times New Roman" panose="02020603050405020304" pitchFamily="18" charset="0"/>
+              </a:rPr>
+              <a:t>{8, 6, 3, 4, 1, 7, 2, 9, 5},</a:t>
+            </a:r>
+            <a:endParaRPr lang="en-US" sz="1600" dirty="0">
+              <a:ea typeface="Times New Roman" panose="02020603050405020304" pitchFamily="18" charset="0"/>
+            </a:endParaRPr>
+          </a:p>
+          <a:p>
+            <a:r>
+              <a:rPr lang="en-US" b="1" dirty="0">
+                <a:solidFill>
+                  <a:srgbClr val="002060"/>
+                </a:solidFill>
+                <a:ea typeface="Times New Roman" panose="02020603050405020304" pitchFamily="18" charset="0"/>
+              </a:rPr>
+              <a:t>{1, 9, 5, 2, 8, 6, 4, 3, 7},</a:t>
+            </a:r>
+            <a:endParaRPr lang="en-US" sz="1600" dirty="0">
+              <a:ea typeface="Times New Roman" panose="02020603050405020304" pitchFamily="18" charset="0"/>
+            </a:endParaRPr>
+          </a:p>
+          <a:p>
+            <a:r>
+              <a:rPr lang="en-US" b="1" dirty="0">
+                <a:solidFill>
+                  <a:srgbClr val="002060"/>
+                </a:solidFill>
+                <a:ea typeface="Times New Roman" panose="02020603050405020304" pitchFamily="18" charset="0"/>
+              </a:rPr>
+              <a:t>{4, 2, 7, 9, 5, 3, 8, 6, 1}</a:t>
+            </a:r>
+            <a:endParaRPr lang="en-US" sz="1600" dirty="0">
+              <a:effectLst/>
+              <a:ea typeface="Times New Roman" panose="02020603050405020304" pitchFamily="18" charset="0"/>
+            </a:endParaRPr>
+          </a:p>
+        </p:txBody>
+      </p:sp>
+      <p:pic>
+        <p:nvPicPr>
+          <p:cNvPr id="13" name="Picture 12" descr="A screenshot of a computer screen&#10;&#10;Description automatically generated">
+            <a:extLst>
+              <a:ext uri="{FF2B5EF4-FFF2-40B4-BE49-F238E27FC236}">
+                <a16:creationId xmlns:a16="http://schemas.microsoft.com/office/drawing/2014/main" id="{895B58B5-244E-394C-AECC-2BA788BD3E3D}"/>
+              </a:ext>
+            </a:extLst>
+          </p:cNvPr>
+          <p:cNvPicPr/>
+          <p:nvPr/>
+        </p:nvPicPr>
+        <p:blipFill rotWithShape="1">
+          <a:blip r:embed="rId2" cstate="print">
+            <a:extLst>
+              <a:ext uri="{28A0092B-C50C-407E-A947-70E740481C1C}">
+                <a14:useLocalDpi xmlns:a14="http://schemas.microsoft.com/office/drawing/2010/main" val="0"/>
+              </a:ext>
+            </a:extLst>
+          </a:blip>
+          <a:srcRect l="19180" t="28452"/>
+          <a:stretch/>
+        </p:blipFill>
+        <p:spPr bwMode="auto">
+          <a:xfrm>
+            <a:off x="6103875" y="598932"/>
+            <a:ext cx="4803140" cy="2657475"/>
+          </a:xfrm>
+          <a:prstGeom prst="rect">
+            <a:avLst/>
+          </a:prstGeom>
+          <a:ln>
+            <a:noFill/>
+          </a:ln>
+          <a:extLst>
+            <a:ext uri="{53640926-AAD7-44D8-BBD7-CCE9431645EC}">
+              <a14:shadowObscured xmlns:a14="http://schemas.microsoft.com/office/drawing/2010/main"/>
+            </a:ext>
+          </a:extLst>
+        </p:spPr>
+      </p:pic>
+      <p:sp>
+        <p:nvSpPr>
+          <p:cNvPr id="6" name="Rectangle 5">
+            <a:extLst>
+              <a:ext uri="{FF2B5EF4-FFF2-40B4-BE49-F238E27FC236}">
+                <a16:creationId xmlns:a16="http://schemas.microsoft.com/office/drawing/2014/main" id="{22747473-E0C7-DA46-A18D-9EF5A93D8AEF}"/>
+              </a:ext>
+            </a:extLst>
+          </p:cNvPr>
+          <p:cNvSpPr/>
+          <p:nvPr/>
+        </p:nvSpPr>
+        <p:spPr>
+          <a:xfrm>
+            <a:off x="5495760" y="3755952"/>
+            <a:ext cx="6096000" cy="2031325"/>
+          </a:xfrm>
+          <a:prstGeom prst="rect">
+            <a:avLst/>
+          </a:prstGeom>
+        </p:spPr>
+        <p:txBody>
+          <a:bodyPr>
+            <a:spAutoFit/>
+          </a:bodyPr>
+          <a:lstStyle/>
+          <a:p>
+            <a:r>
+              <a:rPr lang="en-US" b="1" u="sng" dirty="0">
+                <a:ea typeface="Times New Roman" panose="02020603050405020304" pitchFamily="18" charset="0"/>
+              </a:rPr>
+              <a:t>Result</a:t>
+            </a:r>
+            <a:r>
+              <a:rPr lang="en-US" b="1" dirty="0">
+                <a:ea typeface="Times New Roman" panose="02020603050405020304" pitchFamily="18" charset="0"/>
+              </a:rPr>
+              <a:t>:</a:t>
+            </a:r>
+            <a:endParaRPr lang="en-US" sz="1600" dirty="0">
+              <a:ea typeface="Times New Roman" panose="02020603050405020304" pitchFamily="18" charset="0"/>
+            </a:endParaRPr>
+          </a:p>
+          <a:p>
+            <a:r>
+              <a:rPr lang="en-US" dirty="0">
+                <a:ea typeface="Times New Roman" panose="02020603050405020304" pitchFamily="18" charset="0"/>
+              </a:rPr>
+              <a:t> </a:t>
+            </a:r>
+            <a:endParaRPr lang="en-US" sz="1600" dirty="0">
+              <a:ea typeface="Times New Roman" panose="02020603050405020304" pitchFamily="18" charset="0"/>
+            </a:endParaRPr>
+          </a:p>
+          <a:p>
+            <a:r>
+              <a:rPr lang="en-US" dirty="0">
+                <a:ea typeface="Times New Roman" panose="02020603050405020304" pitchFamily="18" charset="0"/>
+              </a:rPr>
+              <a:t>Number of valid threads: 11</a:t>
+            </a:r>
+            <a:endParaRPr lang="en-US" sz="1600" dirty="0">
+              <a:ea typeface="Times New Roman" panose="02020603050405020304" pitchFamily="18" charset="0"/>
+            </a:endParaRPr>
+          </a:p>
+          <a:p>
+            <a:r>
+              <a:rPr lang="en-US" dirty="0">
+                <a:ea typeface="Times New Roman" panose="02020603050405020304" pitchFamily="18" charset="0"/>
+              </a:rPr>
+              <a:t> </a:t>
+            </a:r>
+            <a:endParaRPr lang="en-US" sz="1600" dirty="0">
+              <a:ea typeface="Times New Roman" panose="02020603050405020304" pitchFamily="18" charset="0"/>
+            </a:endParaRPr>
+          </a:p>
+          <a:p>
+            <a:r>
+              <a:rPr lang="en-US" dirty="0">
+                <a:ea typeface="Times New Roman" panose="02020603050405020304" pitchFamily="18" charset="0"/>
+              </a:rPr>
+              <a:t>The following is a valid solution to the sudoku puzzle</a:t>
+            </a:r>
+            <a:endParaRPr lang="en-US" sz="1600" dirty="0">
+              <a:ea typeface="Times New Roman" panose="02020603050405020304" pitchFamily="18" charset="0"/>
+            </a:endParaRPr>
+          </a:p>
+          <a:p>
+            <a:r>
+              <a:rPr lang="en-US" dirty="0">
+                <a:ea typeface="Times New Roman" panose="02020603050405020304" pitchFamily="18" charset="0"/>
+              </a:rPr>
+              <a:t> </a:t>
+            </a:r>
+            <a:endParaRPr lang="en-US" sz="1600" dirty="0">
+              <a:ea typeface="Times New Roman" panose="02020603050405020304" pitchFamily="18" charset="0"/>
+            </a:endParaRPr>
+          </a:p>
+          <a:p>
+            <a:r>
+              <a:rPr lang="en-US" dirty="0">
+                <a:ea typeface="Times New Roman" panose="02020603050405020304" pitchFamily="18" charset="0"/>
+              </a:rPr>
+              <a:t>Total Time Taken for Sudoku puzzle validation is </a:t>
+            </a:r>
+            <a:r>
+              <a:rPr lang="en-US" dirty="0">
+                <a:highlight>
+                  <a:srgbClr val="FFFF00"/>
+                </a:highlight>
+                <a:ea typeface="Times New Roman" panose="02020603050405020304" pitchFamily="18" charset="0"/>
+              </a:rPr>
+              <a:t>349103ns</a:t>
+            </a:r>
+            <a:endParaRPr lang="en-US" sz="1600" dirty="0">
+              <a:effectLst/>
+              <a:ea typeface="Times New Roman" panose="02020603050405020304" pitchFamily="18" charset="0"/>
+            </a:endParaRPr>
+          </a:p>
+        </p:txBody>
+      </p:sp>
+    </p:spTree>
+    <p:extLst>
+      <p:ext uri="{BB962C8B-B14F-4D97-AF65-F5344CB8AC3E}">
+        <p14:creationId xmlns:p14="http://schemas.microsoft.com/office/powerpoint/2010/main" val="1885119032"/>
+      </p:ext>
+    </p:extLst>
+  </p:cSld>
+  <p:clrMapOvr>
+    <a:masterClrMapping/>
+  </p:clrMapOvr>
+</p:sld>
+</file>
+
+<file path=ppt/slides/slide13.xml><?xml version="1.0" encoding="utf-8"?>
+<p:sld xmlns:a="http://schemas.openxmlformats.org/drawingml/2006/main" xmlns:r="http://schemas.openxmlformats.org/officeDocument/2006/relationships" xmlns:p="http://schemas.openxmlformats.org/presentationml/2006/main">
+  <p:cSld>
+    <p:bg>
+      <p:bgPr>
+        <a:solidFill>
+          <a:schemeClr val="bg1"/>
+        </a:solidFill>
+        <a:effectLst/>
+      </p:bgPr>
+    </p:bg>
+    <p:spTree>
+      <p:nvGrpSpPr>
+        <p:cNvPr id="1" name=""/>
+        <p:cNvGrpSpPr/>
+        <p:nvPr/>
+      </p:nvGrpSpPr>
+      <p:grpSpPr>
+        <a:xfrm>
+          <a:off x="0" y="0"/>
+          <a:ext cx="0" cy="0"/>
+          <a:chOff x="0" y="0"/>
+          <a:chExt cx="0" cy="0"/>
+        </a:xfrm>
+      </p:grpSpPr>
+      <p:sp useBgFill="1">
+        <p:nvSpPr>
           <p:cNvPr id="8" name="Rectangle 7">
             <a:extLst>
               <a:ext uri="{FF2B5EF4-FFF2-40B4-BE49-F238E27FC236}">
@@ -5004,7 +8776,7 @@
           <p:cNvPr id="2" name="Title 1">
             <a:extLst>
               <a:ext uri="{FF2B5EF4-FFF2-40B4-BE49-F238E27FC236}">
-                <a16:creationId xmlns:a16="http://schemas.microsoft.com/office/drawing/2014/main" id="{C1D14FFC-0D7F-D84D-9F03-9E8851AE8B20}"/>
+                <a16:creationId xmlns:a16="http://schemas.microsoft.com/office/drawing/2014/main" id="{4C75C5A1-EA0A-8845-BE62-2B140CF24284}"/>
               </a:ext>
             </a:extLst>
           </p:cNvPr>
@@ -5028,13 +8800,18 @@
           <a:lstStyle/>
           <a:p>
             <a:r>
-              <a:rPr lang="en-US">
+              <a:rPr lang="en-US" b="1">
                 <a:solidFill>
                   <a:srgbClr val="FFFFFF"/>
                 </a:solidFill>
               </a:rPr>
-              <a:t>Conclusion</a:t>
-            </a:r>
+              <a:t>Performance Analysis</a:t>
+            </a:r>
+            <a:endParaRPr lang="en-US">
+              <a:solidFill>
+                <a:srgbClr val="FFFFFF"/>
+              </a:solidFill>
+            </a:endParaRPr>
           </a:p>
         </p:txBody>
       </p:sp>
@@ -5099,25 +8876,427 @@
           </a:p>
         </p:txBody>
       </p:sp>
+      <p:graphicFrame>
+        <p:nvGraphicFramePr>
+          <p:cNvPr id="11" name="Content Placeholder 10">
+            <a:extLst>
+              <a:ext uri="{FF2B5EF4-FFF2-40B4-BE49-F238E27FC236}">
+                <a16:creationId xmlns:a16="http://schemas.microsoft.com/office/drawing/2014/main" id="{0FFDBC27-32EE-584E-B747-6967448F9E04}"/>
+              </a:ext>
+            </a:extLst>
+          </p:cNvPr>
+          <p:cNvGraphicFramePr>
+            <a:graphicFrameLocks noGrp="1"/>
+          </p:cNvGraphicFramePr>
+          <p:nvPr>
+            <p:ph idx="1"/>
+            <p:extLst>
+              <p:ext uri="{D42A27DB-BD31-4B8C-83A1-F6EECF244321}">
+                <p14:modId xmlns:p14="http://schemas.microsoft.com/office/powerpoint/2010/main" val="2005780167"/>
+              </p:ext>
+            </p:extLst>
+          </p:nvPr>
+        </p:nvGraphicFramePr>
+        <p:xfrm>
+          <a:off x="5256057" y="798774"/>
+          <a:ext cx="5252048" cy="4339626"/>
+        </p:xfrm>
+        <a:graphic>
+          <a:graphicData uri="http://schemas.openxmlformats.org/drawingml/2006/chart">
+            <c:chart xmlns:c="http://schemas.openxmlformats.org/drawingml/2006/chart" xmlns:r="http://schemas.openxmlformats.org/officeDocument/2006/relationships" r:id="rId2"/>
+          </a:graphicData>
+        </a:graphic>
+      </p:graphicFrame>
       <p:sp>
         <p:nvSpPr>
-          <p:cNvPr id="3" name="Content Placeholder 2">
-            <a:extLst>
-              <a:ext uri="{FF2B5EF4-FFF2-40B4-BE49-F238E27FC236}">
-                <a16:creationId xmlns:a16="http://schemas.microsoft.com/office/drawing/2014/main" id="{E5114906-BE81-2E47-97F9-7EF5518085B5}"/>
-              </a:ext>
-            </a:extLst>
-          </p:cNvPr>
-          <p:cNvSpPr>
-            <a:spLocks noGrp="1"/>
-          </p:cNvSpPr>
-          <p:nvPr>
-            <p:ph idx="1"/>
-          </p:nvPr>
+          <p:cNvPr id="5" name="TextBox 4">
+            <a:extLst>
+              <a:ext uri="{FF2B5EF4-FFF2-40B4-BE49-F238E27FC236}">
+                <a16:creationId xmlns:a16="http://schemas.microsoft.com/office/drawing/2014/main" id="{480405B9-241D-B84D-949C-BD1FD16A7629}"/>
+              </a:ext>
+            </a:extLst>
+          </p:cNvPr>
+          <p:cNvSpPr txBox="1"/>
+          <p:nvPr/>
         </p:nvSpPr>
         <p:spPr>
           <a:xfrm>
-            <a:off x="4447308" y="591344"/>
+            <a:off x="5256057" y="5614735"/>
+            <a:ext cx="5252048" cy="646331"/>
+          </a:xfrm>
+          <a:prstGeom prst="rect">
+            <a:avLst/>
+          </a:prstGeom>
+          <a:noFill/>
+        </p:spPr>
+        <p:txBody>
+          <a:bodyPr wrap="square" rtlCol="0">
+            <a:spAutoFit/>
+          </a:bodyPr>
+          <a:lstStyle/>
+          <a:p>
+            <a:r>
+              <a:rPr lang="en-US" b="1" dirty="0"/>
+              <a:t>Comparison between the runtime of valid and invalid solution in single multithreaded programs.</a:t>
+            </a:r>
+            <a:r>
+              <a:rPr lang="en-US" dirty="0"/>
+              <a:t> </a:t>
+            </a:r>
+          </a:p>
+        </p:txBody>
+      </p:sp>
+    </p:spTree>
+    <p:extLst>
+      <p:ext uri="{BB962C8B-B14F-4D97-AF65-F5344CB8AC3E}">
+        <p14:creationId xmlns:p14="http://schemas.microsoft.com/office/powerpoint/2010/main" val="2877919506"/>
+      </p:ext>
+    </p:extLst>
+  </p:cSld>
+  <p:clrMapOvr>
+    <a:masterClrMapping/>
+  </p:clrMapOvr>
+</p:sld>
+</file>
+
+<file path=ppt/slides/slide14.xml><?xml version="1.0" encoding="utf-8"?>
+<p:sld xmlns:a="http://schemas.openxmlformats.org/drawingml/2006/main" xmlns:r="http://schemas.openxmlformats.org/officeDocument/2006/relationships" xmlns:p="http://schemas.openxmlformats.org/presentationml/2006/main">
+  <p:cSld>
+    <p:bg>
+      <p:bgPr>
+        <a:solidFill>
+          <a:schemeClr val="bg1"/>
+        </a:solidFill>
+        <a:effectLst/>
+      </p:bgPr>
+    </p:bg>
+    <p:spTree>
+      <p:nvGrpSpPr>
+        <p:cNvPr id="1" name=""/>
+        <p:cNvGrpSpPr/>
+        <p:nvPr/>
+      </p:nvGrpSpPr>
+      <p:grpSpPr>
+        <a:xfrm>
+          <a:off x="0" y="0"/>
+          <a:ext cx="0" cy="0"/>
+          <a:chOff x="0" y="0"/>
+          <a:chExt cx="0" cy="0"/>
+        </a:xfrm>
+      </p:grpSpPr>
+      <p:sp useBgFill="1">
+        <p:nvSpPr>
+          <p:cNvPr id="8" name="Rectangle 7">
+            <a:extLst>
+              <a:ext uri="{FF2B5EF4-FFF2-40B4-BE49-F238E27FC236}">
+                <a16:creationId xmlns:a16="http://schemas.microsoft.com/office/drawing/2014/main" id="{907EF6B7-1338-4443-8C46-6A318D952DFD}"/>
+              </a:ext>
+              <a:ext uri="{C183D7F6-B498-43B3-948B-1728B52AA6E4}">
+                <adec:decorative xmlns:adec="http://schemas.microsoft.com/office/drawing/2017/decorative" val="1"/>
+              </a:ext>
+            </a:extLst>
+          </p:cNvPr>
+          <p:cNvSpPr>
+            <a:spLocks noGrp="1" noRot="1" noChangeAspect="1" noMove="1" noResize="1" noEditPoints="1" noAdjustHandles="1" noChangeArrowheads="1" noChangeShapeType="1" noTextEdit="1"/>
+          </p:cNvSpPr>
+          <p:nvPr>
+            <p:extLst>
+              <p:ext uri="{386F3935-93C4-4BCD-93E2-E3B085C9AB24}">
+                <p16:designElem xmlns:p16="http://schemas.microsoft.com/office/powerpoint/2015/main" val="1"/>
+              </p:ext>
+            </p:extLst>
+          </p:nvPr>
+        </p:nvSpPr>
+        <p:spPr>
+          <a:xfrm>
+            <a:off x="3048" y="0"/>
+            <a:ext cx="12188952" cy="6858000"/>
+          </a:xfrm>
+          <a:prstGeom prst="rect">
+            <a:avLst/>
+          </a:prstGeom>
+          <a:ln>
+            <a:noFill/>
+          </a:ln>
+        </p:spPr>
+        <p:style>
+          <a:lnRef idx="2">
+            <a:schemeClr val="accent1">
+              <a:shade val="50000"/>
+            </a:schemeClr>
+          </a:lnRef>
+          <a:fillRef idx="1">
+            <a:schemeClr val="accent1"/>
+          </a:fillRef>
+          <a:effectRef idx="0">
+            <a:schemeClr val="accent1"/>
+          </a:effectRef>
+          <a:fontRef idx="minor">
+            <a:schemeClr val="lt1"/>
+          </a:fontRef>
+        </p:style>
+        <p:txBody>
+          <a:bodyPr rtlCol="0" anchor="ctr"/>
+          <a:lstStyle/>
+          <a:p>
+            <a:pPr algn="ctr"/>
+            <a:endParaRPr lang="en-US"/>
+          </a:p>
+        </p:txBody>
+      </p:sp>
+      <p:sp>
+        <p:nvSpPr>
+          <p:cNvPr id="10" name="Freeform: Shape 9">
+            <a:extLst>
+              <a:ext uri="{FF2B5EF4-FFF2-40B4-BE49-F238E27FC236}">
+                <a16:creationId xmlns:a16="http://schemas.microsoft.com/office/drawing/2014/main" id="{DAAE4CDD-124C-4DCF-9584-B6033B545DD5}"/>
+              </a:ext>
+              <a:ext uri="{C183D7F6-B498-43B3-948B-1728B52AA6E4}">
+                <adec:decorative xmlns:adec="http://schemas.microsoft.com/office/drawing/2017/decorative" val="1"/>
+              </a:ext>
+            </a:extLst>
+          </p:cNvPr>
+          <p:cNvSpPr>
+            <a:spLocks noGrp="1" noRot="1" noChangeAspect="1" noMove="1" noResize="1" noEditPoints="1" noAdjustHandles="1" noChangeArrowheads="1" noChangeShapeType="1" noTextEdit="1"/>
+          </p:cNvSpPr>
+          <p:nvPr>
+            <p:extLst>
+              <p:ext uri="{386F3935-93C4-4BCD-93E2-E3B085C9AB24}">
+                <p16:designElem xmlns:p16="http://schemas.microsoft.com/office/powerpoint/2015/main" val="1"/>
+              </p:ext>
+            </p:extLst>
+          </p:nvPr>
+        </p:nvSpPr>
+        <p:spPr>
+          <a:xfrm>
+            <a:off x="1" y="0"/>
+            <a:ext cx="4167271" cy="6858000"/>
+          </a:xfrm>
+          <a:custGeom>
+            <a:avLst/>
+            <a:gdLst>
+              <a:gd name="connsiteX0" fmla="*/ 0 w 4167271"/>
+              <a:gd name="connsiteY0" fmla="*/ 0 h 6858000"/>
+              <a:gd name="connsiteX1" fmla="*/ 2259550 w 4167271"/>
+              <a:gd name="connsiteY1" fmla="*/ 0 h 6858000"/>
+              <a:gd name="connsiteX2" fmla="*/ 2387803 w 4167271"/>
+              <a:gd name="connsiteY2" fmla="*/ 82222 h 6858000"/>
+              <a:gd name="connsiteX3" fmla="*/ 4167271 w 4167271"/>
+              <a:gd name="connsiteY3" fmla="*/ 3429000 h 6858000"/>
+              <a:gd name="connsiteX4" fmla="*/ 2387803 w 4167271"/>
+              <a:gd name="connsiteY4" fmla="*/ 6775779 h 6858000"/>
+              <a:gd name="connsiteX5" fmla="*/ 2259550 w 4167271"/>
+              <a:gd name="connsiteY5" fmla="*/ 6858000 h 6858000"/>
+              <a:gd name="connsiteX6" fmla="*/ 0 w 4167271"/>
+              <a:gd name="connsiteY6" fmla="*/ 6858000 h 6858000"/>
+            </a:gdLst>
+            <a:ahLst/>
+            <a:cxnLst>
+              <a:cxn ang="0">
+                <a:pos x="connsiteX0" y="connsiteY0"/>
+              </a:cxn>
+              <a:cxn ang="0">
+                <a:pos x="connsiteX1" y="connsiteY1"/>
+              </a:cxn>
+              <a:cxn ang="0">
+                <a:pos x="connsiteX2" y="connsiteY2"/>
+              </a:cxn>
+              <a:cxn ang="0">
+                <a:pos x="connsiteX3" y="connsiteY3"/>
+              </a:cxn>
+              <a:cxn ang="0">
+                <a:pos x="connsiteX4" y="connsiteY4"/>
+              </a:cxn>
+              <a:cxn ang="0">
+                <a:pos x="connsiteX5" y="connsiteY5"/>
+              </a:cxn>
+              <a:cxn ang="0">
+                <a:pos x="connsiteX6" y="connsiteY6"/>
+              </a:cxn>
+            </a:cxnLst>
+            <a:rect l="l" t="t" r="r" b="b"/>
+            <a:pathLst>
+              <a:path w="4167271" h="6858000">
+                <a:moveTo>
+                  <a:pt x="0" y="0"/>
+                </a:moveTo>
+                <a:lnTo>
+                  <a:pt x="2259550" y="0"/>
+                </a:lnTo>
+                <a:lnTo>
+                  <a:pt x="2387803" y="82222"/>
+                </a:lnTo>
+                <a:cubicBezTo>
+                  <a:pt x="3461407" y="807534"/>
+                  <a:pt x="4167271" y="2035835"/>
+                  <a:pt x="4167271" y="3429000"/>
+                </a:cubicBezTo>
+                <a:cubicBezTo>
+                  <a:pt x="4167271" y="4822165"/>
+                  <a:pt x="3461407" y="6050467"/>
+                  <a:pt x="2387803" y="6775779"/>
+                </a:cubicBezTo>
+                <a:lnTo>
+                  <a:pt x="2259550" y="6858000"/>
+                </a:lnTo>
+                <a:lnTo>
+                  <a:pt x="0" y="6858000"/>
+                </a:lnTo>
+                <a:close/>
+              </a:path>
+            </a:pathLst>
+          </a:custGeom>
+          <a:solidFill>
+            <a:schemeClr val="accent2"/>
+          </a:solidFill>
+          <a:ln>
+            <a:noFill/>
+          </a:ln>
+        </p:spPr>
+        <p:style>
+          <a:lnRef idx="2">
+            <a:schemeClr val="accent1">
+              <a:shade val="50000"/>
+            </a:schemeClr>
+          </a:lnRef>
+          <a:fillRef idx="1">
+            <a:schemeClr val="accent1"/>
+          </a:fillRef>
+          <a:effectRef idx="0">
+            <a:schemeClr val="accent1"/>
+          </a:effectRef>
+          <a:fontRef idx="minor">
+            <a:schemeClr val="lt1"/>
+          </a:fontRef>
+        </p:style>
+        <p:txBody>
+          <a:bodyPr rtlCol="0" anchor="ctr"/>
+          <a:lstStyle/>
+          <a:p>
+            <a:pPr algn="ctr"/>
+            <a:endParaRPr lang="en-US"/>
+          </a:p>
+        </p:txBody>
+      </p:sp>
+      <p:sp>
+        <p:nvSpPr>
+          <p:cNvPr id="2" name="Title 1">
+            <a:extLst>
+              <a:ext uri="{FF2B5EF4-FFF2-40B4-BE49-F238E27FC236}">
+                <a16:creationId xmlns:a16="http://schemas.microsoft.com/office/drawing/2014/main" id="{C1D14FFC-0D7F-D84D-9F03-9E8851AE8B20}"/>
+              </a:ext>
+            </a:extLst>
+          </p:cNvPr>
+          <p:cNvSpPr>
+            <a:spLocks noGrp="1"/>
+          </p:cNvSpPr>
+          <p:nvPr>
+            <p:ph type="title"/>
+          </p:nvPr>
+        </p:nvSpPr>
+        <p:spPr>
+          <a:xfrm>
+            <a:off x="686834" y="1153572"/>
+            <a:ext cx="3200400" cy="4461163"/>
+          </a:xfrm>
+        </p:spPr>
+        <p:txBody>
+          <a:bodyPr>
+            <a:normAutofit/>
+          </a:bodyPr>
+          <a:lstStyle/>
+          <a:p>
+            <a:r>
+              <a:rPr lang="en-US">
+                <a:solidFill>
+                  <a:srgbClr val="FFFFFF"/>
+                </a:solidFill>
+              </a:rPr>
+              <a:t>Conclusion</a:t>
+            </a:r>
+          </a:p>
+        </p:txBody>
+      </p:sp>
+      <p:sp>
+        <p:nvSpPr>
+          <p:cNvPr id="12" name="Arc 11">
+            <a:extLst>
+              <a:ext uri="{FF2B5EF4-FFF2-40B4-BE49-F238E27FC236}">
+                <a16:creationId xmlns:a16="http://schemas.microsoft.com/office/drawing/2014/main" id="{081E4A58-353D-44AE-B2FC-2A74E2E400F7}"/>
+              </a:ext>
+              <a:ext uri="{C183D7F6-B498-43B3-948B-1728B52AA6E4}">
+                <adec:decorative xmlns:adec="http://schemas.microsoft.com/office/drawing/2017/decorative" val="1"/>
+              </a:ext>
+            </a:extLst>
+          </p:cNvPr>
+          <p:cNvSpPr>
+            <a:spLocks noGrp="1" noRot="1" noChangeAspect="1" noMove="1" noResize="1" noEditPoints="1" noAdjustHandles="1" noChangeArrowheads="1" noChangeShapeType="1" noTextEdit="1"/>
+          </p:cNvSpPr>
+          <p:nvPr>
+            <p:extLst>
+              <p:ext uri="{386F3935-93C4-4BCD-93E2-E3B085C9AB24}">
+                <p16:designElem xmlns:p16="http://schemas.microsoft.com/office/powerpoint/2015/main" val="1"/>
+              </p:ext>
+            </p:extLst>
+          </p:nvPr>
+        </p:nvSpPr>
+        <p:spPr>
+          <a:xfrm flipV="1">
+            <a:off x="7550402" y="2455479"/>
+            <a:ext cx="4083433" cy="4083433"/>
+          </a:xfrm>
+          <a:prstGeom prst="arc">
+            <a:avLst/>
+          </a:prstGeom>
+          <a:ln w="127000" cap="rnd">
+            <a:solidFill>
+              <a:schemeClr val="accent4"/>
+            </a:solidFill>
+            <a:prstDash val="dash"/>
+          </a:ln>
+        </p:spPr>
+        <p:style>
+          <a:lnRef idx="1">
+            <a:schemeClr val="accent1"/>
+          </a:lnRef>
+          <a:fillRef idx="0">
+            <a:schemeClr val="accent1"/>
+          </a:fillRef>
+          <a:effectRef idx="0">
+            <a:schemeClr val="accent1"/>
+          </a:effectRef>
+          <a:fontRef idx="minor">
+            <a:schemeClr val="tx1"/>
+          </a:fontRef>
+        </p:style>
+        <p:txBody>
+          <a:bodyPr rtlCol="0" anchor="ctr"/>
+          <a:lstStyle/>
+          <a:p>
+            <a:pPr algn="ctr"/>
+            <a:endParaRPr lang="en-US" dirty="0"/>
+          </a:p>
+        </p:txBody>
+      </p:sp>
+      <p:sp>
+        <p:nvSpPr>
+          <p:cNvPr id="3" name="Content Placeholder 2">
+            <a:extLst>
+              <a:ext uri="{FF2B5EF4-FFF2-40B4-BE49-F238E27FC236}">
+                <a16:creationId xmlns:a16="http://schemas.microsoft.com/office/drawing/2014/main" id="{E5114906-BE81-2E47-97F9-7EF5518085B5}"/>
+              </a:ext>
+            </a:extLst>
+          </p:cNvPr>
+          <p:cNvSpPr>
+            <a:spLocks noGrp="1"/>
+          </p:cNvSpPr>
+          <p:nvPr>
+            <p:ph idx="1"/>
+          </p:nvPr>
+        </p:nvSpPr>
+        <p:spPr>
+          <a:xfrm>
+            <a:off x="4447308" y="953293"/>
             <a:ext cx="6906491" cy="5585619"/>
           </a:xfrm>
         </p:spPr>
@@ -5126,6 +9305,41 @@
             <a:normAutofit/>
           </a:bodyPr>
           <a:lstStyle/>
+          <a:p>
+            <a:pPr lvl="0"/>
+            <a:r>
+              <a:rPr lang="en-US" sz="2400" dirty="0"/>
+              <a:t>During our testing, we have observed that the multithread version was taking much more time to execute than the single thread version. </a:t>
+            </a:r>
+          </a:p>
+          <a:p>
+            <a:pPr lvl="0"/>
+            <a:r>
+              <a:rPr lang="en-US" sz="2400" dirty="0"/>
+              <a:t>For small simple programs such a Sudoku (9 by 9 Model), single thread execution is much faster than multithread. Multithreading requires thread creation and handling overhead which increases the time and the resources required.</a:t>
+            </a:r>
+          </a:p>
+          <a:p>
+            <a:pPr lvl="0" fontAlgn="base"/>
+            <a:r>
+              <a:rPr lang="en-US" sz="2400" dirty="0"/>
+              <a:t>Creating a thread is a relatively expensive OS operation</a:t>
+            </a:r>
+          </a:p>
+          <a:p>
+            <a:pPr lvl="0" fontAlgn="base"/>
+            <a:r>
+              <a:rPr lang="en-US" sz="2400" dirty="0"/>
+              <a:t>Context switching (where the CPU stops working on one thread and starts working on another) is again a relatively expensive operation</a:t>
+            </a:r>
+          </a:p>
+          <a:p>
+            <a:pPr lvl="0"/>
+            <a:r>
+              <a:rPr lang="en-US" sz="2400" dirty="0"/>
+              <a:t>Multithreading will definitely have advantages and performance improvement over single thread for complex code structures.</a:t>
+            </a:r>
+          </a:p>
           <a:p>
             <a:endParaRPr lang="en-US" dirty="0"/>
           </a:p>
@@ -5144,7 +9358,7 @@
 </p:sld>
 </file>
 
-<file path=ppt/slides/slide11.xml><?xml version="1.0" encoding="utf-8"?>
+<file path=ppt/slides/slide15.xml><?xml version="1.0" encoding="utf-8"?>
 <p:sld xmlns:a="http://schemas.openxmlformats.org/drawingml/2006/main" xmlns:r="http://schemas.openxmlformats.org/officeDocument/2006/relationships" xmlns:p="http://schemas.openxmlformats.org/presentationml/2006/main">
   <p:cSld>
     <p:bg>
@@ -9269,10 +13483,10 @@
       </p:grpSpPr>
       <p:sp useBgFill="1">
         <p:nvSpPr>
-          <p:cNvPr id="8" name="Rectangle 7">
-            <a:extLst>
-              <a:ext uri="{FF2B5EF4-FFF2-40B4-BE49-F238E27FC236}">
-                <a16:creationId xmlns:a16="http://schemas.microsoft.com/office/drawing/2014/main" id="{907EF6B7-1338-4443-8C46-6A318D952DFD}"/>
+          <p:cNvPr id="17" name="Rectangle 16">
+            <a:extLst>
+              <a:ext uri="{FF2B5EF4-FFF2-40B4-BE49-F238E27FC236}">
+                <a16:creationId xmlns:a16="http://schemas.microsoft.com/office/drawing/2014/main" id="{1C799903-48D5-4A31-A1A2-541072D9771E}"/>
               </a:ext>
               <a:ext uri="{C183D7F6-B498-43B3-948B-1728B52AA6E4}">
                 <adec:decorative xmlns:adec="http://schemas.microsoft.com/office/drawing/2017/decorative" val="1"/>
@@ -9292,8 +13506,8 @@
         </p:nvSpPr>
         <p:spPr>
           <a:xfrm>
-            <a:off x="3048" y="0"/>
-            <a:ext cx="12188952" cy="6858000"/>
+            <a:off x="0" y="0"/>
+            <a:ext cx="12192002" cy="6858000"/>
           </a:xfrm>
           <a:prstGeom prst="rect">
             <a:avLst/>
@@ -9327,12 +13541,12 @@
           </a:p>
         </p:txBody>
       </p:sp>
-      <p:sp>
-        <p:nvSpPr>
-          <p:cNvPr id="10" name="Freeform: Shape 9">
-            <a:extLst>
-              <a:ext uri="{FF2B5EF4-FFF2-40B4-BE49-F238E27FC236}">
-                <a16:creationId xmlns:a16="http://schemas.microsoft.com/office/drawing/2014/main" id="{DAAE4CDD-124C-4DCF-9584-B6033B545DD5}"/>
+      <p:sp useBgFill="1">
+        <p:nvSpPr>
+          <p:cNvPr id="19" name="Freeform: Shape 18">
+            <a:extLst>
+              <a:ext uri="{FF2B5EF4-FFF2-40B4-BE49-F238E27FC236}">
+                <a16:creationId xmlns:a16="http://schemas.microsoft.com/office/drawing/2014/main" id="{8EFFF109-FC58-4FD3-BE05-9775A1310F55}"/>
               </a:ext>
               <a:ext uri="{C183D7F6-B498-43B3-948B-1728B52AA6E4}">
                 <adec:decorative xmlns:adec="http://schemas.microsoft.com/office/drawing/2017/decorative" val="1"/>
@@ -9352,25 +13566,25 @@
         </p:nvSpPr>
         <p:spPr>
           <a:xfrm>
-            <a:off x="1" y="0"/>
-            <a:ext cx="4167271" cy="6858000"/>
+            <a:off x="-1" y="0"/>
+            <a:ext cx="4818889" cy="6858000"/>
           </a:xfrm>
           <a:custGeom>
             <a:avLst/>
             <a:gdLst>
-              <a:gd name="connsiteX0" fmla="*/ 0 w 4167271"/>
+              <a:gd name="connsiteX0" fmla="*/ 0 w 4818889"/>
               <a:gd name="connsiteY0" fmla="*/ 0 h 6858000"/>
-              <a:gd name="connsiteX1" fmla="*/ 2259550 w 4167271"/>
+              <a:gd name="connsiteX1" fmla="*/ 3605911 w 4818889"/>
               <a:gd name="connsiteY1" fmla="*/ 0 h 6858000"/>
-              <a:gd name="connsiteX2" fmla="*/ 2387803 w 4167271"/>
-              <a:gd name="connsiteY2" fmla="*/ 82222 h 6858000"/>
-              <a:gd name="connsiteX3" fmla="*/ 4167271 w 4167271"/>
+              <a:gd name="connsiteX2" fmla="*/ 3668894 w 4818889"/>
+              <a:gd name="connsiteY2" fmla="*/ 69271 h 6858000"/>
+              <a:gd name="connsiteX3" fmla="*/ 4818889 w 4818889"/>
               <a:gd name="connsiteY3" fmla="*/ 3429000 h 6858000"/>
-              <a:gd name="connsiteX4" fmla="*/ 2387803 w 4167271"/>
-              <a:gd name="connsiteY4" fmla="*/ 6775779 h 6858000"/>
-              <a:gd name="connsiteX5" fmla="*/ 2259550 w 4167271"/>
+              <a:gd name="connsiteX4" fmla="*/ 3668894 w 4818889"/>
+              <a:gd name="connsiteY4" fmla="*/ 6788730 h 6858000"/>
+              <a:gd name="connsiteX5" fmla="*/ 3605911 w 4818889"/>
               <a:gd name="connsiteY5" fmla="*/ 6858000 h 6858000"/>
-              <a:gd name="connsiteX6" fmla="*/ 0 w 4167271"/>
+              <a:gd name="connsiteX6" fmla="*/ 0 w 4818889"/>
               <a:gd name="connsiteY6" fmla="*/ 6858000 h 6858000"/>
             </a:gdLst>
             <a:ahLst/>
@@ -9399,28 +13613,28 @@
             </a:cxnLst>
             <a:rect l="l" t="t" r="r" b="b"/>
             <a:pathLst>
-              <a:path w="4167271" h="6858000">
+              <a:path w="4818889" h="6858000">
                 <a:moveTo>
                   <a:pt x="0" y="0"/>
                 </a:moveTo>
                 <a:lnTo>
-                  <a:pt x="2259550" y="0"/>
+                  <a:pt x="3605911" y="0"/>
                 </a:lnTo>
                 <a:lnTo>
-                  <a:pt x="2387803" y="82222"/>
+                  <a:pt x="3668894" y="69271"/>
                 </a:lnTo>
                 <a:cubicBezTo>
-                  <a:pt x="3461407" y="807534"/>
-                  <a:pt x="4167271" y="2035835"/>
-                  <a:pt x="4167271" y="3429000"/>
+                  <a:pt x="4379420" y="929100"/>
+                  <a:pt x="4818889" y="2116944"/>
+                  <a:pt x="4818889" y="3429000"/>
                 </a:cubicBezTo>
                 <a:cubicBezTo>
-                  <a:pt x="4167271" y="4822165"/>
-                  <a:pt x="3461407" y="6050467"/>
-                  <a:pt x="2387803" y="6775779"/>
+                  <a:pt x="4818889" y="4741056"/>
+                  <a:pt x="4379420" y="5928900"/>
+                  <a:pt x="3668894" y="6788730"/>
                 </a:cubicBezTo>
                 <a:lnTo>
-                  <a:pt x="2259550" y="6858000"/>
+                  <a:pt x="3605911" y="6858000"/>
                 </a:lnTo>
                 <a:lnTo>
                   <a:pt x="0" y="6858000"/>
@@ -9429,6 +13643,305 @@
               </a:path>
             </a:pathLst>
           </a:custGeom>
+          <a:ln w="9525">
+            <a:solidFill>
+              <a:srgbClr val="E6E6E6"/>
+            </a:solidFill>
+          </a:ln>
+          <a:effectLst>
+            <a:outerShdw blurRad="50800" dist="38100" algn="l" rotWithShape="0">
+              <a:schemeClr val="bg1">
+                <a:lumMod val="85000"/>
+                <a:alpha val="50000"/>
+              </a:schemeClr>
+            </a:outerShdw>
+          </a:effectLst>
+        </p:spPr>
+        <p:style>
+          <a:lnRef idx="2">
+            <a:schemeClr val="accent1">
+              <a:shade val="50000"/>
+            </a:schemeClr>
+          </a:lnRef>
+          <a:fillRef idx="1">
+            <a:schemeClr val="accent1"/>
+          </a:fillRef>
+          <a:effectRef idx="0">
+            <a:schemeClr val="accent1"/>
+          </a:effectRef>
+          <a:fontRef idx="minor">
+            <a:schemeClr val="lt1"/>
+          </a:fontRef>
+        </p:style>
+        <p:txBody>
+          <a:bodyPr wrap="square" rtlCol="0" anchor="ctr">
+            <a:noAutofit/>
+          </a:bodyPr>
+          <a:lstStyle/>
+          <a:p>
+            <a:pPr marL="0" marR="0" lvl="0" indent="0" algn="ctr" defTabSz="914400" rtl="0" eaLnBrk="1" fontAlgn="auto" latinLnBrk="0" hangingPunct="1">
+              <a:lnSpc>
+                <a:spcPct val="100000"/>
+              </a:lnSpc>
+              <a:spcBef>
+                <a:spcPts val="0"/>
+              </a:spcBef>
+              <a:spcAft>
+                <a:spcPts val="0"/>
+              </a:spcAft>
+              <a:buClrTx/>
+              <a:buSzTx/>
+              <a:buFontTx/>
+              <a:buNone/>
+              <a:tabLst/>
+              <a:defRPr/>
+            </a:pPr>
+            <a:endParaRPr kumimoji="0" lang="en-US" sz="1800" b="0" i="0" u="none" strike="noStrike" kern="1200" cap="none" spc="0" normalizeH="0" baseline="0" noProof="0">
+              <a:ln>
+                <a:noFill/>
+              </a:ln>
+              <a:solidFill>
+                <a:prstClr val="white"/>
+              </a:solidFill>
+              <a:effectLst/>
+              <a:uLnTx/>
+              <a:uFillTx/>
+              <a:latin typeface="Calibri" panose="020F0502020204030204"/>
+              <a:ea typeface="+mn-ea"/>
+              <a:cs typeface="+mn-cs"/>
+            </a:endParaRPr>
+          </a:p>
+        </p:txBody>
+      </p:sp>
+      <p:sp useBgFill="1">
+        <p:nvSpPr>
+          <p:cNvPr id="21" name="Freeform: Shape 20">
+            <a:extLst>
+              <a:ext uri="{FF2B5EF4-FFF2-40B4-BE49-F238E27FC236}">
+                <a16:creationId xmlns:a16="http://schemas.microsoft.com/office/drawing/2014/main" id="{E1B96AD6-92A9-4273-A62B-96A1C3E0BA95}"/>
+              </a:ext>
+              <a:ext uri="{C183D7F6-B498-43B3-948B-1728B52AA6E4}">
+                <adec:decorative xmlns:adec="http://schemas.microsoft.com/office/drawing/2017/decorative" val="1"/>
+              </a:ext>
+            </a:extLst>
+          </p:cNvPr>
+          <p:cNvSpPr>
+            <a:spLocks noGrp="1" noRot="1" noChangeAspect="1" noMove="1" noResize="1" noEditPoints="1" noAdjustHandles="1" noChangeArrowheads="1" noChangeShapeType="1" noTextEdit="1"/>
+          </p:cNvSpPr>
+          <p:nvPr>
+            <p:extLst>
+              <p:ext uri="{386F3935-93C4-4BCD-93E2-E3B085C9AB24}">
+                <p16:designElem xmlns:p16="http://schemas.microsoft.com/office/powerpoint/2015/main" val="1"/>
+              </p:ext>
+            </p:extLst>
+          </p:nvPr>
+        </p:nvSpPr>
+        <p:spPr>
+          <a:xfrm>
+            <a:off x="1" y="0"/>
+            <a:ext cx="4811477" cy="6858000"/>
+          </a:xfrm>
+          <a:custGeom>
+            <a:avLst/>
+            <a:gdLst>
+              <a:gd name="connsiteX0" fmla="*/ 0 w 4811477"/>
+              <a:gd name="connsiteY0" fmla="*/ 0 h 6858000"/>
+              <a:gd name="connsiteX1" fmla="*/ 3598499 w 4811477"/>
+              <a:gd name="connsiteY1" fmla="*/ 0 h 6858000"/>
+              <a:gd name="connsiteX2" fmla="*/ 3661482 w 4811477"/>
+              <a:gd name="connsiteY2" fmla="*/ 69271 h 6858000"/>
+              <a:gd name="connsiteX3" fmla="*/ 4811477 w 4811477"/>
+              <a:gd name="connsiteY3" fmla="*/ 3429000 h 6858000"/>
+              <a:gd name="connsiteX4" fmla="*/ 3661482 w 4811477"/>
+              <a:gd name="connsiteY4" fmla="*/ 6788730 h 6858000"/>
+              <a:gd name="connsiteX5" fmla="*/ 3598499 w 4811477"/>
+              <a:gd name="connsiteY5" fmla="*/ 6858000 h 6858000"/>
+              <a:gd name="connsiteX6" fmla="*/ 0 w 4811477"/>
+              <a:gd name="connsiteY6" fmla="*/ 6858000 h 6858000"/>
+            </a:gdLst>
+            <a:ahLst/>
+            <a:cxnLst>
+              <a:cxn ang="0">
+                <a:pos x="connsiteX0" y="connsiteY0"/>
+              </a:cxn>
+              <a:cxn ang="0">
+                <a:pos x="connsiteX1" y="connsiteY1"/>
+              </a:cxn>
+              <a:cxn ang="0">
+                <a:pos x="connsiteX2" y="connsiteY2"/>
+              </a:cxn>
+              <a:cxn ang="0">
+                <a:pos x="connsiteX3" y="connsiteY3"/>
+              </a:cxn>
+              <a:cxn ang="0">
+                <a:pos x="connsiteX4" y="connsiteY4"/>
+              </a:cxn>
+              <a:cxn ang="0">
+                <a:pos x="connsiteX5" y="connsiteY5"/>
+              </a:cxn>
+              <a:cxn ang="0">
+                <a:pos x="connsiteX6" y="connsiteY6"/>
+              </a:cxn>
+            </a:cxnLst>
+            <a:rect l="l" t="t" r="r" b="b"/>
+            <a:pathLst>
+              <a:path w="4811477" h="6858000">
+                <a:moveTo>
+                  <a:pt x="0" y="0"/>
+                </a:moveTo>
+                <a:lnTo>
+                  <a:pt x="3598499" y="0"/>
+                </a:lnTo>
+                <a:lnTo>
+                  <a:pt x="3661482" y="69271"/>
+                </a:lnTo>
+                <a:cubicBezTo>
+                  <a:pt x="4372008" y="929100"/>
+                  <a:pt x="4811477" y="2116944"/>
+                  <a:pt x="4811477" y="3429000"/>
+                </a:cubicBezTo>
+                <a:cubicBezTo>
+                  <a:pt x="4811477" y="4741056"/>
+                  <a:pt x="4372008" y="5928900"/>
+                  <a:pt x="3661482" y="6788730"/>
+                </a:cubicBezTo>
+                <a:lnTo>
+                  <a:pt x="3598499" y="6858000"/>
+                </a:lnTo>
+                <a:lnTo>
+                  <a:pt x="0" y="6858000"/>
+                </a:lnTo>
+                <a:close/>
+              </a:path>
+            </a:pathLst>
+          </a:custGeom>
+          <a:ln w="9525">
+            <a:noFill/>
+          </a:ln>
+          <a:effectLst/>
+        </p:spPr>
+        <p:style>
+          <a:lnRef idx="2">
+            <a:schemeClr val="accent1">
+              <a:shade val="50000"/>
+            </a:schemeClr>
+          </a:lnRef>
+          <a:fillRef idx="1">
+            <a:schemeClr val="accent1"/>
+          </a:fillRef>
+          <a:effectRef idx="0">
+            <a:schemeClr val="accent1"/>
+          </a:effectRef>
+          <a:fontRef idx="minor">
+            <a:schemeClr val="lt1"/>
+          </a:fontRef>
+        </p:style>
+        <p:txBody>
+          <a:bodyPr wrap="square" rtlCol="0" anchor="ctr">
+            <a:noAutofit/>
+          </a:bodyPr>
+          <a:lstStyle/>
+          <a:p>
+            <a:pPr marL="0" marR="0" lvl="0" indent="0" algn="ctr" defTabSz="914400" rtl="0" eaLnBrk="1" fontAlgn="auto" latinLnBrk="0" hangingPunct="1">
+              <a:lnSpc>
+                <a:spcPct val="100000"/>
+              </a:lnSpc>
+              <a:spcBef>
+                <a:spcPts val="0"/>
+              </a:spcBef>
+              <a:spcAft>
+                <a:spcPts val="0"/>
+              </a:spcAft>
+              <a:buClrTx/>
+              <a:buSzTx/>
+              <a:buFontTx/>
+              <a:buNone/>
+              <a:tabLst/>
+              <a:defRPr/>
+            </a:pPr>
+            <a:endParaRPr kumimoji="0" lang="en-US" sz="1800" b="0" i="0" u="none" strike="noStrike" kern="1200" cap="none" spc="0" normalizeH="0" baseline="0" noProof="0">
+              <a:ln>
+                <a:noFill/>
+              </a:ln>
+              <a:solidFill>
+                <a:prstClr val="white"/>
+              </a:solidFill>
+              <a:effectLst/>
+              <a:uLnTx/>
+              <a:uFillTx/>
+              <a:latin typeface="Calibri" panose="020F0502020204030204"/>
+              <a:ea typeface="+mn-ea"/>
+              <a:cs typeface="+mn-cs"/>
+            </a:endParaRPr>
+          </a:p>
+        </p:txBody>
+      </p:sp>
+      <p:sp>
+        <p:nvSpPr>
+          <p:cNvPr id="2" name="Title 1">
+            <a:extLst>
+              <a:ext uri="{FF2B5EF4-FFF2-40B4-BE49-F238E27FC236}">
+                <a16:creationId xmlns:a16="http://schemas.microsoft.com/office/drawing/2014/main" id="{1CEAE535-E1C9-AB42-87B8-DD26EE833D7A}"/>
+              </a:ext>
+            </a:extLst>
+          </p:cNvPr>
+          <p:cNvSpPr>
+            <a:spLocks noGrp="1"/>
+          </p:cNvSpPr>
+          <p:nvPr>
+            <p:ph type="title"/>
+          </p:nvPr>
+        </p:nvSpPr>
+        <p:spPr>
+          <a:xfrm>
+            <a:off x="1509927" y="497103"/>
+            <a:ext cx="1791624" cy="622542"/>
+          </a:xfrm>
+        </p:spPr>
+        <p:txBody>
+          <a:bodyPr>
+            <a:normAutofit/>
+          </a:bodyPr>
+          <a:lstStyle/>
+          <a:p>
+            <a:r>
+              <a:rPr lang="en-US" sz="4000" dirty="0"/>
+              <a:t>Results</a:t>
+            </a:r>
+          </a:p>
+        </p:txBody>
+      </p:sp>
+      <p:sp>
+        <p:nvSpPr>
+          <p:cNvPr id="23" name="Rectangle 22">
+            <a:extLst>
+              <a:ext uri="{FF2B5EF4-FFF2-40B4-BE49-F238E27FC236}">
+                <a16:creationId xmlns:a16="http://schemas.microsoft.com/office/drawing/2014/main" id="{463EEC44-1BA3-44ED-81FC-A644B04B2A44}"/>
+              </a:ext>
+              <a:ext uri="{C183D7F6-B498-43B3-948B-1728B52AA6E4}">
+                <adec:decorative xmlns:adec="http://schemas.microsoft.com/office/drawing/2017/decorative" val="1"/>
+              </a:ext>
+            </a:extLst>
+          </p:cNvPr>
+          <p:cNvSpPr>
+            <a:spLocks noGrp="1" noRot="1" noChangeAspect="1" noMove="1" noResize="1" noEditPoints="1" noAdjustHandles="1" noChangeArrowheads="1" noChangeShapeType="1" noTextEdit="1"/>
+          </p:cNvSpPr>
+          <p:nvPr>
+            <p:extLst>
+              <p:ext uri="{386F3935-93C4-4BCD-93E2-E3B085C9AB24}">
+                <p16:designElem xmlns:p16="http://schemas.microsoft.com/office/powerpoint/2015/main" val="1"/>
+              </p:ext>
+            </p:extLst>
+          </p:nvPr>
+        </p:nvSpPr>
+        <p:spPr>
+          <a:xfrm>
+            <a:off x="0" y="3102049"/>
+            <a:ext cx="128016" cy="653903"/>
+          </a:xfrm>
+          <a:prstGeom prst="rect">
+            <a:avLst/>
+          </a:prstGeom>
           <a:solidFill>
             <a:schemeClr val="accent2"/>
           </a:solidFill>
@@ -9457,146 +13970,373 @@
           <a:lstStyle/>
           <a:p>
             <a:pPr algn="ctr"/>
-            <a:endParaRPr lang="en-US"/>
-          </a:p>
-        </p:txBody>
-      </p:sp>
+            <a:endParaRPr lang="en-US">
+              <a:solidFill>
+                <a:prstClr val="white"/>
+              </a:solidFill>
+              <a:latin typeface="Calibri" panose="020F0502020204030204"/>
+            </a:endParaRPr>
+          </a:p>
+        </p:txBody>
+      </p:sp>
+      <p:pic>
+        <p:nvPicPr>
+          <p:cNvPr id="11" name="Picture 10" descr="A screenshot of a computer screen&#10;&#10;Description automatically generated">
+            <a:extLst>
+              <a:ext uri="{FF2B5EF4-FFF2-40B4-BE49-F238E27FC236}">
+                <a16:creationId xmlns:a16="http://schemas.microsoft.com/office/drawing/2014/main" id="{A5A0440C-F5B8-EA45-829D-17A7481222A3}"/>
+              </a:ext>
+            </a:extLst>
+          </p:cNvPr>
+          <p:cNvPicPr/>
+          <p:nvPr/>
+        </p:nvPicPr>
+        <p:blipFill rotWithShape="1">
+          <a:blip r:embed="rId2" cstate="print">
+            <a:extLst>
+              <a:ext uri="{28A0092B-C50C-407E-A947-70E740481C1C}">
+                <a14:useLocalDpi xmlns:a14="http://schemas.microsoft.com/office/drawing/2010/main" val="0"/>
+              </a:ext>
+            </a:extLst>
+          </a:blip>
+          <a:srcRect l="19581" t="28133"/>
+          <a:stretch/>
+        </p:blipFill>
+        <p:spPr bwMode="auto">
+          <a:xfrm>
+            <a:off x="6115622" y="808374"/>
+            <a:ext cx="4779645" cy="2669540"/>
+          </a:xfrm>
+          <a:prstGeom prst="rect">
+            <a:avLst/>
+          </a:prstGeom>
+          <a:ln>
+            <a:noFill/>
+          </a:ln>
+          <a:extLst>
+            <a:ext uri="{53640926-AAD7-44D8-BBD7-CCE9431645EC}">
+              <a14:shadowObscured xmlns:a14="http://schemas.microsoft.com/office/drawing/2010/main"/>
+            </a:ext>
+          </a:extLst>
+        </p:spPr>
+      </p:pic>
       <p:sp>
         <p:nvSpPr>
-          <p:cNvPr id="2" name="Title 1">
-            <a:extLst>
-              <a:ext uri="{FF2B5EF4-FFF2-40B4-BE49-F238E27FC236}">
-                <a16:creationId xmlns:a16="http://schemas.microsoft.com/office/drawing/2014/main" id="{1CEAE535-E1C9-AB42-87B8-DD26EE833D7A}"/>
-              </a:ext>
-            </a:extLst>
-          </p:cNvPr>
-          <p:cNvSpPr>
-            <a:spLocks noGrp="1"/>
-          </p:cNvSpPr>
-          <p:nvPr>
-            <p:ph type="title"/>
-          </p:nvPr>
+          <p:cNvPr id="4" name="TextBox 3">
+            <a:extLst>
+              <a:ext uri="{FF2B5EF4-FFF2-40B4-BE49-F238E27FC236}">
+                <a16:creationId xmlns:a16="http://schemas.microsoft.com/office/drawing/2014/main" id="{43A0490F-9AB0-4F43-8F73-716E070BC984}"/>
+              </a:ext>
+            </a:extLst>
+          </p:cNvPr>
+          <p:cNvSpPr txBox="1"/>
+          <p:nvPr/>
         </p:nvSpPr>
         <p:spPr>
           <a:xfrm>
-            <a:off x="686834" y="1153572"/>
-            <a:ext cx="3200400" cy="4461163"/>
+            <a:off x="5765559" y="3755952"/>
+            <a:ext cx="5479770" cy="2308324"/>
           </a:xfrm>
+          <a:prstGeom prst="rect">
+            <a:avLst/>
+          </a:prstGeom>
+          <a:noFill/>
         </p:spPr>
         <p:txBody>
-          <a:bodyPr>
-            <a:normAutofit/>
+          <a:bodyPr wrap="none" rtlCol="0">
+            <a:spAutoFit/>
           </a:bodyPr>
           <a:lstStyle/>
           <a:p>
             <a:r>
-              <a:rPr lang="en-US">
-                <a:solidFill>
-                  <a:srgbClr val="FFFFFF"/>
-                </a:solidFill>
+              <a:rPr lang="en-US" b="1" u="sng" dirty="0"/>
+              <a:t>Result</a:t>
+            </a:r>
+            <a:r>
+              <a:rPr lang="en-US" b="1" dirty="0"/>
+              <a:t>:</a:t>
+            </a:r>
+            <a:endParaRPr lang="en-US" dirty="0"/>
+          </a:p>
+          <a:p>
+            <a:r>
+              <a:rPr lang="en-US" dirty="0"/>
+              <a:t> </a:t>
+            </a:r>
+          </a:p>
+          <a:p>
+            <a:r>
+              <a:rPr lang="en-US" dirty="0"/>
+              <a:t>Invalid solution. </a:t>
+            </a:r>
+          </a:p>
+          <a:p>
+            <a:r>
+              <a:rPr lang="en-US" dirty="0"/>
+              <a:t> </a:t>
+            </a:r>
+          </a:p>
+          <a:p>
+            <a:r>
+              <a:rPr lang="en-US" dirty="0"/>
+              <a:t>The Following is an invalid solution to the sudoku puzzle</a:t>
+            </a:r>
+          </a:p>
+          <a:p>
+            <a:r>
+              <a:rPr lang="en-US" dirty="0"/>
+              <a:t> </a:t>
+            </a:r>
+          </a:p>
+          <a:p>
+            <a:r>
+              <a:rPr lang="en-US" dirty="0"/>
+              <a:t>Total Time Taken for Sudoku puzzle validation is </a:t>
+            </a:r>
+            <a:r>
+              <a:rPr lang="en-US" dirty="0">
+                <a:highlight>
+                  <a:srgbClr val="FFFF00"/>
+                </a:highlight>
               </a:rPr>
-              <a:t>Results</a:t>
-            </a:r>
+              <a:t>74889ns</a:t>
+            </a:r>
+          </a:p>
+          <a:p>
+            <a:endParaRPr lang="en-US" dirty="0"/>
           </a:p>
         </p:txBody>
       </p:sp>
       <p:sp>
         <p:nvSpPr>
-          <p:cNvPr id="12" name="Arc 11">
-            <a:extLst>
-              <a:ext uri="{FF2B5EF4-FFF2-40B4-BE49-F238E27FC236}">
-                <a16:creationId xmlns:a16="http://schemas.microsoft.com/office/drawing/2014/main" id="{081E4A58-353D-44AE-B2FC-2A74E2E400F7}"/>
-              </a:ext>
-              <a:ext uri="{C183D7F6-B498-43B3-948B-1728B52AA6E4}">
-                <adec:decorative xmlns:adec="http://schemas.microsoft.com/office/drawing/2017/decorative" val="1"/>
-              </a:ext>
-            </a:extLst>
-          </p:cNvPr>
-          <p:cNvSpPr>
-            <a:spLocks noGrp="1" noRot="1" noChangeAspect="1" noMove="1" noResize="1" noEditPoints="1" noAdjustHandles="1" noChangeArrowheads="1" noChangeShapeType="1" noTextEdit="1"/>
-          </p:cNvSpPr>
-          <p:nvPr>
-            <p:extLst>
-              <p:ext uri="{386F3935-93C4-4BCD-93E2-E3B085C9AB24}">
-                <p16:designElem xmlns:p16="http://schemas.microsoft.com/office/powerpoint/2015/main" val="1"/>
-              </p:ext>
-            </p:extLst>
-          </p:nvPr>
+          <p:cNvPr id="5" name="Rectangle 4">
+            <a:extLst>
+              <a:ext uri="{FF2B5EF4-FFF2-40B4-BE49-F238E27FC236}">
+                <a16:creationId xmlns:a16="http://schemas.microsoft.com/office/drawing/2014/main" id="{019B1E20-DFFE-054B-A672-94EE2A0DF7D1}"/>
+              </a:ext>
+            </a:extLst>
+          </p:cNvPr>
+          <p:cNvSpPr/>
+          <p:nvPr/>
         </p:nvSpPr>
         <p:spPr>
-          <a:xfrm flipV="1">
-            <a:off x="7550402" y="2455479"/>
-            <a:ext cx="4083433" cy="4083433"/>
+          <a:xfrm>
+            <a:off x="846645" y="1631254"/>
+            <a:ext cx="3836817" cy="3705244"/>
           </a:xfrm>
-          <a:prstGeom prst="arc">
+          <a:prstGeom prst="rect">
             <a:avLst/>
           </a:prstGeom>
-          <a:ln w="127000" cap="rnd">
-            <a:solidFill>
-              <a:schemeClr val="accent4"/>
-            </a:solidFill>
-            <a:prstDash val="dash"/>
-          </a:ln>
         </p:spPr>
-        <p:style>
-          <a:lnRef idx="1">
-            <a:schemeClr val="accent1"/>
-          </a:lnRef>
-          <a:fillRef idx="0">
-            <a:schemeClr val="accent1"/>
-          </a:fillRef>
-          <a:effectRef idx="0">
-            <a:schemeClr val="accent1"/>
-          </a:effectRef>
-          <a:fontRef idx="minor">
-            <a:schemeClr val="tx1"/>
-          </a:fontRef>
-        </p:style>
-        <p:txBody>
-          <a:bodyPr rtlCol="0" anchor="ctr"/>
-          <a:lstStyle/>
-          <a:p>
-            <a:pPr algn="ctr"/>
-            <a:endParaRPr lang="en-US" dirty="0"/>
-          </a:p>
-        </p:txBody>
-      </p:sp>
-      <p:sp>
-        <p:nvSpPr>
-          <p:cNvPr id="3" name="Content Placeholder 2">
-            <a:extLst>
-              <a:ext uri="{FF2B5EF4-FFF2-40B4-BE49-F238E27FC236}">
-                <a16:creationId xmlns:a16="http://schemas.microsoft.com/office/drawing/2014/main" id="{6F218925-5EC6-ED41-BB22-D9398896C8AF}"/>
-              </a:ext>
-            </a:extLst>
-          </p:cNvPr>
-          <p:cNvSpPr>
-            <a:spLocks noGrp="1"/>
-          </p:cNvSpPr>
-          <p:nvPr>
-            <p:ph idx="1"/>
-          </p:nvPr>
-        </p:nvSpPr>
-        <p:spPr>
-          <a:xfrm>
-            <a:off x="4447308" y="591344"/>
-            <a:ext cx="6906491" cy="5585619"/>
-          </a:xfrm>
-        </p:spPr>
-        <p:txBody>
-          <a:bodyPr anchor="ctr">
-            <a:normAutofit/>
+        <p:txBody>
+          <a:bodyPr wrap="square">
+            <a:spAutoFit/>
           </a:bodyPr>
           <a:lstStyle/>
           <a:p>
-            <a:endParaRPr lang="en-US"/>
+            <a:r>
+              <a:rPr lang="en-US" b="1" u="sng" dirty="0">
+                <a:ea typeface="Times New Roman" panose="02020603050405020304" pitchFamily="18" charset="0"/>
+              </a:rPr>
+              <a:t>Test Case 1</a:t>
+            </a:r>
+            <a:r>
+              <a:rPr lang="en-US" b="1" dirty="0">
+                <a:ea typeface="Times New Roman" panose="02020603050405020304" pitchFamily="18" charset="0"/>
+              </a:rPr>
+              <a:t>:</a:t>
+            </a:r>
+            <a:endParaRPr lang="en-US" sz="1600" dirty="0">
+              <a:ea typeface="Times New Roman" panose="02020603050405020304" pitchFamily="18" charset="0"/>
+            </a:endParaRPr>
+          </a:p>
+          <a:p>
+            <a:r>
+              <a:rPr lang="en-US" dirty="0">
+                <a:ea typeface="Times New Roman" panose="02020603050405020304" pitchFamily="18" charset="0"/>
+              </a:rPr>
+              <a:t> </a:t>
+            </a:r>
+            <a:endParaRPr lang="en-US" sz="1600" dirty="0">
+              <a:ea typeface="Times New Roman" panose="02020603050405020304" pitchFamily="18" charset="0"/>
+            </a:endParaRPr>
+          </a:p>
+          <a:p>
+            <a:r>
+              <a:rPr lang="en-US" dirty="0">
+                <a:ea typeface="Times New Roman" panose="02020603050405020304" pitchFamily="18" charset="0"/>
+              </a:rPr>
+              <a:t>Invalid Sudoku solution [Single thread]</a:t>
+            </a:r>
+            <a:endParaRPr lang="en-US" sz="1600" dirty="0">
+              <a:ea typeface="Times New Roman" panose="02020603050405020304" pitchFamily="18" charset="0"/>
+            </a:endParaRPr>
+          </a:p>
+          <a:p>
+            <a:r>
+              <a:rPr lang="en-US" dirty="0">
+                <a:ea typeface="Times New Roman" panose="02020603050405020304" pitchFamily="18" charset="0"/>
+              </a:rPr>
+              <a:t> </a:t>
+            </a:r>
+            <a:endParaRPr lang="en-US" sz="1600" dirty="0">
+              <a:ea typeface="Times New Roman" panose="02020603050405020304" pitchFamily="18" charset="0"/>
+            </a:endParaRPr>
+          </a:p>
+          <a:p>
+            <a:r>
+              <a:rPr lang="en-US" b="1" dirty="0">
+                <a:solidFill>
+                  <a:srgbClr val="002060"/>
+                </a:solidFill>
+                <a:ea typeface="Times New Roman" panose="02020603050405020304" pitchFamily="18" charset="0"/>
+              </a:rPr>
+              <a:t> {2, </a:t>
+            </a:r>
+            <a:r>
+              <a:rPr lang="en-US" b="1" dirty="0">
+                <a:solidFill>
+                  <a:srgbClr val="FF0000"/>
+                </a:solidFill>
+                <a:highlight>
+                  <a:srgbClr val="FFFF00"/>
+                </a:highlight>
+                <a:ea typeface="Times New Roman" panose="02020603050405020304" pitchFamily="18" charset="0"/>
+              </a:rPr>
+              <a:t>3</a:t>
+            </a:r>
+            <a:r>
+              <a:rPr lang="en-US" b="1" dirty="0">
+                <a:solidFill>
+                  <a:srgbClr val="002060"/>
+                </a:solidFill>
+                <a:ea typeface="Times New Roman" panose="02020603050405020304" pitchFamily="18" charset="0"/>
+              </a:rPr>
+              <a:t>, 8, 3, 9, 5, 7, 1, 6},</a:t>
+            </a:r>
+            <a:endParaRPr lang="en-US" sz="1600" dirty="0">
+              <a:ea typeface="Times New Roman" panose="02020603050405020304" pitchFamily="18" charset="0"/>
+            </a:endParaRPr>
+          </a:p>
+          <a:p>
+            <a:r>
+              <a:rPr lang="en-US" b="1" dirty="0">
+                <a:solidFill>
+                  <a:srgbClr val="002060"/>
+                </a:solidFill>
+                <a:ea typeface="Times New Roman" panose="02020603050405020304" pitchFamily="18" charset="0"/>
+              </a:rPr>
+              <a:t> {5, 7, 1, 6, 2, 8, 3, 4, 9},</a:t>
+            </a:r>
+            <a:endParaRPr lang="en-US" sz="1600" dirty="0">
+              <a:ea typeface="Times New Roman" panose="02020603050405020304" pitchFamily="18" charset="0"/>
+            </a:endParaRPr>
+          </a:p>
+          <a:p>
+            <a:r>
+              <a:rPr lang="en-US" b="1" dirty="0">
+                <a:solidFill>
+                  <a:srgbClr val="002060"/>
+                </a:solidFill>
+                <a:ea typeface="Times New Roman" panose="02020603050405020304" pitchFamily="18" charset="0"/>
+              </a:rPr>
+              <a:t> {9, 3, 6, 7, 4, 1, 5, 8, 2},</a:t>
+            </a:r>
+            <a:endParaRPr lang="en-US" sz="1600" dirty="0">
+              <a:ea typeface="Times New Roman" panose="02020603050405020304" pitchFamily="18" charset="0"/>
+            </a:endParaRPr>
+          </a:p>
+          <a:p>
+            <a:r>
+              <a:rPr lang="en-US" b="1" dirty="0">
+                <a:solidFill>
+                  <a:srgbClr val="002060"/>
+                </a:solidFill>
+                <a:ea typeface="Times New Roman" panose="02020603050405020304" pitchFamily="18" charset="0"/>
+              </a:rPr>
+              <a:t> {6, 8, 2, 5, 3, 9, 1, 7, 4},</a:t>
+            </a:r>
+            <a:endParaRPr lang="en-US" sz="1600" dirty="0">
+              <a:ea typeface="Times New Roman" panose="02020603050405020304" pitchFamily="18" charset="0"/>
+            </a:endParaRPr>
+          </a:p>
+          <a:p>
+            <a:r>
+              <a:rPr lang="en-US" b="1" dirty="0">
+                <a:solidFill>
+                  <a:srgbClr val="002060"/>
+                </a:solidFill>
+                <a:ea typeface="Times New Roman" panose="02020603050405020304" pitchFamily="18" charset="0"/>
+              </a:rPr>
+              <a:t> {3, 5, 9, 1, 7, 4, 6, 2, 8},</a:t>
+            </a:r>
+            <a:endParaRPr lang="en-US" sz="1600" dirty="0">
+              <a:ea typeface="Times New Roman" panose="02020603050405020304" pitchFamily="18" charset="0"/>
+            </a:endParaRPr>
+          </a:p>
+          <a:p>
+            <a:r>
+              <a:rPr lang="en-US" b="1" dirty="0">
+                <a:solidFill>
+                  <a:srgbClr val="002060"/>
+                </a:solidFill>
+                <a:ea typeface="Times New Roman" panose="02020603050405020304" pitchFamily="18" charset="0"/>
+              </a:rPr>
+              <a:t> {7, 1, 4, 8, 6, 2, 9, 5, 3},</a:t>
+            </a:r>
+            <a:endParaRPr lang="en-US" sz="1600" dirty="0">
+              <a:ea typeface="Times New Roman" panose="02020603050405020304" pitchFamily="18" charset="0"/>
+            </a:endParaRPr>
+          </a:p>
+          <a:p>
+            <a:r>
+              <a:rPr lang="en-US" b="1" dirty="0">
+                <a:solidFill>
+                  <a:srgbClr val="002060"/>
+                </a:solidFill>
+                <a:ea typeface="Times New Roman" panose="02020603050405020304" pitchFamily="18" charset="0"/>
+              </a:rPr>
+              <a:t> {8, 6, 3, 4, 1, 7, 2, 9, 5},</a:t>
+            </a:r>
+            <a:endParaRPr lang="en-US" sz="1600" dirty="0">
+              <a:ea typeface="Times New Roman" panose="02020603050405020304" pitchFamily="18" charset="0"/>
+            </a:endParaRPr>
+          </a:p>
+          <a:p>
+            <a:r>
+              <a:rPr lang="en-US" b="1" dirty="0">
+                <a:solidFill>
+                  <a:srgbClr val="002060"/>
+                </a:solidFill>
+                <a:ea typeface="Times New Roman" panose="02020603050405020304" pitchFamily="18" charset="0"/>
+              </a:rPr>
+              <a:t> {1, 9, 5, 2, 8, 6, 4, 3, 7},</a:t>
+            </a:r>
+            <a:endParaRPr lang="en-US" sz="1600" dirty="0">
+              <a:ea typeface="Times New Roman" panose="02020603050405020304" pitchFamily="18" charset="0"/>
+            </a:endParaRPr>
+          </a:p>
+          <a:p>
+            <a:r>
+              <a:rPr lang="en-US" b="1" dirty="0">
+                <a:solidFill>
+                  <a:srgbClr val="002060"/>
+                </a:solidFill>
+                <a:ea typeface="Times New Roman" panose="02020603050405020304" pitchFamily="18" charset="0"/>
+              </a:rPr>
+              <a:t> {4, 2, 7, 9, 5, 3, 8, 6, 1}</a:t>
+            </a:r>
+            <a:endParaRPr lang="en-US" sz="1600" dirty="0">
+              <a:effectLst/>
+              <a:ea typeface="Times New Roman" panose="02020603050405020304" pitchFamily="18" charset="0"/>
+            </a:endParaRPr>
           </a:p>
         </p:txBody>
       </p:sp>
     </p:spTree>
     <p:extLst>
       <p:ext uri="{BB962C8B-B14F-4D97-AF65-F5344CB8AC3E}">
-        <p14:creationId xmlns:p14="http://schemas.microsoft.com/office/powerpoint/2010/main" val="2270840040"/>
+        <p14:creationId xmlns:p14="http://schemas.microsoft.com/office/powerpoint/2010/main" val="2082657595"/>
       </p:ext>
     </p:extLst>
   </p:cSld>
